--- a/references/pdfs/adm-steps-inputs-outputs.pptx
+++ b/references/pdfs/adm-steps-inputs-outputs.pptx
@@ -9,6 +9,7 @@
     <p:sldId id="262" r:id="rId3"/>
     <p:sldId id="260" r:id="rId4"/>
     <p:sldId id="261" r:id="rId5"/>
+    <p:sldId id="263" r:id="rId6"/>
   </p:sldIdLst>
   <p:sldSz cx="12192000" cy="6858000"/>
   <p:notesSz cx="6858000" cy="9144000"/>
@@ -3355,7 +3356,7 @@
           <p:nvPr>
             <p:extLst>
               <p:ext uri="{D42A27DB-BD31-4B8C-83A1-F6EECF244321}">
-                <p14:modId xmlns:p14="http://schemas.microsoft.com/office/powerpoint/2010/main" val="827488532"/>
+                <p14:modId xmlns:p14="http://schemas.microsoft.com/office/powerpoint/2010/main" val="624573644"/>
               </p:ext>
             </p:extLst>
           </p:nvPr>
@@ -5366,7 +5367,7 @@
                             <a:srgbClr val="FFFF00"/>
                           </a:highlight>
                         </a:rPr>
-                        <a:t>solution building blocks </a:t>
+                        <a:t>Solution Building Blocks (SBB) </a:t>
                       </a:r>
                       <a:r>
                         <a:rPr lang="en-US" sz="1000" b="0" dirty="0">
@@ -5385,7 +5386,7 @@
                             <a:srgbClr val="FFFF00"/>
                           </a:highlight>
                         </a:rPr>
-                        <a:t>Architecture Building Blocks</a:t>
+                        <a:t>Architecture Building Blocks (ABB)</a:t>
                       </a:r>
                       <a:endParaRPr lang="en-US" sz="1000" b="0" dirty="0">
                         <a:solidFill>
@@ -11209,14 +11210,14 @@
           <p:nvPr>
             <p:extLst>
               <p:ext uri="{D42A27DB-BD31-4B8C-83A1-F6EECF244321}">
-                <p14:modId xmlns:p14="http://schemas.microsoft.com/office/powerpoint/2010/main" val="3426148858"/>
+                <p14:modId xmlns:p14="http://schemas.microsoft.com/office/powerpoint/2010/main" val="3503289102"/>
               </p:ext>
             </p:extLst>
           </p:nvPr>
         </p:nvGraphicFramePr>
         <p:xfrm>
           <a:off x="-765171" y="-1028823"/>
-          <a:ext cx="14277190" cy="7276727"/>
+          <a:ext cx="14277190" cy="7886327"/>
         </p:xfrm>
         <a:graphic>
           <a:graphicData uri="http://schemas.openxmlformats.org/drawingml/2006/table">
@@ -11787,7 +11788,7 @@
                       <a:pPr algn="ctr"/>
                       <a:r>
                         <a:rPr lang="en-US" sz="2000" b="1" dirty="0"/>
-                        <a:t>IN</a:t>
+                        <a:t>INPUT</a:t>
                       </a:r>
                     </a:p>
                   </a:txBody>
@@ -11947,6 +11948,9 @@
                           <a:solidFill>
                             <a:schemeClr val="tx1"/>
                           </a:solidFill>
+                          <a:highlight>
+                            <a:srgbClr val="FFFF00"/>
+                          </a:highlight>
                         </a:rPr>
                         <a:t>Architecture capability</a:t>
                       </a:r>
@@ -14477,116 +14481,16 @@
                         <a:defRPr/>
                       </a:pPr>
                       <a:r>
-                        <a:rPr lang="en-US" sz="1000" b="0" kern="1200" dirty="0">
-                          <a:solidFill>
-                            <a:schemeClr val="tx1"/>
-                          </a:solidFill>
-                          <a:latin typeface="+mn-lt"/>
-                          <a:ea typeface="+mn-ea"/>
-                          <a:cs typeface="+mn-cs"/>
-                        </a:rPr>
-                        <a:t>Candidate  Architecture Roadmap component (from Phase B C D)</a:t>
-                      </a:r>
-                      <a:endParaRPr lang="en-US" sz="1000" b="0" dirty="0">
-                        <a:solidFill>
-                          <a:schemeClr val="tx1"/>
-                        </a:solidFill>
-                      </a:endParaRPr>
-                    </a:p>
-                  </a:txBody>
-                  <a:tcPr/>
-                </a:tc>
-                <a:tc>
-                  <a:txBody>
-                    <a:bodyPr/>
-                    <a:lstStyle/>
-                    <a:p>
-                      <a:pPr marL="171450" marR="0" lvl="0" indent="-171450" algn="l" defTabSz="914400" rtl="0" eaLnBrk="1" fontAlgn="auto" latinLnBrk="0" hangingPunct="1">
-                        <a:lnSpc>
-                          <a:spcPct val="100000"/>
-                        </a:lnSpc>
-                        <a:spcBef>
-                          <a:spcPts val="0"/>
-                        </a:spcBef>
-                        <a:spcAft>
-                          <a:spcPts val="0"/>
-                        </a:spcAft>
-                        <a:buClrTx/>
-                        <a:buSzTx/>
-                        <a:buFont typeface="Arial" panose="020B0604020202020204" pitchFamily="34" charset="0"/>
-                        <a:buChar char="•"/>
-                        <a:tabLst/>
-                        <a:defRPr/>
-                      </a:pPr>
-                      <a:r>
-                        <a:rPr lang="en-US" sz="1000" b="0" dirty="0">
-                          <a:solidFill>
-                            <a:schemeClr val="tx1"/>
-                          </a:solidFill>
-                        </a:rPr>
-                        <a:t>External Reference Material</a:t>
-                      </a:r>
-                      <a:endParaRPr lang="en-US" sz="1000" b="1" dirty="0">
-                        <a:solidFill>
-                          <a:schemeClr val="tx1"/>
-                        </a:solidFill>
-                      </a:endParaRPr>
-                    </a:p>
-                    <a:p>
-                      <a:pPr marL="0" marR="0" lvl="0" indent="0" algn="l" defTabSz="914400" rtl="0" eaLnBrk="1" fontAlgn="auto" latinLnBrk="0" hangingPunct="1">
-                        <a:lnSpc>
-                          <a:spcPct val="100000"/>
-                        </a:lnSpc>
-                        <a:spcBef>
-                          <a:spcPts val="0"/>
-                        </a:spcBef>
-                        <a:spcAft>
-                          <a:spcPts val="0"/>
-                        </a:spcAft>
-                        <a:buClrTx/>
-                        <a:buSzTx/>
-                        <a:buFont typeface="Arial" panose="020B0604020202020204" pitchFamily="34" charset="0"/>
-                        <a:buNone/>
-                        <a:tabLst/>
-                        <a:defRPr/>
-                      </a:pPr>
-                      <a:r>
-                        <a:rPr lang="en-US" sz="1000" b="1" dirty="0">
-                          <a:solidFill>
-                            <a:schemeClr val="tx1"/>
-                          </a:solidFill>
-                        </a:rPr>
-                        <a:t>Non-Architectural Inputs</a:t>
-                      </a:r>
-                    </a:p>
-                    <a:p>
-                      <a:pPr marL="171450" marR="0" lvl="0" indent="-171450" algn="l" defTabSz="914400" rtl="0" eaLnBrk="1" fontAlgn="auto" latinLnBrk="0" hangingPunct="1">
-                        <a:lnSpc>
-                          <a:spcPct val="100000"/>
-                        </a:lnSpc>
-                        <a:spcBef>
-                          <a:spcPts val="0"/>
-                        </a:spcBef>
-                        <a:spcAft>
-                          <a:spcPts val="0"/>
-                        </a:spcAft>
-                        <a:buClrTx/>
-                        <a:buSzTx/>
-                        <a:buFont typeface="Arial" panose="020B0604020202020204" pitchFamily="34" charset="0"/>
-                        <a:buChar char="•"/>
-                        <a:tabLst/>
-                        <a:defRPr/>
-                      </a:pPr>
-                      <a:r>
-                        <a:rPr lang="en-US" sz="1000" b="0" kern="1200" dirty="0">
-                          <a:solidFill>
-                            <a:srgbClr val="C00000"/>
-                          </a:solidFill>
-                          <a:latin typeface="+mn-lt"/>
-                          <a:ea typeface="+mn-ea"/>
-                          <a:cs typeface="+mn-cs"/>
-                        </a:rPr>
-                        <a:t>Request for Architecture Work</a:t>
+                        <a:rPr lang="en-US" sz="1000" dirty="0">
+                          <a:highlight>
+                            <a:srgbClr val="FFFF00"/>
+                          </a:highlight>
+                        </a:rPr>
+                        <a:t>Change Requests </a:t>
+                      </a:r>
+                      <a:r>
+                        <a:rPr lang="en-US" sz="1000" dirty="0"/>
+                        <a:t>for existing business programs and projects</a:t>
                       </a:r>
                       <a:endParaRPr lang="en-US" sz="1000" b="0" kern="1200" dirty="0">
                         <a:solidFill>
@@ -14618,6 +14522,159 @@
                       <a:r>
                         <a:rPr lang="en-US" sz="1000" b="0" kern="1200" dirty="0">
                           <a:solidFill>
+                            <a:schemeClr val="tx1"/>
+                          </a:solidFill>
+                          <a:highlight>
+                            <a:srgbClr val="FFFF00"/>
+                          </a:highlight>
+                          <a:latin typeface="+mn-lt"/>
+                          <a:ea typeface="+mn-ea"/>
+                          <a:cs typeface="+mn-cs"/>
+                        </a:rPr>
+                        <a:t>Candidate  Architecture Roadmap </a:t>
+                      </a:r>
+                      <a:r>
+                        <a:rPr lang="en-US" sz="1000" b="0" kern="1200" dirty="0">
+                          <a:solidFill>
+                            <a:schemeClr val="tx1"/>
+                          </a:solidFill>
+                          <a:latin typeface="+mn-lt"/>
+                          <a:ea typeface="+mn-ea"/>
+                          <a:cs typeface="+mn-cs"/>
+                        </a:rPr>
+                        <a:t>component (from Phase B C D)</a:t>
+                      </a:r>
+                      <a:endParaRPr lang="en-US" sz="1000" b="0" dirty="0">
+                        <a:solidFill>
+                          <a:schemeClr val="tx1"/>
+                        </a:solidFill>
+                      </a:endParaRPr>
+                    </a:p>
+                  </a:txBody>
+                  <a:tcPr/>
+                </a:tc>
+                <a:tc>
+                  <a:txBody>
+                    <a:bodyPr/>
+                    <a:lstStyle/>
+                    <a:p>
+                      <a:pPr marL="171450" marR="0" lvl="0" indent="-171450" algn="l" defTabSz="914400" rtl="0" eaLnBrk="1" fontAlgn="auto" latinLnBrk="0" hangingPunct="1">
+                        <a:lnSpc>
+                          <a:spcPct val="100000"/>
+                        </a:lnSpc>
+                        <a:spcBef>
+                          <a:spcPts val="0"/>
+                        </a:spcBef>
+                        <a:spcAft>
+                          <a:spcPts val="0"/>
+                        </a:spcAft>
+                        <a:buClrTx/>
+                        <a:buSzTx/>
+                        <a:buFont typeface="Arial" panose="020B0604020202020204" pitchFamily="34" charset="0"/>
+                        <a:buChar char="•"/>
+                        <a:tabLst/>
+                        <a:defRPr/>
+                      </a:pPr>
+                      <a:r>
+                        <a:rPr lang="en-US" sz="1000" b="0" dirty="0">
+                          <a:solidFill>
+                            <a:schemeClr val="tx1"/>
+                          </a:solidFill>
+                        </a:rPr>
+                        <a:t>External Reference Material</a:t>
+                      </a:r>
+                      <a:endParaRPr lang="en-US" sz="1000" b="1" dirty="0">
+                        <a:solidFill>
+                          <a:schemeClr val="tx1"/>
+                        </a:solidFill>
+                      </a:endParaRPr>
+                    </a:p>
+                    <a:p>
+                      <a:pPr marL="0" marR="0" lvl="0" indent="0" algn="l" defTabSz="914400" rtl="0" eaLnBrk="1" fontAlgn="auto" latinLnBrk="0" hangingPunct="1">
+                        <a:lnSpc>
+                          <a:spcPct val="100000"/>
+                        </a:lnSpc>
+                        <a:spcBef>
+                          <a:spcPts val="0"/>
+                        </a:spcBef>
+                        <a:spcAft>
+                          <a:spcPts val="0"/>
+                        </a:spcAft>
+                        <a:buClrTx/>
+                        <a:buSzTx/>
+                        <a:buFont typeface="Arial" panose="020B0604020202020204" pitchFamily="34" charset="0"/>
+                        <a:buNone/>
+                        <a:tabLst/>
+                        <a:defRPr/>
+                      </a:pPr>
+                      <a:r>
+                        <a:rPr lang="en-US" sz="1000" b="1" dirty="0">
+                          <a:solidFill>
+                            <a:schemeClr val="tx1"/>
+                          </a:solidFill>
+                        </a:rPr>
+                        <a:t>Non-Architectural Inputs</a:t>
+                      </a:r>
+                    </a:p>
+                    <a:p>
+                      <a:pPr marL="171450" marR="0" lvl="0" indent="-171450" algn="l" defTabSz="914400" rtl="0" eaLnBrk="1" fontAlgn="auto" latinLnBrk="0" hangingPunct="1">
+                        <a:lnSpc>
+                          <a:spcPct val="100000"/>
+                        </a:lnSpc>
+                        <a:spcBef>
+                          <a:spcPts val="0"/>
+                        </a:spcBef>
+                        <a:spcAft>
+                          <a:spcPts val="0"/>
+                        </a:spcAft>
+                        <a:buClrTx/>
+                        <a:buSzTx/>
+                        <a:buFont typeface="Arial" panose="020B0604020202020204" pitchFamily="34" charset="0"/>
+                        <a:buChar char="•"/>
+                        <a:tabLst/>
+                        <a:defRPr/>
+                      </a:pPr>
+                      <a:r>
+                        <a:rPr lang="en-US" sz="1000" b="0" kern="1200" dirty="0">
+                          <a:solidFill>
+                            <a:srgbClr val="C00000"/>
+                          </a:solidFill>
+                          <a:latin typeface="+mn-lt"/>
+                          <a:ea typeface="+mn-ea"/>
+                          <a:cs typeface="+mn-cs"/>
+                        </a:rPr>
+                        <a:t>Request for Architecture Work</a:t>
+                      </a:r>
+                      <a:endParaRPr lang="en-US" sz="1000" b="0" kern="1200" dirty="0">
+                        <a:solidFill>
+                          <a:schemeClr val="tx1"/>
+                        </a:solidFill>
+                        <a:latin typeface="+mn-lt"/>
+                        <a:ea typeface="+mn-ea"/>
+                        <a:cs typeface="+mn-cs"/>
+                      </a:endParaRPr>
+                    </a:p>
+                    <a:p>
+                      <a:pPr marL="171450" marR="0" lvl="0" indent="-171450" algn="l" defTabSz="914400" rtl="0" eaLnBrk="1" fontAlgn="auto" latinLnBrk="0" hangingPunct="1">
+                        <a:lnSpc>
+                          <a:spcPct val="100000"/>
+                        </a:lnSpc>
+                        <a:spcBef>
+                          <a:spcPts val="0"/>
+                        </a:spcBef>
+                        <a:spcAft>
+                          <a:spcPts val="0"/>
+                        </a:spcAft>
+                        <a:buClrTx/>
+                        <a:buSzTx/>
+                        <a:buFont typeface="Arial" panose="020B0604020202020204" pitchFamily="34" charset="0"/>
+                        <a:buChar char="•"/>
+                        <a:tabLst/>
+                        <a:defRPr/>
+                      </a:pPr>
+                      <a:r>
+                        <a:rPr lang="en-US" sz="1000" b="0" kern="1200" dirty="0">
+                          <a:solidFill>
                             <a:srgbClr val="7030A0"/>
                           </a:solidFill>
                           <a:latin typeface="+mn-lt"/>
@@ -14943,11 +15000,25 @@
                           <a:solidFill>
                             <a:schemeClr val="tx1"/>
                           </a:solidFill>
-                          <a:latin typeface="+mn-lt"/>
-                          <a:ea typeface="+mn-ea"/>
-                          <a:cs typeface="+mn-cs"/>
-                        </a:rPr>
-                        <a:t>Candidate  Architecture Roadmap component (from Phase B C D)</a:t>
+                          <a:highlight>
+                            <a:srgbClr val="FFFF00"/>
+                          </a:highlight>
+                          <a:latin typeface="+mn-lt"/>
+                          <a:ea typeface="+mn-ea"/>
+                          <a:cs typeface="+mn-cs"/>
+                        </a:rPr>
+                        <a:t>Candidate  Architecture Roadmap </a:t>
+                      </a:r>
+                      <a:r>
+                        <a:rPr lang="en-US" sz="1000" b="0" kern="1200" dirty="0">
+                          <a:solidFill>
+                            <a:schemeClr val="tx1"/>
+                          </a:solidFill>
+                          <a:latin typeface="+mn-lt"/>
+                          <a:ea typeface="+mn-ea"/>
+                          <a:cs typeface="+mn-cs"/>
+                        </a:rPr>
+                        <a:t>component (from Phase B C D)</a:t>
                       </a:r>
                       <a:endParaRPr lang="en-US" sz="1000" b="0" dirty="0">
                         <a:solidFill>
@@ -15996,7 +16067,7 @@
           <p:nvPr>
             <p:extLst>
               <p:ext uri="{D42A27DB-BD31-4B8C-83A1-F6EECF244321}">
-                <p14:modId xmlns:p14="http://schemas.microsoft.com/office/powerpoint/2010/main" val="2403577407"/>
+                <p14:modId xmlns:p14="http://schemas.microsoft.com/office/powerpoint/2010/main" val="1435481159"/>
               </p:ext>
             </p:extLst>
           </p:nvPr>
@@ -16574,7 +16645,7 @@
                       <a:pPr algn="ctr"/>
                       <a:r>
                         <a:rPr lang="en-US" sz="2000" b="1" dirty="0"/>
-                        <a:t>OUT</a:t>
+                        <a:t>OUTPUT</a:t>
                       </a:r>
                     </a:p>
                   </a:txBody>
@@ -18596,6 +18667,1696 @@
     <p:extLst>
       <p:ext uri="{BB962C8B-B14F-4D97-AF65-F5344CB8AC3E}">
         <p14:creationId xmlns:p14="http://schemas.microsoft.com/office/powerpoint/2010/main" val="448890067"/>
+      </p:ext>
+    </p:extLst>
+  </p:cSld>
+  <p:clrMapOvr>
+    <a:masterClrMapping/>
+  </p:clrMapOvr>
+</p:sld>
+</file>
+
+<file path=ppt/slides/slide5.xml><?xml version="1.0" encoding="utf-8"?>
+<p:sld xmlns:a="http://schemas.openxmlformats.org/drawingml/2006/main" xmlns:r="http://schemas.openxmlformats.org/officeDocument/2006/relationships" xmlns:p="http://schemas.openxmlformats.org/presentationml/2006/main">
+  <p:cSld>
+    <p:spTree>
+      <p:nvGrpSpPr>
+        <p:cNvPr id="1" name=""/>
+        <p:cNvGrpSpPr/>
+        <p:nvPr/>
+      </p:nvGrpSpPr>
+      <p:grpSpPr>
+        <a:xfrm>
+          <a:off x="0" y="0"/>
+          <a:ext cx="0" cy="0"/>
+          <a:chOff x="0" y="0"/>
+          <a:chExt cx="0" cy="0"/>
+        </a:xfrm>
+      </p:grpSpPr>
+      <p:graphicFrame>
+        <p:nvGraphicFramePr>
+          <p:cNvPr id="4" name="Table 4">
+            <a:extLst>
+              <a:ext uri="{FF2B5EF4-FFF2-40B4-BE49-F238E27FC236}">
+                <a16:creationId xmlns:a16="http://schemas.microsoft.com/office/drawing/2014/main" id="{B24B1CF1-B8AD-4553-9959-9B5CBF72C81F}"/>
+              </a:ext>
+            </a:extLst>
+          </p:cNvPr>
+          <p:cNvGraphicFramePr>
+            <a:graphicFrameLocks noGrp="1"/>
+          </p:cNvGraphicFramePr>
+          <p:nvPr>
+            <p:extLst>
+              <p:ext uri="{D42A27DB-BD31-4B8C-83A1-F6EECF244321}">
+                <p14:modId xmlns:p14="http://schemas.microsoft.com/office/powerpoint/2010/main" val="926823327"/>
+              </p:ext>
+            </p:extLst>
+          </p:nvPr>
+        </p:nvGraphicFramePr>
+        <p:xfrm>
+          <a:off x="-765171" y="-1028823"/>
+          <a:ext cx="14277190" cy="9867527"/>
+        </p:xfrm>
+        <a:graphic>
+          <a:graphicData uri="http://schemas.openxmlformats.org/drawingml/2006/table">
+            <a:tbl>
+              <a:tblPr firstRow="1" bandRow="1">
+                <a:tableStyleId>{F5AB1C69-6EDB-4FF4-983F-18BD219EF322}</a:tableStyleId>
+              </a:tblPr>
+              <a:tblGrid>
+                <a:gridCol w="443230">
+                  <a:extLst>
+                    <a:ext uri="{9D8B030D-6E8A-4147-A177-3AD203B41FA5}">
+                      <a16:colId xmlns:a16="http://schemas.microsoft.com/office/drawing/2014/main" val="2249131287"/>
+                    </a:ext>
+                  </a:extLst>
+                </a:gridCol>
+                <a:gridCol w="1383396">
+                  <a:extLst>
+                    <a:ext uri="{9D8B030D-6E8A-4147-A177-3AD203B41FA5}">
+                      <a16:colId xmlns:a16="http://schemas.microsoft.com/office/drawing/2014/main" val="4126280339"/>
+                    </a:ext>
+                  </a:extLst>
+                </a:gridCol>
+                <a:gridCol w="1383396">
+                  <a:extLst>
+                    <a:ext uri="{9D8B030D-6E8A-4147-A177-3AD203B41FA5}">
+                      <a16:colId xmlns:a16="http://schemas.microsoft.com/office/drawing/2014/main" val="390396887"/>
+                    </a:ext>
+                  </a:extLst>
+                </a:gridCol>
+                <a:gridCol w="1383396">
+                  <a:extLst>
+                    <a:ext uri="{9D8B030D-6E8A-4147-A177-3AD203B41FA5}">
+                      <a16:colId xmlns:a16="http://schemas.microsoft.com/office/drawing/2014/main" val="1103268630"/>
+                    </a:ext>
+                  </a:extLst>
+                </a:gridCol>
+                <a:gridCol w="1383396">
+                  <a:extLst>
+                    <a:ext uri="{9D8B030D-6E8A-4147-A177-3AD203B41FA5}">
+                      <a16:colId xmlns:a16="http://schemas.microsoft.com/office/drawing/2014/main" val="3736306874"/>
+                    </a:ext>
+                  </a:extLst>
+                </a:gridCol>
+                <a:gridCol w="1383396">
+                  <a:extLst>
+                    <a:ext uri="{9D8B030D-6E8A-4147-A177-3AD203B41FA5}">
+                      <a16:colId xmlns:a16="http://schemas.microsoft.com/office/drawing/2014/main" val="945918466"/>
+                    </a:ext>
+                  </a:extLst>
+                </a:gridCol>
+                <a:gridCol w="1383396">
+                  <a:extLst>
+                    <a:ext uri="{9D8B030D-6E8A-4147-A177-3AD203B41FA5}">
+                      <a16:colId xmlns:a16="http://schemas.microsoft.com/office/drawing/2014/main" val="812442560"/>
+                    </a:ext>
+                  </a:extLst>
+                </a:gridCol>
+                <a:gridCol w="1383396">
+                  <a:extLst>
+                    <a:ext uri="{9D8B030D-6E8A-4147-A177-3AD203B41FA5}">
+                      <a16:colId xmlns:a16="http://schemas.microsoft.com/office/drawing/2014/main" val="1726294631"/>
+                    </a:ext>
+                  </a:extLst>
+                </a:gridCol>
+                <a:gridCol w="1383396">
+                  <a:extLst>
+                    <a:ext uri="{9D8B030D-6E8A-4147-A177-3AD203B41FA5}">
+                      <a16:colId xmlns:a16="http://schemas.microsoft.com/office/drawing/2014/main" val="591017417"/>
+                    </a:ext>
+                  </a:extLst>
+                </a:gridCol>
+                <a:gridCol w="1383396">
+                  <a:extLst>
+                    <a:ext uri="{9D8B030D-6E8A-4147-A177-3AD203B41FA5}">
+                      <a16:colId xmlns:a16="http://schemas.microsoft.com/office/drawing/2014/main" val="3972166228"/>
+                    </a:ext>
+                  </a:extLst>
+                </a:gridCol>
+                <a:gridCol w="1383396">
+                  <a:extLst>
+                    <a:ext uri="{9D8B030D-6E8A-4147-A177-3AD203B41FA5}">
+                      <a16:colId xmlns:a16="http://schemas.microsoft.com/office/drawing/2014/main" val="3092125846"/>
+                    </a:ext>
+                  </a:extLst>
+                </a:gridCol>
+              </a:tblGrid>
+              <a:tr h="304923">
+                <a:tc>
+                  <a:txBody>
+                    <a:bodyPr/>
+                    <a:lstStyle/>
+                    <a:p>
+                      <a:pPr algn="ctr"/>
+                      <a:endParaRPr lang="en-US" sz="1000" b="1" dirty="0"/>
+                    </a:p>
+                  </a:txBody>
+                  <a:tcPr anchor="ctr"/>
+                </a:tc>
+                <a:tc>
+                  <a:txBody>
+                    <a:bodyPr/>
+                    <a:lstStyle/>
+                    <a:p>
+                      <a:pPr algn="ctr"/>
+                      <a:endParaRPr lang="en-US" sz="1000" b="1" dirty="0">
+                        <a:solidFill>
+                          <a:schemeClr val="tx1"/>
+                        </a:solidFill>
+                      </a:endParaRPr>
+                    </a:p>
+                  </a:txBody>
+                  <a:tcPr anchor="ctr"/>
+                </a:tc>
+                <a:tc>
+                  <a:txBody>
+                    <a:bodyPr/>
+                    <a:lstStyle/>
+                    <a:p>
+                      <a:pPr algn="ctr"/>
+                      <a:r>
+                        <a:rPr lang="en-US" sz="1000" b="1" dirty="0">
+                          <a:solidFill>
+                            <a:schemeClr val="tx1"/>
+                          </a:solidFill>
+                        </a:rPr>
+                        <a:t>A</a:t>
+                      </a:r>
+                    </a:p>
+                  </a:txBody>
+                  <a:tcPr anchor="ctr"/>
+                </a:tc>
+                <a:tc>
+                  <a:txBody>
+                    <a:bodyPr/>
+                    <a:lstStyle/>
+                    <a:p>
+                      <a:pPr algn="ctr"/>
+                      <a:r>
+                        <a:rPr lang="en-US" sz="1000" b="1" dirty="0">
+                          <a:solidFill>
+                            <a:schemeClr val="tx1"/>
+                          </a:solidFill>
+                        </a:rPr>
+                        <a:t>B</a:t>
+                      </a:r>
+                    </a:p>
+                  </a:txBody>
+                  <a:tcPr anchor="ctr"/>
+                </a:tc>
+                <a:tc gridSpan="2">
+                  <a:txBody>
+                    <a:bodyPr/>
+                    <a:lstStyle/>
+                    <a:p>
+                      <a:pPr algn="ctr"/>
+                      <a:r>
+                        <a:rPr lang="en-US" sz="1000" b="1" dirty="0">
+                          <a:solidFill>
+                            <a:schemeClr val="tx1"/>
+                          </a:solidFill>
+                        </a:rPr>
+                        <a:t>C</a:t>
+                      </a:r>
+                    </a:p>
+                  </a:txBody>
+                  <a:tcPr anchor="ctr"/>
+                </a:tc>
+                <a:tc hMerge="1">
+                  <a:txBody>
+                    <a:bodyPr/>
+                    <a:lstStyle/>
+                    <a:p>
+                      <a:endParaRPr lang="en-US" sz="1000" b="0" dirty="0"/>
+                    </a:p>
+                  </a:txBody>
+                  <a:tcPr/>
+                </a:tc>
+                <a:tc>
+                  <a:txBody>
+                    <a:bodyPr/>
+                    <a:lstStyle/>
+                    <a:p>
+                      <a:pPr algn="ctr"/>
+                      <a:r>
+                        <a:rPr lang="en-US" sz="1000" b="1" dirty="0">
+                          <a:solidFill>
+                            <a:schemeClr val="tx1"/>
+                          </a:solidFill>
+                        </a:rPr>
+                        <a:t>D</a:t>
+                      </a:r>
+                    </a:p>
+                  </a:txBody>
+                  <a:tcPr anchor="ctr"/>
+                </a:tc>
+                <a:tc>
+                  <a:txBody>
+                    <a:bodyPr/>
+                    <a:lstStyle/>
+                    <a:p>
+                      <a:pPr algn="ctr"/>
+                      <a:r>
+                        <a:rPr lang="en-US" sz="1000" b="1" dirty="0">
+                          <a:solidFill>
+                            <a:schemeClr val="tx1"/>
+                          </a:solidFill>
+                        </a:rPr>
+                        <a:t>E</a:t>
+                      </a:r>
+                    </a:p>
+                  </a:txBody>
+                  <a:tcPr anchor="ctr"/>
+                </a:tc>
+                <a:tc>
+                  <a:txBody>
+                    <a:bodyPr/>
+                    <a:lstStyle/>
+                    <a:p>
+                      <a:pPr algn="ctr"/>
+                      <a:r>
+                        <a:rPr lang="en-US" sz="1000" b="1" dirty="0">
+                          <a:solidFill>
+                            <a:schemeClr val="tx1"/>
+                          </a:solidFill>
+                        </a:rPr>
+                        <a:t>F</a:t>
+                      </a:r>
+                    </a:p>
+                  </a:txBody>
+                  <a:tcPr anchor="ctr"/>
+                </a:tc>
+                <a:tc>
+                  <a:txBody>
+                    <a:bodyPr/>
+                    <a:lstStyle/>
+                    <a:p>
+                      <a:pPr algn="ctr"/>
+                      <a:r>
+                        <a:rPr lang="en-US" sz="1000" b="1" dirty="0">
+                          <a:solidFill>
+                            <a:schemeClr val="tx1"/>
+                          </a:solidFill>
+                        </a:rPr>
+                        <a:t>G</a:t>
+                      </a:r>
+                    </a:p>
+                  </a:txBody>
+                  <a:tcPr anchor="ctr"/>
+                </a:tc>
+                <a:tc>
+                  <a:txBody>
+                    <a:bodyPr/>
+                    <a:lstStyle/>
+                    <a:p>
+                      <a:pPr algn="ctr"/>
+                      <a:r>
+                        <a:rPr lang="en-US" sz="1000" b="1" dirty="0">
+                          <a:solidFill>
+                            <a:schemeClr val="tx1"/>
+                          </a:solidFill>
+                        </a:rPr>
+                        <a:t>H</a:t>
+                      </a:r>
+                    </a:p>
+                  </a:txBody>
+                  <a:tcPr anchor="ctr"/>
+                </a:tc>
+                <a:extLst>
+                  <a:ext uri="{0D108BD9-81ED-4DB2-BD59-A6C34878D82A}">
+                    <a16:rowId xmlns:a16="http://schemas.microsoft.com/office/drawing/2014/main" val="2206137622"/>
+                  </a:ext>
+                </a:extLst>
+              </a:tr>
+              <a:tr h="479564">
+                <a:tc>
+                  <a:txBody>
+                    <a:bodyPr/>
+                    <a:lstStyle/>
+                    <a:p>
+                      <a:pPr algn="ctr"/>
+                      <a:r>
+                        <a:rPr lang="en-US" sz="1000" b="1" dirty="0"/>
+                        <a:t>-&gt;</a:t>
+                      </a:r>
+                    </a:p>
+                  </a:txBody>
+                  <a:tcPr anchor="ctr">
+                    <a:solidFill>
+                      <a:srgbClr val="A5A5A5"/>
+                    </a:solidFill>
+                  </a:tcPr>
+                </a:tc>
+                <a:tc>
+                  <a:txBody>
+                    <a:bodyPr/>
+                    <a:lstStyle/>
+                    <a:p>
+                      <a:pPr algn="ctr"/>
+                      <a:r>
+                        <a:rPr lang="en-US" sz="1000" b="1" i="0" u="none" strike="noStrike" kern="1200" baseline="0" dirty="0">
+                          <a:solidFill>
+                            <a:schemeClr val="tx1"/>
+                          </a:solidFill>
+                          <a:latin typeface="+mn-lt"/>
+                          <a:ea typeface="+mn-ea"/>
+                          <a:cs typeface="+mn-cs"/>
+                        </a:rPr>
+                        <a:t>PRELIMINARY</a:t>
+                      </a:r>
+                      <a:endParaRPr lang="en-US" sz="1000" b="1" dirty="0">
+                        <a:solidFill>
+                          <a:schemeClr val="tx1"/>
+                        </a:solidFill>
+                      </a:endParaRPr>
+                    </a:p>
+                  </a:txBody>
+                  <a:tcPr anchor="ctr">
+                    <a:solidFill>
+                      <a:srgbClr val="A5A5A5"/>
+                    </a:solidFill>
+                  </a:tcPr>
+                </a:tc>
+                <a:tc>
+                  <a:txBody>
+                    <a:bodyPr/>
+                    <a:lstStyle/>
+                    <a:p>
+                      <a:pPr algn="ctr"/>
+                      <a:r>
+                        <a:rPr lang="en-US" sz="1000" b="1" i="0" u="none" strike="noStrike" kern="1200" baseline="0" dirty="0">
+                          <a:solidFill>
+                            <a:schemeClr val="tx1"/>
+                          </a:solidFill>
+                          <a:latin typeface="+mn-lt"/>
+                          <a:ea typeface="+mn-ea"/>
+                          <a:cs typeface="+mn-cs"/>
+                        </a:rPr>
+                        <a:t>VISION</a:t>
+                      </a:r>
+                      <a:endParaRPr lang="en-US" sz="1000" b="1" dirty="0">
+                        <a:solidFill>
+                          <a:schemeClr val="tx1"/>
+                        </a:solidFill>
+                      </a:endParaRPr>
+                    </a:p>
+                  </a:txBody>
+                  <a:tcPr anchor="ctr">
+                    <a:solidFill>
+                      <a:srgbClr val="A5A5A5"/>
+                    </a:solidFill>
+                  </a:tcPr>
+                </a:tc>
+                <a:tc>
+                  <a:txBody>
+                    <a:bodyPr/>
+                    <a:lstStyle/>
+                    <a:p>
+                      <a:pPr algn="ctr"/>
+                      <a:r>
+                        <a:rPr lang="en-US" sz="1000" b="1" dirty="0">
+                          <a:solidFill>
+                            <a:schemeClr val="tx1"/>
+                          </a:solidFill>
+                        </a:rPr>
+                        <a:t>BUSINESS</a:t>
+                      </a:r>
+                    </a:p>
+                    <a:p>
+                      <a:pPr algn="ctr"/>
+                      <a:r>
+                        <a:rPr lang="en-US" sz="1000" b="1" dirty="0">
+                          <a:solidFill>
+                            <a:schemeClr val="tx1"/>
+                          </a:solidFill>
+                        </a:rPr>
+                        <a:t>ARCHITECTURE</a:t>
+                      </a:r>
+                    </a:p>
+                  </a:txBody>
+                  <a:tcPr anchor="ctr">
+                    <a:solidFill>
+                      <a:srgbClr val="A5A5A5"/>
+                    </a:solidFill>
+                  </a:tcPr>
+                </a:tc>
+                <a:tc>
+                  <a:txBody>
+                    <a:bodyPr/>
+                    <a:lstStyle/>
+                    <a:p>
+                      <a:pPr algn="ctr"/>
+                      <a:r>
+                        <a:rPr lang="en-US" sz="1000" b="1" dirty="0">
+                          <a:solidFill>
+                            <a:schemeClr val="tx1"/>
+                          </a:solidFill>
+                        </a:rPr>
+                        <a:t>DATA ARCHITECTURE</a:t>
+                      </a:r>
+                    </a:p>
+                  </a:txBody>
+                  <a:tcPr anchor="ctr">
+                    <a:solidFill>
+                      <a:srgbClr val="A5A5A5"/>
+                    </a:solidFill>
+                  </a:tcPr>
+                </a:tc>
+                <a:tc>
+                  <a:txBody>
+                    <a:bodyPr/>
+                    <a:lstStyle/>
+                    <a:p>
+                      <a:pPr algn="ctr"/>
+                      <a:r>
+                        <a:rPr lang="en-US" sz="1000" b="1" dirty="0">
+                          <a:solidFill>
+                            <a:schemeClr val="tx1"/>
+                          </a:solidFill>
+                        </a:rPr>
+                        <a:t>APLICATION ARCHITECTURE</a:t>
+                      </a:r>
+                    </a:p>
+                  </a:txBody>
+                  <a:tcPr anchor="ctr">
+                    <a:solidFill>
+                      <a:srgbClr val="A5A5A5"/>
+                    </a:solidFill>
+                  </a:tcPr>
+                </a:tc>
+                <a:tc>
+                  <a:txBody>
+                    <a:bodyPr/>
+                    <a:lstStyle/>
+                    <a:p>
+                      <a:pPr marL="0" marR="0" lvl="0" indent="0" algn="ctr" defTabSz="914400" rtl="0" eaLnBrk="1" fontAlgn="auto" latinLnBrk="0" hangingPunct="1">
+                        <a:lnSpc>
+                          <a:spcPct val="100000"/>
+                        </a:lnSpc>
+                        <a:spcBef>
+                          <a:spcPts val="0"/>
+                        </a:spcBef>
+                        <a:spcAft>
+                          <a:spcPts val="0"/>
+                        </a:spcAft>
+                        <a:buClrTx/>
+                        <a:buSzTx/>
+                        <a:buFontTx/>
+                        <a:buNone/>
+                        <a:tabLst/>
+                        <a:defRPr/>
+                      </a:pPr>
+                      <a:r>
+                        <a:rPr lang="en-US" sz="1000" b="1" dirty="0">
+                          <a:solidFill>
+                            <a:schemeClr val="tx1"/>
+                          </a:solidFill>
+                        </a:rPr>
+                        <a:t>TECHNOLOGY ARCHITECTURE</a:t>
+                      </a:r>
+                    </a:p>
+                  </a:txBody>
+                  <a:tcPr anchor="ctr">
+                    <a:solidFill>
+                      <a:srgbClr val="A5A5A5"/>
+                    </a:solidFill>
+                  </a:tcPr>
+                </a:tc>
+                <a:tc>
+                  <a:txBody>
+                    <a:bodyPr/>
+                    <a:lstStyle/>
+                    <a:p>
+                      <a:pPr algn="ctr"/>
+                      <a:r>
+                        <a:rPr lang="en-US" sz="1000" b="1" dirty="0">
+                          <a:solidFill>
+                            <a:schemeClr val="tx1"/>
+                          </a:solidFill>
+                        </a:rPr>
+                        <a:t>OPPORTUNITIES &amp; SOLUTIONS</a:t>
+                      </a:r>
+                    </a:p>
+                  </a:txBody>
+                  <a:tcPr anchor="ctr">
+                    <a:solidFill>
+                      <a:srgbClr val="A5A5A5"/>
+                    </a:solidFill>
+                  </a:tcPr>
+                </a:tc>
+                <a:tc>
+                  <a:txBody>
+                    <a:bodyPr/>
+                    <a:lstStyle/>
+                    <a:p>
+                      <a:pPr algn="ctr"/>
+                      <a:r>
+                        <a:rPr lang="en-US" sz="1000" b="1" dirty="0">
+                          <a:solidFill>
+                            <a:schemeClr val="tx1"/>
+                          </a:solidFill>
+                        </a:rPr>
+                        <a:t>MIGRATION PLANNING</a:t>
+                      </a:r>
+                    </a:p>
+                  </a:txBody>
+                  <a:tcPr anchor="ctr">
+                    <a:solidFill>
+                      <a:srgbClr val="A5A5A5"/>
+                    </a:solidFill>
+                  </a:tcPr>
+                </a:tc>
+                <a:tc>
+                  <a:txBody>
+                    <a:bodyPr/>
+                    <a:lstStyle/>
+                    <a:p>
+                      <a:pPr algn="ctr"/>
+                      <a:r>
+                        <a:rPr lang="en-US" sz="1000" b="1" dirty="0">
+                          <a:solidFill>
+                            <a:schemeClr val="tx1"/>
+                          </a:solidFill>
+                        </a:rPr>
+                        <a:t>IMPLEMENTATION GOVERNANCE</a:t>
+                      </a:r>
+                    </a:p>
+                  </a:txBody>
+                  <a:tcPr anchor="ctr">
+                    <a:solidFill>
+                      <a:srgbClr val="A5A5A5"/>
+                    </a:solidFill>
+                  </a:tcPr>
+                </a:tc>
+                <a:tc>
+                  <a:txBody>
+                    <a:bodyPr/>
+                    <a:lstStyle/>
+                    <a:p>
+                      <a:pPr algn="ctr"/>
+                      <a:r>
+                        <a:rPr lang="en-US" sz="1000" b="1" dirty="0">
+                          <a:solidFill>
+                            <a:schemeClr val="tx1"/>
+                          </a:solidFill>
+                        </a:rPr>
+                        <a:t>CHANGE MANAGEMENT</a:t>
+                      </a:r>
+                    </a:p>
+                  </a:txBody>
+                  <a:tcPr anchor="ctr">
+                    <a:solidFill>
+                      <a:srgbClr val="A5A5A5"/>
+                    </a:solidFill>
+                  </a:tcPr>
+                </a:tc>
+                <a:extLst>
+                  <a:ext uri="{0D108BD9-81ED-4DB2-BD59-A6C34878D82A}">
+                    <a16:rowId xmlns:a16="http://schemas.microsoft.com/office/drawing/2014/main" val="3606687205"/>
+                  </a:ext>
+                </a:extLst>
+              </a:tr>
+              <a:tr h="1246547">
+                <a:tc>
+                  <a:txBody>
+                    <a:bodyPr/>
+                    <a:lstStyle/>
+                    <a:p>
+                      <a:pPr algn="ctr"/>
+                      <a:r>
+                        <a:rPr lang="en-US" sz="2000" b="1" dirty="0"/>
+                        <a:t>DELIVERABLES</a:t>
+                      </a:r>
+                    </a:p>
+                  </a:txBody>
+                  <a:tcPr vert="vert" anchor="ctr"/>
+                </a:tc>
+                <a:tc>
+                  <a:txBody>
+                    <a:bodyPr/>
+                    <a:lstStyle/>
+                    <a:p>
+                      <a:pPr marL="0" indent="0">
+                        <a:buFont typeface="Arial" panose="020B0604020202020204" pitchFamily="34" charset="0"/>
+                        <a:buNone/>
+                      </a:pPr>
+                      <a:r>
+                        <a:rPr lang="en-US" sz="1000" b="1" dirty="0"/>
+                        <a:t>Catalogs</a:t>
+                      </a:r>
+                    </a:p>
+                    <a:p>
+                      <a:pPr marL="171450" indent="-171450">
+                        <a:buFont typeface="Arial" panose="020B0604020202020204" pitchFamily="34" charset="0"/>
+                        <a:buChar char="•"/>
+                      </a:pPr>
+                      <a:r>
+                        <a:rPr lang="en-US" sz="1000" dirty="0"/>
+                        <a:t>Principles catalog</a:t>
+                      </a:r>
+                    </a:p>
+                  </a:txBody>
+                  <a:tcPr/>
+                </a:tc>
+                <a:tc>
+                  <a:txBody>
+                    <a:bodyPr/>
+                    <a:lstStyle/>
+                    <a:p>
+                      <a:pPr marL="0" indent="0">
+                        <a:buFont typeface="Arial" panose="020B0604020202020204" pitchFamily="34" charset="0"/>
+                        <a:buNone/>
+                      </a:pPr>
+                      <a:r>
+                        <a:rPr lang="en-US" sz="1000" b="1" dirty="0">
+                          <a:solidFill>
+                            <a:schemeClr val="tx1"/>
+                          </a:solidFill>
+                        </a:rPr>
+                        <a:t>Matrices</a:t>
+                      </a:r>
+                    </a:p>
+                    <a:p>
+                      <a:pPr marL="171450" indent="-171450">
+                        <a:buFont typeface="Arial" panose="020B0604020202020204" pitchFamily="34" charset="0"/>
+                        <a:buChar char="•"/>
+                      </a:pPr>
+                      <a:r>
+                        <a:rPr lang="en-US" sz="1000" b="1" dirty="0">
+                          <a:solidFill>
+                            <a:schemeClr val="tx1"/>
+                          </a:solidFill>
+                        </a:rPr>
+                        <a:t>Stakeholder</a:t>
+                      </a:r>
+                      <a:r>
+                        <a:rPr lang="en-US" sz="1000" b="0" dirty="0">
+                          <a:solidFill>
+                            <a:schemeClr val="tx1"/>
+                          </a:solidFill>
+                        </a:rPr>
+                        <a:t> Map matrix</a:t>
+                      </a:r>
+                    </a:p>
+                    <a:p>
+                      <a:pPr marL="0" indent="0">
+                        <a:buFont typeface="Arial" panose="020B0604020202020204" pitchFamily="34" charset="0"/>
+                        <a:buNone/>
+                      </a:pPr>
+                      <a:r>
+                        <a:rPr lang="en-US" sz="1000" b="1" dirty="0">
+                          <a:solidFill>
+                            <a:schemeClr val="tx1"/>
+                          </a:solidFill>
+                        </a:rPr>
+                        <a:t>Diagrams</a:t>
+                      </a:r>
+                    </a:p>
+                    <a:p>
+                      <a:pPr marL="171450" indent="-171450">
+                        <a:buFont typeface="Arial" panose="020B0604020202020204" pitchFamily="34" charset="0"/>
+                        <a:buChar char="•"/>
+                      </a:pPr>
+                      <a:r>
+                        <a:rPr lang="en-US" sz="1000" b="1" dirty="0">
+                          <a:solidFill>
+                            <a:schemeClr val="tx1"/>
+                          </a:solidFill>
+                        </a:rPr>
+                        <a:t>Business</a:t>
+                      </a:r>
+                      <a:r>
+                        <a:rPr lang="en-US" sz="1000" b="0" dirty="0">
+                          <a:solidFill>
+                            <a:schemeClr val="tx1"/>
+                          </a:solidFill>
+                        </a:rPr>
+                        <a:t> Model diagram</a:t>
+                      </a:r>
+                    </a:p>
+                    <a:p>
+                      <a:pPr marL="171450" indent="-171450">
+                        <a:buFont typeface="Arial" panose="020B0604020202020204" pitchFamily="34" charset="0"/>
+                        <a:buChar char="•"/>
+                      </a:pPr>
+                      <a:r>
+                        <a:rPr lang="en-US" sz="1000" b="1" dirty="0">
+                          <a:solidFill>
+                            <a:schemeClr val="tx1"/>
+                          </a:solidFill>
+                        </a:rPr>
+                        <a:t>Business</a:t>
+                      </a:r>
+                      <a:r>
+                        <a:rPr lang="en-US" sz="1000" b="0" dirty="0">
+                          <a:solidFill>
+                            <a:schemeClr val="tx1"/>
+                          </a:solidFill>
+                        </a:rPr>
+                        <a:t> Capability Map</a:t>
+                      </a:r>
+                    </a:p>
+                    <a:p>
+                      <a:pPr marL="171450" indent="-171450">
+                        <a:buFont typeface="Arial" panose="020B0604020202020204" pitchFamily="34" charset="0"/>
+                        <a:buChar char="•"/>
+                      </a:pPr>
+                      <a:r>
+                        <a:rPr lang="en-US" sz="1000" b="1" dirty="0">
+                          <a:solidFill>
+                            <a:schemeClr val="tx1"/>
+                          </a:solidFill>
+                        </a:rPr>
+                        <a:t>Value</a:t>
+                      </a:r>
+                      <a:r>
+                        <a:rPr lang="en-US" sz="1000" b="0" dirty="0">
+                          <a:solidFill>
+                            <a:schemeClr val="tx1"/>
+                          </a:solidFill>
+                        </a:rPr>
+                        <a:t> Stream Map</a:t>
+                      </a:r>
+                    </a:p>
+                    <a:p>
+                      <a:pPr marL="171450" indent="-171450">
+                        <a:buFont typeface="Arial" panose="020B0604020202020204" pitchFamily="34" charset="0"/>
+                        <a:buChar char="•"/>
+                      </a:pPr>
+                      <a:r>
+                        <a:rPr lang="en-US" sz="1000" b="1" dirty="0">
+                          <a:solidFill>
+                            <a:schemeClr val="tx1"/>
+                          </a:solidFill>
+                        </a:rPr>
+                        <a:t>Value</a:t>
+                      </a:r>
+                      <a:r>
+                        <a:rPr lang="en-US" sz="1000" b="0" dirty="0">
+                          <a:solidFill>
+                            <a:schemeClr val="tx1"/>
+                          </a:solidFill>
+                        </a:rPr>
+                        <a:t> Chain diagram</a:t>
+                      </a:r>
+                    </a:p>
+                    <a:p>
+                      <a:pPr marL="171450" indent="-171450">
+                        <a:buFont typeface="Arial" panose="020B0604020202020204" pitchFamily="34" charset="0"/>
+                        <a:buChar char="•"/>
+                      </a:pPr>
+                      <a:r>
+                        <a:rPr lang="en-US" sz="1000" b="0" dirty="0">
+                          <a:solidFill>
+                            <a:schemeClr val="tx1"/>
+                          </a:solidFill>
+                        </a:rPr>
+                        <a:t>Solution Concept diagram</a:t>
+                      </a:r>
+                    </a:p>
+                    <a:p>
+                      <a:pPr marL="171450" indent="-171450">
+                        <a:buFont typeface="Arial" panose="020B0604020202020204" pitchFamily="34" charset="0"/>
+                        <a:buChar char="•"/>
+                      </a:pPr>
+                      <a:endParaRPr lang="en-US" sz="1000" b="1" dirty="0">
+                        <a:solidFill>
+                          <a:schemeClr val="tx1"/>
+                        </a:solidFill>
+                        <a:highlight>
+                          <a:srgbClr val="FFFF00"/>
+                        </a:highlight>
+                      </a:endParaRPr>
+                    </a:p>
+                  </a:txBody>
+                  <a:tcPr/>
+                </a:tc>
+                <a:tc>
+                  <a:txBody>
+                    <a:bodyPr/>
+                    <a:lstStyle/>
+                    <a:p>
+                      <a:r>
+                        <a:rPr lang="en-US" sz="1000" b="1" dirty="0">
+                          <a:solidFill>
+                            <a:schemeClr val="tx1"/>
+                          </a:solidFill>
+                        </a:rPr>
+                        <a:t>Catalogs</a:t>
+                      </a:r>
+                    </a:p>
+                    <a:p>
+                      <a:pPr marL="171450" indent="-171450">
+                        <a:buFont typeface="Arial" panose="020B0604020202020204" pitchFamily="34" charset="0"/>
+                        <a:buChar char="•"/>
+                      </a:pPr>
+                      <a:r>
+                        <a:rPr lang="en-US" sz="1000" b="0" dirty="0">
+                          <a:solidFill>
+                            <a:schemeClr val="tx1"/>
+                          </a:solidFill>
+                        </a:rPr>
+                        <a:t>Value Stream catalog</a:t>
+                      </a:r>
+                    </a:p>
+                    <a:p>
+                      <a:pPr marL="171450" indent="-171450">
+                        <a:buFont typeface="Arial" panose="020B0604020202020204" pitchFamily="34" charset="0"/>
+                        <a:buChar char="•"/>
+                      </a:pPr>
+                      <a:r>
+                        <a:rPr lang="en-US" sz="1000" b="1" dirty="0">
+                          <a:solidFill>
+                            <a:schemeClr val="tx1"/>
+                          </a:solidFill>
+                        </a:rPr>
+                        <a:t>Business</a:t>
+                      </a:r>
+                      <a:r>
+                        <a:rPr lang="en-US" sz="1000" b="0" dirty="0">
+                          <a:solidFill>
+                            <a:schemeClr val="tx1"/>
+                          </a:solidFill>
+                        </a:rPr>
+                        <a:t> Capabilities catalog</a:t>
+                      </a:r>
+                    </a:p>
+                    <a:p>
+                      <a:pPr marL="171450" indent="-171450">
+                        <a:buFont typeface="Arial" panose="020B0604020202020204" pitchFamily="34" charset="0"/>
+                        <a:buChar char="•"/>
+                      </a:pPr>
+                      <a:r>
+                        <a:rPr lang="en-US" sz="1000" b="0" dirty="0">
+                          <a:solidFill>
+                            <a:schemeClr val="tx1"/>
+                          </a:solidFill>
+                        </a:rPr>
+                        <a:t>Value Stream Stages catalog</a:t>
+                      </a:r>
+                    </a:p>
+                    <a:p>
+                      <a:pPr marL="171450" indent="-171450">
+                        <a:buFont typeface="Arial" panose="020B0604020202020204" pitchFamily="34" charset="0"/>
+                        <a:buChar char="•"/>
+                      </a:pPr>
+                      <a:r>
+                        <a:rPr lang="en-US" sz="1000" b="1" dirty="0">
+                          <a:solidFill>
+                            <a:schemeClr val="tx1"/>
+                          </a:solidFill>
+                        </a:rPr>
+                        <a:t>Organization</a:t>
+                      </a:r>
+                      <a:r>
+                        <a:rPr lang="en-US" sz="1000" b="0" dirty="0">
+                          <a:solidFill>
+                            <a:schemeClr val="tx1"/>
+                          </a:solidFill>
+                        </a:rPr>
+                        <a:t>/Actor catalog</a:t>
+                      </a:r>
+                    </a:p>
+                    <a:p>
+                      <a:pPr marL="171450" indent="-171450">
+                        <a:buFont typeface="Arial" panose="020B0604020202020204" pitchFamily="34" charset="0"/>
+                        <a:buChar char="•"/>
+                      </a:pPr>
+                      <a:r>
+                        <a:rPr lang="en-US" sz="1000" b="1" dirty="0">
+                          <a:solidFill>
+                            <a:schemeClr val="tx1"/>
+                          </a:solidFill>
+                        </a:rPr>
+                        <a:t>Driver</a:t>
+                      </a:r>
+                      <a:r>
+                        <a:rPr lang="en-US" sz="1000" b="0" dirty="0">
+                          <a:solidFill>
+                            <a:schemeClr val="tx1"/>
+                          </a:solidFill>
+                        </a:rPr>
+                        <a:t>/Goal/Objective catalog</a:t>
+                      </a:r>
+                    </a:p>
+                    <a:p>
+                      <a:pPr marL="171450" indent="-171450">
+                        <a:buFont typeface="Arial" panose="020B0604020202020204" pitchFamily="34" charset="0"/>
+                        <a:buChar char="•"/>
+                      </a:pPr>
+                      <a:r>
+                        <a:rPr lang="en-US" sz="1000" b="1" dirty="0">
+                          <a:solidFill>
+                            <a:schemeClr val="tx1"/>
+                          </a:solidFill>
+                        </a:rPr>
+                        <a:t>Role</a:t>
+                      </a:r>
+                      <a:r>
+                        <a:rPr lang="en-US" sz="1000" b="0" dirty="0">
+                          <a:solidFill>
+                            <a:schemeClr val="tx1"/>
+                          </a:solidFill>
+                        </a:rPr>
+                        <a:t> catalog</a:t>
+                      </a:r>
+                    </a:p>
+                    <a:p>
+                      <a:pPr marL="171450" indent="-171450">
+                        <a:buFont typeface="Arial" panose="020B0604020202020204" pitchFamily="34" charset="0"/>
+                        <a:buChar char="•"/>
+                      </a:pPr>
+                      <a:r>
+                        <a:rPr lang="en-US" sz="1000" b="1" dirty="0">
+                          <a:solidFill>
+                            <a:schemeClr val="tx1"/>
+                          </a:solidFill>
+                        </a:rPr>
+                        <a:t>Business</a:t>
+                      </a:r>
+                      <a:r>
+                        <a:rPr lang="en-US" sz="1000" b="0" dirty="0">
+                          <a:solidFill>
+                            <a:schemeClr val="tx1"/>
+                          </a:solidFill>
+                        </a:rPr>
+                        <a:t> Service/Function catalog</a:t>
+                      </a:r>
+                    </a:p>
+                    <a:p>
+                      <a:pPr marL="171450" indent="-171450">
+                        <a:buFont typeface="Arial" panose="020B0604020202020204" pitchFamily="34" charset="0"/>
+                        <a:buChar char="•"/>
+                      </a:pPr>
+                      <a:r>
+                        <a:rPr lang="en-US" sz="1000" b="1" dirty="0">
+                          <a:solidFill>
+                            <a:schemeClr val="tx1"/>
+                          </a:solidFill>
+                        </a:rPr>
+                        <a:t>Location</a:t>
+                      </a:r>
+                      <a:r>
+                        <a:rPr lang="en-US" sz="1000" b="0" dirty="0">
+                          <a:solidFill>
+                            <a:schemeClr val="tx1"/>
+                          </a:solidFill>
+                        </a:rPr>
+                        <a:t> catalog</a:t>
+                      </a:r>
+                    </a:p>
+                    <a:p>
+                      <a:pPr marL="171450" indent="-171450">
+                        <a:buFont typeface="Arial" panose="020B0604020202020204" pitchFamily="34" charset="0"/>
+                        <a:buChar char="•"/>
+                      </a:pPr>
+                      <a:r>
+                        <a:rPr lang="en-US" sz="1000" b="0" dirty="0">
+                          <a:solidFill>
+                            <a:schemeClr val="tx1"/>
+                          </a:solidFill>
+                        </a:rPr>
+                        <a:t>Process/Event/Control/Product catalog</a:t>
+                      </a:r>
+                    </a:p>
+                    <a:p>
+                      <a:pPr marL="171450" indent="-171450">
+                        <a:buFont typeface="Arial" panose="020B0604020202020204" pitchFamily="34" charset="0"/>
+                        <a:buChar char="•"/>
+                      </a:pPr>
+                      <a:r>
+                        <a:rPr lang="en-US" sz="1000" b="1" dirty="0">
+                          <a:solidFill>
+                            <a:schemeClr val="tx1"/>
+                          </a:solidFill>
+                        </a:rPr>
+                        <a:t>Contract</a:t>
+                      </a:r>
+                      <a:r>
+                        <a:rPr lang="en-US" sz="1000" b="0" dirty="0">
+                          <a:solidFill>
+                            <a:schemeClr val="tx1"/>
+                          </a:solidFill>
+                        </a:rPr>
+                        <a:t>/Measure catalog</a:t>
+                      </a:r>
+                    </a:p>
+                    <a:p>
+                      <a:r>
+                        <a:rPr lang="en-US" sz="1000" b="1" dirty="0">
+                          <a:solidFill>
+                            <a:schemeClr val="tx1"/>
+                          </a:solidFill>
+                        </a:rPr>
+                        <a:t>Matrices</a:t>
+                      </a:r>
+                    </a:p>
+                    <a:p>
+                      <a:pPr marL="171450" indent="-171450">
+                        <a:buFont typeface="Arial" panose="020B0604020202020204" pitchFamily="34" charset="0"/>
+                        <a:buChar char="•"/>
+                      </a:pPr>
+                      <a:r>
+                        <a:rPr lang="en-US" sz="1000" b="0" dirty="0">
+                          <a:solidFill>
+                            <a:schemeClr val="tx1"/>
+                          </a:solidFill>
+                        </a:rPr>
+                        <a:t>Value Stream/Capability matrix</a:t>
+                      </a:r>
+                    </a:p>
+                    <a:p>
+                      <a:pPr marL="171450" indent="-171450">
+                        <a:buFont typeface="Arial" panose="020B0604020202020204" pitchFamily="34" charset="0"/>
+                        <a:buChar char="•"/>
+                      </a:pPr>
+                      <a:r>
+                        <a:rPr lang="en-US" sz="1000" b="1" dirty="0">
+                          <a:solidFill>
+                            <a:schemeClr val="tx1"/>
+                          </a:solidFill>
+                        </a:rPr>
+                        <a:t>Strategy</a:t>
+                      </a:r>
+                      <a:r>
+                        <a:rPr lang="en-US" sz="1000" b="0" dirty="0">
+                          <a:solidFill>
+                            <a:schemeClr val="tx1"/>
+                          </a:solidFill>
+                        </a:rPr>
+                        <a:t>/Capability matrix</a:t>
+                      </a:r>
+                    </a:p>
+                    <a:p>
+                      <a:pPr marL="171450" indent="-171450">
+                        <a:buFont typeface="Arial" panose="020B0604020202020204" pitchFamily="34" charset="0"/>
+                        <a:buChar char="•"/>
+                      </a:pPr>
+                      <a:r>
+                        <a:rPr lang="en-US" sz="1000" b="1" dirty="0">
+                          <a:solidFill>
+                            <a:schemeClr val="tx1"/>
+                          </a:solidFill>
+                        </a:rPr>
+                        <a:t>Capability</a:t>
+                      </a:r>
+                      <a:r>
+                        <a:rPr lang="en-US" sz="1000" b="0" dirty="0">
+                          <a:solidFill>
+                            <a:schemeClr val="tx1"/>
+                          </a:solidFill>
+                        </a:rPr>
+                        <a:t>/Organization matrix</a:t>
+                      </a:r>
+                    </a:p>
+                    <a:p>
+                      <a:pPr marL="171450" indent="-171450">
+                        <a:buFont typeface="Arial" panose="020B0604020202020204" pitchFamily="34" charset="0"/>
+                        <a:buChar char="•"/>
+                      </a:pPr>
+                      <a:r>
+                        <a:rPr lang="en-US" sz="1000" b="1" dirty="0">
+                          <a:solidFill>
+                            <a:schemeClr val="tx1"/>
+                          </a:solidFill>
+                        </a:rPr>
+                        <a:t>Business</a:t>
+                      </a:r>
+                      <a:r>
+                        <a:rPr lang="en-US" sz="1000" b="0" dirty="0">
+                          <a:solidFill>
+                            <a:schemeClr val="tx1"/>
+                          </a:solidFill>
+                        </a:rPr>
+                        <a:t> Interaction matrix</a:t>
+                      </a:r>
+                    </a:p>
+                    <a:p>
+                      <a:pPr marL="171450" indent="-171450">
+                        <a:buFont typeface="Arial" panose="020B0604020202020204" pitchFamily="34" charset="0"/>
+                        <a:buChar char="•"/>
+                      </a:pPr>
+                      <a:r>
+                        <a:rPr lang="en-US" sz="1000" b="1" dirty="0">
+                          <a:solidFill>
+                            <a:schemeClr val="tx1"/>
+                          </a:solidFill>
+                        </a:rPr>
+                        <a:t>Actor</a:t>
+                      </a:r>
+                      <a:r>
+                        <a:rPr lang="en-US" sz="1000" b="0" dirty="0">
+                          <a:solidFill>
+                            <a:schemeClr val="tx1"/>
+                          </a:solidFill>
+                        </a:rPr>
+                        <a:t>/Role matrix</a:t>
+                      </a:r>
+                    </a:p>
+                    <a:p>
+                      <a:r>
+                        <a:rPr lang="en-US" sz="1000" b="1" dirty="0">
+                          <a:solidFill>
+                            <a:schemeClr val="tx1"/>
+                          </a:solidFill>
+                        </a:rPr>
+                        <a:t>Diagrams</a:t>
+                      </a:r>
+                    </a:p>
+                    <a:p>
+                      <a:pPr marL="171450" indent="-171450">
+                        <a:buFont typeface="Arial" panose="020B0604020202020204" pitchFamily="34" charset="0"/>
+                        <a:buChar char="•"/>
+                      </a:pPr>
+                      <a:r>
+                        <a:rPr lang="en-US" sz="1000" b="1" dirty="0">
+                          <a:solidFill>
+                            <a:schemeClr val="tx1"/>
+                          </a:solidFill>
+                        </a:rPr>
+                        <a:t>Business</a:t>
+                      </a:r>
+                      <a:r>
+                        <a:rPr lang="en-US" sz="1000" b="0" dirty="0">
+                          <a:solidFill>
+                            <a:schemeClr val="tx1"/>
+                          </a:solidFill>
+                        </a:rPr>
+                        <a:t> Model diagram</a:t>
+                      </a:r>
+                    </a:p>
+                    <a:p>
+                      <a:pPr marL="171450" indent="-171450">
+                        <a:buFont typeface="Arial" panose="020B0604020202020204" pitchFamily="34" charset="0"/>
+                        <a:buChar char="•"/>
+                      </a:pPr>
+                      <a:r>
+                        <a:rPr lang="en-US" sz="1000" b="1" dirty="0">
+                          <a:solidFill>
+                            <a:schemeClr val="tx1"/>
+                          </a:solidFill>
+                        </a:rPr>
+                        <a:t>Business</a:t>
+                      </a:r>
+                      <a:r>
+                        <a:rPr lang="en-US" sz="1000" b="0" dirty="0">
+                          <a:solidFill>
+                            <a:schemeClr val="tx1"/>
+                          </a:solidFill>
+                        </a:rPr>
+                        <a:t> Capability Map</a:t>
+                      </a:r>
+                    </a:p>
+                    <a:p>
+                      <a:pPr marL="171450" indent="-171450">
+                        <a:buFont typeface="Arial" panose="020B0604020202020204" pitchFamily="34" charset="0"/>
+                        <a:buChar char="•"/>
+                      </a:pPr>
+                      <a:r>
+                        <a:rPr lang="en-US" sz="1000" b="0" dirty="0">
+                          <a:solidFill>
+                            <a:schemeClr val="tx1"/>
+                          </a:solidFill>
+                        </a:rPr>
+                        <a:t>Value Stream Map</a:t>
+                      </a:r>
+                    </a:p>
+                    <a:p>
+                      <a:pPr marL="171450" indent="-171450">
+                        <a:buFont typeface="Arial" panose="020B0604020202020204" pitchFamily="34" charset="0"/>
+                        <a:buChar char="•"/>
+                      </a:pPr>
+                      <a:r>
+                        <a:rPr lang="en-US" sz="1000" b="1" dirty="0">
+                          <a:solidFill>
+                            <a:schemeClr val="tx1"/>
+                          </a:solidFill>
+                        </a:rPr>
+                        <a:t>Organization</a:t>
+                      </a:r>
+                      <a:r>
+                        <a:rPr lang="en-US" sz="1000" b="0" dirty="0">
+                          <a:solidFill>
+                            <a:schemeClr val="tx1"/>
+                          </a:solidFill>
+                        </a:rPr>
+                        <a:t> Map</a:t>
+                      </a:r>
+                    </a:p>
+                    <a:p>
+                      <a:pPr marL="171450" indent="-171450">
+                        <a:buFont typeface="Arial" panose="020B0604020202020204" pitchFamily="34" charset="0"/>
+                        <a:buChar char="•"/>
+                      </a:pPr>
+                      <a:r>
+                        <a:rPr lang="en-US" sz="1000" b="1" dirty="0">
+                          <a:solidFill>
+                            <a:schemeClr val="tx1"/>
+                          </a:solidFill>
+                        </a:rPr>
+                        <a:t>Business</a:t>
+                      </a:r>
+                      <a:r>
+                        <a:rPr lang="en-US" sz="1000" b="0" dirty="0">
+                          <a:solidFill>
+                            <a:schemeClr val="tx1"/>
+                          </a:solidFill>
+                        </a:rPr>
+                        <a:t> Footprint diagram</a:t>
+                      </a:r>
+                    </a:p>
+                    <a:p>
+                      <a:pPr marL="171450" indent="-171450">
+                        <a:buFont typeface="Arial" panose="020B0604020202020204" pitchFamily="34" charset="0"/>
+                        <a:buChar char="•"/>
+                      </a:pPr>
+                      <a:r>
+                        <a:rPr lang="en-US" sz="1000" b="1" dirty="0">
+                          <a:solidFill>
+                            <a:schemeClr val="tx1"/>
+                          </a:solidFill>
+                        </a:rPr>
+                        <a:t>Business</a:t>
+                      </a:r>
+                      <a:r>
+                        <a:rPr lang="en-US" sz="1000" b="0" dirty="0">
+                          <a:solidFill>
+                            <a:schemeClr val="tx1"/>
+                          </a:solidFill>
+                        </a:rPr>
+                        <a:t> Service/Information diagram</a:t>
+                      </a:r>
+                    </a:p>
+                    <a:p>
+                      <a:pPr marL="171450" indent="-171450">
+                        <a:buFont typeface="Arial" panose="020B0604020202020204" pitchFamily="34" charset="0"/>
+                        <a:buChar char="•"/>
+                      </a:pPr>
+                      <a:r>
+                        <a:rPr lang="en-US" sz="1000" b="1" dirty="0">
+                          <a:solidFill>
+                            <a:schemeClr val="tx1"/>
+                          </a:solidFill>
+                        </a:rPr>
+                        <a:t>Functional</a:t>
+                      </a:r>
+                      <a:r>
+                        <a:rPr lang="en-US" sz="1000" b="0" dirty="0">
+                          <a:solidFill>
+                            <a:schemeClr val="tx1"/>
+                          </a:solidFill>
+                        </a:rPr>
+                        <a:t> Decomposition diagram</a:t>
+                      </a:r>
+                    </a:p>
+                    <a:p>
+                      <a:pPr marL="171450" indent="-171450">
+                        <a:buFont typeface="Arial" panose="020B0604020202020204" pitchFamily="34" charset="0"/>
+                        <a:buChar char="•"/>
+                      </a:pPr>
+                      <a:r>
+                        <a:rPr lang="en-US" sz="1000" b="1" dirty="0">
+                          <a:solidFill>
+                            <a:schemeClr val="tx1"/>
+                          </a:solidFill>
+                        </a:rPr>
+                        <a:t>Product</a:t>
+                      </a:r>
+                      <a:r>
+                        <a:rPr lang="en-US" sz="1000" b="0" dirty="0">
+                          <a:solidFill>
+                            <a:schemeClr val="tx1"/>
+                          </a:solidFill>
+                        </a:rPr>
+                        <a:t> Lifecycle diagram</a:t>
+                      </a:r>
+                    </a:p>
+                    <a:p>
+                      <a:pPr marL="171450" indent="-171450">
+                        <a:buFont typeface="Arial" panose="020B0604020202020204" pitchFamily="34" charset="0"/>
+                        <a:buChar char="•"/>
+                      </a:pPr>
+                      <a:r>
+                        <a:rPr lang="en-US" sz="1000" b="0" dirty="0">
+                          <a:solidFill>
+                            <a:schemeClr val="tx1"/>
+                          </a:solidFill>
+                        </a:rPr>
+                        <a:t>Goal/Objective/Service diagram</a:t>
+                      </a:r>
+                    </a:p>
+                    <a:p>
+                      <a:pPr marL="171450" indent="-171450">
+                        <a:buFont typeface="Arial" panose="020B0604020202020204" pitchFamily="34" charset="0"/>
+                        <a:buChar char="•"/>
+                      </a:pPr>
+                      <a:r>
+                        <a:rPr lang="en-US" sz="1000" b="1" dirty="0">
+                          <a:solidFill>
+                            <a:schemeClr val="tx1"/>
+                          </a:solidFill>
+                        </a:rPr>
+                        <a:t>Business</a:t>
+                      </a:r>
+                      <a:r>
+                        <a:rPr lang="en-US" sz="1000" b="0" dirty="0">
+                          <a:solidFill>
+                            <a:schemeClr val="tx1"/>
+                          </a:solidFill>
+                        </a:rPr>
+                        <a:t> Use-Case diagram</a:t>
+                      </a:r>
+                    </a:p>
+                    <a:p>
+                      <a:pPr marL="171450" indent="-171450">
+                        <a:buFont typeface="Arial" panose="020B0604020202020204" pitchFamily="34" charset="0"/>
+                        <a:buChar char="•"/>
+                      </a:pPr>
+                      <a:r>
+                        <a:rPr lang="en-US" sz="1000" b="1" dirty="0">
+                          <a:solidFill>
+                            <a:schemeClr val="tx1"/>
+                          </a:solidFill>
+                        </a:rPr>
+                        <a:t>Organization</a:t>
+                      </a:r>
+                      <a:r>
+                        <a:rPr lang="en-US" sz="1000" b="0" dirty="0">
+                          <a:solidFill>
+                            <a:schemeClr val="tx1"/>
+                          </a:solidFill>
+                        </a:rPr>
+                        <a:t> Decomposition diagram</a:t>
+                      </a:r>
+                    </a:p>
+                    <a:p>
+                      <a:pPr marL="171450" indent="-171450">
+                        <a:buFont typeface="Arial" panose="020B0604020202020204" pitchFamily="34" charset="0"/>
+                        <a:buChar char="•"/>
+                      </a:pPr>
+                      <a:r>
+                        <a:rPr lang="en-US" sz="1000" b="1" dirty="0">
+                          <a:solidFill>
+                            <a:schemeClr val="tx1"/>
+                          </a:solidFill>
+                        </a:rPr>
+                        <a:t>Process</a:t>
+                      </a:r>
+                      <a:r>
+                        <a:rPr lang="en-US" sz="1000" b="0" dirty="0">
+                          <a:solidFill>
+                            <a:schemeClr val="tx1"/>
+                          </a:solidFill>
+                        </a:rPr>
+                        <a:t> Flow diagram</a:t>
+                      </a:r>
+                    </a:p>
+                    <a:p>
+                      <a:pPr marL="171450" indent="-171450">
+                        <a:buFont typeface="Arial" panose="020B0604020202020204" pitchFamily="34" charset="0"/>
+                        <a:buChar char="•"/>
+                      </a:pPr>
+                      <a:r>
+                        <a:rPr lang="en-US" sz="1000" b="0" dirty="0">
+                          <a:solidFill>
+                            <a:schemeClr val="tx1"/>
+                          </a:solidFill>
+                        </a:rPr>
+                        <a:t>Event diagram</a:t>
+                      </a:r>
+                    </a:p>
+                    <a:p>
+                      <a:endParaRPr lang="en-US" sz="1000" b="0" dirty="0">
+                        <a:solidFill>
+                          <a:schemeClr val="tx1"/>
+                        </a:solidFill>
+                      </a:endParaRPr>
+                    </a:p>
+                  </a:txBody>
+                  <a:tcPr/>
+                </a:tc>
+                <a:tc>
+                  <a:txBody>
+                    <a:bodyPr/>
+                    <a:lstStyle/>
+                    <a:p>
+                      <a:pPr marL="0" marR="0" lvl="0" indent="0" algn="l" defTabSz="914400" rtl="0" eaLnBrk="1" fontAlgn="auto" latinLnBrk="0" hangingPunct="1">
+                        <a:lnSpc>
+                          <a:spcPct val="100000"/>
+                        </a:lnSpc>
+                        <a:spcBef>
+                          <a:spcPts val="0"/>
+                        </a:spcBef>
+                        <a:spcAft>
+                          <a:spcPts val="0"/>
+                        </a:spcAft>
+                        <a:buClrTx/>
+                        <a:buSzTx/>
+                        <a:buFont typeface="Arial" panose="020B0604020202020204" pitchFamily="34" charset="0"/>
+                        <a:buNone/>
+                        <a:tabLst/>
+                        <a:defRPr/>
+                      </a:pPr>
+                      <a:endParaRPr lang="en-US" sz="1000" b="0" kern="1200" dirty="0">
+                        <a:solidFill>
+                          <a:schemeClr val="tx1"/>
+                        </a:solidFill>
+                        <a:latin typeface="+mn-lt"/>
+                        <a:ea typeface="+mn-ea"/>
+                        <a:cs typeface="+mn-cs"/>
+                      </a:endParaRPr>
+                    </a:p>
+                  </a:txBody>
+                  <a:tcPr/>
+                </a:tc>
+                <a:tc>
+                  <a:txBody>
+                    <a:bodyPr/>
+                    <a:lstStyle/>
+                    <a:p>
+                      <a:pPr marL="171450" marR="0" lvl="0" indent="-171450" algn="l" defTabSz="914400" rtl="0" eaLnBrk="1" fontAlgn="auto" latinLnBrk="0" hangingPunct="1">
+                        <a:lnSpc>
+                          <a:spcPct val="100000"/>
+                        </a:lnSpc>
+                        <a:spcBef>
+                          <a:spcPts val="0"/>
+                        </a:spcBef>
+                        <a:spcAft>
+                          <a:spcPts val="0"/>
+                        </a:spcAft>
+                        <a:buClrTx/>
+                        <a:buSzTx/>
+                        <a:buFont typeface="Arial" panose="020B0604020202020204" pitchFamily="34" charset="0"/>
+                        <a:buChar char="•"/>
+                        <a:tabLst/>
+                        <a:defRPr/>
+                      </a:pPr>
+                      <a:endParaRPr lang="en-US" sz="1000" b="0" kern="1200" dirty="0">
+                        <a:solidFill>
+                          <a:schemeClr val="accent4">
+                            <a:lumMod val="75000"/>
+                          </a:schemeClr>
+                        </a:solidFill>
+                        <a:latin typeface="+mn-lt"/>
+                        <a:ea typeface="+mn-ea"/>
+                        <a:cs typeface="+mn-cs"/>
+                      </a:endParaRPr>
+                    </a:p>
+                  </a:txBody>
+                  <a:tcPr/>
+                </a:tc>
+                <a:tc>
+                  <a:txBody>
+                    <a:bodyPr/>
+                    <a:lstStyle/>
+                    <a:p>
+                      <a:pPr marL="171450" marR="0" lvl="0" indent="-171450" algn="l" defTabSz="914400" rtl="0" eaLnBrk="1" fontAlgn="auto" latinLnBrk="0" hangingPunct="1">
+                        <a:lnSpc>
+                          <a:spcPct val="100000"/>
+                        </a:lnSpc>
+                        <a:spcBef>
+                          <a:spcPts val="0"/>
+                        </a:spcBef>
+                        <a:spcAft>
+                          <a:spcPts val="0"/>
+                        </a:spcAft>
+                        <a:buClrTx/>
+                        <a:buSzTx/>
+                        <a:buFont typeface="Arial" panose="020B0604020202020204" pitchFamily="34" charset="0"/>
+                        <a:buChar char="•"/>
+                        <a:tabLst/>
+                        <a:defRPr/>
+                      </a:pPr>
+                      <a:endParaRPr lang="en-US" sz="1000" b="0" kern="1200" dirty="0">
+                        <a:solidFill>
+                          <a:schemeClr val="accent4">
+                            <a:lumMod val="75000"/>
+                          </a:schemeClr>
+                        </a:solidFill>
+                        <a:latin typeface="+mn-lt"/>
+                        <a:ea typeface="+mn-ea"/>
+                        <a:cs typeface="+mn-cs"/>
+                      </a:endParaRPr>
+                    </a:p>
+                  </a:txBody>
+                  <a:tcPr/>
+                </a:tc>
+                <a:tc>
+                  <a:txBody>
+                    <a:bodyPr/>
+                    <a:lstStyle/>
+                    <a:p>
+                      <a:pPr marL="171450" marR="0" lvl="0" indent="-171450" algn="l" defTabSz="914400" rtl="0" eaLnBrk="1" fontAlgn="auto" latinLnBrk="0" hangingPunct="1">
+                        <a:lnSpc>
+                          <a:spcPct val="100000"/>
+                        </a:lnSpc>
+                        <a:spcBef>
+                          <a:spcPts val="0"/>
+                        </a:spcBef>
+                        <a:spcAft>
+                          <a:spcPts val="0"/>
+                        </a:spcAft>
+                        <a:buClrTx/>
+                        <a:buSzTx/>
+                        <a:buFont typeface="Arial" panose="020B0604020202020204" pitchFamily="34" charset="0"/>
+                        <a:buChar char="•"/>
+                        <a:tabLst/>
+                        <a:defRPr/>
+                      </a:pPr>
+                      <a:endParaRPr lang="en-US" sz="1000" b="0" kern="1200" dirty="0">
+                        <a:solidFill>
+                          <a:schemeClr val="tx1"/>
+                        </a:solidFill>
+                        <a:highlight>
+                          <a:srgbClr val="FFFF00"/>
+                        </a:highlight>
+                        <a:latin typeface="+mn-lt"/>
+                        <a:ea typeface="+mn-ea"/>
+                        <a:cs typeface="+mn-cs"/>
+                      </a:endParaRPr>
+                    </a:p>
+                  </a:txBody>
+                  <a:tcPr/>
+                </a:tc>
+                <a:tc>
+                  <a:txBody>
+                    <a:bodyPr/>
+                    <a:lstStyle/>
+                    <a:p>
+                      <a:pPr marL="171450" marR="0" lvl="0" indent="-171450" algn="l" defTabSz="914400" rtl="0" eaLnBrk="1" fontAlgn="auto" latinLnBrk="0" hangingPunct="1">
+                        <a:lnSpc>
+                          <a:spcPct val="100000"/>
+                        </a:lnSpc>
+                        <a:spcBef>
+                          <a:spcPts val="0"/>
+                        </a:spcBef>
+                        <a:spcAft>
+                          <a:spcPts val="0"/>
+                        </a:spcAft>
+                        <a:buClrTx/>
+                        <a:buSzTx/>
+                        <a:buFont typeface="Arial" panose="020B0604020202020204" pitchFamily="34" charset="0"/>
+                        <a:buChar char="•"/>
+                        <a:tabLst/>
+                        <a:defRPr/>
+                      </a:pPr>
+                      <a:endParaRPr lang="en-US" sz="1000" b="0" kern="1200" dirty="0">
+                        <a:solidFill>
+                          <a:schemeClr val="tx1"/>
+                        </a:solidFill>
+                        <a:latin typeface="+mn-lt"/>
+                        <a:ea typeface="+mn-ea"/>
+                        <a:cs typeface="+mn-cs"/>
+                      </a:endParaRPr>
+                    </a:p>
+                  </a:txBody>
+                  <a:tcPr/>
+                </a:tc>
+                <a:tc>
+                  <a:txBody>
+                    <a:bodyPr/>
+                    <a:lstStyle/>
+                    <a:p>
+                      <a:pPr marL="171450" marR="0" lvl="0" indent="-171450" algn="l" defTabSz="914400" rtl="0" eaLnBrk="1" fontAlgn="auto" latinLnBrk="0" hangingPunct="1">
+                        <a:lnSpc>
+                          <a:spcPct val="100000"/>
+                        </a:lnSpc>
+                        <a:spcBef>
+                          <a:spcPts val="0"/>
+                        </a:spcBef>
+                        <a:spcAft>
+                          <a:spcPts val="0"/>
+                        </a:spcAft>
+                        <a:buClrTx/>
+                        <a:buSzTx/>
+                        <a:buFont typeface="Arial" panose="020B0604020202020204" pitchFamily="34" charset="0"/>
+                        <a:buChar char="•"/>
+                        <a:tabLst/>
+                        <a:defRPr/>
+                      </a:pPr>
+                      <a:endParaRPr lang="en-US" sz="1000" b="0" kern="1200" dirty="0">
+                        <a:solidFill>
+                          <a:schemeClr val="accent6">
+                            <a:lumMod val="50000"/>
+                          </a:schemeClr>
+                        </a:solidFill>
+                        <a:latin typeface="+mn-lt"/>
+                        <a:ea typeface="+mn-ea"/>
+                        <a:cs typeface="+mn-cs"/>
+                      </a:endParaRPr>
+                    </a:p>
+                  </a:txBody>
+                  <a:tcPr/>
+                </a:tc>
+                <a:tc>
+                  <a:txBody>
+                    <a:bodyPr/>
+                    <a:lstStyle/>
+                    <a:p>
+                      <a:pPr marL="171450" marR="0" lvl="0" indent="-171450" algn="l" defTabSz="914400" rtl="0" eaLnBrk="1" fontAlgn="auto" latinLnBrk="0" hangingPunct="1">
+                        <a:lnSpc>
+                          <a:spcPct val="100000"/>
+                        </a:lnSpc>
+                        <a:spcBef>
+                          <a:spcPts val="0"/>
+                        </a:spcBef>
+                        <a:spcAft>
+                          <a:spcPts val="0"/>
+                        </a:spcAft>
+                        <a:buClrTx/>
+                        <a:buSzTx/>
+                        <a:buFont typeface="Arial" panose="020B0604020202020204" pitchFamily="34" charset="0"/>
+                        <a:buChar char="•"/>
+                        <a:tabLst/>
+                        <a:defRPr/>
+                      </a:pPr>
+                      <a:endParaRPr lang="en-US" sz="1000" b="0" kern="1200" dirty="0">
+                        <a:solidFill>
+                          <a:srgbClr val="7030A0"/>
+                        </a:solidFill>
+                        <a:latin typeface="+mn-lt"/>
+                        <a:ea typeface="+mn-ea"/>
+                        <a:cs typeface="+mn-cs"/>
+                      </a:endParaRPr>
+                    </a:p>
+                  </a:txBody>
+                  <a:tcPr/>
+                </a:tc>
+                <a:extLst>
+                  <a:ext uri="{0D108BD9-81ED-4DB2-BD59-A6C34878D82A}">
+                    <a16:rowId xmlns:a16="http://schemas.microsoft.com/office/drawing/2014/main" val="1702182329"/>
+                  </a:ext>
+                </a:extLst>
+              </a:tr>
+            </a:tbl>
+          </a:graphicData>
+        </a:graphic>
+      </p:graphicFrame>
+    </p:spTree>
+    <p:extLst>
+      <p:ext uri="{BB962C8B-B14F-4D97-AF65-F5344CB8AC3E}">
+        <p14:creationId xmlns:p14="http://schemas.microsoft.com/office/powerpoint/2010/main" val="4118902257"/>
       </p:ext>
     </p:extLst>
   </p:cSld>

--- a/references/pdfs/adm-steps-inputs-outputs.pptx
+++ b/references/pdfs/adm-steps-inputs-outputs.pptx
@@ -274,7 +274,7 @@
           <a:p>
             <a:fld id="{6A2EF460-96B6-4F20-8D0A-A3002A0CC0AD}" type="datetimeFigureOut">
               <a:rPr lang="en-US" smtClean="0"/>
-              <a:t>2/12/2022</a:t>
+              <a:t>2/15/2022</a:t>
             </a:fld>
             <a:endParaRPr lang="en-US"/>
           </a:p>
@@ -472,7 +472,7 @@
           <a:p>
             <a:fld id="{6A2EF460-96B6-4F20-8D0A-A3002A0CC0AD}" type="datetimeFigureOut">
               <a:rPr lang="en-US" smtClean="0"/>
-              <a:t>2/12/2022</a:t>
+              <a:t>2/15/2022</a:t>
             </a:fld>
             <a:endParaRPr lang="en-US"/>
           </a:p>
@@ -680,7 +680,7 @@
           <a:p>
             <a:fld id="{6A2EF460-96B6-4F20-8D0A-A3002A0CC0AD}" type="datetimeFigureOut">
               <a:rPr lang="en-US" smtClean="0"/>
-              <a:t>2/12/2022</a:t>
+              <a:t>2/15/2022</a:t>
             </a:fld>
             <a:endParaRPr lang="en-US"/>
           </a:p>
@@ -878,7 +878,7 @@
           <a:p>
             <a:fld id="{6A2EF460-96B6-4F20-8D0A-A3002A0CC0AD}" type="datetimeFigureOut">
               <a:rPr lang="en-US" smtClean="0"/>
-              <a:t>2/12/2022</a:t>
+              <a:t>2/15/2022</a:t>
             </a:fld>
             <a:endParaRPr lang="en-US"/>
           </a:p>
@@ -1153,7 +1153,7 @@
           <a:p>
             <a:fld id="{6A2EF460-96B6-4F20-8D0A-A3002A0CC0AD}" type="datetimeFigureOut">
               <a:rPr lang="en-US" smtClean="0"/>
-              <a:t>2/12/2022</a:t>
+              <a:t>2/15/2022</a:t>
             </a:fld>
             <a:endParaRPr lang="en-US"/>
           </a:p>
@@ -1418,7 +1418,7 @@
           <a:p>
             <a:fld id="{6A2EF460-96B6-4F20-8D0A-A3002A0CC0AD}" type="datetimeFigureOut">
               <a:rPr lang="en-US" smtClean="0"/>
-              <a:t>2/12/2022</a:t>
+              <a:t>2/15/2022</a:t>
             </a:fld>
             <a:endParaRPr lang="en-US"/>
           </a:p>
@@ -1830,7 +1830,7 @@
           <a:p>
             <a:fld id="{6A2EF460-96B6-4F20-8D0A-A3002A0CC0AD}" type="datetimeFigureOut">
               <a:rPr lang="en-US" smtClean="0"/>
-              <a:t>2/12/2022</a:t>
+              <a:t>2/15/2022</a:t>
             </a:fld>
             <a:endParaRPr lang="en-US"/>
           </a:p>
@@ -1971,7 +1971,7 @@
           <a:p>
             <a:fld id="{6A2EF460-96B6-4F20-8D0A-A3002A0CC0AD}" type="datetimeFigureOut">
               <a:rPr lang="en-US" smtClean="0"/>
-              <a:t>2/12/2022</a:t>
+              <a:t>2/15/2022</a:t>
             </a:fld>
             <a:endParaRPr lang="en-US"/>
           </a:p>
@@ -2084,7 +2084,7 @@
           <a:p>
             <a:fld id="{6A2EF460-96B6-4F20-8D0A-A3002A0CC0AD}" type="datetimeFigureOut">
               <a:rPr lang="en-US" smtClean="0"/>
-              <a:t>2/12/2022</a:t>
+              <a:t>2/15/2022</a:t>
             </a:fld>
             <a:endParaRPr lang="en-US"/>
           </a:p>
@@ -2395,7 +2395,7 @@
           <a:p>
             <a:fld id="{6A2EF460-96B6-4F20-8D0A-A3002A0CC0AD}" type="datetimeFigureOut">
               <a:rPr lang="en-US" smtClean="0"/>
-              <a:t>2/12/2022</a:t>
+              <a:t>2/15/2022</a:t>
             </a:fld>
             <a:endParaRPr lang="en-US"/>
           </a:p>
@@ -2683,7 +2683,7 @@
           <a:p>
             <a:fld id="{6A2EF460-96B6-4F20-8D0A-A3002A0CC0AD}" type="datetimeFigureOut">
               <a:rPr lang="en-US" smtClean="0"/>
-              <a:t>2/12/2022</a:t>
+              <a:t>2/15/2022</a:t>
             </a:fld>
             <a:endParaRPr lang="en-US"/>
           </a:p>
@@ -2924,7 +2924,7 @@
           <a:p>
             <a:fld id="{6A2EF460-96B6-4F20-8D0A-A3002A0CC0AD}" type="datetimeFigureOut">
               <a:rPr lang="en-US" smtClean="0"/>
-              <a:t>2/12/2022</a:t>
+              <a:t>2/15/2022</a:t>
             </a:fld>
             <a:endParaRPr lang="en-US"/>
           </a:p>
@@ -3356,14 +3356,14 @@
           <p:nvPr>
             <p:extLst>
               <p:ext uri="{D42A27DB-BD31-4B8C-83A1-F6EECF244321}">
-                <p14:modId xmlns:p14="http://schemas.microsoft.com/office/powerpoint/2010/main" val="624573644"/>
+                <p14:modId xmlns:p14="http://schemas.microsoft.com/office/powerpoint/2010/main" val="653957187"/>
               </p:ext>
             </p:extLst>
           </p:nvPr>
         </p:nvGraphicFramePr>
         <p:xfrm>
           <a:off x="-765171" y="-1028823"/>
-          <a:ext cx="14277190" cy="5143127"/>
+          <a:ext cx="14277190" cy="6606167"/>
         </p:xfrm>
         <a:graphic>
           <a:graphicData uri="http://schemas.openxmlformats.org/drawingml/2006/table">
@@ -3934,7 +3934,7 @@
                       <a:pPr algn="ctr"/>
                       <a:r>
                         <a:rPr lang="en-US" sz="2000" b="1" dirty="0"/>
-                        <a:t>OBJECTIVE</a:t>
+                        <a:t>FOCUS</a:t>
                       </a:r>
                     </a:p>
                   </a:txBody>
@@ -3963,95 +3963,16 @@
                         <a:defRPr/>
                       </a:pPr>
                       <a:r>
-                        <a:rPr lang="en-US" sz="1000" b="0" dirty="0">
-                          <a:solidFill>
-                            <a:srgbClr val="FF0000"/>
-                          </a:solidFill>
-                          <a:highlight>
-                            <a:srgbClr val="FFFF00"/>
-                          </a:highlight>
-                        </a:rPr>
-                        <a:t>Determine</a:t>
-                      </a:r>
-                      <a:r>
-                        <a:rPr lang="en-US" sz="1000" b="0" dirty="0">
-                          <a:solidFill>
-                            <a:schemeClr val="tx1"/>
-                          </a:solidFill>
-                          <a:highlight>
-                            <a:srgbClr val="FFFF00"/>
-                          </a:highlight>
-                        </a:rPr>
-                        <a:t> the </a:t>
-                      </a:r>
-                      <a:r>
-                        <a:rPr lang="en-US" sz="1000" b="0" dirty="0">
-                          <a:solidFill>
-                            <a:srgbClr val="FF0000"/>
-                          </a:solidFill>
-                          <a:highlight>
-                            <a:srgbClr val="FFFF00"/>
-                          </a:highlight>
-                        </a:rPr>
-                        <a:t>Architecture Capability </a:t>
-                      </a:r>
-                      <a:r>
-                        <a:rPr lang="en-US" sz="1000" b="0" dirty="0">
-                          <a:solidFill>
-                            <a:schemeClr val="tx1"/>
-                          </a:solidFill>
-                        </a:rPr>
-                        <a:t>desired by the organization</a:t>
-                      </a:r>
-                    </a:p>
-                    <a:p>
-                      <a:pPr marL="171450" marR="0" lvl="0" indent="-171450" algn="l" defTabSz="914400" rtl="0" eaLnBrk="1" fontAlgn="auto" latinLnBrk="0" hangingPunct="1">
-                        <a:lnSpc>
-                          <a:spcPct val="100000"/>
-                        </a:lnSpc>
-                        <a:spcBef>
-                          <a:spcPts val="0"/>
-                        </a:spcBef>
-                        <a:spcAft>
-                          <a:spcPts val="0"/>
-                        </a:spcAft>
-                        <a:buClrTx/>
-                        <a:buSzTx/>
-                        <a:buFont typeface="Arial" panose="020B0604020202020204" pitchFamily="34" charset="0"/>
-                        <a:buChar char="•"/>
-                        <a:tabLst/>
-                        <a:defRPr/>
-                      </a:pPr>
-                      <a:r>
-                        <a:rPr lang="en-US" sz="1000" b="0" dirty="0">
-                          <a:solidFill>
-                            <a:srgbClr val="FF0000"/>
-                          </a:solidFill>
-                          <a:highlight>
-                            <a:srgbClr val="FFFF00"/>
-                          </a:highlight>
-                        </a:rPr>
-                        <a:t>Establish</a:t>
-                      </a:r>
-                      <a:r>
-                        <a:rPr lang="en-US" sz="1000" b="0" dirty="0">
-                          <a:solidFill>
-                            <a:schemeClr val="tx1"/>
-                          </a:solidFill>
-                          <a:highlight>
-                            <a:srgbClr val="FFFF00"/>
-                          </a:highlight>
-                        </a:rPr>
-                        <a:t> the </a:t>
-                      </a:r>
-                      <a:r>
-                        <a:rPr lang="en-US" sz="1000" b="0" dirty="0">
-                          <a:solidFill>
-                            <a:srgbClr val="FF0000"/>
-                          </a:solidFill>
-                          <a:highlight>
-                            <a:srgbClr val="FFFF00"/>
-                          </a:highlight>
+                        <a:rPr lang="en-US" sz="1000" b="0" kern="1200" dirty="0">
+                          <a:solidFill>
+                            <a:schemeClr val="tx1"/>
+                          </a:solidFill>
+                          <a:highlight>
+                            <a:srgbClr val="00FFFF"/>
+                          </a:highlight>
+                          <a:latin typeface="+mn-lt"/>
+                          <a:ea typeface="+mn-ea"/>
+                          <a:cs typeface="+mn-cs"/>
                         </a:rPr>
                         <a:t>Architecture Capability</a:t>
                       </a:r>
@@ -4086,179 +4007,237 @@
                           <a:solidFill>
                             <a:schemeClr val="tx1"/>
                           </a:solidFill>
-                          <a:latin typeface="+mn-lt"/>
-                          <a:ea typeface="+mn-ea"/>
-                          <a:cs typeface="+mn-cs"/>
-                        </a:rPr>
-                        <a:t>Develop a </a:t>
-                      </a:r>
-                      <a:r>
-                        <a:rPr lang="en-US" sz="1000" b="0" kern="1200" dirty="0">
-                          <a:solidFill>
-                            <a:schemeClr val="tx1"/>
-                          </a:solidFill>
-                          <a:highlight>
-                            <a:srgbClr val="FFFF00"/>
-                          </a:highlight>
-                          <a:latin typeface="+mn-lt"/>
-                          <a:ea typeface="+mn-ea"/>
-                          <a:cs typeface="+mn-cs"/>
-                        </a:rPr>
-                        <a:t>High-level </a:t>
-                      </a:r>
-                      <a:r>
-                        <a:rPr lang="en-US" sz="1000" b="0" kern="1200" dirty="0">
-                          <a:solidFill>
-                            <a:srgbClr val="FF0000"/>
-                          </a:solidFill>
-                          <a:highlight>
-                            <a:srgbClr val="FFFF00"/>
-                          </a:highlight>
-                          <a:latin typeface="+mn-lt"/>
-                          <a:ea typeface="+mn-ea"/>
-                          <a:cs typeface="+mn-cs"/>
-                        </a:rPr>
-                        <a:t>aspirational vision </a:t>
-                      </a:r>
-                      <a:r>
-                        <a:rPr lang="en-US" sz="1000" b="0" kern="1200" dirty="0">
-                          <a:solidFill>
-                            <a:schemeClr val="tx1"/>
-                          </a:solidFill>
-                          <a:highlight>
-                            <a:srgbClr val="FFFF00"/>
-                          </a:highlight>
-                          <a:latin typeface="+mn-lt"/>
-                          <a:ea typeface="+mn-ea"/>
-                          <a:cs typeface="+mn-cs"/>
-                        </a:rPr>
-                        <a:t>of the capabilities </a:t>
-                      </a:r>
-                      <a:r>
-                        <a:rPr lang="en-US" sz="1000" b="0" kern="1200" dirty="0">
-                          <a:solidFill>
-                            <a:schemeClr val="tx1"/>
-                          </a:solidFill>
-                          <a:latin typeface="+mn-lt"/>
-                          <a:ea typeface="+mn-ea"/>
-                          <a:cs typeface="+mn-cs"/>
-                        </a:rPr>
-                        <a:t>and business value to be delivered</a:t>
-                      </a:r>
-                    </a:p>
-                    <a:p>
-                      <a:pPr marL="171450" marR="0" lvl="0" indent="-171450" algn="l" defTabSz="914400" rtl="0" eaLnBrk="1" fontAlgn="auto" latinLnBrk="0" hangingPunct="1">
-                        <a:lnSpc>
-                          <a:spcPct val="100000"/>
-                        </a:lnSpc>
-                        <a:spcBef>
-                          <a:spcPts val="0"/>
-                        </a:spcBef>
-                        <a:spcAft>
-                          <a:spcPts val="0"/>
-                        </a:spcAft>
-                        <a:buClrTx/>
-                        <a:buSzTx/>
-                        <a:buFont typeface="Arial" panose="020B0604020202020204" pitchFamily="34" charset="0"/>
-                        <a:buChar char="•"/>
-                        <a:tabLst/>
-                        <a:defRPr/>
-                      </a:pPr>
-                      <a:r>
-                        <a:rPr lang="en-US" sz="1000" b="0" kern="1200" dirty="0">
-                          <a:solidFill>
-                            <a:schemeClr val="tx1"/>
-                          </a:solidFill>
-                          <a:highlight>
-                            <a:srgbClr val="FFFF00"/>
-                          </a:highlight>
-                          <a:latin typeface="+mn-lt"/>
-                          <a:ea typeface="+mn-ea"/>
-                          <a:cs typeface="+mn-cs"/>
-                        </a:rPr>
-                        <a:t>Obtain </a:t>
-                      </a:r>
-                      <a:r>
-                        <a:rPr lang="en-US" sz="1000" b="0" kern="1200" dirty="0">
-                          <a:solidFill>
-                            <a:srgbClr val="FF0000"/>
-                          </a:solidFill>
-                          <a:highlight>
-                            <a:srgbClr val="FFFF00"/>
-                          </a:highlight>
-                          <a:latin typeface="+mn-lt"/>
-                          <a:ea typeface="+mn-ea"/>
-                          <a:cs typeface="+mn-cs"/>
-                        </a:rPr>
-                        <a:t>approval</a:t>
-                      </a:r>
-                      <a:r>
-                        <a:rPr lang="en-US" sz="1000" b="0" kern="1200" dirty="0">
-                          <a:solidFill>
-                            <a:schemeClr val="tx1"/>
-                          </a:solidFill>
-                          <a:highlight>
-                            <a:srgbClr val="FFFF00"/>
-                          </a:highlight>
-                          <a:latin typeface="+mn-lt"/>
-                          <a:ea typeface="+mn-ea"/>
-                          <a:cs typeface="+mn-cs"/>
-                        </a:rPr>
-                        <a:t> for a </a:t>
-                      </a:r>
-                      <a:r>
-                        <a:rPr lang="en-US" sz="1000" b="0" kern="1200" dirty="0">
-                          <a:solidFill>
-                            <a:srgbClr val="FF0000"/>
-                          </a:solidFill>
-                          <a:highlight>
-                            <a:srgbClr val="FFFF00"/>
-                          </a:highlight>
-                          <a:latin typeface="+mn-lt"/>
-                          <a:ea typeface="+mn-ea"/>
-                          <a:cs typeface="+mn-cs"/>
-                        </a:rPr>
-                        <a:t>Statement of Architecture Work </a:t>
-                      </a:r>
-                      <a:r>
-                        <a:rPr lang="en-US" sz="1000" b="0" kern="1200" dirty="0">
-                          <a:solidFill>
-                            <a:schemeClr val="tx1"/>
-                          </a:solidFill>
-                          <a:latin typeface="+mn-lt"/>
-                          <a:ea typeface="+mn-ea"/>
-                          <a:cs typeface="+mn-cs"/>
-                        </a:rPr>
-                        <a:t>that defines a program of works to develop and deploy the architecture outlined in the Architecture Vision</a:t>
-                      </a:r>
-                    </a:p>
-                    <a:p>
-                      <a:pPr marL="171450" marR="0" lvl="0" indent="-171450" algn="l" defTabSz="914400" rtl="0" eaLnBrk="1" fontAlgn="auto" latinLnBrk="0" hangingPunct="1">
-                        <a:lnSpc>
-                          <a:spcPct val="100000"/>
-                        </a:lnSpc>
-                        <a:spcBef>
-                          <a:spcPts val="0"/>
-                        </a:spcBef>
-                        <a:spcAft>
-                          <a:spcPts val="0"/>
-                        </a:spcAft>
-                        <a:buClrTx/>
-                        <a:buSzTx/>
-                        <a:buFont typeface="Arial" panose="020B0604020202020204" pitchFamily="34" charset="0"/>
-                        <a:buChar char="•"/>
-                        <a:tabLst/>
-                        <a:defRPr/>
-                      </a:pPr>
-                      <a:endParaRPr lang="en-US" sz="1000" b="0" kern="1200" dirty="0">
+                          <a:highlight>
+                            <a:srgbClr val="00FFFF"/>
+                          </a:highlight>
+                          <a:latin typeface="+mn-lt"/>
+                          <a:ea typeface="+mn-ea"/>
+                          <a:cs typeface="+mn-cs"/>
+                        </a:rPr>
+                        <a:t>Aspirational Vision of Capabilities and Business Value </a:t>
+                      </a:r>
+                    </a:p>
+                    <a:p>
+                      <a:pPr marL="171450" marR="0" lvl="0" indent="-171450" algn="l" defTabSz="914400" rtl="0" eaLnBrk="1" fontAlgn="auto" latinLnBrk="0" hangingPunct="1">
+                        <a:lnSpc>
+                          <a:spcPct val="100000"/>
+                        </a:lnSpc>
+                        <a:spcBef>
+                          <a:spcPts val="0"/>
+                        </a:spcBef>
+                        <a:spcAft>
+                          <a:spcPts val="0"/>
+                        </a:spcAft>
+                        <a:buClrTx/>
+                        <a:buSzTx/>
+                        <a:buFont typeface="Arial" panose="020B0604020202020204" pitchFamily="34" charset="0"/>
+                        <a:buChar char="•"/>
+                        <a:tabLst/>
+                        <a:defRPr/>
+                      </a:pPr>
+                      <a:r>
+                        <a:rPr lang="en-US" sz="1000" b="0" kern="1200" dirty="0">
+                          <a:solidFill>
+                            <a:schemeClr val="tx1"/>
+                          </a:solidFill>
+                          <a:highlight>
+                            <a:srgbClr val="00FFFF"/>
+                          </a:highlight>
+                          <a:latin typeface="+mn-lt"/>
+                          <a:ea typeface="+mn-ea"/>
+                          <a:cs typeface="+mn-cs"/>
+                        </a:rPr>
+                        <a:t>Statement of Architecture Work</a:t>
+                      </a:r>
+                    </a:p>
+                  </a:txBody>
+                  <a:tcPr/>
+                </a:tc>
+                <a:tc gridSpan="4">
+                  <a:txBody>
+                    <a:bodyPr/>
+                    <a:lstStyle/>
+                    <a:p>
+                      <a:pPr marL="171450" marR="0" lvl="0" indent="-171450" algn="l" defTabSz="914400" rtl="0" eaLnBrk="1" fontAlgn="auto" latinLnBrk="0" hangingPunct="1">
+                        <a:lnSpc>
+                          <a:spcPct val="100000"/>
+                        </a:lnSpc>
+                        <a:spcBef>
+                          <a:spcPts val="0"/>
+                        </a:spcBef>
+                        <a:spcAft>
+                          <a:spcPts val="0"/>
+                        </a:spcAft>
+                        <a:buClrTx/>
+                        <a:buSzTx/>
+                        <a:buFont typeface="Arial" panose="020B0604020202020204" pitchFamily="34" charset="0"/>
+                        <a:buChar char="•"/>
+                        <a:tabLst/>
+                        <a:defRPr/>
+                      </a:pPr>
+                      <a:r>
+                        <a:rPr lang="en-US" sz="1000" b="0" kern="1200" dirty="0">
+                          <a:solidFill>
+                            <a:schemeClr val="tx1"/>
+                          </a:solidFill>
+                          <a:highlight>
+                            <a:srgbClr val="C98E37"/>
+                          </a:highlight>
+                          <a:latin typeface="+mn-lt"/>
+                          <a:ea typeface="+mn-ea"/>
+                          <a:cs typeface="+mn-cs"/>
+                        </a:rPr>
+                        <a:t>Target Business, Data, Application and Technology Architectures</a:t>
+                      </a:r>
+                    </a:p>
+                    <a:p>
+                      <a:pPr marL="171450" marR="0" lvl="0" indent="-171450" algn="l" defTabSz="914400" rtl="0" eaLnBrk="1" fontAlgn="auto" latinLnBrk="0" hangingPunct="1">
+                        <a:lnSpc>
+                          <a:spcPct val="100000"/>
+                        </a:lnSpc>
+                        <a:spcBef>
+                          <a:spcPts val="0"/>
+                        </a:spcBef>
+                        <a:spcAft>
+                          <a:spcPts val="0"/>
+                        </a:spcAft>
+                        <a:buClrTx/>
+                        <a:buSzTx/>
+                        <a:buFont typeface="Arial" panose="020B0604020202020204" pitchFamily="34" charset="0"/>
+                        <a:buChar char="•"/>
+                        <a:tabLst/>
+                        <a:defRPr/>
+                      </a:pPr>
+                      <a:r>
+                        <a:rPr lang="en-US" sz="1000" b="0" kern="1200" dirty="0">
+                          <a:solidFill>
+                            <a:schemeClr val="tx1"/>
+                          </a:solidFill>
+                          <a:highlight>
+                            <a:srgbClr val="C98E37"/>
+                          </a:highlight>
+                          <a:latin typeface="+mn-lt"/>
+                          <a:ea typeface="+mn-ea"/>
+                          <a:cs typeface="+mn-cs"/>
+                        </a:rPr>
+                        <a:t>Architecture Roadmap Components</a:t>
+                      </a:r>
+                    </a:p>
+                    <a:p>
+                      <a:pPr marL="0" marR="0" lvl="0" indent="0" algn="l" defTabSz="914400" rtl="0" eaLnBrk="1" fontAlgn="auto" latinLnBrk="0" hangingPunct="1">
+                        <a:lnSpc>
+                          <a:spcPct val="100000"/>
+                        </a:lnSpc>
+                        <a:spcBef>
+                          <a:spcPts val="0"/>
+                        </a:spcBef>
+                        <a:spcAft>
+                          <a:spcPts val="0"/>
+                        </a:spcAft>
+                        <a:buClrTx/>
+                        <a:buSzTx/>
+                        <a:buFont typeface="Arial" panose="020B0604020202020204" pitchFamily="34" charset="0"/>
+                        <a:buNone/>
+                        <a:tabLst/>
+                        <a:defRPr/>
+                      </a:pPr>
+                      <a:endParaRPr lang="en-US" sz="1000" b="0" i="1" dirty="0">
                         <a:solidFill>
-                          <a:schemeClr val="bg1">
-                            <a:lumMod val="50000"/>
-                          </a:schemeClr>
+                          <a:schemeClr val="tx1"/>
                         </a:solidFill>
-                        <a:latin typeface="+mn-lt"/>
-                        <a:ea typeface="+mn-ea"/>
-                        <a:cs typeface="+mn-cs"/>
+                      </a:endParaRPr>
+                    </a:p>
+                  </a:txBody>
+                  <a:tcPr/>
+                </a:tc>
+                <a:tc hMerge="1">
+                  <a:txBody>
+                    <a:bodyPr/>
+                    <a:lstStyle/>
+                    <a:p>
+                      <a:pPr marL="171450" marR="0" lvl="0" indent="-171450" algn="l" defTabSz="914400" rtl="0" eaLnBrk="1" fontAlgn="auto" latinLnBrk="0" hangingPunct="1">
+                        <a:lnSpc>
+                          <a:spcPct val="100000"/>
+                        </a:lnSpc>
+                        <a:spcBef>
+                          <a:spcPts val="0"/>
+                        </a:spcBef>
+                        <a:spcAft>
+                          <a:spcPts val="0"/>
+                        </a:spcAft>
+                        <a:buClrTx/>
+                        <a:buSzTx/>
+                        <a:buFont typeface="Arial" panose="020B0604020202020204" pitchFamily="34" charset="0"/>
+                        <a:buChar char="•"/>
+                        <a:tabLst/>
+                        <a:defRPr/>
+                      </a:pPr>
+                      <a:endParaRPr lang="en-US" sz="1000" b="0" i="1" dirty="0">
+                        <a:solidFill>
+                          <a:schemeClr val="tx1"/>
+                        </a:solidFill>
+                      </a:endParaRPr>
+                    </a:p>
+                  </a:txBody>
+                  <a:tcPr/>
+                </a:tc>
+                <a:tc hMerge="1">
+                  <a:txBody>
+                    <a:bodyPr/>
+                    <a:lstStyle/>
+                    <a:p>
+                      <a:pPr marL="171450" marR="0" lvl="0" indent="-171450" algn="l" defTabSz="914400" rtl="0" eaLnBrk="1" fontAlgn="auto" latinLnBrk="0" hangingPunct="1">
+                        <a:lnSpc>
+                          <a:spcPct val="100000"/>
+                        </a:lnSpc>
+                        <a:spcBef>
+                          <a:spcPts val="0"/>
+                        </a:spcBef>
+                        <a:spcAft>
+                          <a:spcPts val="0"/>
+                        </a:spcAft>
+                        <a:buClrTx/>
+                        <a:buSzTx/>
+                        <a:buFont typeface="Arial" panose="020B0604020202020204" pitchFamily="34" charset="0"/>
+                        <a:buChar char="•"/>
+                        <a:tabLst/>
+                        <a:defRPr/>
+                      </a:pPr>
+                      <a:endParaRPr lang="en-US" sz="1000" b="0" i="1" dirty="0">
+                        <a:solidFill>
+                          <a:schemeClr val="tx1"/>
+                        </a:solidFill>
+                      </a:endParaRPr>
+                    </a:p>
+                  </a:txBody>
+                  <a:tcPr/>
+                </a:tc>
+                <a:tc hMerge="1">
+                  <a:txBody>
+                    <a:bodyPr/>
+                    <a:lstStyle/>
+                    <a:p>
+                      <a:pPr marL="171450" marR="0" lvl="0" indent="-171450" algn="l" defTabSz="914400" rtl="0" eaLnBrk="1" fontAlgn="auto" latinLnBrk="0" hangingPunct="1">
+                        <a:lnSpc>
+                          <a:spcPct val="100000"/>
+                        </a:lnSpc>
+                        <a:spcBef>
+                          <a:spcPts val="0"/>
+                        </a:spcBef>
+                        <a:spcAft>
+                          <a:spcPts val="0"/>
+                        </a:spcAft>
+                        <a:buClrTx/>
+                        <a:buSzTx/>
+                        <a:buFont typeface="Arial" panose="020B0604020202020204" pitchFamily="34" charset="0"/>
+                        <a:buChar char="•"/>
+                        <a:tabLst/>
+                        <a:defRPr/>
+                      </a:pPr>
+                      <a:endParaRPr lang="en-US" sz="1000" b="0" i="1" dirty="0">
+                        <a:solidFill>
+                          <a:schemeClr val="tx1"/>
+                        </a:solidFill>
                       </a:endParaRPr>
                     </a:p>
                   </a:txBody>
@@ -4291,194 +4270,81 @@
                           <a:solidFill>
                             <a:schemeClr val="tx1"/>
                           </a:solidFill>
-                          <a:latin typeface="+mn-lt"/>
-                          <a:ea typeface="+mn-ea"/>
-                          <a:cs typeface="+mn-cs"/>
-                        </a:rPr>
-                        <a:t>Develop the </a:t>
-                      </a:r>
-                      <a:r>
-                        <a:rPr lang="en-US" sz="1000" b="0" kern="1200" dirty="0">
-                          <a:solidFill>
-                            <a:srgbClr val="FF0000"/>
-                          </a:solidFill>
-                          <a:highlight>
-                            <a:srgbClr val="FFFF00"/>
-                          </a:highlight>
-                          <a:latin typeface="+mn-lt"/>
-                          <a:ea typeface="+mn-ea"/>
-                          <a:cs typeface="+mn-cs"/>
-                        </a:rPr>
-                        <a:t>Target Business Architecture </a:t>
-                      </a:r>
-                      <a:r>
-                        <a:rPr lang="en-US" sz="1000" b="0" kern="1200" dirty="0">
-                          <a:solidFill>
-                            <a:schemeClr val="tx1"/>
-                          </a:solidFill>
-                          <a:latin typeface="+mn-lt"/>
-                          <a:ea typeface="+mn-ea"/>
-                          <a:cs typeface="+mn-cs"/>
-                        </a:rPr>
-                        <a:t>that describes how the enterprise needs to operate to achieve the business goals, and </a:t>
-                      </a:r>
-                      <a:r>
-                        <a:rPr lang="en-US" sz="1000" b="0" kern="1200" dirty="0">
-                          <a:solidFill>
-                            <a:schemeClr val="tx1"/>
-                          </a:solidFill>
-                          <a:highlight>
-                            <a:srgbClr val="FFFF00"/>
-                          </a:highlight>
-                          <a:latin typeface="+mn-lt"/>
-                          <a:ea typeface="+mn-ea"/>
-                          <a:cs typeface="+mn-cs"/>
-                        </a:rPr>
-                        <a:t>respond to the strategic drivers set out in the Architecture Vision</a:t>
-                      </a:r>
-                      <a:r>
-                        <a:rPr lang="en-US" sz="1000" b="0" kern="1200" dirty="0">
-                          <a:solidFill>
-                            <a:schemeClr val="tx1"/>
-                          </a:solidFill>
-                          <a:latin typeface="+mn-lt"/>
-                          <a:ea typeface="+mn-ea"/>
-                          <a:cs typeface="+mn-cs"/>
-                        </a:rPr>
-                        <a:t>, in a way that </a:t>
-                      </a:r>
-                      <a:r>
-                        <a:rPr lang="en-US" sz="1000" b="0" kern="1200" dirty="0">
-                          <a:solidFill>
-                            <a:schemeClr val="tx1"/>
-                          </a:solidFill>
-                          <a:highlight>
-                            <a:srgbClr val="FFFF00"/>
-                          </a:highlight>
-                          <a:latin typeface="+mn-lt"/>
-                          <a:ea typeface="+mn-ea"/>
-                          <a:cs typeface="+mn-cs"/>
-                        </a:rPr>
-                        <a:t>addresses the Statement of Architecture Work </a:t>
-                      </a:r>
-                      <a:r>
-                        <a:rPr lang="en-US" sz="1000" b="0" kern="1200" dirty="0">
-                          <a:solidFill>
-                            <a:schemeClr val="tx1"/>
-                          </a:solidFill>
-                          <a:latin typeface="+mn-lt"/>
-                          <a:ea typeface="+mn-ea"/>
-                          <a:cs typeface="+mn-cs"/>
-                        </a:rPr>
-                        <a:t>and stakeholder concerns</a:t>
-                      </a:r>
-                    </a:p>
-                    <a:p>
-                      <a:pPr marL="171450" marR="0" lvl="0" indent="-171450" algn="l" defTabSz="914400" rtl="0" eaLnBrk="1" fontAlgn="auto" latinLnBrk="0" hangingPunct="1">
-                        <a:lnSpc>
-                          <a:spcPct val="100000"/>
-                        </a:lnSpc>
-                        <a:spcBef>
-                          <a:spcPts val="0"/>
-                        </a:spcBef>
-                        <a:spcAft>
-                          <a:spcPts val="0"/>
-                        </a:spcAft>
-                        <a:buClrTx/>
-                        <a:buSzTx/>
-                        <a:buFont typeface="Arial" panose="020B0604020202020204" pitchFamily="34" charset="0"/>
-                        <a:buChar char="•"/>
-                        <a:tabLst/>
-                        <a:defRPr/>
-                      </a:pPr>
-                      <a:r>
-                        <a:rPr lang="en-US" sz="1000" b="0" kern="1200" dirty="0">
-                          <a:solidFill>
-                            <a:schemeClr val="tx1"/>
-                          </a:solidFill>
-                          <a:highlight>
-                            <a:srgbClr val="FFFF00"/>
-                          </a:highlight>
-                          <a:latin typeface="+mn-lt"/>
-                          <a:ea typeface="+mn-ea"/>
-                          <a:cs typeface="+mn-cs"/>
-                        </a:rPr>
-                        <a:t>Identify</a:t>
-                      </a:r>
-                      <a:r>
-                        <a:rPr lang="en-US" sz="1000" b="0" kern="1200" dirty="0">
-                          <a:solidFill>
-                            <a:schemeClr val="tx1"/>
-                          </a:solidFill>
-                          <a:latin typeface="+mn-lt"/>
-                          <a:ea typeface="+mn-ea"/>
-                          <a:cs typeface="+mn-cs"/>
-                        </a:rPr>
-                        <a:t> </a:t>
-                      </a:r>
-                      <a:r>
-                        <a:rPr lang="en-US" sz="1000" b="0" kern="1200" dirty="0">
-                          <a:solidFill>
-                            <a:schemeClr val="tx1"/>
-                          </a:solidFill>
-                          <a:highlight>
-                            <a:srgbClr val="FFFF00"/>
-                          </a:highlight>
-                          <a:latin typeface="+mn-lt"/>
-                          <a:ea typeface="+mn-ea"/>
-                          <a:cs typeface="+mn-cs"/>
-                        </a:rPr>
-                        <a:t>candidate </a:t>
-                      </a:r>
-                      <a:r>
-                        <a:rPr lang="en-US" sz="1000" b="0" kern="1200" dirty="0">
-                          <a:solidFill>
-                            <a:srgbClr val="FF0000"/>
-                          </a:solidFill>
-                          <a:highlight>
-                            <a:srgbClr val="FFFF00"/>
-                          </a:highlight>
-                          <a:latin typeface="+mn-lt"/>
-                          <a:ea typeface="+mn-ea"/>
-                          <a:cs typeface="+mn-cs"/>
-                        </a:rPr>
-                        <a:t>Architecture Roadmap components </a:t>
-                      </a:r>
-                      <a:r>
-                        <a:rPr lang="en-US" sz="1000" b="0" kern="1200" dirty="0">
-                          <a:solidFill>
-                            <a:schemeClr val="tx1"/>
-                          </a:solidFill>
-                          <a:latin typeface="+mn-lt"/>
-                          <a:ea typeface="+mn-ea"/>
-                          <a:cs typeface="+mn-cs"/>
-                        </a:rPr>
-                        <a:t>based upon gaps between the Baseline and Target Business Architectures</a:t>
-                      </a:r>
-                    </a:p>
-                    <a:p>
-                      <a:pPr marL="171450" marR="0" lvl="0" indent="-171450" algn="l" defTabSz="914400" rtl="0" eaLnBrk="1" fontAlgn="auto" latinLnBrk="0" hangingPunct="1">
-                        <a:lnSpc>
-                          <a:spcPct val="100000"/>
-                        </a:lnSpc>
-                        <a:spcBef>
-                          <a:spcPts val="0"/>
-                        </a:spcBef>
-                        <a:spcAft>
-                          <a:spcPts val="0"/>
-                        </a:spcAft>
-                        <a:buClrTx/>
-                        <a:buSzTx/>
-                        <a:buFont typeface="Arial" panose="020B0604020202020204" pitchFamily="34" charset="0"/>
-                        <a:buChar char="•"/>
-                        <a:tabLst/>
-                        <a:defRPr/>
-                      </a:pPr>
-                      <a:endParaRPr lang="en-US" sz="1000" b="0" i="1" dirty="0">
-                        <a:solidFill>
-                          <a:schemeClr val="tx1"/>
-                        </a:solidFill>
-                      </a:endParaRPr>
+                          <a:highlight>
+                            <a:srgbClr val="C98E37"/>
+                          </a:highlight>
+                          <a:latin typeface="+mn-lt"/>
+                          <a:ea typeface="+mn-ea"/>
+                          <a:cs typeface="+mn-cs"/>
+                        </a:rPr>
+                        <a:t>Initial Version of Architecture Roadmap</a:t>
+                      </a:r>
+                    </a:p>
+                    <a:p>
+                      <a:pPr marL="171450" marR="0" lvl="0" indent="-171450" algn="l" defTabSz="914400" rtl="0" eaLnBrk="1" fontAlgn="auto" latinLnBrk="0" hangingPunct="1">
+                        <a:lnSpc>
+                          <a:spcPct val="100000"/>
+                        </a:lnSpc>
+                        <a:spcBef>
+                          <a:spcPts val="0"/>
+                        </a:spcBef>
+                        <a:spcAft>
+                          <a:spcPts val="0"/>
+                        </a:spcAft>
+                        <a:buClrTx/>
+                        <a:buSzTx/>
+                        <a:buFont typeface="Arial" panose="020B0604020202020204" pitchFamily="34" charset="0"/>
+                        <a:buChar char="•"/>
+                        <a:tabLst/>
+                        <a:defRPr/>
+                      </a:pPr>
+                      <a:r>
+                        <a:rPr lang="en-US" sz="1000" b="0" kern="1200" dirty="0">
+                          <a:solidFill>
+                            <a:schemeClr val="tx1"/>
+                          </a:solidFill>
+                          <a:highlight>
+                            <a:srgbClr val="C98E37"/>
+                          </a:highlight>
+                          <a:latin typeface="+mn-lt"/>
+                          <a:ea typeface="+mn-ea"/>
+                          <a:cs typeface="+mn-cs"/>
+                        </a:rPr>
+                        <a:t>Transition Architectures</a:t>
+                      </a:r>
+                    </a:p>
+                    <a:p>
+                      <a:pPr marL="171450" marR="0" lvl="0" indent="-171450" algn="l" defTabSz="914400" rtl="0" eaLnBrk="1" fontAlgn="auto" latinLnBrk="0" hangingPunct="1">
+                        <a:lnSpc>
+                          <a:spcPct val="100000"/>
+                        </a:lnSpc>
+                        <a:spcBef>
+                          <a:spcPts val="0"/>
+                        </a:spcBef>
+                        <a:spcAft>
+                          <a:spcPts val="0"/>
+                        </a:spcAft>
+                        <a:buClrTx/>
+                        <a:buSzTx/>
+                        <a:buFont typeface="Arial" panose="020B0604020202020204" pitchFamily="34" charset="0"/>
+                        <a:buChar char="•"/>
+                        <a:tabLst/>
+                        <a:defRPr/>
+                      </a:pPr>
+                      <a:r>
+                        <a:rPr lang="en-US" sz="1000" b="0" kern="1200" dirty="0">
+                          <a:solidFill>
+                            <a:schemeClr val="tx1"/>
+                          </a:solidFill>
+                          <a:highlight>
+                            <a:srgbClr val="C98E37"/>
+                          </a:highlight>
+                          <a:latin typeface="+mn-lt"/>
+                          <a:ea typeface="+mn-ea"/>
+                          <a:cs typeface="+mn-cs"/>
+                        </a:rPr>
+                        <a:t>Architecture Building Blocks and Solution Building Blocks</a:t>
+                      </a:r>
                     </a:p>
                   </a:txBody>
                   <a:tcPr/>
@@ -4511,191 +4377,80 @@
                             <a:schemeClr val="tx1"/>
                           </a:solidFill>
                           <a:highlight>
-                            <a:srgbClr val="FFFF00"/>
-                          </a:highlight>
-                          <a:latin typeface="+mn-lt"/>
-                          <a:ea typeface="+mn-ea"/>
-                          <a:cs typeface="+mn-cs"/>
-                        </a:rPr>
-                        <a:t>Develop the </a:t>
-                      </a:r>
-                      <a:r>
-                        <a:rPr lang="en-US" sz="1000" b="0" kern="1200" dirty="0">
-                          <a:solidFill>
-                            <a:srgbClr val="FF0000"/>
-                          </a:solidFill>
-                          <a:highlight>
-                            <a:srgbClr val="FFFF00"/>
-                          </a:highlight>
-                          <a:latin typeface="+mn-lt"/>
-                          <a:ea typeface="+mn-ea"/>
-                          <a:cs typeface="+mn-cs"/>
-                        </a:rPr>
-                        <a:t>Target</a:t>
-                      </a:r>
-                      <a:r>
-                        <a:rPr lang="en-US" sz="1000" b="0" kern="1200" dirty="0">
-                          <a:solidFill>
-                            <a:schemeClr val="tx1"/>
-                          </a:solidFill>
-                          <a:highlight>
-                            <a:srgbClr val="FFFF00"/>
-                          </a:highlight>
-                          <a:latin typeface="+mn-lt"/>
-                          <a:ea typeface="+mn-ea"/>
-                          <a:cs typeface="+mn-cs"/>
-                        </a:rPr>
-                        <a:t> </a:t>
-                      </a:r>
-                      <a:r>
-                        <a:rPr lang="en-US" sz="1000" b="0" kern="1200" dirty="0">
-                          <a:solidFill>
-                            <a:srgbClr val="FF0000"/>
-                          </a:solidFill>
-                          <a:highlight>
-                            <a:srgbClr val="FFFF00"/>
-                          </a:highlight>
-                          <a:latin typeface="+mn-lt"/>
-                          <a:ea typeface="+mn-ea"/>
-                          <a:cs typeface="+mn-cs"/>
-                        </a:rPr>
-                        <a:t>Data</a:t>
-                      </a:r>
-                      <a:r>
-                        <a:rPr lang="en-US" sz="1000" b="0" kern="1200" dirty="0">
-                          <a:solidFill>
-                            <a:schemeClr val="tx1"/>
-                          </a:solidFill>
-                          <a:highlight>
-                            <a:srgbClr val="FFFF00"/>
-                          </a:highlight>
-                          <a:latin typeface="+mn-lt"/>
-                          <a:ea typeface="+mn-ea"/>
-                          <a:cs typeface="+mn-cs"/>
-                        </a:rPr>
-                        <a:t> </a:t>
-                      </a:r>
-                      <a:r>
-                        <a:rPr lang="en-US" sz="1000" b="0" kern="1200" dirty="0">
-                          <a:solidFill>
-                            <a:srgbClr val="FF0000"/>
-                          </a:solidFill>
-                          <a:highlight>
-                            <a:srgbClr val="FFFF00"/>
-                          </a:highlight>
-                          <a:latin typeface="+mn-lt"/>
-                          <a:ea typeface="+mn-ea"/>
-                          <a:cs typeface="+mn-cs"/>
-                        </a:rPr>
-                        <a:t>Architecture</a:t>
-                      </a:r>
-                      <a:r>
-                        <a:rPr lang="en-US" sz="1000" b="0" kern="1200" dirty="0">
-                          <a:solidFill>
-                            <a:schemeClr val="tx1"/>
-                          </a:solidFill>
-                          <a:highlight>
-                            <a:srgbClr val="FFFF00"/>
-                          </a:highlight>
-                          <a:latin typeface="+mn-lt"/>
-                          <a:ea typeface="+mn-ea"/>
-                          <a:cs typeface="+mn-cs"/>
-                        </a:rPr>
-                        <a:t> </a:t>
-                      </a:r>
-                      <a:r>
-                        <a:rPr lang="en-US" sz="1000" b="0" kern="1200" dirty="0">
-                          <a:solidFill>
-                            <a:schemeClr val="tx1"/>
-                          </a:solidFill>
-                          <a:latin typeface="+mn-lt"/>
-                          <a:ea typeface="+mn-ea"/>
-                          <a:cs typeface="+mn-cs"/>
-                        </a:rPr>
-                        <a:t>that enables the Business Architecture and the Architecture Vision, in a way that addresses the Statement of Architecture Work and stakeholder concerns</a:t>
-                      </a:r>
-                    </a:p>
-                    <a:p>
-                      <a:pPr marL="171450" marR="0" lvl="0" indent="-171450" algn="l" defTabSz="914400" rtl="0" eaLnBrk="1" fontAlgn="auto" latinLnBrk="0" hangingPunct="1">
-                        <a:lnSpc>
-                          <a:spcPct val="100000"/>
-                        </a:lnSpc>
-                        <a:spcBef>
-                          <a:spcPts val="0"/>
-                        </a:spcBef>
-                        <a:spcAft>
-                          <a:spcPts val="0"/>
-                        </a:spcAft>
-                        <a:buClrTx/>
-                        <a:buSzTx/>
-                        <a:buFont typeface="Arial" panose="020B0604020202020204" pitchFamily="34" charset="0"/>
-                        <a:buChar char="•"/>
-                        <a:tabLst/>
-                        <a:defRPr/>
-                      </a:pPr>
-                      <a:r>
-                        <a:rPr lang="en-US" sz="1000" b="0" kern="1200" dirty="0">
-                          <a:solidFill>
-                            <a:schemeClr val="tx1"/>
-                          </a:solidFill>
-                          <a:highlight>
-                            <a:srgbClr val="FFFF00"/>
-                          </a:highlight>
-                          <a:latin typeface="+mn-lt"/>
-                          <a:ea typeface="+mn-ea"/>
-                          <a:cs typeface="+mn-cs"/>
-                        </a:rPr>
-                        <a:t>Identify candidate </a:t>
-                      </a:r>
-                      <a:r>
-                        <a:rPr lang="en-US" sz="1000" b="0" kern="1200" dirty="0">
-                          <a:solidFill>
-                            <a:srgbClr val="FF0000"/>
-                          </a:solidFill>
-                          <a:highlight>
-                            <a:srgbClr val="FFFF00"/>
-                          </a:highlight>
-                          <a:latin typeface="+mn-lt"/>
-                          <a:ea typeface="+mn-ea"/>
-                          <a:cs typeface="+mn-cs"/>
-                        </a:rPr>
-                        <a:t>Architecture Roadmap components </a:t>
-                      </a:r>
-                      <a:r>
-                        <a:rPr lang="en-US" sz="1000" b="0" kern="1200" dirty="0">
-                          <a:solidFill>
-                            <a:schemeClr val="tx1"/>
-                          </a:solidFill>
-                          <a:latin typeface="+mn-lt"/>
-                          <a:ea typeface="+mn-ea"/>
-                          <a:cs typeface="+mn-cs"/>
-                        </a:rPr>
-                        <a:t>based upon gaps between the Baseline and Target Data Architectures</a:t>
-                      </a:r>
-                    </a:p>
-                    <a:p>
-                      <a:pPr marL="171450" marR="0" lvl="0" indent="-171450" algn="l" defTabSz="914400" rtl="0" eaLnBrk="1" fontAlgn="auto" latinLnBrk="0" hangingPunct="1">
-                        <a:lnSpc>
-                          <a:spcPct val="100000"/>
-                        </a:lnSpc>
-                        <a:spcBef>
-                          <a:spcPts val="0"/>
-                        </a:spcBef>
-                        <a:spcAft>
-                          <a:spcPts val="0"/>
-                        </a:spcAft>
-                        <a:buClrTx/>
-                        <a:buSzTx/>
-                        <a:buFont typeface="Arial" panose="020B0604020202020204" pitchFamily="34" charset="0"/>
-                        <a:buChar char="•"/>
-                        <a:tabLst/>
-                        <a:defRPr/>
-                      </a:pPr>
-                      <a:endParaRPr lang="en-US" sz="1000" b="0" i="1" dirty="0">
-                        <a:solidFill>
-                          <a:schemeClr val="tx1"/>
-                        </a:solidFill>
-                      </a:endParaRPr>
+                            <a:srgbClr val="C98E37"/>
+                          </a:highlight>
+                          <a:latin typeface="+mn-lt"/>
+                          <a:ea typeface="+mn-ea"/>
+                          <a:cs typeface="+mn-cs"/>
+                        </a:rPr>
+                        <a:t>Final Version of Architecture Roadmap</a:t>
+                      </a:r>
+                    </a:p>
+                    <a:p>
+                      <a:pPr marL="171450" marR="0" lvl="0" indent="-171450" algn="l" defTabSz="914400" rtl="0" eaLnBrk="1" fontAlgn="auto" latinLnBrk="0" hangingPunct="1">
+                        <a:lnSpc>
+                          <a:spcPct val="100000"/>
+                        </a:lnSpc>
+                        <a:spcBef>
+                          <a:spcPts val="0"/>
+                        </a:spcBef>
+                        <a:spcAft>
+                          <a:spcPts val="0"/>
+                        </a:spcAft>
+                        <a:buClrTx/>
+                        <a:buSzTx/>
+                        <a:buFont typeface="Arial" panose="020B0604020202020204" pitchFamily="34" charset="0"/>
+                        <a:buChar char="•"/>
+                        <a:tabLst/>
+                        <a:defRPr/>
+                      </a:pPr>
+                      <a:r>
+                        <a:rPr lang="en-US" sz="1000" b="0" kern="1200" dirty="0">
+                          <a:solidFill>
+                            <a:schemeClr val="tx1"/>
+                          </a:solidFill>
+                          <a:highlight>
+                            <a:srgbClr val="00FFFF"/>
+                          </a:highlight>
+                          <a:latin typeface="+mn-lt"/>
+                          <a:ea typeface="+mn-ea"/>
+                          <a:cs typeface="+mn-cs"/>
+                        </a:rPr>
+                        <a:t>Implementation and Migration Plan</a:t>
+                      </a:r>
+                    </a:p>
+                    <a:p>
+                      <a:pPr marL="171450" marR="0" lvl="0" indent="-171450" algn="l" defTabSz="914400" rtl="0" eaLnBrk="1" fontAlgn="auto" latinLnBrk="0" hangingPunct="1">
+                        <a:lnSpc>
+                          <a:spcPct val="100000"/>
+                        </a:lnSpc>
+                        <a:spcBef>
+                          <a:spcPts val="0"/>
+                        </a:spcBef>
+                        <a:spcAft>
+                          <a:spcPts val="0"/>
+                        </a:spcAft>
+                        <a:buClrTx/>
+                        <a:buSzTx/>
+                        <a:buFont typeface="Arial" panose="020B0604020202020204" pitchFamily="34" charset="0"/>
+                        <a:buChar char="•"/>
+                        <a:tabLst/>
+                        <a:defRPr/>
+                      </a:pPr>
+                      <a:r>
+                        <a:rPr lang="en-US" sz="1000" b="0" kern="1200" dirty="0">
+                          <a:solidFill>
+                            <a:schemeClr val="tx1"/>
+                          </a:solidFill>
+                          <a:highlight>
+                            <a:srgbClr val="00FF00"/>
+                          </a:highlight>
+                          <a:latin typeface="+mn-lt"/>
+                          <a:ea typeface="+mn-ea"/>
+                          <a:cs typeface="+mn-cs"/>
+                        </a:rPr>
+                        <a:t>Ensure Value Assurance and Cost of Work Packages Understood</a:t>
+                      </a:r>
                     </a:p>
                   </a:txBody>
                   <a:tcPr/>
@@ -4728,191 +4483,80 @@
                             <a:schemeClr val="tx1"/>
                           </a:solidFill>
                           <a:highlight>
-                            <a:srgbClr val="FFFF00"/>
-                          </a:highlight>
-                          <a:latin typeface="+mn-lt"/>
-                          <a:ea typeface="+mn-ea"/>
-                          <a:cs typeface="+mn-cs"/>
-                        </a:rPr>
-                        <a:t>Develop the </a:t>
-                      </a:r>
-                      <a:r>
-                        <a:rPr lang="en-US" sz="1000" b="0" kern="1200" dirty="0">
-                          <a:solidFill>
-                            <a:srgbClr val="FF0000"/>
-                          </a:solidFill>
-                          <a:highlight>
-                            <a:srgbClr val="FFFF00"/>
-                          </a:highlight>
-                          <a:latin typeface="+mn-lt"/>
-                          <a:ea typeface="+mn-ea"/>
-                          <a:cs typeface="+mn-cs"/>
-                        </a:rPr>
-                        <a:t>Target</a:t>
-                      </a:r>
-                      <a:r>
-                        <a:rPr lang="en-US" sz="1000" b="0" kern="1200" dirty="0">
-                          <a:solidFill>
-                            <a:schemeClr val="tx1"/>
-                          </a:solidFill>
-                          <a:highlight>
-                            <a:srgbClr val="FFFF00"/>
-                          </a:highlight>
-                          <a:latin typeface="+mn-lt"/>
-                          <a:ea typeface="+mn-ea"/>
-                          <a:cs typeface="+mn-cs"/>
-                        </a:rPr>
-                        <a:t> </a:t>
-                      </a:r>
-                      <a:r>
-                        <a:rPr lang="en-US" sz="1000" b="0" kern="1200" dirty="0">
-                          <a:solidFill>
-                            <a:srgbClr val="FF0000"/>
-                          </a:solidFill>
-                          <a:highlight>
-                            <a:srgbClr val="FFFF00"/>
-                          </a:highlight>
-                          <a:latin typeface="+mn-lt"/>
-                          <a:ea typeface="+mn-ea"/>
-                          <a:cs typeface="+mn-cs"/>
-                        </a:rPr>
-                        <a:t>Application</a:t>
-                      </a:r>
-                      <a:r>
-                        <a:rPr lang="en-US" sz="1000" b="0" kern="1200" dirty="0">
-                          <a:solidFill>
-                            <a:schemeClr val="tx1"/>
-                          </a:solidFill>
-                          <a:highlight>
-                            <a:srgbClr val="FFFF00"/>
-                          </a:highlight>
-                          <a:latin typeface="+mn-lt"/>
-                          <a:ea typeface="+mn-ea"/>
-                          <a:cs typeface="+mn-cs"/>
-                        </a:rPr>
-                        <a:t> </a:t>
-                      </a:r>
-                      <a:r>
-                        <a:rPr lang="en-US" sz="1000" b="0" kern="1200" dirty="0">
-                          <a:solidFill>
-                            <a:srgbClr val="FF0000"/>
-                          </a:solidFill>
-                          <a:highlight>
-                            <a:srgbClr val="FFFF00"/>
-                          </a:highlight>
-                          <a:latin typeface="+mn-lt"/>
-                          <a:ea typeface="+mn-ea"/>
-                          <a:cs typeface="+mn-cs"/>
-                        </a:rPr>
-                        <a:t>Architecture</a:t>
-                      </a:r>
-                      <a:r>
-                        <a:rPr lang="en-US" sz="1000" b="0" kern="1200" dirty="0">
-                          <a:solidFill>
-                            <a:schemeClr val="tx1"/>
-                          </a:solidFill>
-                          <a:highlight>
-                            <a:srgbClr val="FFFF00"/>
-                          </a:highlight>
-                          <a:latin typeface="+mn-lt"/>
-                          <a:ea typeface="+mn-ea"/>
-                          <a:cs typeface="+mn-cs"/>
-                        </a:rPr>
-                        <a:t> </a:t>
-                      </a:r>
-                      <a:r>
-                        <a:rPr lang="en-US" sz="1000" b="0" kern="1200" dirty="0">
-                          <a:solidFill>
-                            <a:schemeClr val="tx1"/>
-                          </a:solidFill>
-                          <a:latin typeface="+mn-lt"/>
-                          <a:ea typeface="+mn-ea"/>
-                          <a:cs typeface="+mn-cs"/>
-                        </a:rPr>
-                        <a:t>that enables the Business Architecture and the Architecture Vision, in a way that addresses the Statement of Architecture Work and stakeholder concerns</a:t>
-                      </a:r>
-                    </a:p>
-                    <a:p>
-                      <a:pPr marL="171450" marR="0" lvl="0" indent="-171450" algn="l" defTabSz="914400" rtl="0" eaLnBrk="1" fontAlgn="auto" latinLnBrk="0" hangingPunct="1">
-                        <a:lnSpc>
-                          <a:spcPct val="100000"/>
-                        </a:lnSpc>
-                        <a:spcBef>
-                          <a:spcPts val="0"/>
-                        </a:spcBef>
-                        <a:spcAft>
-                          <a:spcPts val="0"/>
-                        </a:spcAft>
-                        <a:buClrTx/>
-                        <a:buSzTx/>
-                        <a:buFont typeface="Arial" panose="020B0604020202020204" pitchFamily="34" charset="0"/>
-                        <a:buChar char="•"/>
-                        <a:tabLst/>
-                        <a:defRPr/>
-                      </a:pPr>
-                      <a:r>
-                        <a:rPr lang="en-US" sz="1000" b="0" kern="1200" dirty="0">
-                          <a:solidFill>
-                            <a:schemeClr val="tx1"/>
-                          </a:solidFill>
-                          <a:highlight>
-                            <a:srgbClr val="FFFF00"/>
-                          </a:highlight>
-                          <a:latin typeface="+mn-lt"/>
-                          <a:ea typeface="+mn-ea"/>
-                          <a:cs typeface="+mn-cs"/>
-                        </a:rPr>
-                        <a:t>Identify candidate </a:t>
-                      </a:r>
-                      <a:r>
-                        <a:rPr lang="en-US" sz="1000" b="0" kern="1200" dirty="0">
-                          <a:solidFill>
-                            <a:srgbClr val="FF0000"/>
-                          </a:solidFill>
-                          <a:highlight>
-                            <a:srgbClr val="FFFF00"/>
-                          </a:highlight>
-                          <a:latin typeface="+mn-lt"/>
-                          <a:ea typeface="+mn-ea"/>
-                          <a:cs typeface="+mn-cs"/>
-                        </a:rPr>
-                        <a:t>Architecture Roadmap components </a:t>
-                      </a:r>
-                      <a:r>
-                        <a:rPr lang="en-US" sz="1000" b="0" kern="1200" dirty="0">
-                          <a:solidFill>
-                            <a:schemeClr val="tx1"/>
-                          </a:solidFill>
-                          <a:latin typeface="+mn-lt"/>
-                          <a:ea typeface="+mn-ea"/>
-                          <a:cs typeface="+mn-cs"/>
-                        </a:rPr>
-                        <a:t>based upon gaps between the Baseline and Target Application Architectures</a:t>
-                      </a:r>
-                    </a:p>
-                    <a:p>
-                      <a:pPr marL="171450" marR="0" lvl="0" indent="-171450" algn="l" defTabSz="914400" rtl="0" eaLnBrk="1" fontAlgn="auto" latinLnBrk="0" hangingPunct="1">
-                        <a:lnSpc>
-                          <a:spcPct val="100000"/>
-                        </a:lnSpc>
-                        <a:spcBef>
-                          <a:spcPts val="0"/>
-                        </a:spcBef>
-                        <a:spcAft>
-                          <a:spcPts val="0"/>
-                        </a:spcAft>
-                        <a:buClrTx/>
-                        <a:buSzTx/>
-                        <a:buFont typeface="Arial" panose="020B0604020202020204" pitchFamily="34" charset="0"/>
-                        <a:buChar char="•"/>
-                        <a:tabLst/>
-                        <a:defRPr/>
-                      </a:pPr>
-                      <a:endParaRPr lang="en-US" sz="1000" b="0" i="1" dirty="0">
-                        <a:solidFill>
-                          <a:schemeClr val="tx1"/>
-                        </a:solidFill>
-                      </a:endParaRPr>
+                            <a:srgbClr val="00FF00"/>
+                          </a:highlight>
+                          <a:latin typeface="+mn-lt"/>
+                          <a:ea typeface="+mn-ea"/>
+                          <a:cs typeface="+mn-cs"/>
+                        </a:rPr>
+                        <a:t>Conformance with Target Architecture</a:t>
+                      </a:r>
+                    </a:p>
+                    <a:p>
+                      <a:pPr marL="171450" marR="0" lvl="0" indent="-171450" algn="l" defTabSz="914400" rtl="0" eaLnBrk="1" fontAlgn="auto" latinLnBrk="0" hangingPunct="1">
+                        <a:lnSpc>
+                          <a:spcPct val="100000"/>
+                        </a:lnSpc>
+                        <a:spcBef>
+                          <a:spcPts val="0"/>
+                        </a:spcBef>
+                        <a:spcAft>
+                          <a:spcPts val="0"/>
+                        </a:spcAft>
+                        <a:buClrTx/>
+                        <a:buSzTx/>
+                        <a:buFont typeface="Arial" panose="020B0604020202020204" pitchFamily="34" charset="0"/>
+                        <a:buChar char="•"/>
+                        <a:tabLst/>
+                        <a:defRPr/>
+                      </a:pPr>
+                      <a:r>
+                        <a:rPr lang="en-US" sz="1000" b="0" kern="1200" dirty="0">
+                          <a:solidFill>
+                            <a:schemeClr val="tx1"/>
+                          </a:solidFill>
+                          <a:highlight>
+                            <a:srgbClr val="00FFFF"/>
+                          </a:highlight>
+                          <a:latin typeface="+mn-lt"/>
+                          <a:ea typeface="+mn-ea"/>
+                          <a:cs typeface="+mn-cs"/>
+                        </a:rPr>
+                        <a:t>Architecture Governance</a:t>
+                      </a:r>
+                    </a:p>
+                    <a:p>
+                      <a:pPr marL="171450" marR="0" lvl="0" indent="-171450" algn="l" defTabSz="914400" rtl="0" eaLnBrk="1" fontAlgn="auto" latinLnBrk="0" hangingPunct="1">
+                        <a:lnSpc>
+                          <a:spcPct val="100000"/>
+                        </a:lnSpc>
+                        <a:spcBef>
+                          <a:spcPts val="0"/>
+                        </a:spcBef>
+                        <a:spcAft>
+                          <a:spcPts val="0"/>
+                        </a:spcAft>
+                        <a:buClrTx/>
+                        <a:buSzTx/>
+                        <a:buFont typeface="Arial" panose="020B0604020202020204" pitchFamily="34" charset="0"/>
+                        <a:buChar char="•"/>
+                        <a:tabLst/>
+                        <a:defRPr/>
+                      </a:pPr>
+                      <a:r>
+                        <a:rPr lang="en-US" sz="1000" b="0" kern="1200" dirty="0">
+                          <a:solidFill>
+                            <a:schemeClr val="tx1"/>
+                          </a:solidFill>
+                          <a:highlight>
+                            <a:srgbClr val="00FFFF"/>
+                          </a:highlight>
+                          <a:latin typeface="+mn-lt"/>
+                          <a:ea typeface="+mn-ea"/>
+                          <a:cs typeface="+mn-cs"/>
+                        </a:rPr>
+                        <a:t>Architecture Change Requests</a:t>
+                      </a:r>
                     </a:p>
                   </a:txBody>
                   <a:tcPr/>
@@ -4945,190 +4589,221 @@
                             <a:schemeClr val="tx1"/>
                           </a:solidFill>
                           <a:highlight>
-                            <a:srgbClr val="FFFF00"/>
-                          </a:highlight>
-                          <a:latin typeface="+mn-lt"/>
-                          <a:ea typeface="+mn-ea"/>
-                          <a:cs typeface="+mn-cs"/>
-                        </a:rPr>
-                        <a:t>Develop the </a:t>
-                      </a:r>
-                      <a:r>
-                        <a:rPr lang="en-US" sz="1000" b="0" kern="1200" dirty="0">
-                          <a:solidFill>
-                            <a:srgbClr val="FF0000"/>
-                          </a:solidFill>
-                          <a:highlight>
-                            <a:srgbClr val="FFFF00"/>
-                          </a:highlight>
-                          <a:latin typeface="+mn-lt"/>
-                          <a:ea typeface="+mn-ea"/>
-                          <a:cs typeface="+mn-cs"/>
-                        </a:rPr>
-                        <a:t>Target</a:t>
-                      </a:r>
-                      <a:r>
-                        <a:rPr lang="en-US" sz="1000" b="0" kern="1200" dirty="0">
-                          <a:solidFill>
-                            <a:schemeClr val="tx1"/>
-                          </a:solidFill>
-                          <a:highlight>
-                            <a:srgbClr val="FFFF00"/>
-                          </a:highlight>
-                          <a:latin typeface="+mn-lt"/>
-                          <a:ea typeface="+mn-ea"/>
-                          <a:cs typeface="+mn-cs"/>
-                        </a:rPr>
-                        <a:t> </a:t>
-                      </a:r>
-                      <a:r>
-                        <a:rPr lang="en-US" sz="1000" b="0" kern="1200" dirty="0">
-                          <a:solidFill>
-                            <a:srgbClr val="FF0000"/>
-                          </a:solidFill>
-                          <a:highlight>
-                            <a:srgbClr val="FFFF00"/>
-                          </a:highlight>
-                          <a:latin typeface="+mn-lt"/>
-                          <a:ea typeface="+mn-ea"/>
-                          <a:cs typeface="+mn-cs"/>
-                        </a:rPr>
-                        <a:t>Technology</a:t>
-                      </a:r>
-                      <a:r>
-                        <a:rPr lang="en-US" sz="1000" b="0" kern="1200" dirty="0">
-                          <a:solidFill>
-                            <a:schemeClr val="tx1"/>
-                          </a:solidFill>
-                          <a:highlight>
-                            <a:srgbClr val="FFFF00"/>
-                          </a:highlight>
-                          <a:latin typeface="+mn-lt"/>
-                          <a:ea typeface="+mn-ea"/>
-                          <a:cs typeface="+mn-cs"/>
-                        </a:rPr>
-                        <a:t> </a:t>
-                      </a:r>
-                      <a:r>
-                        <a:rPr lang="en-US" sz="1000" b="0" kern="1200" dirty="0">
-                          <a:solidFill>
-                            <a:srgbClr val="FF0000"/>
-                          </a:solidFill>
-                          <a:highlight>
-                            <a:srgbClr val="FFFF00"/>
-                          </a:highlight>
-                          <a:latin typeface="+mn-lt"/>
-                          <a:ea typeface="+mn-ea"/>
-                          <a:cs typeface="+mn-cs"/>
-                        </a:rPr>
-                        <a:t>Architecture</a:t>
-                      </a:r>
-                      <a:r>
-                        <a:rPr lang="en-US" sz="1000" b="0" kern="1200" dirty="0">
-                          <a:solidFill>
-                            <a:schemeClr val="tx1"/>
-                          </a:solidFill>
-                          <a:highlight>
-                            <a:srgbClr val="FFFF00"/>
-                          </a:highlight>
-                          <a:latin typeface="+mn-lt"/>
-                          <a:ea typeface="+mn-ea"/>
-                          <a:cs typeface="+mn-cs"/>
-                        </a:rPr>
-                        <a:t> </a:t>
-                      </a:r>
-                      <a:r>
-                        <a:rPr lang="en-US" sz="1000" b="0" kern="1200" dirty="0">
-                          <a:solidFill>
-                            <a:schemeClr val="tx1"/>
-                          </a:solidFill>
-                          <a:latin typeface="+mn-lt"/>
-                          <a:ea typeface="+mn-ea"/>
-                          <a:cs typeface="+mn-cs"/>
-                        </a:rPr>
-                        <a:t>that enables the Architecture Vision, target business, data, and application building blocks to be delivered through technology components and technology services, in a way that addresses the Statement of Architecture Work and stakeholder concerns</a:t>
-                      </a:r>
-                    </a:p>
-                    <a:p>
-                      <a:pPr marL="171450" marR="0" lvl="0" indent="-171450" algn="l" defTabSz="914400" rtl="0" eaLnBrk="1" fontAlgn="auto" latinLnBrk="0" hangingPunct="1">
-                        <a:lnSpc>
-                          <a:spcPct val="100000"/>
-                        </a:lnSpc>
-                        <a:spcBef>
-                          <a:spcPts val="0"/>
-                        </a:spcBef>
-                        <a:spcAft>
-                          <a:spcPts val="0"/>
-                        </a:spcAft>
-                        <a:buClrTx/>
-                        <a:buSzTx/>
-                        <a:buFont typeface="Arial" panose="020B0604020202020204" pitchFamily="34" charset="0"/>
-                        <a:buChar char="•"/>
-                        <a:tabLst/>
-                        <a:defRPr/>
-                      </a:pPr>
-                      <a:r>
-                        <a:rPr lang="en-US" sz="1000" b="0" kern="1200" dirty="0">
-                          <a:solidFill>
-                            <a:schemeClr val="tx1"/>
-                          </a:solidFill>
-                          <a:highlight>
-                            <a:srgbClr val="FFFF00"/>
-                          </a:highlight>
-                          <a:latin typeface="+mn-lt"/>
-                          <a:ea typeface="+mn-ea"/>
-                          <a:cs typeface="+mn-cs"/>
-                        </a:rPr>
-                        <a:t>Identify candidate </a:t>
-                      </a:r>
-                      <a:r>
-                        <a:rPr lang="en-US" sz="1000" b="0" kern="1200" dirty="0">
-                          <a:solidFill>
-                            <a:srgbClr val="FF0000"/>
-                          </a:solidFill>
-                          <a:highlight>
-                            <a:srgbClr val="FFFF00"/>
-                          </a:highlight>
-                          <a:latin typeface="+mn-lt"/>
-                          <a:ea typeface="+mn-ea"/>
-                          <a:cs typeface="+mn-cs"/>
-                        </a:rPr>
-                        <a:t>Architecture Roadmap components </a:t>
-                      </a:r>
-                      <a:r>
-                        <a:rPr lang="en-US" sz="1000" b="0" kern="1200" dirty="0">
-                          <a:solidFill>
-                            <a:schemeClr val="tx1"/>
-                          </a:solidFill>
-                          <a:latin typeface="+mn-lt"/>
-                          <a:ea typeface="+mn-ea"/>
-                          <a:cs typeface="+mn-cs"/>
-                        </a:rPr>
-                        <a:t>based upon gaps between the Baseline and Target Technology Architectures</a:t>
-                      </a:r>
-                    </a:p>
-                    <a:p>
-                      <a:pPr marL="171450" marR="0" lvl="0" indent="-171450" algn="l" defTabSz="914400" rtl="0" eaLnBrk="1" fontAlgn="auto" latinLnBrk="0" hangingPunct="1">
-                        <a:lnSpc>
-                          <a:spcPct val="100000"/>
-                        </a:lnSpc>
-                        <a:spcBef>
-                          <a:spcPts val="0"/>
-                        </a:spcBef>
-                        <a:spcAft>
-                          <a:spcPts val="0"/>
-                        </a:spcAft>
-                        <a:buClrTx/>
-                        <a:buSzTx/>
-                        <a:buFont typeface="Arial" panose="020B0604020202020204" pitchFamily="34" charset="0"/>
-                        <a:buChar char="•"/>
-                        <a:tabLst/>
-                        <a:defRPr/>
-                      </a:pPr>
-                      <a:endParaRPr lang="en-US" sz="1000" b="0" i="1" dirty="0">
+                            <a:srgbClr val="00FF00"/>
+                          </a:highlight>
+                          <a:latin typeface="+mn-lt"/>
+                          <a:ea typeface="+mn-ea"/>
+                          <a:cs typeface="+mn-cs"/>
+                        </a:rPr>
+                        <a:t>Ensure Architecture Lifecycle and Governance</a:t>
+                      </a:r>
+                    </a:p>
+                    <a:p>
+                      <a:pPr marL="171450" marR="0" lvl="0" indent="-171450" algn="l" defTabSz="914400" rtl="0" eaLnBrk="1" fontAlgn="auto" latinLnBrk="0" hangingPunct="1">
+                        <a:lnSpc>
+                          <a:spcPct val="100000"/>
+                        </a:lnSpc>
+                        <a:spcBef>
+                          <a:spcPts val="0"/>
+                        </a:spcBef>
+                        <a:spcAft>
+                          <a:spcPts val="0"/>
+                        </a:spcAft>
+                        <a:buClrTx/>
+                        <a:buSzTx/>
+                        <a:buFont typeface="Arial" panose="020B0604020202020204" pitchFamily="34" charset="0"/>
+                        <a:buChar char="•"/>
+                        <a:tabLst/>
+                        <a:defRPr/>
+                      </a:pPr>
+                      <a:r>
+                        <a:rPr lang="en-US" sz="1000" b="0" kern="1200" dirty="0">
+                          <a:solidFill>
+                            <a:schemeClr val="tx1"/>
+                          </a:solidFill>
+                          <a:highlight>
+                            <a:srgbClr val="00FF00"/>
+                          </a:highlight>
+                          <a:latin typeface="+mn-lt"/>
+                          <a:ea typeface="+mn-ea"/>
+                          <a:cs typeface="+mn-cs"/>
+                        </a:rPr>
+                        <a:t>Ensure Architecture Capability meets current requirements</a:t>
+                      </a:r>
+                    </a:p>
+                    <a:p>
+                      <a:pPr marL="171450" marR="0" lvl="0" indent="-171450" algn="l" defTabSz="914400" rtl="0" eaLnBrk="1" fontAlgn="auto" latinLnBrk="0" hangingPunct="1">
+                        <a:lnSpc>
+                          <a:spcPct val="100000"/>
+                        </a:lnSpc>
+                        <a:spcBef>
+                          <a:spcPts val="0"/>
+                        </a:spcBef>
+                        <a:spcAft>
+                          <a:spcPts val="0"/>
+                        </a:spcAft>
+                        <a:buClrTx/>
+                        <a:buSzTx/>
+                        <a:buFont typeface="Arial" panose="020B0604020202020204" pitchFamily="34" charset="0"/>
+                        <a:buChar char="•"/>
+                        <a:tabLst/>
+                        <a:defRPr/>
+                      </a:pPr>
+                      <a:endParaRPr lang="en-US" sz="1000" b="0" kern="1200" dirty="0">
                         <a:solidFill>
                           <a:schemeClr val="tx1"/>
                         </a:solidFill>
+                        <a:highlight>
+                          <a:srgbClr val="FFFF00"/>
+                        </a:highlight>
+                        <a:latin typeface="+mn-lt"/>
+                        <a:ea typeface="+mn-ea"/>
+                        <a:cs typeface="+mn-cs"/>
+                      </a:endParaRPr>
+                    </a:p>
+                  </a:txBody>
+                  <a:tcPr/>
+                </a:tc>
+                <a:extLst>
+                  <a:ext uri="{0D108BD9-81ED-4DB2-BD59-A6C34878D82A}">
+                    <a16:rowId xmlns:a16="http://schemas.microsoft.com/office/drawing/2014/main" val="3765190769"/>
+                  </a:ext>
+                </a:extLst>
+              </a:tr>
+              <a:tr h="1246547">
+                <a:tc>
+                  <a:txBody>
+                    <a:bodyPr/>
+                    <a:lstStyle/>
+                    <a:p>
+                      <a:pPr algn="ctr"/>
+                      <a:r>
+                        <a:rPr lang="en-US" sz="2000" b="1" dirty="0"/>
+                        <a:t>OBJECTIVE</a:t>
+                      </a:r>
+                    </a:p>
+                  </a:txBody>
+                  <a:tcPr vert="vert" anchor="ctr"/>
+                </a:tc>
+                <a:tc>
+                  <a:txBody>
+                    <a:bodyPr/>
+                    <a:lstStyle/>
+                    <a:p>
+                      <a:pPr marL="171450" marR="0" lvl="0" indent="-171450" algn="l" defTabSz="914400" rtl="0" eaLnBrk="1" fontAlgn="auto" latinLnBrk="0" hangingPunct="1">
+                        <a:lnSpc>
+                          <a:spcPct val="100000"/>
+                        </a:lnSpc>
+                        <a:spcBef>
+                          <a:spcPts val="0"/>
+                        </a:spcBef>
+                        <a:spcAft>
+                          <a:spcPts val="0"/>
+                        </a:spcAft>
+                        <a:buClrTx/>
+                        <a:buSzTx/>
+                        <a:buFont typeface="Arial" panose="020B0604020202020204" pitchFamily="34" charset="0"/>
+                        <a:buChar char="•"/>
+                        <a:tabLst/>
+                        <a:defRPr/>
+                      </a:pPr>
+                      <a:r>
+                        <a:rPr lang="en-US" sz="1000" b="0" dirty="0">
+                          <a:solidFill>
+                            <a:schemeClr val="tx1"/>
+                          </a:solidFill>
+                          <a:highlight>
+                            <a:srgbClr val="FFFF00"/>
+                          </a:highlight>
+                        </a:rPr>
+                        <a:t>Determine the </a:t>
+                      </a:r>
+                      <a:r>
+                        <a:rPr lang="en-US" sz="1000" b="0" dirty="0">
+                          <a:solidFill>
+                            <a:schemeClr val="tx1"/>
+                          </a:solidFill>
+                          <a:highlight>
+                            <a:srgbClr val="00FFFF"/>
+                          </a:highlight>
+                        </a:rPr>
+                        <a:t>Architecture Capability </a:t>
+                      </a:r>
+                      <a:r>
+                        <a:rPr lang="en-US" sz="1000" b="0" dirty="0">
+                          <a:solidFill>
+                            <a:schemeClr val="tx1"/>
+                          </a:solidFill>
+                        </a:rPr>
+                        <a:t>desired by the organization</a:t>
+                      </a:r>
+                    </a:p>
+                    <a:p>
+                      <a:pPr marL="171450" marR="0" lvl="0" indent="-171450" algn="l" defTabSz="914400" rtl="0" eaLnBrk="1" fontAlgn="auto" latinLnBrk="0" hangingPunct="1">
+                        <a:lnSpc>
+                          <a:spcPct val="100000"/>
+                        </a:lnSpc>
+                        <a:spcBef>
+                          <a:spcPts val="0"/>
+                        </a:spcBef>
+                        <a:spcAft>
+                          <a:spcPts val="0"/>
+                        </a:spcAft>
+                        <a:buClrTx/>
+                        <a:buSzTx/>
+                        <a:buFont typeface="Arial" panose="020B0604020202020204" pitchFamily="34" charset="0"/>
+                        <a:buChar char="•"/>
+                        <a:tabLst/>
+                        <a:defRPr/>
+                      </a:pPr>
+                      <a:r>
+                        <a:rPr lang="en-US" sz="1000" b="0" dirty="0">
+                          <a:solidFill>
+                            <a:schemeClr val="tx1"/>
+                          </a:solidFill>
+                          <a:highlight>
+                            <a:srgbClr val="FFFF00"/>
+                          </a:highlight>
+                        </a:rPr>
+                        <a:t>Establish the </a:t>
+                      </a:r>
+                      <a:r>
+                        <a:rPr lang="en-US" sz="1000" b="0" dirty="0">
+                          <a:solidFill>
+                            <a:schemeClr val="tx1"/>
+                          </a:solidFill>
+                          <a:highlight>
+                            <a:srgbClr val="00FFFF"/>
+                          </a:highlight>
+                        </a:rPr>
+                        <a:t>Architecture Capability</a:t>
+                      </a:r>
+                    </a:p>
+                    <a:p>
+                      <a:pPr marL="171450" marR="0" lvl="0" indent="-171450" algn="l" defTabSz="914400" rtl="0" eaLnBrk="1" fontAlgn="auto" latinLnBrk="0" hangingPunct="1">
+                        <a:lnSpc>
+                          <a:spcPct val="100000"/>
+                        </a:lnSpc>
+                        <a:spcBef>
+                          <a:spcPts val="0"/>
+                        </a:spcBef>
+                        <a:spcAft>
+                          <a:spcPts val="0"/>
+                        </a:spcAft>
+                        <a:buClrTx/>
+                        <a:buSzTx/>
+                        <a:buFont typeface="Arial" panose="020B0604020202020204" pitchFamily="34" charset="0"/>
+                        <a:buChar char="•"/>
+                        <a:tabLst/>
+                        <a:defRPr/>
+                      </a:pPr>
+                      <a:endParaRPr lang="en-US" sz="1000" b="0" dirty="0">
+                        <a:solidFill>
+                          <a:schemeClr val="tx1"/>
+                        </a:solidFill>
+                        <a:highlight>
+                          <a:srgbClr val="FFFF00"/>
+                        </a:highlight>
                       </a:endParaRPr>
                     </a:p>
                   </a:txBody>
@@ -5157,241 +4832,180 @@
                         <a:defRPr/>
                       </a:pPr>
                       <a:r>
-                        <a:rPr lang="en-US" sz="1000" b="0" dirty="0">
+                        <a:rPr lang="en-US" sz="1000" b="0" kern="1200" dirty="0">
+                          <a:solidFill>
+                            <a:schemeClr val="tx1"/>
+                          </a:solidFill>
+                          <a:latin typeface="+mn-lt"/>
+                          <a:ea typeface="+mn-ea"/>
+                          <a:cs typeface="+mn-cs"/>
+                        </a:rPr>
+                        <a:t>Develop a </a:t>
+                      </a:r>
+                      <a:r>
+                        <a:rPr lang="en-US" sz="1000" b="0" kern="1200" dirty="0">
                           <a:solidFill>
                             <a:schemeClr val="tx1"/>
                           </a:solidFill>
                           <a:highlight>
                             <a:srgbClr val="FFFF00"/>
                           </a:highlight>
-                        </a:rPr>
-                        <a:t>Generate the </a:t>
-                      </a:r>
-                      <a:r>
-                        <a:rPr lang="en-US" sz="1000" b="0" dirty="0">
-                          <a:solidFill>
-                            <a:srgbClr val="FF0000"/>
+                          <a:latin typeface="+mn-lt"/>
+                          <a:ea typeface="+mn-ea"/>
+                          <a:cs typeface="+mn-cs"/>
+                        </a:rPr>
+                        <a:t>High-level </a:t>
+                      </a:r>
+                      <a:r>
+                        <a:rPr lang="en-US" sz="1000" b="0" kern="1200" dirty="0">
+                          <a:solidFill>
+                            <a:schemeClr val="tx1"/>
+                          </a:solidFill>
+                          <a:highlight>
+                            <a:srgbClr val="00FFFF"/>
+                          </a:highlight>
+                          <a:latin typeface="+mn-lt"/>
+                          <a:ea typeface="+mn-ea"/>
+                          <a:cs typeface="+mn-cs"/>
+                        </a:rPr>
+                        <a:t>aspirational vision </a:t>
+                      </a:r>
+                      <a:r>
+                        <a:rPr lang="en-US" sz="1000" b="0" kern="1200" dirty="0">
+                          <a:solidFill>
+                            <a:schemeClr val="tx1"/>
                           </a:solidFill>
                           <a:highlight>
                             <a:srgbClr val="FFFF00"/>
                           </a:highlight>
-                        </a:rPr>
-                        <a:t>initial</a:t>
-                      </a:r>
-                      <a:r>
-                        <a:rPr lang="en-US" sz="1000" b="0" dirty="0">
+                          <a:latin typeface="+mn-lt"/>
+                          <a:ea typeface="+mn-ea"/>
+                          <a:cs typeface="+mn-cs"/>
+                        </a:rPr>
+                        <a:t>of the capabilities </a:t>
+                      </a:r>
+                      <a:r>
+                        <a:rPr lang="en-US" sz="1000" b="0" kern="1200" dirty="0">
+                          <a:solidFill>
+                            <a:schemeClr val="tx1"/>
+                          </a:solidFill>
+                          <a:latin typeface="+mn-lt"/>
+                          <a:ea typeface="+mn-ea"/>
+                          <a:cs typeface="+mn-cs"/>
+                        </a:rPr>
+                        <a:t>and business value to be delivered</a:t>
+                      </a:r>
+                    </a:p>
+                    <a:p>
+                      <a:pPr marL="171450" marR="0" lvl="0" indent="-171450" algn="l" defTabSz="914400" rtl="0" eaLnBrk="1" fontAlgn="auto" latinLnBrk="0" hangingPunct="1">
+                        <a:lnSpc>
+                          <a:spcPct val="100000"/>
+                        </a:lnSpc>
+                        <a:spcBef>
+                          <a:spcPts val="0"/>
+                        </a:spcBef>
+                        <a:spcAft>
+                          <a:spcPts val="0"/>
+                        </a:spcAft>
+                        <a:buClrTx/>
+                        <a:buSzTx/>
+                        <a:buFont typeface="Arial" panose="020B0604020202020204" pitchFamily="34" charset="0"/>
+                        <a:buChar char="•"/>
+                        <a:tabLst/>
+                        <a:defRPr/>
+                      </a:pPr>
+                      <a:r>
+                        <a:rPr lang="en-US" sz="1000" b="0" kern="1200" dirty="0">
                           <a:solidFill>
                             <a:schemeClr val="tx1"/>
                           </a:solidFill>
                           <a:highlight>
                             <a:srgbClr val="FFFF00"/>
                           </a:highlight>
-                        </a:rPr>
-                        <a:t> complete </a:t>
-                      </a:r>
-                      <a:r>
-                        <a:rPr lang="en-US" sz="1000" b="0" dirty="0">
-                          <a:solidFill>
-                            <a:srgbClr val="FF0000"/>
-                          </a:solidFill>
-                          <a:highlight>
-                            <a:srgbClr val="FFFF00"/>
-                          </a:highlight>
-                        </a:rPr>
-                        <a:t>version</a:t>
-                      </a:r>
-                      <a:r>
-                        <a:rPr lang="en-US" sz="1000" b="0" dirty="0">
-                          <a:solidFill>
-                            <a:schemeClr val="tx1"/>
-                          </a:solidFill>
-                          <a:highlight>
-                            <a:srgbClr val="FFFF00"/>
-                          </a:highlight>
-                        </a:rPr>
-                        <a:t> of the </a:t>
-                      </a:r>
-                      <a:r>
-                        <a:rPr lang="en-US" sz="1000" b="0" dirty="0">
-                          <a:solidFill>
-                            <a:srgbClr val="FF0000"/>
-                          </a:solidFill>
-                          <a:highlight>
-                            <a:srgbClr val="FFFF00"/>
-                          </a:highlight>
-                        </a:rPr>
-                        <a:t>Architecture Roadmap</a:t>
-                      </a:r>
-                      <a:r>
-                        <a:rPr lang="en-US" sz="1000" b="0" dirty="0">
-                          <a:solidFill>
-                            <a:schemeClr val="tx1"/>
-                          </a:solidFill>
-                        </a:rPr>
-                        <a:t>, based upon the gap analysis and candidate Architecture Roadmap components from Phases B, C, and D</a:t>
-                      </a:r>
-                    </a:p>
-                    <a:p>
-                      <a:pPr marL="171450" marR="0" lvl="0" indent="-171450" algn="l" defTabSz="914400" rtl="0" eaLnBrk="1" fontAlgn="auto" latinLnBrk="0" hangingPunct="1">
-                        <a:lnSpc>
-                          <a:spcPct val="100000"/>
-                        </a:lnSpc>
-                        <a:spcBef>
-                          <a:spcPts val="0"/>
-                        </a:spcBef>
-                        <a:spcAft>
-                          <a:spcPts val="0"/>
-                        </a:spcAft>
-                        <a:buClrTx/>
-                        <a:buSzTx/>
-                        <a:buFont typeface="Arial" panose="020B0604020202020204" pitchFamily="34" charset="0"/>
-                        <a:buChar char="•"/>
-                        <a:tabLst/>
-                        <a:defRPr/>
-                      </a:pPr>
-                      <a:r>
-                        <a:rPr lang="en-US" sz="1000" b="0" dirty="0">
-                          <a:solidFill>
-                            <a:schemeClr val="tx1"/>
-                          </a:solidFill>
-                          <a:highlight>
-                            <a:srgbClr val="FFFF00"/>
-                          </a:highlight>
-                        </a:rPr>
-                        <a:t>Determine whether an </a:t>
-                      </a:r>
-                      <a:r>
-                        <a:rPr lang="en-US" sz="1000" b="0" dirty="0">
-                          <a:solidFill>
-                            <a:srgbClr val="FF0000"/>
-                          </a:solidFill>
-                          <a:highlight>
-                            <a:srgbClr val="FFFF00"/>
-                          </a:highlight>
-                        </a:rPr>
-                        <a:t>incremental approach </a:t>
-                      </a:r>
-                      <a:r>
-                        <a:rPr lang="en-US" sz="1000" b="0" dirty="0">
-                          <a:solidFill>
-                            <a:schemeClr val="tx1"/>
-                          </a:solidFill>
-                          <a:highlight>
-                            <a:srgbClr val="FFFF00"/>
-                          </a:highlight>
-                        </a:rPr>
-                        <a:t>is required</a:t>
-                      </a:r>
-                      <a:r>
-                        <a:rPr lang="en-US" sz="1000" b="0" dirty="0">
-                          <a:solidFill>
-                            <a:schemeClr val="tx1"/>
-                          </a:solidFill>
-                        </a:rPr>
-                        <a:t>, and if so, </a:t>
-                      </a:r>
-                      <a:r>
-                        <a:rPr lang="en-US" sz="1000" b="0" dirty="0">
-                          <a:solidFill>
-                            <a:schemeClr val="tx1"/>
-                          </a:solidFill>
-                          <a:highlight>
-                            <a:srgbClr val="FFFF00"/>
-                          </a:highlight>
-                        </a:rPr>
-                        <a:t>identify </a:t>
-                      </a:r>
-                      <a:r>
-                        <a:rPr lang="en-US" sz="1000" b="0" dirty="0">
-                          <a:solidFill>
-                            <a:srgbClr val="FF0000"/>
-                          </a:solidFill>
-                          <a:highlight>
-                            <a:srgbClr val="FFFF00"/>
-                          </a:highlight>
-                        </a:rPr>
-                        <a:t>Transition Architectures</a:t>
-                      </a:r>
-                      <a:r>
-                        <a:rPr lang="en-US" sz="1000" b="0" dirty="0">
-                          <a:solidFill>
-                            <a:srgbClr val="FF0000"/>
-                          </a:solidFill>
-                        </a:rPr>
-                        <a:t> </a:t>
-                      </a:r>
-                      <a:r>
-                        <a:rPr lang="en-US" sz="1000" b="0" dirty="0">
-                          <a:solidFill>
-                            <a:schemeClr val="tx1"/>
-                          </a:solidFill>
-                        </a:rPr>
-                        <a:t>that will deliver continuous business value</a:t>
-                      </a:r>
-                    </a:p>
-                    <a:p>
-                      <a:pPr marL="171450" marR="0" lvl="0" indent="-171450" algn="l" defTabSz="914400" rtl="0" eaLnBrk="1" fontAlgn="auto" latinLnBrk="0" hangingPunct="1">
-                        <a:lnSpc>
-                          <a:spcPct val="100000"/>
-                        </a:lnSpc>
-                        <a:spcBef>
-                          <a:spcPts val="0"/>
-                        </a:spcBef>
-                        <a:spcAft>
-                          <a:spcPts val="0"/>
-                        </a:spcAft>
-                        <a:buClrTx/>
-                        <a:buSzTx/>
-                        <a:buFont typeface="Arial" panose="020B0604020202020204" pitchFamily="34" charset="0"/>
-                        <a:buChar char="•"/>
-                        <a:tabLst/>
-                        <a:defRPr/>
-                      </a:pPr>
-                      <a:r>
-                        <a:rPr lang="en-US" sz="1000" b="0" dirty="0">
-                          <a:solidFill>
-                            <a:schemeClr val="tx1"/>
-                          </a:solidFill>
-                          <a:highlight>
-                            <a:srgbClr val="FFFF00"/>
-                          </a:highlight>
-                        </a:rPr>
-                        <a:t>Define the overall </a:t>
-                      </a:r>
-                      <a:r>
-                        <a:rPr lang="en-US" sz="1000" b="0" dirty="0">
-                          <a:solidFill>
-                            <a:srgbClr val="FF0000"/>
-                          </a:solidFill>
-                          <a:highlight>
-                            <a:srgbClr val="FFFF00"/>
-                          </a:highlight>
-                        </a:rPr>
-                        <a:t>Solution Building Blocks (SBB) </a:t>
-                      </a:r>
-                      <a:r>
-                        <a:rPr lang="en-US" sz="1000" b="0" dirty="0">
-                          <a:solidFill>
-                            <a:schemeClr val="tx1"/>
-                          </a:solidFill>
-                        </a:rPr>
-                        <a:t>to finalize the Target Architecture based on the </a:t>
-                      </a:r>
-                      <a:r>
-                        <a:rPr lang="en-US" sz="1000" b="0" dirty="0">
-                          <a:solidFill>
-                            <a:srgbClr val="FF0000"/>
-                          </a:solidFill>
-                          <a:highlight>
-                            <a:srgbClr val="FFFF00"/>
-                          </a:highlight>
-                        </a:rPr>
-                        <a:t>Architecture Building Blocks (ABB)</a:t>
-                      </a:r>
-                      <a:endParaRPr lang="en-US" sz="1000" b="0" dirty="0">
+                          <a:latin typeface="+mn-lt"/>
+                          <a:ea typeface="+mn-ea"/>
+                          <a:cs typeface="+mn-cs"/>
+                        </a:rPr>
+                        <a:t>Obtain approval for a </a:t>
+                      </a:r>
+                      <a:r>
+                        <a:rPr lang="en-US" sz="1000" b="0" kern="1200" dirty="0">
+                          <a:solidFill>
+                            <a:schemeClr val="tx1"/>
+                          </a:solidFill>
+                          <a:highlight>
+                            <a:srgbClr val="00FFFF"/>
+                          </a:highlight>
+                          <a:latin typeface="+mn-lt"/>
+                          <a:ea typeface="+mn-ea"/>
+                          <a:cs typeface="+mn-cs"/>
+                        </a:rPr>
+                        <a:t>Statement of Architecture Work </a:t>
+                      </a:r>
+                      <a:r>
+                        <a:rPr lang="en-US" sz="1000" b="0" kern="1200" dirty="0">
+                          <a:solidFill>
+                            <a:schemeClr val="tx1"/>
+                          </a:solidFill>
+                          <a:latin typeface="+mn-lt"/>
+                          <a:ea typeface="+mn-ea"/>
+                          <a:cs typeface="+mn-cs"/>
+                        </a:rPr>
+                        <a:t>that defines a program of works to develop and deploy the architecture outlined in the Architecture Vision</a:t>
+                      </a:r>
+                    </a:p>
+                    <a:p>
+                      <a:pPr marL="171450" marR="0" lvl="0" indent="-171450" algn="l" defTabSz="914400" rtl="0" eaLnBrk="1" fontAlgn="auto" latinLnBrk="0" hangingPunct="1">
+                        <a:lnSpc>
+                          <a:spcPct val="100000"/>
+                        </a:lnSpc>
+                        <a:spcBef>
+                          <a:spcPts val="0"/>
+                        </a:spcBef>
+                        <a:spcAft>
+                          <a:spcPts val="0"/>
+                        </a:spcAft>
+                        <a:buClrTx/>
+                        <a:buSzTx/>
+                        <a:buFont typeface="Arial" panose="020B0604020202020204" pitchFamily="34" charset="0"/>
+                        <a:buChar char="•"/>
+                        <a:tabLst/>
+                        <a:defRPr/>
+                      </a:pPr>
+                      <a:endParaRPr lang="en-US" sz="1000" b="0" kern="1200" dirty="0">
                         <a:solidFill>
                           <a:schemeClr val="tx1"/>
                         </a:solidFill>
+                        <a:latin typeface="+mn-lt"/>
+                        <a:ea typeface="+mn-ea"/>
+                        <a:cs typeface="+mn-cs"/>
+                      </a:endParaRPr>
+                    </a:p>
+                    <a:p>
+                      <a:pPr marL="171450" marR="0" lvl="0" indent="-171450" algn="l" defTabSz="914400" rtl="0" eaLnBrk="1" fontAlgn="auto" latinLnBrk="0" hangingPunct="1">
+                        <a:lnSpc>
+                          <a:spcPct val="100000"/>
+                        </a:lnSpc>
+                        <a:spcBef>
+                          <a:spcPts val="0"/>
+                        </a:spcBef>
+                        <a:spcAft>
+                          <a:spcPts val="0"/>
+                        </a:spcAft>
+                        <a:buClrTx/>
+                        <a:buSzTx/>
+                        <a:buFont typeface="Arial" panose="020B0604020202020204" pitchFamily="34" charset="0"/>
+                        <a:buChar char="•"/>
+                        <a:tabLst/>
+                        <a:defRPr/>
+                      </a:pPr>
+                      <a:endParaRPr lang="en-US" sz="1000" b="0" kern="1200" dirty="0">
+                        <a:solidFill>
+                          <a:schemeClr val="tx1"/>
+                        </a:solidFill>
+                        <a:latin typeface="+mn-lt"/>
+                        <a:ea typeface="+mn-ea"/>
+                        <a:cs typeface="+mn-cs"/>
                       </a:endParaRPr>
                     </a:p>
                   </a:txBody>
@@ -5420,216 +5034,236 @@
                         <a:defRPr/>
                       </a:pPr>
                       <a:r>
-                        <a:rPr lang="en-US" sz="1000" b="0" dirty="0">
-                          <a:solidFill>
-                            <a:srgbClr val="FF0000"/>
+                        <a:rPr lang="en-US" sz="1000" b="0" kern="1200" dirty="0">
+                          <a:solidFill>
+                            <a:schemeClr val="tx1"/>
+                          </a:solidFill>
+                          <a:latin typeface="+mn-lt"/>
+                          <a:ea typeface="+mn-ea"/>
+                          <a:cs typeface="+mn-cs"/>
+                        </a:rPr>
+                        <a:t>Develop the </a:t>
+                      </a:r>
+                      <a:r>
+                        <a:rPr lang="en-US" sz="1000" b="0" kern="1200" dirty="0">
+                          <a:solidFill>
+                            <a:schemeClr val="tx1"/>
+                          </a:solidFill>
+                          <a:highlight>
+                            <a:srgbClr val="C98E37"/>
+                          </a:highlight>
+                          <a:latin typeface="+mn-lt"/>
+                          <a:ea typeface="+mn-ea"/>
+                          <a:cs typeface="+mn-cs"/>
+                        </a:rPr>
+                        <a:t>Target Business Architecture </a:t>
+                      </a:r>
+                      <a:r>
+                        <a:rPr lang="en-US" sz="1000" b="0" kern="1200" dirty="0">
+                          <a:solidFill>
+                            <a:schemeClr val="tx1"/>
+                          </a:solidFill>
+                          <a:latin typeface="+mn-lt"/>
+                          <a:ea typeface="+mn-ea"/>
+                          <a:cs typeface="+mn-cs"/>
+                        </a:rPr>
+                        <a:t>that describes how the enterprise needs to operate to achieve the business goals, and </a:t>
+                      </a:r>
+                      <a:r>
+                        <a:rPr lang="en-US" sz="1000" b="0" kern="1200" dirty="0">
+                          <a:solidFill>
+                            <a:schemeClr val="tx1"/>
                           </a:solidFill>
                           <a:highlight>
                             <a:srgbClr val="FFFF00"/>
                           </a:highlight>
-                        </a:rPr>
-                        <a:t>Finalize</a:t>
-                      </a:r>
-                      <a:r>
-                        <a:rPr lang="en-US" sz="1000" b="0" dirty="0">
+                          <a:latin typeface="+mn-lt"/>
+                          <a:ea typeface="+mn-ea"/>
+                          <a:cs typeface="+mn-cs"/>
+                        </a:rPr>
+                        <a:t>respond to the strategic drivers set out in the </a:t>
+                      </a:r>
+                      <a:r>
+                        <a:rPr lang="en-US" sz="1000" b="0" kern="1200" dirty="0">
+                          <a:solidFill>
+                            <a:schemeClr val="tx1"/>
+                          </a:solidFill>
+                          <a:highlight>
+                            <a:srgbClr val="00FFFF"/>
+                          </a:highlight>
+                          <a:latin typeface="+mn-lt"/>
+                          <a:ea typeface="+mn-ea"/>
+                          <a:cs typeface="+mn-cs"/>
+                        </a:rPr>
+                        <a:t>Architecture Vision</a:t>
+                      </a:r>
+                      <a:r>
+                        <a:rPr lang="en-US" sz="1000" b="0" kern="1200" dirty="0">
+                          <a:solidFill>
+                            <a:schemeClr val="tx1"/>
+                          </a:solidFill>
+                          <a:latin typeface="+mn-lt"/>
+                          <a:ea typeface="+mn-ea"/>
+                          <a:cs typeface="+mn-cs"/>
+                        </a:rPr>
+                        <a:t>, in a way that </a:t>
+                      </a:r>
+                      <a:r>
+                        <a:rPr lang="en-US" sz="1000" b="0" kern="1200" dirty="0">
                           <a:solidFill>
                             <a:schemeClr val="tx1"/>
                           </a:solidFill>
                           <a:highlight>
                             <a:srgbClr val="FFFF00"/>
                           </a:highlight>
-                        </a:rPr>
-                        <a:t> the </a:t>
-                      </a:r>
-                      <a:r>
-                        <a:rPr lang="en-US" sz="1000" b="0" dirty="0">
-                          <a:solidFill>
-                            <a:srgbClr val="FF0000"/>
+                          <a:latin typeface="+mn-lt"/>
+                          <a:ea typeface="+mn-ea"/>
+                          <a:cs typeface="+mn-cs"/>
+                        </a:rPr>
+                        <a:t>addresses the </a:t>
+                      </a:r>
+                      <a:r>
+                        <a:rPr lang="en-US" sz="1000" b="0" kern="1200" dirty="0">
+                          <a:solidFill>
+                            <a:schemeClr val="tx1"/>
+                          </a:solidFill>
+                          <a:highlight>
+                            <a:srgbClr val="00FFFF"/>
+                          </a:highlight>
+                          <a:latin typeface="+mn-lt"/>
+                          <a:ea typeface="+mn-ea"/>
+                          <a:cs typeface="+mn-cs"/>
+                        </a:rPr>
+                        <a:t>Statement of Architecture Work </a:t>
+                      </a:r>
+                      <a:r>
+                        <a:rPr lang="en-US" sz="1000" b="0" kern="1200" dirty="0">
+                          <a:solidFill>
+                            <a:schemeClr val="tx1"/>
+                          </a:solidFill>
+                          <a:latin typeface="+mn-lt"/>
+                          <a:ea typeface="+mn-ea"/>
+                          <a:cs typeface="+mn-cs"/>
+                        </a:rPr>
+                        <a:t>and </a:t>
+                      </a:r>
+                      <a:r>
+                        <a:rPr lang="en-US" sz="1000" b="0" kern="1200" dirty="0">
+                          <a:solidFill>
+                            <a:schemeClr val="tx1"/>
                           </a:solidFill>
                           <a:highlight>
                             <a:srgbClr val="FFFF00"/>
                           </a:highlight>
-                        </a:rPr>
-                        <a:t>Architecture Roadmap </a:t>
-                      </a:r>
-                      <a:r>
-                        <a:rPr lang="en-US" sz="1000" b="0" dirty="0">
-                          <a:solidFill>
-                            <a:schemeClr val="tx1"/>
-                          </a:solidFill>
-                        </a:rPr>
-                        <a:t>and the supporting Implementation and Migration Plan</a:t>
-                      </a:r>
-                    </a:p>
-                    <a:p>
-                      <a:pPr marL="171450" marR="0" lvl="0" indent="-171450" algn="l" defTabSz="914400" rtl="0" eaLnBrk="1" fontAlgn="auto" latinLnBrk="0" hangingPunct="1">
-                        <a:lnSpc>
-                          <a:spcPct val="100000"/>
-                        </a:lnSpc>
-                        <a:spcBef>
-                          <a:spcPts val="0"/>
-                        </a:spcBef>
-                        <a:spcAft>
-                          <a:spcPts val="0"/>
-                        </a:spcAft>
-                        <a:buClrTx/>
-                        <a:buSzTx/>
-                        <a:buFont typeface="Arial" panose="020B0604020202020204" pitchFamily="34" charset="0"/>
-                        <a:buChar char="•"/>
-                        <a:tabLst/>
-                        <a:defRPr/>
-                      </a:pPr>
-                      <a:r>
-                        <a:rPr lang="en-US" sz="1000" b="0" dirty="0">
+                          <a:latin typeface="+mn-lt"/>
+                          <a:ea typeface="+mn-ea"/>
+                          <a:cs typeface="+mn-cs"/>
+                        </a:rPr>
+                        <a:t>stakeholder concerns</a:t>
+                      </a:r>
+                    </a:p>
+                    <a:p>
+                      <a:pPr marL="171450" marR="0" lvl="0" indent="-171450" algn="l" defTabSz="914400" rtl="0" eaLnBrk="1" fontAlgn="auto" latinLnBrk="0" hangingPunct="1">
+                        <a:lnSpc>
+                          <a:spcPct val="100000"/>
+                        </a:lnSpc>
+                        <a:spcBef>
+                          <a:spcPts val="0"/>
+                        </a:spcBef>
+                        <a:spcAft>
+                          <a:spcPts val="0"/>
+                        </a:spcAft>
+                        <a:buClrTx/>
+                        <a:buSzTx/>
+                        <a:buFont typeface="Arial" panose="020B0604020202020204" pitchFamily="34" charset="0"/>
+                        <a:buChar char="•"/>
+                        <a:tabLst/>
+                        <a:defRPr/>
+                      </a:pPr>
+                      <a:r>
+                        <a:rPr lang="en-US" sz="1000" b="0" kern="1200" dirty="0">
                           <a:solidFill>
                             <a:schemeClr val="tx1"/>
                           </a:solidFill>
                           <a:highlight>
                             <a:srgbClr val="FFFF00"/>
                           </a:highlight>
-                        </a:rPr>
-                        <a:t>Ensure that the </a:t>
-                      </a:r>
-                      <a:r>
-                        <a:rPr lang="en-US" sz="1000" b="0" dirty="0">
-                          <a:solidFill>
-                            <a:srgbClr val="FF0000"/>
+                          <a:latin typeface="+mn-lt"/>
+                          <a:ea typeface="+mn-ea"/>
+                          <a:cs typeface="+mn-cs"/>
+                        </a:rPr>
+                        <a:t>Identify</a:t>
+                      </a:r>
+                      <a:r>
+                        <a:rPr lang="en-US" sz="1000" b="0" kern="1200" dirty="0">
+                          <a:solidFill>
+                            <a:schemeClr val="tx1"/>
+                          </a:solidFill>
+                          <a:latin typeface="+mn-lt"/>
+                          <a:ea typeface="+mn-ea"/>
+                          <a:cs typeface="+mn-cs"/>
+                        </a:rPr>
+                        <a:t> </a:t>
+                      </a:r>
+                      <a:r>
+                        <a:rPr lang="en-US" sz="1000" b="0" kern="1200" dirty="0">
+                          <a:solidFill>
+                            <a:schemeClr val="tx1"/>
                           </a:solidFill>
                           <a:highlight>
                             <a:srgbClr val="FFFF00"/>
                           </a:highlight>
-                        </a:rPr>
-                        <a:t>Implementation and Migration Plan </a:t>
-                      </a:r>
-                      <a:r>
-                        <a:rPr lang="en-US" sz="1000" b="0" dirty="0">
-                          <a:solidFill>
-                            <a:schemeClr val="tx1"/>
-                          </a:solidFill>
-                          <a:highlight>
-                            <a:srgbClr val="FFFF00"/>
-                          </a:highlight>
-                        </a:rPr>
-                        <a:t>is coordinated </a:t>
-                      </a:r>
-                      <a:r>
-                        <a:rPr lang="en-US" sz="1000" b="0" dirty="0">
-                          <a:solidFill>
-                            <a:schemeClr val="tx1"/>
-                          </a:solidFill>
-                        </a:rPr>
-                        <a:t>with the enterprise's approach to managing and implementing change in the enterprise's overall change portfolio</a:t>
-                      </a:r>
-                    </a:p>
-                    <a:p>
-                      <a:pPr marL="171450" marR="0" lvl="0" indent="-171450" algn="l" defTabSz="914400" rtl="0" eaLnBrk="1" fontAlgn="auto" latinLnBrk="0" hangingPunct="1">
-                        <a:lnSpc>
-                          <a:spcPct val="100000"/>
-                        </a:lnSpc>
-                        <a:spcBef>
-                          <a:spcPts val="0"/>
-                        </a:spcBef>
-                        <a:spcAft>
-                          <a:spcPts val="0"/>
-                        </a:spcAft>
-                        <a:buClrTx/>
-                        <a:buSzTx/>
-                        <a:buFont typeface="Arial" panose="020B0604020202020204" pitchFamily="34" charset="0"/>
-                        <a:buChar char="•"/>
-                        <a:tabLst/>
-                        <a:defRPr/>
-                      </a:pPr>
-                      <a:r>
-                        <a:rPr lang="en-US" sz="1000" b="0" dirty="0">
-                          <a:solidFill>
-                            <a:schemeClr val="tx1"/>
-                          </a:solidFill>
-                          <a:highlight>
-                            <a:srgbClr val="FFFF00"/>
-                          </a:highlight>
-                        </a:rPr>
-                        <a:t>Ensure that the </a:t>
-                      </a:r>
-                      <a:r>
-                        <a:rPr lang="en-US" sz="1000" b="0" dirty="0">
-                          <a:solidFill>
-                            <a:srgbClr val="FF0000"/>
-                          </a:solidFill>
-                          <a:highlight>
-                            <a:srgbClr val="FFFF00"/>
-                          </a:highlight>
-                        </a:rPr>
-                        <a:t>business value </a:t>
-                      </a:r>
-                      <a:r>
-                        <a:rPr lang="en-US" sz="1000" b="0" dirty="0">
-                          <a:solidFill>
-                            <a:schemeClr val="tx1"/>
-                          </a:solidFill>
-                          <a:highlight>
-                            <a:srgbClr val="FFFF00"/>
-                          </a:highlight>
-                        </a:rPr>
-                        <a:t>and </a:t>
-                      </a:r>
-                      <a:r>
-                        <a:rPr lang="en-US" sz="1000" b="0" dirty="0">
-                          <a:solidFill>
-                            <a:srgbClr val="FF0000"/>
-                          </a:solidFill>
-                          <a:highlight>
-                            <a:srgbClr val="FFFF00"/>
-                          </a:highlight>
-                        </a:rPr>
-                        <a:t>cost of work </a:t>
-                      </a:r>
-                      <a:r>
-                        <a:rPr lang="en-US" sz="1000" b="0" dirty="0">
-                          <a:solidFill>
-                            <a:schemeClr val="tx1"/>
-                          </a:solidFill>
-                        </a:rPr>
-                        <a:t>packages and </a:t>
-                      </a:r>
-                      <a:r>
-                        <a:rPr lang="en-US" sz="1000" b="0" dirty="0">
-                          <a:solidFill>
-                            <a:srgbClr val="FF0000"/>
-                          </a:solidFill>
-                          <a:highlight>
-                            <a:srgbClr val="FFFF00"/>
-                          </a:highlight>
-                        </a:rPr>
-                        <a:t>Transition Architectures </a:t>
-                      </a:r>
-                      <a:r>
-                        <a:rPr lang="en-US" sz="1000" b="0" dirty="0">
-                          <a:solidFill>
-                            <a:schemeClr val="tx1"/>
-                          </a:solidFill>
-                        </a:rPr>
-                        <a:t>is understood by key stakeholders</a:t>
-                      </a:r>
-                    </a:p>
-                    <a:p>
-                      <a:pPr marL="171450" marR="0" lvl="0" indent="-171450" algn="l" defTabSz="914400" rtl="0" eaLnBrk="1" fontAlgn="auto" latinLnBrk="0" hangingPunct="1">
-                        <a:lnSpc>
-                          <a:spcPct val="100000"/>
-                        </a:lnSpc>
-                        <a:spcBef>
-                          <a:spcPts val="0"/>
-                        </a:spcBef>
-                        <a:spcAft>
-                          <a:spcPts val="0"/>
-                        </a:spcAft>
-                        <a:buClrTx/>
-                        <a:buSzTx/>
-                        <a:buFont typeface="Arial" panose="020B0604020202020204" pitchFamily="34" charset="0"/>
-                        <a:buChar char="•"/>
-                        <a:tabLst/>
-                        <a:defRPr/>
-                      </a:pPr>
-                      <a:endParaRPr lang="en-US" sz="1000" b="0" dirty="0">
+                          <a:latin typeface="+mn-lt"/>
+                          <a:ea typeface="+mn-ea"/>
+                          <a:cs typeface="+mn-cs"/>
+                        </a:rPr>
+                        <a:t>candidate </a:t>
+                      </a:r>
+                      <a:r>
+                        <a:rPr lang="en-US" sz="1000" b="0" kern="1200" dirty="0">
+                          <a:solidFill>
+                            <a:schemeClr val="tx1"/>
+                          </a:solidFill>
+                          <a:highlight>
+                            <a:srgbClr val="C98E37"/>
+                          </a:highlight>
+                          <a:latin typeface="+mn-lt"/>
+                          <a:ea typeface="+mn-ea"/>
+                          <a:cs typeface="+mn-cs"/>
+                        </a:rPr>
+                        <a:t>Architecture Roadmap components </a:t>
+                      </a:r>
+                      <a:r>
+                        <a:rPr lang="en-US" sz="1000" b="0" kern="1200" dirty="0">
+                          <a:solidFill>
+                            <a:schemeClr val="tx1"/>
+                          </a:solidFill>
+                          <a:latin typeface="+mn-lt"/>
+                          <a:ea typeface="+mn-ea"/>
+                          <a:cs typeface="+mn-cs"/>
+                        </a:rPr>
+                        <a:t>based upon gaps between the Baseline and Target Business Architectures</a:t>
+                      </a:r>
+                    </a:p>
+                    <a:p>
+                      <a:pPr marL="171450" marR="0" lvl="0" indent="-171450" algn="l" defTabSz="914400" rtl="0" eaLnBrk="1" fontAlgn="auto" latinLnBrk="0" hangingPunct="1">
+                        <a:lnSpc>
+                          <a:spcPct val="100000"/>
+                        </a:lnSpc>
+                        <a:spcBef>
+                          <a:spcPts val="0"/>
+                        </a:spcBef>
+                        <a:spcAft>
+                          <a:spcPts val="0"/>
+                        </a:spcAft>
+                        <a:buClrTx/>
+                        <a:buSzTx/>
+                        <a:buFont typeface="Arial" panose="020B0604020202020204" pitchFamily="34" charset="0"/>
+                        <a:buChar char="•"/>
+                        <a:tabLst/>
+                        <a:defRPr/>
+                      </a:pPr>
+                      <a:endParaRPr lang="en-US" sz="1000" b="0" i="1" dirty="0">
                         <a:solidFill>
                           <a:schemeClr val="tx1"/>
                         </a:solidFill>
@@ -5665,17 +5299,6 @@
                           <a:solidFill>
                             <a:schemeClr val="tx1"/>
                           </a:solidFill>
-                          <a:latin typeface="+mn-lt"/>
-                          <a:ea typeface="+mn-ea"/>
-                          <a:cs typeface="+mn-cs"/>
-                        </a:rPr>
-                        <a:t>Ensure </a:t>
-                      </a:r>
-                      <a:r>
-                        <a:rPr lang="en-US" sz="1000" b="0" kern="1200" dirty="0">
-                          <a:solidFill>
-                            <a:srgbClr val="FF0000"/>
-                          </a:solidFill>
                           <a:highlight>
                             <a:srgbClr val="FFFF00"/>
                           </a:highlight>
@@ -5683,38 +5306,72 @@
                           <a:ea typeface="+mn-ea"/>
                           <a:cs typeface="+mn-cs"/>
                         </a:rPr>
-                        <a:t>conformance with the Target Architecture </a:t>
-                      </a:r>
-                      <a:r>
-                        <a:rPr lang="en-US" sz="1000" b="0" kern="1200" dirty="0">
-                          <a:solidFill>
-                            <a:schemeClr val="tx1"/>
-                          </a:solidFill>
-                          <a:latin typeface="+mn-lt"/>
-                          <a:ea typeface="+mn-ea"/>
-                          <a:cs typeface="+mn-cs"/>
-                        </a:rPr>
-                        <a:t>by implementation projects</a:t>
-                      </a:r>
-                    </a:p>
-                    <a:p>
-                      <a:pPr marL="171450" marR="0" lvl="0" indent="-171450" algn="l" defTabSz="914400" rtl="0" eaLnBrk="1" fontAlgn="auto" latinLnBrk="0" hangingPunct="1">
-                        <a:lnSpc>
-                          <a:spcPct val="100000"/>
-                        </a:lnSpc>
-                        <a:spcBef>
-                          <a:spcPts val="0"/>
-                        </a:spcBef>
-                        <a:spcAft>
-                          <a:spcPts val="0"/>
-                        </a:spcAft>
-                        <a:buClrTx/>
-                        <a:buSzTx/>
-                        <a:buFont typeface="Arial" panose="020B0604020202020204" pitchFamily="34" charset="0"/>
-                        <a:buChar char="•"/>
-                        <a:tabLst/>
-                        <a:defRPr/>
-                      </a:pPr>
+                        <a:t>Develop the </a:t>
+                      </a:r>
+                      <a:r>
+                        <a:rPr lang="en-US" sz="1000" b="0" kern="1200" dirty="0">
+                          <a:solidFill>
+                            <a:schemeClr val="tx1"/>
+                          </a:solidFill>
+                          <a:highlight>
+                            <a:srgbClr val="C98E37"/>
+                          </a:highlight>
+                          <a:latin typeface="+mn-lt"/>
+                          <a:ea typeface="+mn-ea"/>
+                          <a:cs typeface="+mn-cs"/>
+                        </a:rPr>
+                        <a:t>Target Data Architecture </a:t>
+                      </a:r>
+                      <a:r>
+                        <a:rPr lang="en-US" sz="1000" b="0" kern="1200" dirty="0">
+                          <a:solidFill>
+                            <a:schemeClr val="tx1"/>
+                          </a:solidFill>
+                          <a:latin typeface="+mn-lt"/>
+                          <a:ea typeface="+mn-ea"/>
+                          <a:cs typeface="+mn-cs"/>
+                        </a:rPr>
+                        <a:t>that enables the Business Architecture and the </a:t>
+                      </a:r>
+                      <a:r>
+                        <a:rPr lang="en-US" sz="1000" b="0" kern="1200" dirty="0">
+                          <a:solidFill>
+                            <a:schemeClr val="tx1"/>
+                          </a:solidFill>
+                          <a:highlight>
+                            <a:srgbClr val="00FFFF"/>
+                          </a:highlight>
+                          <a:latin typeface="+mn-lt"/>
+                          <a:ea typeface="+mn-ea"/>
+                          <a:cs typeface="+mn-cs"/>
+                        </a:rPr>
+                        <a:t>Architecture Vision</a:t>
+                      </a:r>
+                      <a:r>
+                        <a:rPr lang="en-US" sz="1000" b="0" kern="1200" dirty="0">
+                          <a:solidFill>
+                            <a:schemeClr val="tx1"/>
+                          </a:solidFill>
+                          <a:latin typeface="+mn-lt"/>
+                          <a:ea typeface="+mn-ea"/>
+                          <a:cs typeface="+mn-cs"/>
+                        </a:rPr>
+                        <a:t>, in a way that addresses the </a:t>
+                      </a:r>
+                      <a:r>
+                        <a:rPr lang="en-US" sz="1000" b="0" kern="1200" dirty="0">
+                          <a:solidFill>
+                            <a:schemeClr val="tx1"/>
+                          </a:solidFill>
+                          <a:highlight>
+                            <a:srgbClr val="00FFFF"/>
+                          </a:highlight>
+                          <a:latin typeface="+mn-lt"/>
+                          <a:ea typeface="+mn-ea"/>
+                          <a:cs typeface="+mn-cs"/>
+                        </a:rPr>
+                        <a:t>Statement of Architecture Work </a:t>
+                      </a:r>
                       <a:r>
                         <a:rPr lang="en-US" sz="1000" b="0" kern="1200" dirty="0">
                           <a:solidFill>
@@ -5727,12 +5384,31 @@
                           <a:ea typeface="+mn-ea"/>
                           <a:cs typeface="+mn-cs"/>
                         </a:rPr>
-                        <a:t>Perform appropriate </a:t>
-                      </a:r>
-                      <a:r>
-                        <a:rPr lang="en-US" sz="1000" b="0" kern="1200" dirty="0">
-                          <a:solidFill>
-                            <a:srgbClr val="FF0000"/>
+                        <a:t>and stakeholder concerns</a:t>
+                      </a:r>
+                    </a:p>
+                    <a:p>
+                      <a:pPr marL="171450" marR="0" lvl="0" indent="-171450" algn="l" defTabSz="914400" rtl="0" eaLnBrk="1" fontAlgn="auto" latinLnBrk="0" hangingPunct="1">
+                        <a:lnSpc>
+                          <a:spcPct val="100000"/>
+                        </a:lnSpc>
+                        <a:spcBef>
+                          <a:spcPts val="0"/>
+                        </a:spcBef>
+                        <a:spcAft>
+                          <a:spcPts val="0"/>
+                        </a:spcAft>
+                        <a:buClrTx/>
+                        <a:buSzTx/>
+                        <a:buFont typeface="Arial" panose="020B0604020202020204" pitchFamily="34" charset="0"/>
+                        <a:buChar char="•"/>
+                        <a:tabLst/>
+                        <a:defRPr/>
+                      </a:pPr>
+                      <a:r>
+                        <a:rPr lang="en-US" sz="1000" b="0" kern="1200" dirty="0">
+                          <a:solidFill>
+                            <a:schemeClr val="tx1"/>
                           </a:solidFill>
                           <a:highlight>
                             <a:srgbClr val="FFFF00"/>
@@ -5741,47 +5417,57 @@
                           <a:ea typeface="+mn-ea"/>
                           <a:cs typeface="+mn-cs"/>
                         </a:rPr>
-                        <a:t>Architecture Governance </a:t>
-                      </a:r>
-                      <a:r>
-                        <a:rPr lang="en-US" sz="1000" b="0" kern="1200" dirty="0">
-                          <a:solidFill>
-                            <a:schemeClr val="tx1"/>
-                          </a:solidFill>
-                          <a:highlight>
-                            <a:srgbClr val="FFFF00"/>
-                          </a:highlight>
-                          <a:latin typeface="+mn-lt"/>
-                          <a:ea typeface="+mn-ea"/>
-                          <a:cs typeface="+mn-cs"/>
-                        </a:rPr>
-                        <a:t>functions </a:t>
-                      </a:r>
-                      <a:r>
-                        <a:rPr lang="en-US" sz="1000" b="0" kern="1200" dirty="0">
-                          <a:solidFill>
-                            <a:schemeClr val="tx1"/>
-                          </a:solidFill>
-                          <a:latin typeface="+mn-lt"/>
-                          <a:ea typeface="+mn-ea"/>
-                          <a:cs typeface="+mn-cs"/>
-                        </a:rPr>
-                        <a:t>for the solution and any implementation-driven </a:t>
-                      </a:r>
-                      <a:r>
-                        <a:rPr lang="en-US" sz="1000" b="0" kern="1200" dirty="0">
-                          <a:solidFill>
-                            <a:srgbClr val="FF0000"/>
-                          </a:solidFill>
-                          <a:highlight>
-                            <a:srgbClr val="FFFF00"/>
-                          </a:highlight>
-                          <a:latin typeface="+mn-lt"/>
-                          <a:ea typeface="+mn-ea"/>
-                          <a:cs typeface="+mn-cs"/>
-                        </a:rPr>
-                        <a:t>architecture Change Requests</a:t>
-                      </a:r>
+                        <a:t>Identify candidate </a:t>
+                      </a:r>
+                      <a:r>
+                        <a:rPr lang="en-US" sz="1000" b="0" kern="1200" dirty="0">
+                          <a:solidFill>
+                            <a:schemeClr val="tx1"/>
+                          </a:solidFill>
+                          <a:highlight>
+                            <a:srgbClr val="C98E37"/>
+                          </a:highlight>
+                          <a:latin typeface="+mn-lt"/>
+                          <a:ea typeface="+mn-ea"/>
+                          <a:cs typeface="+mn-cs"/>
+                        </a:rPr>
+                        <a:t>Architecture Roadmap components </a:t>
+                      </a:r>
+                      <a:r>
+                        <a:rPr lang="en-US" sz="1000" b="0" kern="1200" dirty="0">
+                          <a:solidFill>
+                            <a:schemeClr val="tx1"/>
+                          </a:solidFill>
+                          <a:latin typeface="+mn-lt"/>
+                          <a:ea typeface="+mn-ea"/>
+                          <a:cs typeface="+mn-cs"/>
+                        </a:rPr>
+                        <a:t>based upon gaps between the Baseline and Target Data Architectures</a:t>
+                      </a:r>
+                    </a:p>
+                    <a:p>
+                      <a:pPr marL="171450" marR="0" lvl="0" indent="-171450" algn="l" defTabSz="914400" rtl="0" eaLnBrk="1" fontAlgn="auto" latinLnBrk="0" hangingPunct="1">
+                        <a:lnSpc>
+                          <a:spcPct val="100000"/>
+                        </a:lnSpc>
+                        <a:spcBef>
+                          <a:spcPts val="0"/>
+                        </a:spcBef>
+                        <a:spcAft>
+                          <a:spcPts val="0"/>
+                        </a:spcAft>
+                        <a:buClrTx/>
+                        <a:buSzTx/>
+                        <a:buFont typeface="Arial" panose="020B0604020202020204" pitchFamily="34" charset="0"/>
+                        <a:buChar char="•"/>
+                        <a:tabLst/>
+                        <a:defRPr/>
+                      </a:pPr>
+                      <a:endParaRPr lang="en-US" sz="1000" b="0" i="1" dirty="0">
+                        <a:solidFill>
+                          <a:schemeClr val="tx1"/>
+                        </a:solidFill>
+                      </a:endParaRPr>
                     </a:p>
                   </a:txBody>
                   <a:tcPr/>
@@ -5813,39 +5499,875 @@
                           <a:solidFill>
                             <a:schemeClr val="tx1"/>
                           </a:solidFill>
-                          <a:latin typeface="+mn-lt"/>
-                          <a:ea typeface="+mn-ea"/>
-                          <a:cs typeface="+mn-cs"/>
+                          <a:highlight>
+                            <a:srgbClr val="FFFF00"/>
+                          </a:highlight>
+                          <a:latin typeface="+mn-lt"/>
+                          <a:ea typeface="+mn-ea"/>
+                          <a:cs typeface="+mn-cs"/>
+                        </a:rPr>
+                        <a:t>Develop the </a:t>
+                      </a:r>
+                      <a:r>
+                        <a:rPr lang="en-US" sz="1000" b="0" kern="1200" dirty="0">
+                          <a:solidFill>
+                            <a:schemeClr val="tx1"/>
+                          </a:solidFill>
+                          <a:highlight>
+                            <a:srgbClr val="C98E37"/>
+                          </a:highlight>
+                          <a:latin typeface="+mn-lt"/>
+                          <a:ea typeface="+mn-ea"/>
+                          <a:cs typeface="+mn-cs"/>
+                        </a:rPr>
+                        <a:t>Target Application Architecture </a:t>
+                      </a:r>
+                      <a:r>
+                        <a:rPr lang="en-US" sz="1000" b="0" kern="1200" dirty="0">
+                          <a:solidFill>
+                            <a:schemeClr val="tx1"/>
+                          </a:solidFill>
+                          <a:latin typeface="+mn-lt"/>
+                          <a:ea typeface="+mn-ea"/>
+                          <a:cs typeface="+mn-cs"/>
+                        </a:rPr>
+                        <a:t>that enables the Business Architecture and the </a:t>
+                      </a:r>
+                      <a:r>
+                        <a:rPr lang="en-US" sz="1000" b="0" kern="1200" dirty="0">
+                          <a:solidFill>
+                            <a:schemeClr val="tx1"/>
+                          </a:solidFill>
+                          <a:highlight>
+                            <a:srgbClr val="00FFFF"/>
+                          </a:highlight>
+                          <a:latin typeface="+mn-lt"/>
+                          <a:ea typeface="+mn-ea"/>
+                          <a:cs typeface="+mn-cs"/>
+                        </a:rPr>
+                        <a:t>Architecture Vision</a:t>
+                      </a:r>
+                      <a:r>
+                        <a:rPr lang="en-US" sz="1000" b="0" kern="1200" dirty="0">
+                          <a:solidFill>
+                            <a:schemeClr val="tx1"/>
+                          </a:solidFill>
+                          <a:latin typeface="+mn-lt"/>
+                          <a:ea typeface="+mn-ea"/>
+                          <a:cs typeface="+mn-cs"/>
+                        </a:rPr>
+                        <a:t>, in a way that addresses the </a:t>
+                      </a:r>
+                      <a:r>
+                        <a:rPr lang="en-US" sz="1000" b="0" kern="1200" dirty="0">
+                          <a:solidFill>
+                            <a:schemeClr val="tx1"/>
+                          </a:solidFill>
+                          <a:highlight>
+                            <a:srgbClr val="00FFFF"/>
+                          </a:highlight>
+                          <a:latin typeface="+mn-lt"/>
+                          <a:ea typeface="+mn-ea"/>
+                          <a:cs typeface="+mn-cs"/>
+                        </a:rPr>
+                        <a:t>Statement of Architecture Work </a:t>
+                      </a:r>
+                      <a:r>
+                        <a:rPr lang="en-US" sz="1000" b="0" kern="1200" dirty="0">
+                          <a:solidFill>
+                            <a:schemeClr val="tx1"/>
+                          </a:solidFill>
+                          <a:highlight>
+                            <a:srgbClr val="FFFF00"/>
+                          </a:highlight>
+                          <a:latin typeface="+mn-lt"/>
+                          <a:ea typeface="+mn-ea"/>
+                          <a:cs typeface="+mn-cs"/>
+                        </a:rPr>
+                        <a:t>and stakeholder concerns</a:t>
+                      </a:r>
+                    </a:p>
+                    <a:p>
+                      <a:pPr marL="171450" marR="0" lvl="0" indent="-171450" algn="l" defTabSz="914400" rtl="0" eaLnBrk="1" fontAlgn="auto" latinLnBrk="0" hangingPunct="1">
+                        <a:lnSpc>
+                          <a:spcPct val="100000"/>
+                        </a:lnSpc>
+                        <a:spcBef>
+                          <a:spcPts val="0"/>
+                        </a:spcBef>
+                        <a:spcAft>
+                          <a:spcPts val="0"/>
+                        </a:spcAft>
+                        <a:buClrTx/>
+                        <a:buSzTx/>
+                        <a:buFont typeface="Arial" panose="020B0604020202020204" pitchFamily="34" charset="0"/>
+                        <a:buChar char="•"/>
+                        <a:tabLst/>
+                        <a:defRPr/>
+                      </a:pPr>
+                      <a:r>
+                        <a:rPr lang="en-US" sz="1000" b="0" kern="1200" dirty="0">
+                          <a:solidFill>
+                            <a:schemeClr val="tx1"/>
+                          </a:solidFill>
+                          <a:highlight>
+                            <a:srgbClr val="FFFF00"/>
+                          </a:highlight>
+                          <a:latin typeface="+mn-lt"/>
+                          <a:ea typeface="+mn-ea"/>
+                          <a:cs typeface="+mn-cs"/>
+                        </a:rPr>
+                        <a:t>Identify candidate </a:t>
+                      </a:r>
+                      <a:r>
+                        <a:rPr lang="en-US" sz="1000" b="0" kern="1200" dirty="0">
+                          <a:solidFill>
+                            <a:schemeClr val="tx1"/>
+                          </a:solidFill>
+                          <a:highlight>
+                            <a:srgbClr val="C98E37"/>
+                          </a:highlight>
+                          <a:latin typeface="+mn-lt"/>
+                          <a:ea typeface="+mn-ea"/>
+                          <a:cs typeface="+mn-cs"/>
+                        </a:rPr>
+                        <a:t>Architecture Roadmap components </a:t>
+                      </a:r>
+                      <a:r>
+                        <a:rPr lang="en-US" sz="1000" b="0" kern="1200" dirty="0">
+                          <a:solidFill>
+                            <a:schemeClr val="tx1"/>
+                          </a:solidFill>
+                          <a:latin typeface="+mn-lt"/>
+                          <a:ea typeface="+mn-ea"/>
+                          <a:cs typeface="+mn-cs"/>
+                        </a:rPr>
+                        <a:t>based upon gaps between the Baseline and Target Application Architectures</a:t>
+                      </a:r>
+                    </a:p>
+                    <a:p>
+                      <a:pPr marL="171450" marR="0" lvl="0" indent="-171450" algn="l" defTabSz="914400" rtl="0" eaLnBrk="1" fontAlgn="auto" latinLnBrk="0" hangingPunct="1">
+                        <a:lnSpc>
+                          <a:spcPct val="100000"/>
+                        </a:lnSpc>
+                        <a:spcBef>
+                          <a:spcPts val="0"/>
+                        </a:spcBef>
+                        <a:spcAft>
+                          <a:spcPts val="0"/>
+                        </a:spcAft>
+                        <a:buClrTx/>
+                        <a:buSzTx/>
+                        <a:buFont typeface="Arial" panose="020B0604020202020204" pitchFamily="34" charset="0"/>
+                        <a:buChar char="•"/>
+                        <a:tabLst/>
+                        <a:defRPr/>
+                      </a:pPr>
+                      <a:endParaRPr lang="en-US" sz="1000" b="0" i="1" dirty="0">
+                        <a:solidFill>
+                          <a:schemeClr val="tx1"/>
+                        </a:solidFill>
+                      </a:endParaRPr>
+                    </a:p>
+                  </a:txBody>
+                  <a:tcPr/>
+                </a:tc>
+                <a:tc>
+                  <a:txBody>
+                    <a:bodyPr/>
+                    <a:lstStyle/>
+                    <a:p>
+                      <a:pPr marL="171450" marR="0" lvl="0" indent="-171450" algn="l" defTabSz="914400" rtl="0" eaLnBrk="1" fontAlgn="auto" latinLnBrk="0" hangingPunct="1">
+                        <a:lnSpc>
+                          <a:spcPct val="100000"/>
+                        </a:lnSpc>
+                        <a:spcBef>
+                          <a:spcPts val="0"/>
+                        </a:spcBef>
+                        <a:spcAft>
+                          <a:spcPts val="0"/>
+                        </a:spcAft>
+                        <a:buClrTx/>
+                        <a:buSzTx/>
+                        <a:buFont typeface="Arial" panose="020B0604020202020204" pitchFamily="34" charset="0"/>
+                        <a:buChar char="•"/>
+                        <a:tabLst/>
+                        <a:defRPr/>
+                      </a:pPr>
+                      <a:r>
+                        <a:rPr lang="en-US" sz="1000" b="0" kern="1200" dirty="0">
+                          <a:solidFill>
+                            <a:schemeClr val="tx1"/>
+                          </a:solidFill>
+                          <a:highlight>
+                            <a:srgbClr val="FFFF00"/>
+                          </a:highlight>
+                          <a:latin typeface="+mn-lt"/>
+                          <a:ea typeface="+mn-ea"/>
+                          <a:cs typeface="+mn-cs"/>
+                        </a:rPr>
+                        <a:t>Develop the </a:t>
+                      </a:r>
+                      <a:r>
+                        <a:rPr lang="en-US" sz="1000" b="0" kern="1200" dirty="0">
+                          <a:solidFill>
+                            <a:schemeClr val="tx1"/>
+                          </a:solidFill>
+                          <a:highlight>
+                            <a:srgbClr val="C98E37"/>
+                          </a:highlight>
+                          <a:latin typeface="+mn-lt"/>
+                          <a:ea typeface="+mn-ea"/>
+                          <a:cs typeface="+mn-cs"/>
+                        </a:rPr>
+                        <a:t>Target Technology Architecture </a:t>
+                      </a:r>
+                      <a:r>
+                        <a:rPr lang="en-US" sz="1000" b="0" kern="1200" dirty="0">
+                          <a:solidFill>
+                            <a:schemeClr val="tx1"/>
+                          </a:solidFill>
+                          <a:latin typeface="+mn-lt"/>
+                          <a:ea typeface="+mn-ea"/>
+                          <a:cs typeface="+mn-cs"/>
+                        </a:rPr>
+                        <a:t>that enables the </a:t>
+                      </a:r>
+                      <a:r>
+                        <a:rPr lang="en-US" sz="1000" b="0" kern="1200" dirty="0">
+                          <a:solidFill>
+                            <a:schemeClr val="tx1"/>
+                          </a:solidFill>
+                          <a:highlight>
+                            <a:srgbClr val="00FFFF"/>
+                          </a:highlight>
+                          <a:latin typeface="+mn-lt"/>
+                          <a:ea typeface="+mn-ea"/>
+                          <a:cs typeface="+mn-cs"/>
+                        </a:rPr>
+                        <a:t>Architecture Vision</a:t>
+                      </a:r>
+                      <a:r>
+                        <a:rPr lang="en-US" sz="1000" b="0" kern="1200" dirty="0">
+                          <a:solidFill>
+                            <a:schemeClr val="tx1"/>
+                          </a:solidFill>
+                          <a:latin typeface="+mn-lt"/>
+                          <a:ea typeface="+mn-ea"/>
+                          <a:cs typeface="+mn-cs"/>
+                        </a:rPr>
+                        <a:t>, target business, data, and application building blocks to be delivered through technology components and technology services, in a way that </a:t>
+                      </a:r>
+                      <a:r>
+                        <a:rPr lang="en-US" sz="1000" b="0" kern="1200" dirty="0">
+                          <a:solidFill>
+                            <a:schemeClr val="tx1"/>
+                          </a:solidFill>
+                          <a:highlight>
+                            <a:srgbClr val="FFFF00"/>
+                          </a:highlight>
+                          <a:latin typeface="+mn-lt"/>
+                          <a:ea typeface="+mn-ea"/>
+                          <a:cs typeface="+mn-cs"/>
+                        </a:rPr>
+                        <a:t>addresses the </a:t>
+                      </a:r>
+                      <a:r>
+                        <a:rPr lang="en-US" sz="1000" b="0" kern="1200" dirty="0">
+                          <a:solidFill>
+                            <a:schemeClr val="tx1"/>
+                          </a:solidFill>
+                          <a:highlight>
+                            <a:srgbClr val="00FFFF"/>
+                          </a:highlight>
+                          <a:latin typeface="+mn-lt"/>
+                          <a:ea typeface="+mn-ea"/>
+                          <a:cs typeface="+mn-cs"/>
+                        </a:rPr>
+                        <a:t>Statement of Architecture Work </a:t>
+                      </a:r>
+                      <a:r>
+                        <a:rPr lang="en-US" sz="1000" b="0" kern="1200" dirty="0">
+                          <a:solidFill>
+                            <a:schemeClr val="tx1"/>
+                          </a:solidFill>
+                          <a:latin typeface="+mn-lt"/>
+                          <a:ea typeface="+mn-ea"/>
+                          <a:cs typeface="+mn-cs"/>
+                        </a:rPr>
+                        <a:t>and </a:t>
+                      </a:r>
+                      <a:r>
+                        <a:rPr lang="en-US" sz="1000" b="0" kern="1200" dirty="0">
+                          <a:solidFill>
+                            <a:schemeClr val="tx1"/>
+                          </a:solidFill>
+                          <a:highlight>
+                            <a:srgbClr val="FFFF00"/>
+                          </a:highlight>
+                          <a:latin typeface="+mn-lt"/>
+                          <a:ea typeface="+mn-ea"/>
+                          <a:cs typeface="+mn-cs"/>
+                        </a:rPr>
+                        <a:t>stakeholder concerns</a:t>
+                      </a:r>
+                    </a:p>
+                    <a:p>
+                      <a:pPr marL="171450" marR="0" lvl="0" indent="-171450" algn="l" defTabSz="914400" rtl="0" eaLnBrk="1" fontAlgn="auto" latinLnBrk="0" hangingPunct="1">
+                        <a:lnSpc>
+                          <a:spcPct val="100000"/>
+                        </a:lnSpc>
+                        <a:spcBef>
+                          <a:spcPts val="0"/>
+                        </a:spcBef>
+                        <a:spcAft>
+                          <a:spcPts val="0"/>
+                        </a:spcAft>
+                        <a:buClrTx/>
+                        <a:buSzTx/>
+                        <a:buFont typeface="Arial" panose="020B0604020202020204" pitchFamily="34" charset="0"/>
+                        <a:buChar char="•"/>
+                        <a:tabLst/>
+                        <a:defRPr/>
+                      </a:pPr>
+                      <a:r>
+                        <a:rPr lang="en-US" sz="1000" b="0" kern="1200" dirty="0">
+                          <a:solidFill>
+                            <a:schemeClr val="tx1"/>
+                          </a:solidFill>
+                          <a:highlight>
+                            <a:srgbClr val="FFFF00"/>
+                          </a:highlight>
+                          <a:latin typeface="+mn-lt"/>
+                          <a:ea typeface="+mn-ea"/>
+                          <a:cs typeface="+mn-cs"/>
+                        </a:rPr>
+                        <a:t>Identify candidate </a:t>
+                      </a:r>
+                      <a:r>
+                        <a:rPr lang="en-US" sz="1000" b="0" kern="1200" dirty="0">
+                          <a:solidFill>
+                            <a:schemeClr val="tx1"/>
+                          </a:solidFill>
+                          <a:highlight>
+                            <a:srgbClr val="C98E37"/>
+                          </a:highlight>
+                          <a:latin typeface="+mn-lt"/>
+                          <a:ea typeface="+mn-ea"/>
+                          <a:cs typeface="+mn-cs"/>
+                        </a:rPr>
+                        <a:t>Architecture Roadmap components </a:t>
+                      </a:r>
+                      <a:r>
+                        <a:rPr lang="en-US" sz="1000" b="0" kern="1200" dirty="0">
+                          <a:solidFill>
+                            <a:schemeClr val="tx1"/>
+                          </a:solidFill>
+                          <a:latin typeface="+mn-lt"/>
+                          <a:ea typeface="+mn-ea"/>
+                          <a:cs typeface="+mn-cs"/>
+                        </a:rPr>
+                        <a:t>based upon gaps between the Baseline and Target Technology Architectures</a:t>
+                      </a:r>
+                    </a:p>
+                    <a:p>
+                      <a:pPr marL="171450" marR="0" lvl="0" indent="-171450" algn="l" defTabSz="914400" rtl="0" eaLnBrk="1" fontAlgn="auto" latinLnBrk="0" hangingPunct="1">
+                        <a:lnSpc>
+                          <a:spcPct val="100000"/>
+                        </a:lnSpc>
+                        <a:spcBef>
+                          <a:spcPts val="0"/>
+                        </a:spcBef>
+                        <a:spcAft>
+                          <a:spcPts val="0"/>
+                        </a:spcAft>
+                        <a:buClrTx/>
+                        <a:buSzTx/>
+                        <a:buFont typeface="Arial" panose="020B0604020202020204" pitchFamily="34" charset="0"/>
+                        <a:buChar char="•"/>
+                        <a:tabLst/>
+                        <a:defRPr/>
+                      </a:pPr>
+                      <a:endParaRPr lang="en-US" sz="1000" b="0" i="1" dirty="0">
+                        <a:solidFill>
+                          <a:schemeClr val="tx1"/>
+                        </a:solidFill>
+                      </a:endParaRPr>
+                    </a:p>
+                  </a:txBody>
+                  <a:tcPr/>
+                </a:tc>
+                <a:tc>
+                  <a:txBody>
+                    <a:bodyPr/>
+                    <a:lstStyle/>
+                    <a:p>
+                      <a:pPr marL="171450" marR="0" lvl="0" indent="-171450" algn="l" defTabSz="914400" rtl="0" eaLnBrk="1" fontAlgn="auto" latinLnBrk="0" hangingPunct="1">
+                        <a:lnSpc>
+                          <a:spcPct val="100000"/>
+                        </a:lnSpc>
+                        <a:spcBef>
+                          <a:spcPts val="0"/>
+                        </a:spcBef>
+                        <a:spcAft>
+                          <a:spcPts val="0"/>
+                        </a:spcAft>
+                        <a:buClrTx/>
+                        <a:buSzTx/>
+                        <a:buFont typeface="Arial" panose="020B0604020202020204" pitchFamily="34" charset="0"/>
+                        <a:buChar char="•"/>
+                        <a:tabLst/>
+                        <a:defRPr/>
+                      </a:pPr>
+                      <a:r>
+                        <a:rPr lang="en-US" sz="1000" b="0" dirty="0">
+                          <a:solidFill>
+                            <a:schemeClr val="tx1"/>
+                          </a:solidFill>
+                          <a:highlight>
+                            <a:srgbClr val="FFFF00"/>
+                          </a:highlight>
+                        </a:rPr>
+                        <a:t>Generate the </a:t>
+                      </a:r>
+                      <a:r>
+                        <a:rPr lang="en-US" sz="1000" b="0" dirty="0">
+                          <a:solidFill>
+                            <a:schemeClr val="tx1"/>
+                          </a:solidFill>
+                          <a:highlight>
+                            <a:srgbClr val="C98E37"/>
+                          </a:highlight>
+                        </a:rPr>
+                        <a:t>initial</a:t>
+                      </a:r>
+                      <a:r>
+                        <a:rPr lang="en-US" sz="1000" b="0" dirty="0">
+                          <a:solidFill>
+                            <a:schemeClr val="tx1"/>
+                          </a:solidFill>
+                          <a:highlight>
+                            <a:srgbClr val="FFFF00"/>
+                          </a:highlight>
+                        </a:rPr>
+                        <a:t> complete version of the </a:t>
+                      </a:r>
+                      <a:r>
+                        <a:rPr lang="en-US" sz="1000" b="0" dirty="0">
+                          <a:solidFill>
+                            <a:schemeClr val="tx1"/>
+                          </a:solidFill>
+                          <a:highlight>
+                            <a:srgbClr val="C98E37"/>
+                          </a:highlight>
+                        </a:rPr>
+                        <a:t>Architecture Roadmap</a:t>
+                      </a:r>
+                      <a:r>
+                        <a:rPr lang="en-US" sz="1000" b="0" dirty="0">
+                          <a:solidFill>
+                            <a:schemeClr val="tx1"/>
+                          </a:solidFill>
+                        </a:rPr>
+                        <a:t>, based upon the gap analysis and candidate Architecture Roadmap components from Phases B, C, and D</a:t>
+                      </a:r>
+                    </a:p>
+                    <a:p>
+                      <a:pPr marL="171450" marR="0" lvl="0" indent="-171450" algn="l" defTabSz="914400" rtl="0" eaLnBrk="1" fontAlgn="auto" latinLnBrk="0" hangingPunct="1">
+                        <a:lnSpc>
+                          <a:spcPct val="100000"/>
+                        </a:lnSpc>
+                        <a:spcBef>
+                          <a:spcPts val="0"/>
+                        </a:spcBef>
+                        <a:spcAft>
+                          <a:spcPts val="0"/>
+                        </a:spcAft>
+                        <a:buClrTx/>
+                        <a:buSzTx/>
+                        <a:buFont typeface="Arial" panose="020B0604020202020204" pitchFamily="34" charset="0"/>
+                        <a:buChar char="•"/>
+                        <a:tabLst/>
+                        <a:defRPr/>
+                      </a:pPr>
+                      <a:r>
+                        <a:rPr lang="en-US" sz="1000" b="0" dirty="0">
+                          <a:solidFill>
+                            <a:schemeClr val="tx1"/>
+                          </a:solidFill>
+                          <a:highlight>
+                            <a:srgbClr val="FFFF00"/>
+                          </a:highlight>
+                        </a:rPr>
+                        <a:t>Determine whether an incremental approach is required</a:t>
+                      </a:r>
+                      <a:r>
+                        <a:rPr lang="en-US" sz="1000" b="0" dirty="0">
+                          <a:solidFill>
+                            <a:schemeClr val="tx1"/>
+                          </a:solidFill>
+                        </a:rPr>
+                        <a:t>, and if so, </a:t>
+                      </a:r>
+                      <a:r>
+                        <a:rPr lang="en-US" sz="1000" b="0" dirty="0">
+                          <a:solidFill>
+                            <a:schemeClr val="tx1"/>
+                          </a:solidFill>
+                          <a:highlight>
+                            <a:srgbClr val="FFFF00"/>
+                          </a:highlight>
+                        </a:rPr>
+                        <a:t>identify </a:t>
+                      </a:r>
+                      <a:r>
+                        <a:rPr lang="en-US" sz="1000" b="0" dirty="0">
+                          <a:solidFill>
+                            <a:schemeClr val="tx1"/>
+                          </a:solidFill>
+                          <a:highlight>
+                            <a:srgbClr val="C98E37"/>
+                          </a:highlight>
+                        </a:rPr>
+                        <a:t>Transition Architectures </a:t>
+                      </a:r>
+                      <a:r>
+                        <a:rPr lang="en-US" sz="1000" b="0" dirty="0">
+                          <a:solidFill>
+                            <a:schemeClr val="tx1"/>
+                          </a:solidFill>
+                        </a:rPr>
+                        <a:t>that will deliver </a:t>
+                      </a:r>
+                      <a:r>
+                        <a:rPr lang="en-US" sz="1000" b="0" dirty="0">
+                          <a:solidFill>
+                            <a:schemeClr val="tx1"/>
+                          </a:solidFill>
+                          <a:highlight>
+                            <a:srgbClr val="00FFFF"/>
+                          </a:highlight>
+                        </a:rPr>
+                        <a:t>continuous business value</a:t>
+                      </a:r>
+                    </a:p>
+                    <a:p>
+                      <a:pPr marL="171450" marR="0" lvl="0" indent="-171450" algn="l" defTabSz="914400" rtl="0" eaLnBrk="1" fontAlgn="auto" latinLnBrk="0" hangingPunct="1">
+                        <a:lnSpc>
+                          <a:spcPct val="100000"/>
+                        </a:lnSpc>
+                        <a:spcBef>
+                          <a:spcPts val="0"/>
+                        </a:spcBef>
+                        <a:spcAft>
+                          <a:spcPts val="0"/>
+                        </a:spcAft>
+                        <a:buClrTx/>
+                        <a:buSzTx/>
+                        <a:buFont typeface="Arial" panose="020B0604020202020204" pitchFamily="34" charset="0"/>
+                        <a:buChar char="•"/>
+                        <a:tabLst/>
+                        <a:defRPr/>
+                      </a:pPr>
+                      <a:r>
+                        <a:rPr lang="en-US" sz="1000" b="0" dirty="0">
+                          <a:solidFill>
+                            <a:schemeClr val="tx1"/>
+                          </a:solidFill>
+                          <a:highlight>
+                            <a:srgbClr val="FFFF00"/>
+                          </a:highlight>
+                        </a:rPr>
+                        <a:t>Define the overall </a:t>
+                      </a:r>
+                      <a:r>
+                        <a:rPr lang="en-US" sz="1000" b="0" dirty="0">
+                          <a:solidFill>
+                            <a:schemeClr val="tx1"/>
+                          </a:solidFill>
+                          <a:highlight>
+                            <a:srgbClr val="C98E37"/>
+                          </a:highlight>
+                        </a:rPr>
+                        <a:t>Solution Building Blocks (SBB) </a:t>
+                      </a:r>
+                      <a:r>
+                        <a:rPr lang="en-US" sz="1000" b="0" dirty="0">
+                          <a:solidFill>
+                            <a:schemeClr val="tx1"/>
+                          </a:solidFill>
+                        </a:rPr>
+                        <a:t>to finalize the Target Architecture based on the </a:t>
+                      </a:r>
+                      <a:r>
+                        <a:rPr lang="en-US" sz="1000" b="0" dirty="0">
+                          <a:solidFill>
+                            <a:schemeClr val="tx1"/>
+                          </a:solidFill>
+                          <a:highlight>
+                            <a:srgbClr val="C98E37"/>
+                          </a:highlight>
+                        </a:rPr>
+                        <a:t>Architecture Building Blocks (ABB)</a:t>
+                      </a:r>
+                    </a:p>
+                  </a:txBody>
+                  <a:tcPr/>
+                </a:tc>
+                <a:tc>
+                  <a:txBody>
+                    <a:bodyPr/>
+                    <a:lstStyle/>
+                    <a:p>
+                      <a:pPr marL="171450" marR="0" lvl="0" indent="-171450" algn="l" defTabSz="914400" rtl="0" eaLnBrk="1" fontAlgn="auto" latinLnBrk="0" hangingPunct="1">
+                        <a:lnSpc>
+                          <a:spcPct val="100000"/>
+                        </a:lnSpc>
+                        <a:spcBef>
+                          <a:spcPts val="0"/>
+                        </a:spcBef>
+                        <a:spcAft>
+                          <a:spcPts val="0"/>
+                        </a:spcAft>
+                        <a:buClrTx/>
+                        <a:buSzTx/>
+                        <a:buFont typeface="Arial" panose="020B0604020202020204" pitchFamily="34" charset="0"/>
+                        <a:buChar char="•"/>
+                        <a:tabLst/>
+                        <a:defRPr/>
+                      </a:pPr>
+                      <a:r>
+                        <a:rPr lang="en-US" sz="1000" b="0" dirty="0">
+                          <a:solidFill>
+                            <a:schemeClr val="tx1"/>
+                          </a:solidFill>
+                          <a:highlight>
+                            <a:srgbClr val="FFFF00"/>
+                          </a:highlight>
+                        </a:rPr>
+                        <a:t>Finalize the Architecture Roadmap </a:t>
+                      </a:r>
+                      <a:r>
+                        <a:rPr lang="en-US" sz="1000" b="0" dirty="0">
+                          <a:solidFill>
+                            <a:schemeClr val="tx1"/>
+                          </a:solidFill>
+                        </a:rPr>
+                        <a:t>and the supporting </a:t>
+                      </a:r>
+                      <a:r>
+                        <a:rPr lang="en-US" sz="1000" b="0" dirty="0">
+                          <a:solidFill>
+                            <a:schemeClr val="tx1"/>
+                          </a:solidFill>
+                          <a:highlight>
+                            <a:srgbClr val="FFFF00"/>
+                          </a:highlight>
+                        </a:rPr>
+                        <a:t>Implementation and Migration Plan</a:t>
+                      </a:r>
+                    </a:p>
+                    <a:p>
+                      <a:pPr marL="171450" marR="0" lvl="0" indent="-171450" algn="l" defTabSz="914400" rtl="0" eaLnBrk="1" fontAlgn="auto" latinLnBrk="0" hangingPunct="1">
+                        <a:lnSpc>
+                          <a:spcPct val="100000"/>
+                        </a:lnSpc>
+                        <a:spcBef>
+                          <a:spcPts val="0"/>
+                        </a:spcBef>
+                        <a:spcAft>
+                          <a:spcPts val="0"/>
+                        </a:spcAft>
+                        <a:buClrTx/>
+                        <a:buSzTx/>
+                        <a:buFont typeface="Arial" panose="020B0604020202020204" pitchFamily="34" charset="0"/>
+                        <a:buChar char="•"/>
+                        <a:tabLst/>
+                        <a:defRPr/>
+                      </a:pPr>
+                      <a:r>
+                        <a:rPr lang="en-US" sz="1000" b="0" dirty="0">
+                          <a:solidFill>
+                            <a:schemeClr val="tx1"/>
+                          </a:solidFill>
+                          <a:highlight>
+                            <a:srgbClr val="FFFF00"/>
+                          </a:highlight>
                         </a:rPr>
                         <a:t>Ensure that the </a:t>
                       </a:r>
                       <a:r>
-                        <a:rPr lang="en-US" sz="1000" b="0" kern="1200" dirty="0">
-                          <a:solidFill>
-                            <a:srgbClr val="FF0000"/>
+                        <a:rPr lang="en-US" sz="1000" b="0" dirty="0">
+                          <a:solidFill>
+                            <a:schemeClr val="tx1"/>
+                          </a:solidFill>
+                          <a:highlight>
+                            <a:srgbClr val="00FFFF"/>
+                          </a:highlight>
+                        </a:rPr>
+                        <a:t>Implementation and Migration Plan </a:t>
+                      </a:r>
+                      <a:r>
+                        <a:rPr lang="en-US" sz="1000" b="0" dirty="0">
+                          <a:solidFill>
+                            <a:schemeClr val="tx1"/>
                           </a:solidFill>
                           <a:highlight>
                             <a:srgbClr val="FFFF00"/>
                           </a:highlight>
-                          <a:latin typeface="+mn-lt"/>
-                          <a:ea typeface="+mn-ea"/>
-                          <a:cs typeface="+mn-cs"/>
-                        </a:rPr>
-                        <a:t>architecture lifecycle</a:t>
-                      </a:r>
-                      <a:r>
-                        <a:rPr lang="en-US" sz="1000" b="0" kern="1200" dirty="0">
+                        </a:rPr>
+                        <a:t>is coordinated </a:t>
+                      </a:r>
+                      <a:r>
+                        <a:rPr lang="en-US" sz="1000" b="0" dirty="0">
+                          <a:solidFill>
+                            <a:schemeClr val="tx1"/>
+                          </a:solidFill>
+                        </a:rPr>
+                        <a:t>with the enterprise's approach to managing and implementing change in the enterprise's overall change portfolio</a:t>
+                      </a:r>
+                    </a:p>
+                    <a:p>
+                      <a:pPr marL="171450" marR="0" lvl="0" indent="-171450" algn="l" defTabSz="914400" rtl="0" eaLnBrk="1" fontAlgn="auto" latinLnBrk="0" hangingPunct="1">
+                        <a:lnSpc>
+                          <a:spcPct val="100000"/>
+                        </a:lnSpc>
+                        <a:spcBef>
+                          <a:spcPts val="0"/>
+                        </a:spcBef>
+                        <a:spcAft>
+                          <a:spcPts val="0"/>
+                        </a:spcAft>
+                        <a:buClrTx/>
+                        <a:buSzTx/>
+                        <a:buFont typeface="Arial" panose="020B0604020202020204" pitchFamily="34" charset="0"/>
+                        <a:buChar char="•"/>
+                        <a:tabLst/>
+                        <a:defRPr/>
+                      </a:pPr>
+                      <a:r>
+                        <a:rPr lang="en-US" sz="1000" b="0" dirty="0">
+                          <a:solidFill>
+                            <a:schemeClr val="tx1"/>
+                          </a:solidFill>
+                          <a:highlight>
+                            <a:srgbClr val="00FF00"/>
+                          </a:highlight>
+                        </a:rPr>
+                        <a:t>Ensure that the business value and cost of work packages </a:t>
+                      </a:r>
+                      <a:r>
+                        <a:rPr lang="en-US" sz="1000" b="0" dirty="0">
+                          <a:solidFill>
+                            <a:schemeClr val="tx1"/>
+                          </a:solidFill>
+                        </a:rPr>
+                        <a:t>and </a:t>
+                      </a:r>
+                      <a:r>
+                        <a:rPr lang="en-US" sz="1000" b="0" dirty="0">
                           <a:solidFill>
                             <a:schemeClr val="tx1"/>
                           </a:solidFill>
                           <a:highlight>
                             <a:srgbClr val="FFFF00"/>
                           </a:highlight>
-                          <a:latin typeface="+mn-lt"/>
-                          <a:ea typeface="+mn-ea"/>
-                          <a:cs typeface="+mn-cs"/>
-                        </a:rPr>
-                        <a:t> is maintained</a:t>
+                        </a:rPr>
+                        <a:t>Transition Architectures </a:t>
+                      </a:r>
+                      <a:r>
+                        <a:rPr lang="en-US" sz="1000" b="0" dirty="0">
+                          <a:solidFill>
+                            <a:schemeClr val="tx1"/>
+                          </a:solidFill>
+                        </a:rPr>
+                        <a:t>is understood by key stakeholders</a:t>
+                      </a:r>
+                    </a:p>
+                    <a:p>
+                      <a:pPr marL="171450" marR="0" lvl="0" indent="-171450" algn="l" defTabSz="914400" rtl="0" eaLnBrk="1" fontAlgn="auto" latinLnBrk="0" hangingPunct="1">
+                        <a:lnSpc>
+                          <a:spcPct val="100000"/>
+                        </a:lnSpc>
+                        <a:spcBef>
+                          <a:spcPts val="0"/>
+                        </a:spcBef>
+                        <a:spcAft>
+                          <a:spcPts val="0"/>
+                        </a:spcAft>
+                        <a:buClrTx/>
+                        <a:buSzTx/>
+                        <a:buFont typeface="Arial" panose="020B0604020202020204" pitchFamily="34" charset="0"/>
+                        <a:buChar char="•"/>
+                        <a:tabLst/>
+                        <a:defRPr/>
+                      </a:pPr>
+                      <a:endParaRPr lang="en-US" sz="1000" b="0" dirty="0">
+                        <a:solidFill>
+                          <a:schemeClr val="tx1"/>
+                        </a:solidFill>
+                      </a:endParaRPr>
+                    </a:p>
+                  </a:txBody>
+                  <a:tcPr/>
+                </a:tc>
+                <a:tc>
+                  <a:txBody>
+                    <a:bodyPr/>
+                    <a:lstStyle/>
+                    <a:p>
+                      <a:pPr marL="171450" marR="0" lvl="0" indent="-171450" algn="l" defTabSz="914400" rtl="0" eaLnBrk="1" fontAlgn="auto" latinLnBrk="0" hangingPunct="1">
+                        <a:lnSpc>
+                          <a:spcPct val="100000"/>
+                        </a:lnSpc>
+                        <a:spcBef>
+                          <a:spcPts val="0"/>
+                        </a:spcBef>
+                        <a:spcAft>
+                          <a:spcPts val="0"/>
+                        </a:spcAft>
+                        <a:buClrTx/>
+                        <a:buSzTx/>
+                        <a:buFont typeface="Arial" panose="020B0604020202020204" pitchFamily="34" charset="0"/>
+                        <a:buChar char="•"/>
+                        <a:tabLst/>
+                        <a:defRPr/>
+                      </a:pPr>
+                      <a:r>
+                        <a:rPr lang="en-US" sz="1000" b="0" kern="1200" dirty="0">
+                          <a:solidFill>
+                            <a:schemeClr val="tx1"/>
+                          </a:solidFill>
+                          <a:latin typeface="+mn-lt"/>
+                          <a:ea typeface="+mn-ea"/>
+                          <a:cs typeface="+mn-cs"/>
+                        </a:rPr>
+                        <a:t>Ensure </a:t>
+                      </a:r>
+                      <a:r>
+                        <a:rPr lang="en-US" sz="1000" b="0" kern="1200" dirty="0">
+                          <a:solidFill>
+                            <a:schemeClr val="tx1"/>
+                          </a:solidFill>
+                          <a:highlight>
+                            <a:srgbClr val="00FF00"/>
+                          </a:highlight>
+                          <a:latin typeface="+mn-lt"/>
+                          <a:ea typeface="+mn-ea"/>
+                          <a:cs typeface="+mn-cs"/>
+                        </a:rPr>
+                        <a:t>conformance with the Target Architecture </a:t>
+                      </a:r>
+                      <a:r>
+                        <a:rPr lang="en-US" sz="1000" b="0" kern="1200" dirty="0">
+                          <a:solidFill>
+                            <a:schemeClr val="tx1"/>
+                          </a:solidFill>
+                          <a:latin typeface="+mn-lt"/>
+                          <a:ea typeface="+mn-ea"/>
+                          <a:cs typeface="+mn-cs"/>
+                        </a:rPr>
+                        <a:t>by implementation projects</a:t>
                       </a:r>
                     </a:p>
                     <a:p>
@@ -5878,12 +6400,116 @@
                           <a:ea typeface="+mn-ea"/>
                           <a:cs typeface="+mn-cs"/>
                         </a:rPr>
+                        <a:t>Perform appropriate </a:t>
+                      </a:r>
+                      <a:r>
+                        <a:rPr lang="en-US" sz="1000" b="0" kern="1200" dirty="0">
+                          <a:solidFill>
+                            <a:schemeClr val="tx1"/>
+                          </a:solidFill>
+                          <a:highlight>
+                            <a:srgbClr val="00FFFF"/>
+                          </a:highlight>
+                          <a:latin typeface="+mn-lt"/>
+                          <a:ea typeface="+mn-ea"/>
+                          <a:cs typeface="+mn-cs"/>
+                        </a:rPr>
+                        <a:t>Architecture Governance </a:t>
+                      </a:r>
+                      <a:r>
+                        <a:rPr lang="en-US" sz="1000" b="0" kern="1200" dirty="0">
+                          <a:solidFill>
+                            <a:schemeClr val="tx1"/>
+                          </a:solidFill>
+                          <a:highlight>
+                            <a:srgbClr val="FFFF00"/>
+                          </a:highlight>
+                          <a:latin typeface="+mn-lt"/>
+                          <a:ea typeface="+mn-ea"/>
+                          <a:cs typeface="+mn-cs"/>
+                        </a:rPr>
+                        <a:t>functions </a:t>
+                      </a:r>
+                      <a:r>
+                        <a:rPr lang="en-US" sz="1000" b="0" kern="1200" dirty="0">
+                          <a:solidFill>
+                            <a:schemeClr val="tx1"/>
+                          </a:solidFill>
+                          <a:latin typeface="+mn-lt"/>
+                          <a:ea typeface="+mn-ea"/>
+                          <a:cs typeface="+mn-cs"/>
+                        </a:rPr>
+                        <a:t>for the solution and any implementation-driven </a:t>
+                      </a:r>
+                      <a:r>
+                        <a:rPr lang="en-US" sz="1000" b="0" kern="1200" dirty="0">
+                          <a:solidFill>
+                            <a:schemeClr val="tx1"/>
+                          </a:solidFill>
+                          <a:highlight>
+                            <a:srgbClr val="00FFFF"/>
+                          </a:highlight>
+                          <a:latin typeface="+mn-lt"/>
+                          <a:ea typeface="+mn-ea"/>
+                          <a:cs typeface="+mn-cs"/>
+                        </a:rPr>
+                        <a:t>architecture Change Requests</a:t>
+                      </a:r>
+                    </a:p>
+                  </a:txBody>
+                  <a:tcPr/>
+                </a:tc>
+                <a:tc>
+                  <a:txBody>
+                    <a:bodyPr/>
+                    <a:lstStyle/>
+                    <a:p>
+                      <a:pPr marL="171450" marR="0" lvl="0" indent="-171450" algn="l" defTabSz="914400" rtl="0" eaLnBrk="1" fontAlgn="auto" latinLnBrk="0" hangingPunct="1">
+                        <a:lnSpc>
+                          <a:spcPct val="100000"/>
+                        </a:lnSpc>
+                        <a:spcBef>
+                          <a:spcPts val="0"/>
+                        </a:spcBef>
+                        <a:spcAft>
+                          <a:spcPts val="0"/>
+                        </a:spcAft>
+                        <a:buClrTx/>
+                        <a:buSzTx/>
+                        <a:buFont typeface="Arial" panose="020B0604020202020204" pitchFamily="34" charset="0"/>
+                        <a:buChar char="•"/>
+                        <a:tabLst/>
+                        <a:defRPr/>
+                      </a:pPr>
+                      <a:r>
+                        <a:rPr lang="en-US" sz="1000" b="0" kern="1200" dirty="0">
+                          <a:solidFill>
+                            <a:schemeClr val="tx1"/>
+                          </a:solidFill>
+                          <a:latin typeface="+mn-lt"/>
+                          <a:ea typeface="+mn-ea"/>
+                          <a:cs typeface="+mn-cs"/>
+                        </a:rPr>
                         <a:t>Ensure that the </a:t>
                       </a:r>
                       <a:r>
                         <a:rPr lang="en-US" sz="1000" b="0" kern="1200" dirty="0">
                           <a:solidFill>
-                            <a:srgbClr val="FF0000"/>
+                            <a:schemeClr val="tx1"/>
+                          </a:solidFill>
+                          <a:highlight>
+                            <a:srgbClr val="00FF00"/>
+                          </a:highlight>
+                          <a:latin typeface="+mn-lt"/>
+                          <a:ea typeface="+mn-ea"/>
+                          <a:cs typeface="+mn-cs"/>
+                        </a:rPr>
+                        <a:t>Architecture Lifecycle </a:t>
+                      </a:r>
+                      <a:r>
+                        <a:rPr lang="en-US" sz="1000" b="0" kern="1200" dirty="0">
+                          <a:solidFill>
+                            <a:schemeClr val="tx1"/>
                           </a:solidFill>
                           <a:highlight>
                             <a:srgbClr val="FFFF00"/>
@@ -5892,6 +6518,53 @@
                           <a:ea typeface="+mn-ea"/>
                           <a:cs typeface="+mn-cs"/>
                         </a:rPr>
+                        <a:t>is maintained</a:t>
+                      </a:r>
+                    </a:p>
+                    <a:p>
+                      <a:pPr marL="171450" marR="0" lvl="0" indent="-171450" algn="l" defTabSz="914400" rtl="0" eaLnBrk="1" fontAlgn="auto" latinLnBrk="0" hangingPunct="1">
+                        <a:lnSpc>
+                          <a:spcPct val="100000"/>
+                        </a:lnSpc>
+                        <a:spcBef>
+                          <a:spcPts val="0"/>
+                        </a:spcBef>
+                        <a:spcAft>
+                          <a:spcPts val="0"/>
+                        </a:spcAft>
+                        <a:buClrTx/>
+                        <a:buSzTx/>
+                        <a:buFont typeface="Arial" panose="020B0604020202020204" pitchFamily="34" charset="0"/>
+                        <a:buChar char="•"/>
+                        <a:tabLst/>
+                        <a:defRPr/>
+                      </a:pPr>
+                      <a:r>
+                        <a:rPr lang="en-US" sz="1000" b="0" kern="1200" dirty="0">
+                          <a:solidFill>
+                            <a:schemeClr val="tx1"/>
+                          </a:solidFill>
+                          <a:highlight>
+                            <a:srgbClr val="FFFF00"/>
+                          </a:highlight>
+                          <a:latin typeface="+mn-lt"/>
+                          <a:ea typeface="+mn-ea"/>
+                          <a:cs typeface="+mn-cs"/>
+                        </a:rPr>
+                        <a:t>Ensure that the </a:t>
+                      </a:r>
+                      <a:r>
+                        <a:rPr lang="en-US" sz="1000" b="0" kern="1200" dirty="0">
+                          <a:solidFill>
+                            <a:schemeClr val="tx1"/>
+                          </a:solidFill>
+                          <a:highlight>
+                            <a:srgbClr val="00FF00"/>
+                          </a:highlight>
+                          <a:latin typeface="+mn-lt"/>
+                          <a:ea typeface="+mn-ea"/>
+                          <a:cs typeface="+mn-cs"/>
+                        </a:rPr>
                         <a:t>Architecture Governance </a:t>
                       </a:r>
                       <a:r>
@@ -5952,7 +6625,21 @@
                       <a:r>
                         <a:rPr lang="en-US" sz="1000" b="0" kern="1200" dirty="0">
                           <a:solidFill>
-                            <a:srgbClr val="FF0000"/>
+                            <a:schemeClr val="tx1"/>
+                          </a:solidFill>
+                          <a:highlight>
+                            <a:srgbClr val="00FF00"/>
+                          </a:highlight>
+                          <a:latin typeface="+mn-lt"/>
+                          <a:ea typeface="+mn-ea"/>
+                          <a:cs typeface="+mn-cs"/>
+                        </a:rPr>
+                        <a:t>Architecture Capability</a:t>
+                      </a:r>
+                      <a:r>
+                        <a:rPr lang="en-US" sz="1000" b="0" kern="1200" dirty="0">
+                          <a:solidFill>
+                            <a:schemeClr val="tx1"/>
                           </a:solidFill>
                           <a:highlight>
                             <a:srgbClr val="FFFF00"/>
@@ -5961,21 +6648,7 @@
                           <a:ea typeface="+mn-ea"/>
                           <a:cs typeface="+mn-cs"/>
                         </a:rPr>
-                        <a:t>Architecture Capability </a:t>
-                      </a:r>
-                      <a:r>
-                        <a:rPr lang="en-US" sz="1000" b="0" kern="1200" dirty="0">
-                          <a:solidFill>
-                            <a:schemeClr val="tx1"/>
-                          </a:solidFill>
-                          <a:highlight>
-                            <a:srgbClr val="FFFF00"/>
-                          </a:highlight>
-                          <a:latin typeface="+mn-lt"/>
-                          <a:ea typeface="+mn-ea"/>
-                          <a:cs typeface="+mn-cs"/>
-                        </a:rPr>
-                        <a:t>meets current requirements</a:t>
+                        <a:t> meets current requirements</a:t>
                       </a:r>
                     </a:p>
                   </a:txBody>
@@ -6036,7 +6709,7 @@
           <p:nvPr>
             <p:extLst>
               <p:ext uri="{D42A27DB-BD31-4B8C-83A1-F6EECF244321}">
-                <p14:modId xmlns:p14="http://schemas.microsoft.com/office/powerpoint/2010/main" val="2871464486"/>
+                <p14:modId xmlns:p14="http://schemas.microsoft.com/office/powerpoint/2010/main" val="1450590989"/>
               </p:ext>
             </p:extLst>
           </p:nvPr>
@@ -6645,10 +7318,10 @@
                       <a:r>
                         <a:rPr lang="en-US" sz="1000" b="0" dirty="0">
                           <a:solidFill>
-                            <a:srgbClr val="FF0000"/>
-                          </a:solidFill>
-                          <a:highlight>
-                            <a:srgbClr val="FFFF00"/>
+                            <a:schemeClr val="tx1"/>
+                          </a:solidFill>
+                          <a:highlight>
+                            <a:srgbClr val="00FFFF"/>
                           </a:highlight>
                         </a:rPr>
                         <a:t>Scope the Enterprise </a:t>
@@ -6686,21 +7359,10 @@
                             <a:schemeClr val="tx1"/>
                           </a:solidFill>
                           <a:highlight>
-                            <a:srgbClr val="FFFF00"/>
-                          </a:highlight>
-                        </a:rPr>
-                        <a:t>Confirm </a:t>
-                      </a:r>
-                      <a:r>
-                        <a:rPr lang="en-US" sz="1000" b="0" dirty="0">
-                          <a:solidFill>
-                            <a:srgbClr val="FF0000"/>
-                          </a:solidFill>
-                          <a:highlight>
-                            <a:srgbClr val="FFFF00"/>
-                          </a:highlight>
-                        </a:rPr>
-                        <a:t>Governance and Support Frameworks</a:t>
+                            <a:srgbClr val="00FFFF"/>
+                          </a:highlight>
+                        </a:rPr>
+                        <a:t>Confirm Governance and Support Frameworks</a:t>
                       </a:r>
                     </a:p>
                     <a:p>
@@ -6727,7 +7389,26 @@
                             <a:schemeClr val="tx1"/>
                           </a:solidFill>
                         </a:rPr>
-                        <a:t>Define and </a:t>
+                        <a:t>Define </a:t>
+                      </a:r>
+                      <a:r>
+                        <a:rPr lang="en-US" sz="1000" b="0">
+                          <a:solidFill>
+                            <a:schemeClr val="tx1"/>
+                          </a:solidFill>
+                        </a:rPr>
+                        <a:t>and </a:t>
+                      </a:r>
+                      <a:r>
+                        <a:rPr lang="en-US" sz="1000" b="0">
+                          <a:solidFill>
+                            <a:schemeClr val="tx1"/>
+                          </a:solidFill>
+                          <a:highlight>
+                            <a:srgbClr val="00FFFF"/>
+                          </a:highlight>
+                        </a:rPr>
+                        <a:t>Establish Enterprise </a:t>
                       </a:r>
                       <a:r>
                         <a:rPr lang="en-US" sz="1000" b="0" dirty="0">
@@ -6735,21 +7416,10 @@
                             <a:schemeClr val="tx1"/>
                           </a:solidFill>
                           <a:highlight>
-                            <a:srgbClr val="FFFF00"/>
-                          </a:highlight>
-                        </a:rPr>
-                        <a:t>Establish </a:t>
-                      </a:r>
-                      <a:r>
-                        <a:rPr lang="en-US" sz="1000" b="0" dirty="0">
-                          <a:solidFill>
-                            <a:srgbClr val="FF0000"/>
-                          </a:solidFill>
-                          <a:highlight>
-                            <a:srgbClr val="FFFF00"/>
-                          </a:highlight>
-                        </a:rPr>
-                        <a:t>Enterprise Architecture Team </a:t>
+                            <a:srgbClr val="00FFFF"/>
+                          </a:highlight>
+                        </a:rPr>
+                        <a:t>Architecture Team </a:t>
                       </a:r>
                       <a:r>
                         <a:rPr lang="en-US" sz="1000" b="0" dirty="0">
@@ -6792,21 +7462,10 @@
                             <a:schemeClr val="tx1"/>
                           </a:solidFill>
                           <a:highlight>
-                            <a:srgbClr val="FFFF00"/>
-                          </a:highlight>
-                        </a:rPr>
-                        <a:t>Establish </a:t>
-                      </a:r>
-                      <a:r>
-                        <a:rPr lang="en-US" sz="1000" b="0" dirty="0">
-                          <a:solidFill>
-                            <a:srgbClr val="FF0000"/>
-                          </a:solidFill>
-                          <a:highlight>
-                            <a:srgbClr val="FFFF00"/>
-                          </a:highlight>
-                        </a:rPr>
-                        <a:t>Architecture Principles</a:t>
+                            <a:srgbClr val="00FFFF"/>
+                          </a:highlight>
+                        </a:rPr>
+                        <a:t>Establish Architecture Principles</a:t>
                       </a:r>
                     </a:p>
                     <a:p>
@@ -6830,10 +7489,10 @@
                       <a:r>
                         <a:rPr lang="en-US" sz="1000" b="0" dirty="0">
                           <a:solidFill>
-                            <a:srgbClr val="FF0000"/>
-                          </a:solidFill>
-                          <a:highlight>
-                            <a:srgbClr val="FFFF00"/>
+                            <a:schemeClr val="tx1"/>
+                          </a:solidFill>
+                          <a:highlight>
+                            <a:srgbClr val="00FFFF"/>
                           </a:highlight>
                         </a:rPr>
                         <a:t>Tailor the TOGAF </a:t>
@@ -6882,18 +7541,18 @@
                             <a:srgbClr val="FFFF00"/>
                           </a:highlight>
                         </a:rPr>
-                        <a:t> Strategy and Implementation Plan for </a:t>
+                        <a:t> </a:t>
                       </a:r>
                       <a:r>
                         <a:rPr lang="en-US" sz="1000" b="0" dirty="0">
                           <a:solidFill>
-                            <a:srgbClr val="FF0000"/>
-                          </a:solidFill>
-                          <a:highlight>
-                            <a:srgbClr val="FFFF00"/>
-                          </a:highlight>
-                        </a:rPr>
-                        <a:t>Tools and Techniques</a:t>
+                            <a:schemeClr val="tx1"/>
+                          </a:solidFill>
+                          <a:highlight>
+                            <a:srgbClr val="00FFFF"/>
+                          </a:highlight>
+                        </a:rPr>
+                        <a:t>Strategy and Implementation Plan for Tools and Techniques</a:t>
                       </a:r>
                     </a:p>
                   </a:txBody>
@@ -6933,21 +7592,7 @@
                           <a:ea typeface="+mn-ea"/>
                           <a:cs typeface="+mn-cs"/>
                         </a:rPr>
-                        <a:t>Establish the </a:t>
-                      </a:r>
-                      <a:r>
-                        <a:rPr lang="en-US" sz="1000" b="0" kern="1200" dirty="0">
-                          <a:solidFill>
-                            <a:srgbClr val="FF0000"/>
-                          </a:solidFill>
-                          <a:highlight>
-                            <a:srgbClr val="FFFF00"/>
-                          </a:highlight>
-                          <a:latin typeface="+mn-lt"/>
-                          <a:ea typeface="+mn-ea"/>
-                          <a:cs typeface="+mn-cs"/>
-                        </a:rPr>
-                        <a:t>Architecture Project</a:t>
+                        <a:t>Establish the Architecture Project</a:t>
                       </a:r>
                     </a:p>
                     <a:p>
@@ -6982,7 +7627,7 @@
                       <a:r>
                         <a:rPr lang="en-US" sz="1000" b="0" kern="1200" dirty="0">
                           <a:solidFill>
-                            <a:srgbClr val="FF0000"/>
+                            <a:schemeClr val="tx1"/>
                           </a:solidFill>
                           <a:highlight>
                             <a:srgbClr val="FFFF00"/>
@@ -7007,7 +7652,7 @@
                       <a:r>
                         <a:rPr lang="en-US" sz="1000" b="0" kern="1200" dirty="0">
                           <a:solidFill>
-                            <a:srgbClr val="FF0000"/>
+                            <a:schemeClr val="tx1"/>
                           </a:solidFill>
                           <a:highlight>
                             <a:srgbClr val="FFFF00"/>
@@ -7051,7 +7696,7 @@
                       <a:r>
                         <a:rPr lang="en-US" sz="1000" b="0" kern="1200" dirty="0">
                           <a:solidFill>
-                            <a:srgbClr val="FF0000"/>
+                            <a:schemeClr val="tx1"/>
                           </a:solidFill>
                           <a:highlight>
                             <a:srgbClr val="FFFF00"/>
@@ -7084,7 +7729,7 @@
                       <a:r>
                         <a:rPr lang="en-US" sz="1000" b="0" kern="1200" dirty="0">
                           <a:solidFill>
-                            <a:srgbClr val="FF0000"/>
+                            <a:schemeClr val="tx1"/>
                           </a:solidFill>
                           <a:highlight>
                             <a:srgbClr val="FFFF00"/>
@@ -7128,7 +7773,7 @@
                       <a:r>
                         <a:rPr lang="en-US" sz="1000" b="0" kern="1200" dirty="0">
                           <a:solidFill>
-                            <a:srgbClr val="FF0000"/>
+                            <a:schemeClr val="tx1"/>
                           </a:solidFill>
                           <a:highlight>
                             <a:srgbClr val="FFFF00"/>
@@ -7137,63 +7782,7 @@
                           <a:ea typeface="+mn-ea"/>
                           <a:cs typeface="+mn-cs"/>
                         </a:rPr>
-                        <a:t>Readiness</a:t>
-                      </a:r>
-                      <a:r>
-                        <a:rPr lang="en-US" sz="1000" b="0" kern="1200" dirty="0">
-                          <a:solidFill>
-                            <a:schemeClr val="tx1"/>
-                          </a:solidFill>
-                          <a:highlight>
-                            <a:srgbClr val="FFFF00"/>
-                          </a:highlight>
-                          <a:latin typeface="+mn-lt"/>
-                          <a:ea typeface="+mn-ea"/>
-                          <a:cs typeface="+mn-cs"/>
-                        </a:rPr>
-                        <a:t> </a:t>
-                      </a:r>
-                      <a:r>
-                        <a:rPr lang="en-US" sz="1000" b="0" kern="1200" dirty="0">
-                          <a:solidFill>
-                            <a:srgbClr val="FF0000"/>
-                          </a:solidFill>
-                          <a:highlight>
-                            <a:srgbClr val="FFFF00"/>
-                          </a:highlight>
-                          <a:latin typeface="+mn-lt"/>
-                          <a:ea typeface="+mn-ea"/>
-                          <a:cs typeface="+mn-cs"/>
-                        </a:rPr>
-                        <a:t>for</a:t>
-                      </a:r>
-                      <a:r>
-                        <a:rPr lang="en-US" sz="1000" b="0" kern="1200" dirty="0">
-                          <a:solidFill>
-                            <a:schemeClr val="tx1"/>
-                          </a:solidFill>
-                          <a:highlight>
-                            <a:srgbClr val="FFFF00"/>
-                          </a:highlight>
-                          <a:latin typeface="+mn-lt"/>
-                          <a:ea typeface="+mn-ea"/>
-                          <a:cs typeface="+mn-cs"/>
-                        </a:rPr>
-                        <a:t> </a:t>
-                      </a:r>
-                      <a:r>
-                        <a:rPr lang="en-US" sz="1000" b="0" kern="1200" dirty="0">
-                          <a:solidFill>
-                            <a:srgbClr val="FF0000"/>
-                          </a:solidFill>
-                          <a:highlight>
-                            <a:srgbClr val="FFFF00"/>
-                          </a:highlight>
-                          <a:latin typeface="+mn-lt"/>
-                          <a:ea typeface="+mn-ea"/>
-                          <a:cs typeface="+mn-cs"/>
-                        </a:rPr>
-                        <a:t>Business Transformation</a:t>
+                        <a:t>Readiness for Business Transformation</a:t>
                       </a:r>
                     </a:p>
                     <a:p>
@@ -7217,7 +7806,7 @@
                       <a:r>
                         <a:rPr lang="en-US" sz="1000" b="0" kern="1200" dirty="0">
                           <a:solidFill>
-                            <a:srgbClr val="FF0000"/>
+                            <a:schemeClr val="tx1"/>
                           </a:solidFill>
                           <a:highlight>
                             <a:srgbClr val="FFFF00"/>
@@ -7261,7 +7850,7 @@
                       <a:r>
                         <a:rPr lang="en-US" sz="1000" b="0" kern="1200" dirty="0">
                           <a:solidFill>
-                            <a:srgbClr val="FF0000"/>
+                            <a:schemeClr val="tx1"/>
                           </a:solidFill>
                           <a:highlight>
                             <a:srgbClr val="FFFF00"/>
@@ -7305,7 +7894,7 @@
                       <a:r>
                         <a:rPr lang="en-US" sz="1000" b="0" kern="1200" dirty="0">
                           <a:solidFill>
-                            <a:srgbClr val="FF0000"/>
+                            <a:schemeClr val="tx1"/>
                           </a:solidFill>
                           <a:highlight>
                             <a:srgbClr val="FFFF00"/>
@@ -7358,49 +7947,7 @@
                           <a:ea typeface="+mn-ea"/>
                           <a:cs typeface="+mn-cs"/>
                         </a:rPr>
-                        <a:t>Target </a:t>
-                      </a:r>
-                      <a:r>
-                        <a:rPr lang="en-US" sz="1000" b="0" kern="1200" dirty="0">
-                          <a:solidFill>
-                            <a:srgbClr val="FF0000"/>
-                          </a:solidFill>
-                          <a:highlight>
-                            <a:srgbClr val="FFFF00"/>
-                          </a:highlight>
-                          <a:latin typeface="+mn-lt"/>
-                          <a:ea typeface="+mn-ea"/>
-                          <a:cs typeface="+mn-cs"/>
-                        </a:rPr>
-                        <a:t>Architecture Value Propositions </a:t>
-                      </a:r>
-                      <a:r>
-                        <a:rPr lang="en-US" sz="1000" b="0" kern="1200" dirty="0">
-                          <a:solidFill>
-                            <a:schemeClr val="tx1"/>
-                          </a:solidFill>
-                          <a:highlight>
-                            <a:srgbClr val="FFFF00"/>
-                          </a:highlight>
-                          <a:latin typeface="+mn-lt"/>
-                          <a:ea typeface="+mn-ea"/>
-                          <a:cs typeface="+mn-cs"/>
-                        </a:rPr>
-                        <a:t>and </a:t>
-                      </a:r>
-                      <a:r>
-                        <a:rPr lang="en-US" sz="1000" b="0" kern="1200" dirty="0">
-                          <a:solidFill>
-                            <a:srgbClr val="FF0000"/>
-                          </a:solidFill>
-                          <a:highlight>
-                            <a:srgbClr val="FFFF00"/>
-                          </a:highlight>
-                          <a:latin typeface="+mn-lt"/>
-                          <a:ea typeface="+mn-ea"/>
-                          <a:cs typeface="+mn-cs"/>
-                        </a:rPr>
-                        <a:t>KPIs</a:t>
+                        <a:t>Target Architecture Value Propositions and KPIs</a:t>
                       </a:r>
                     </a:p>
                     <a:p>
@@ -7444,21 +7991,7 @@
                           <a:ea typeface="+mn-ea"/>
                           <a:cs typeface="+mn-cs"/>
                         </a:rPr>
-                        <a:t>Business Transformation </a:t>
-                      </a:r>
-                      <a:r>
-                        <a:rPr lang="en-US" sz="1000" b="0" kern="1200" dirty="0">
-                          <a:solidFill>
-                            <a:srgbClr val="FF0000"/>
-                          </a:solidFill>
-                          <a:highlight>
-                            <a:srgbClr val="FFFF00"/>
-                          </a:highlight>
-                          <a:latin typeface="+mn-lt"/>
-                          <a:ea typeface="+mn-ea"/>
-                          <a:cs typeface="+mn-cs"/>
-                        </a:rPr>
-                        <a:t>Risks and Mitigation Activities</a:t>
+                        <a:t>Business Transformation Risks and Mitigation Activities</a:t>
                       </a:r>
                     </a:p>
                     <a:p>
@@ -7493,7 +8026,7 @@
                       <a:r>
                         <a:rPr lang="en-US" sz="1000" b="0" kern="1200" dirty="0">
                           <a:solidFill>
-                            <a:srgbClr val="FF0000"/>
+                            <a:schemeClr val="tx1"/>
                           </a:solidFill>
                           <a:highlight>
                             <a:srgbClr val="FFFF00"/>
@@ -7518,7 +8051,7 @@
                       <a:r>
                         <a:rPr lang="en-US" sz="1000" b="0" kern="1200" dirty="0">
                           <a:solidFill>
-                            <a:srgbClr val="FF0000"/>
+                            <a:schemeClr val="tx1"/>
                           </a:solidFill>
                           <a:highlight>
                             <a:srgbClr val="FFFF00"/>
@@ -7564,62 +8097,7 @@
                             <a:srgbClr val="FFFF00"/>
                           </a:highlight>
                         </a:rPr>
-                        <a:t>Select </a:t>
-                      </a:r>
-                      <a:r>
-                        <a:rPr lang="en-US" sz="1000" b="0" i="0" dirty="0">
-                          <a:solidFill>
-                            <a:srgbClr val="FF0000"/>
-                          </a:solidFill>
-                          <a:highlight>
-                            <a:srgbClr val="FFFF00"/>
-                          </a:highlight>
-                        </a:rPr>
-                        <a:t>Reference Models</a:t>
-                      </a:r>
-                      <a:r>
-                        <a:rPr lang="en-US" sz="1000" b="0" i="0" dirty="0">
-                          <a:solidFill>
-                            <a:schemeClr val="tx1"/>
-                          </a:solidFill>
-                          <a:highlight>
-                            <a:srgbClr val="FFFF00"/>
-                          </a:highlight>
-                        </a:rPr>
-                        <a:t>, </a:t>
-                      </a:r>
-                      <a:r>
-                        <a:rPr lang="en-US" sz="1000" b="0" i="0" dirty="0">
-                          <a:solidFill>
-                            <a:srgbClr val="FF0000"/>
-                          </a:solidFill>
-                          <a:highlight>
-                            <a:srgbClr val="FFFF00"/>
-                          </a:highlight>
-                        </a:rPr>
-                        <a:t>Viewpoints</a:t>
-                      </a:r>
-                      <a:r>
-                        <a:rPr lang="en-US" sz="1000" b="0" i="0" dirty="0">
-                          <a:solidFill>
-                            <a:schemeClr val="tx1"/>
-                          </a:solidFill>
-                          <a:highlight>
-                            <a:srgbClr val="FFFF00"/>
-                          </a:highlight>
-                        </a:rPr>
-                        <a:t>, and </a:t>
-                      </a:r>
-                      <a:r>
-                        <a:rPr lang="en-US" sz="1000" b="0" i="0" dirty="0">
-                          <a:solidFill>
-                            <a:srgbClr val="FF0000"/>
-                          </a:solidFill>
-                          <a:highlight>
-                            <a:srgbClr val="FFFF00"/>
-                          </a:highlight>
-                        </a:rPr>
-                        <a:t>Tools</a:t>
+                        <a:t>Select Reference Models, Viewpoints, and Tools</a:t>
                       </a:r>
                     </a:p>
                     <a:p>
@@ -7651,13 +8129,24 @@
                       <a:r>
                         <a:rPr lang="en-US" sz="1000" b="0" i="0" dirty="0">
                           <a:solidFill>
-                            <a:srgbClr val="FF0000"/>
+                            <a:schemeClr val="tx1"/>
                           </a:solidFill>
                           <a:highlight>
                             <a:srgbClr val="FFFF00"/>
                           </a:highlight>
                         </a:rPr>
-                        <a:t>Baseline</a:t>
+                        <a:t>Baseline </a:t>
+                      </a:r>
+                      <a:r>
+                        <a:rPr lang="en-US" sz="1000" b="0" i="1" dirty="0">
+                          <a:solidFill>
+                            <a:schemeClr val="tx1"/>
+                          </a:solidFill>
+                          <a:highlight>
+                            <a:srgbClr val="FFFF00"/>
+                          </a:highlight>
+                        </a:rPr>
+                        <a:t>Business</a:t>
                       </a:r>
                       <a:r>
                         <a:rPr lang="en-US" sz="1000" b="0" i="0" dirty="0">
@@ -7668,62 +8157,7 @@
                             <a:srgbClr val="FFFF00"/>
                           </a:highlight>
                         </a:rPr>
-                        <a:t> </a:t>
-                      </a:r>
-                      <a:r>
-                        <a:rPr lang="en-US" sz="1000" b="0" i="1" dirty="0">
-                          <a:solidFill>
-                            <a:srgbClr val="FF0000"/>
-                          </a:solidFill>
-                          <a:highlight>
-                            <a:srgbClr val="FFFF00"/>
-                          </a:highlight>
-                        </a:rPr>
-                        <a:t>Business</a:t>
-                      </a:r>
-                      <a:r>
-                        <a:rPr lang="en-US" sz="1000" b="0" i="0" dirty="0">
-                          <a:solidFill>
-                            <a:schemeClr val="tx1"/>
-                          </a:solidFill>
-                          <a:highlight>
-                            <a:srgbClr val="FFFF00"/>
-                          </a:highlight>
-                        </a:rPr>
-                        <a:t> </a:t>
-                      </a:r>
-                      <a:r>
-                        <a:rPr lang="en-US" sz="1000" b="0" i="0" dirty="0">
-                          <a:solidFill>
-                            <a:srgbClr val="FF0000"/>
-                          </a:solidFill>
-                          <a:highlight>
-                            <a:srgbClr val="FFFF00"/>
-                          </a:highlight>
-                        </a:rPr>
-                        <a:t>Architecture</a:t>
-                      </a:r>
-                      <a:r>
-                        <a:rPr lang="en-US" sz="1000" b="0" i="0" dirty="0">
-                          <a:solidFill>
-                            <a:schemeClr val="tx1"/>
-                          </a:solidFill>
-                          <a:highlight>
-                            <a:srgbClr val="FFFF00"/>
-                          </a:highlight>
-                        </a:rPr>
-                        <a:t> </a:t>
-                      </a:r>
-                      <a:r>
-                        <a:rPr lang="en-US" sz="1000" b="0" i="0" dirty="0">
-                          <a:solidFill>
-                            <a:srgbClr val="FF0000"/>
-                          </a:solidFill>
-                          <a:highlight>
-                            <a:srgbClr val="FFFF00"/>
-                          </a:highlight>
-                        </a:rPr>
-                        <a:t>Description</a:t>
+                        <a:t> Architecture Description</a:t>
                       </a:r>
                     </a:p>
                     <a:p>
@@ -7755,57 +8189,13 @@
                       <a:r>
                         <a:rPr lang="en-US" sz="1000" b="0" i="0" dirty="0">
                           <a:solidFill>
-                            <a:srgbClr val="FF0000"/>
+                            <a:schemeClr val="tx1"/>
                           </a:solidFill>
                           <a:highlight>
                             <a:srgbClr val="FFFF00"/>
                           </a:highlight>
                         </a:rPr>
-                        <a:t>Target</a:t>
-                      </a:r>
-                      <a:r>
-                        <a:rPr lang="en-US" sz="1000" b="0" i="0" dirty="0">
-                          <a:solidFill>
-                            <a:schemeClr val="tx1"/>
-                          </a:solidFill>
-                          <a:highlight>
-                            <a:srgbClr val="FFFF00"/>
-                          </a:highlight>
-                        </a:rPr>
-                        <a:t> </a:t>
-                      </a:r>
-                      <a:r>
-                        <a:rPr lang="en-US" sz="1000" b="0" i="0" dirty="0">
-                          <a:solidFill>
-                            <a:srgbClr val="FF0000"/>
-                          </a:solidFill>
-                          <a:highlight>
-                            <a:srgbClr val="FFFF00"/>
-                          </a:highlight>
-                        </a:rPr>
-                        <a:t>Business</a:t>
-                      </a:r>
-                      <a:r>
-                        <a:rPr lang="en-US" sz="1000" b="0" i="0" dirty="0">
-                          <a:solidFill>
-                            <a:schemeClr val="tx1"/>
-                          </a:solidFill>
-                          <a:highlight>
-                            <a:srgbClr val="FFFF00"/>
-                          </a:highlight>
-                        </a:rPr>
-                        <a:t> Architecture </a:t>
-                      </a:r>
-                      <a:r>
-                        <a:rPr lang="en-US" sz="1000" b="0" i="0" dirty="0">
-                          <a:solidFill>
-                            <a:srgbClr val="FF0000"/>
-                          </a:solidFill>
-                          <a:highlight>
-                            <a:srgbClr val="FFFF00"/>
-                          </a:highlight>
-                        </a:rPr>
-                        <a:t>Description</a:t>
+                        <a:t>Target Business Architecture Description</a:t>
                       </a:r>
                     </a:p>
                     <a:p>
@@ -7837,7 +8227,7 @@
                       <a:r>
                         <a:rPr lang="en-US" sz="1000" b="0" i="0" dirty="0">
                           <a:solidFill>
-                            <a:srgbClr val="FF0000"/>
+                            <a:schemeClr val="tx1"/>
                           </a:solidFill>
                           <a:highlight>
                             <a:srgbClr val="FFFF00"/>
@@ -7875,7 +8265,7 @@
                       <a:r>
                         <a:rPr lang="en-US" sz="1000" b="0" i="0" dirty="0">
                           <a:solidFill>
-                            <a:srgbClr val="FF0000"/>
+                            <a:schemeClr val="tx1"/>
                           </a:solidFill>
                           <a:highlight>
                             <a:srgbClr val="FFFF00"/>
@@ -7913,7 +8303,7 @@
                       <a:r>
                         <a:rPr lang="en-US" sz="1000" b="0" i="0" dirty="0">
                           <a:solidFill>
-                            <a:srgbClr val="FF0000"/>
+                            <a:schemeClr val="tx1"/>
                           </a:solidFill>
                           <a:highlight>
                             <a:srgbClr val="FFFF00"/>
@@ -7951,7 +8341,7 @@
                       <a:r>
                         <a:rPr lang="en-US" sz="1000" b="0" i="0" dirty="0">
                           <a:solidFill>
-                            <a:srgbClr val="FF0000"/>
+                            <a:schemeClr val="tx1"/>
                           </a:solidFill>
                           <a:highlight>
                             <a:srgbClr val="FFFF00"/>
@@ -7981,7 +8371,7 @@
                       <a:r>
                         <a:rPr lang="en-US" sz="1000" b="0" i="0" dirty="0">
                           <a:solidFill>
-                            <a:srgbClr val="FF0000"/>
+                            <a:schemeClr val="tx1"/>
                           </a:solidFill>
                           <a:highlight>
                             <a:srgbClr val="FFFF00"/>
@@ -7992,7 +8382,7 @@
                       <a:r>
                         <a:rPr lang="en-US" sz="1000" b="0" i="1" dirty="0">
                           <a:solidFill>
-                            <a:srgbClr val="FF0000"/>
+                            <a:schemeClr val="tx1"/>
                           </a:solidFill>
                           <a:highlight>
                             <a:srgbClr val="FFFF00"/>
@@ -8003,7 +8393,7 @@
                       <a:r>
                         <a:rPr lang="en-US" sz="1000" b="0" i="0" dirty="0">
                           <a:solidFill>
-                            <a:srgbClr val="FF0000"/>
+                            <a:schemeClr val="tx1"/>
                           </a:solidFill>
                           <a:highlight>
                             <a:srgbClr val="FFFF00"/>
@@ -8041,7 +8431,7 @@
                       <a:r>
                         <a:rPr lang="en-US" sz="1000" b="0" i="0" dirty="0">
                           <a:solidFill>
-                            <a:srgbClr val="FF0000"/>
+                            <a:schemeClr val="tx1"/>
                           </a:solidFill>
                           <a:highlight>
                             <a:srgbClr val="FFFF00"/>
@@ -8084,62 +8474,7 @@
                             <a:srgbClr val="FFFF00"/>
                           </a:highlight>
                         </a:rPr>
-                        <a:t>Select </a:t>
-                      </a:r>
-                      <a:r>
-                        <a:rPr lang="en-US" sz="1000" b="0" i="0" dirty="0">
-                          <a:solidFill>
-                            <a:srgbClr val="FF0000"/>
-                          </a:solidFill>
-                          <a:highlight>
-                            <a:srgbClr val="FFFF00"/>
-                          </a:highlight>
-                        </a:rPr>
-                        <a:t>Reference Models</a:t>
-                      </a:r>
-                      <a:r>
-                        <a:rPr lang="en-US" sz="1000" b="0" i="0" dirty="0">
-                          <a:solidFill>
-                            <a:schemeClr val="tx1"/>
-                          </a:solidFill>
-                          <a:highlight>
-                            <a:srgbClr val="FFFF00"/>
-                          </a:highlight>
-                        </a:rPr>
-                        <a:t>, </a:t>
-                      </a:r>
-                      <a:r>
-                        <a:rPr lang="en-US" sz="1000" b="0" i="0" dirty="0">
-                          <a:solidFill>
-                            <a:srgbClr val="FF0000"/>
-                          </a:solidFill>
-                          <a:highlight>
-                            <a:srgbClr val="FFFF00"/>
-                          </a:highlight>
-                        </a:rPr>
-                        <a:t>Viewpoints</a:t>
-                      </a:r>
-                      <a:r>
-                        <a:rPr lang="en-US" sz="1000" b="0" i="0" dirty="0">
-                          <a:solidFill>
-                            <a:schemeClr val="tx1"/>
-                          </a:solidFill>
-                          <a:highlight>
-                            <a:srgbClr val="FFFF00"/>
-                          </a:highlight>
-                        </a:rPr>
-                        <a:t>, and </a:t>
-                      </a:r>
-                      <a:r>
-                        <a:rPr lang="en-US" sz="1000" b="0" i="0" dirty="0">
-                          <a:solidFill>
-                            <a:srgbClr val="FF0000"/>
-                          </a:solidFill>
-                          <a:highlight>
-                            <a:srgbClr val="FFFF00"/>
-                          </a:highlight>
-                        </a:rPr>
-                        <a:t>Tools</a:t>
+                        <a:t>Select Reference Models, Viewpoints, and Tools</a:t>
                       </a:r>
                     </a:p>
                     <a:p>
@@ -8171,13 +8506,24 @@
                       <a:r>
                         <a:rPr lang="en-US" sz="1000" b="0" i="0" dirty="0">
                           <a:solidFill>
-                            <a:srgbClr val="FF0000"/>
+                            <a:schemeClr val="tx1"/>
                           </a:solidFill>
                           <a:highlight>
                             <a:srgbClr val="FFFF00"/>
                           </a:highlight>
                         </a:rPr>
-                        <a:t>Baseline</a:t>
+                        <a:t>Baseline </a:t>
+                      </a:r>
+                      <a:r>
+                        <a:rPr lang="en-US" sz="1000" b="0" i="1" dirty="0">
+                          <a:solidFill>
+                            <a:schemeClr val="tx1"/>
+                          </a:solidFill>
+                          <a:highlight>
+                            <a:srgbClr val="FFFF00"/>
+                          </a:highlight>
+                        </a:rPr>
+                        <a:t>Data</a:t>
                       </a:r>
                       <a:r>
                         <a:rPr lang="en-US" sz="1000" b="0" i="0" dirty="0">
@@ -8188,51 +8534,7 @@
                             <a:srgbClr val="FFFF00"/>
                           </a:highlight>
                         </a:rPr>
-                        <a:t> </a:t>
-                      </a:r>
-                      <a:r>
-                        <a:rPr lang="en-US" sz="1000" b="0" i="1" dirty="0">
-                          <a:solidFill>
-                            <a:srgbClr val="FF0000"/>
-                          </a:solidFill>
-                          <a:highlight>
-                            <a:srgbClr val="FFFF00"/>
-                          </a:highlight>
-                        </a:rPr>
-                        <a:t>Data</a:t>
-                      </a:r>
-                      <a:r>
-                        <a:rPr lang="en-US" sz="1000" b="0" i="0" dirty="0">
-                          <a:solidFill>
-                            <a:srgbClr val="FF0000"/>
-                          </a:solidFill>
-                          <a:highlight>
-                            <a:srgbClr val="FFFF00"/>
-                          </a:highlight>
-                        </a:rPr>
-                        <a:t> Architecture</a:t>
-                      </a:r>
-                      <a:r>
-                        <a:rPr lang="en-US" sz="1000" b="0" i="0" dirty="0">
-                          <a:solidFill>
-                            <a:schemeClr val="tx1"/>
-                          </a:solidFill>
-                          <a:highlight>
-                            <a:srgbClr val="FFFF00"/>
-                          </a:highlight>
-                        </a:rPr>
-                        <a:t> </a:t>
-                      </a:r>
-                      <a:r>
-                        <a:rPr lang="en-US" sz="1000" b="0" i="0" dirty="0">
-                          <a:solidFill>
-                            <a:srgbClr val="FF0000"/>
-                          </a:solidFill>
-                          <a:highlight>
-                            <a:srgbClr val="FFFF00"/>
-                          </a:highlight>
-                        </a:rPr>
-                        <a:t>Description</a:t>
+                        <a:t> Architecture Description</a:t>
                       </a:r>
                     </a:p>
                     <a:p>
@@ -8264,13 +8566,24 @@
                       <a:r>
                         <a:rPr lang="en-US" sz="1000" b="0" i="0" dirty="0">
                           <a:solidFill>
-                            <a:srgbClr val="FF0000"/>
+                            <a:schemeClr val="tx1"/>
                           </a:solidFill>
                           <a:highlight>
                             <a:srgbClr val="FFFF00"/>
                           </a:highlight>
                         </a:rPr>
-                        <a:t>Target</a:t>
+                        <a:t>Target </a:t>
+                      </a:r>
+                      <a:r>
+                        <a:rPr lang="en-US" sz="1000" b="0" i="1" dirty="0">
+                          <a:solidFill>
+                            <a:schemeClr val="tx1"/>
+                          </a:solidFill>
+                          <a:highlight>
+                            <a:srgbClr val="FFFF00"/>
+                          </a:highlight>
+                        </a:rPr>
+                        <a:t>Data</a:t>
                       </a:r>
                       <a:r>
                         <a:rPr lang="en-US" sz="1000" b="0" i="0" dirty="0">
@@ -8281,62 +8594,7 @@
                             <a:srgbClr val="FFFF00"/>
                           </a:highlight>
                         </a:rPr>
-                        <a:t> </a:t>
-                      </a:r>
-                      <a:r>
-                        <a:rPr lang="en-US" sz="1000" b="0" i="1" dirty="0">
-                          <a:solidFill>
-                            <a:srgbClr val="FF0000"/>
-                          </a:solidFill>
-                          <a:highlight>
-                            <a:srgbClr val="FFFF00"/>
-                          </a:highlight>
-                        </a:rPr>
-                        <a:t>Data</a:t>
-                      </a:r>
-                      <a:r>
-                        <a:rPr lang="en-US" sz="1000" b="0" i="0" dirty="0">
-                          <a:solidFill>
-                            <a:schemeClr val="tx1"/>
-                          </a:solidFill>
-                          <a:highlight>
-                            <a:srgbClr val="FFFF00"/>
-                          </a:highlight>
-                        </a:rPr>
-                        <a:t> </a:t>
-                      </a:r>
-                      <a:r>
-                        <a:rPr lang="en-US" sz="1000" b="0" i="0" dirty="0">
-                          <a:solidFill>
-                            <a:srgbClr val="FF0000"/>
-                          </a:solidFill>
-                          <a:highlight>
-                            <a:srgbClr val="FFFF00"/>
-                          </a:highlight>
-                        </a:rPr>
-                        <a:t>Architecture</a:t>
-                      </a:r>
-                      <a:r>
-                        <a:rPr lang="en-US" sz="1000" b="0" i="0" dirty="0">
-                          <a:solidFill>
-                            <a:schemeClr val="tx1"/>
-                          </a:solidFill>
-                          <a:highlight>
-                            <a:srgbClr val="FFFF00"/>
-                          </a:highlight>
-                        </a:rPr>
-                        <a:t> </a:t>
-                      </a:r>
-                      <a:r>
-                        <a:rPr lang="en-US" sz="1000" b="0" i="0" dirty="0">
-                          <a:solidFill>
-                            <a:srgbClr val="FF0000"/>
-                          </a:solidFill>
-                          <a:highlight>
-                            <a:srgbClr val="FFFF00"/>
-                          </a:highlight>
-                        </a:rPr>
-                        <a:t>Description</a:t>
+                        <a:t> Architecture Description</a:t>
                       </a:r>
                     </a:p>
                     <a:p>
@@ -8368,7 +8626,7 @@
                       <a:r>
                         <a:rPr lang="en-US" sz="1000" b="0" i="0" dirty="0">
                           <a:solidFill>
-                            <a:srgbClr val="FF0000"/>
+                            <a:schemeClr val="tx1"/>
                           </a:solidFill>
                           <a:highlight>
                             <a:srgbClr val="FFFF00"/>
@@ -8406,7 +8664,7 @@
                       <a:r>
                         <a:rPr lang="en-US" sz="1000" b="0" i="0" dirty="0">
                           <a:solidFill>
-                            <a:srgbClr val="FF0000"/>
+                            <a:schemeClr val="tx1"/>
                           </a:solidFill>
                           <a:highlight>
                             <a:srgbClr val="FFFF00"/>
@@ -8444,7 +8702,7 @@
                       <a:r>
                         <a:rPr lang="en-US" sz="1000" b="0" i="0" dirty="0">
                           <a:solidFill>
-                            <a:srgbClr val="FF0000"/>
+                            <a:schemeClr val="tx1"/>
                           </a:solidFill>
                           <a:highlight>
                             <a:srgbClr val="FFFF00"/>
@@ -8482,7 +8740,7 @@
                       <a:r>
                         <a:rPr lang="en-US" sz="1000" b="0" i="0" dirty="0">
                           <a:solidFill>
-                            <a:srgbClr val="FF0000"/>
+                            <a:schemeClr val="tx1"/>
                           </a:solidFill>
                           <a:highlight>
                             <a:srgbClr val="FFFF00"/>
@@ -8512,7 +8770,7 @@
                       <a:r>
                         <a:rPr lang="en-US" sz="1000" b="0" i="0" dirty="0">
                           <a:solidFill>
-                            <a:srgbClr val="FF0000"/>
+                            <a:schemeClr val="tx1"/>
                           </a:solidFill>
                           <a:highlight>
                             <a:srgbClr val="FFFF00"/>
@@ -8523,7 +8781,7 @@
                       <a:r>
                         <a:rPr lang="en-US" sz="1000" b="0" i="1" dirty="0">
                           <a:solidFill>
-                            <a:srgbClr val="FF0000"/>
+                            <a:schemeClr val="tx1"/>
                           </a:solidFill>
                           <a:highlight>
                             <a:srgbClr val="FFFF00"/>
@@ -8534,7 +8792,7 @@
                       <a:r>
                         <a:rPr lang="en-US" sz="1000" b="0" i="0" dirty="0">
                           <a:solidFill>
-                            <a:srgbClr val="FF0000"/>
+                            <a:schemeClr val="tx1"/>
                           </a:solidFill>
                           <a:highlight>
                             <a:srgbClr val="FFFF00"/>
@@ -8572,7 +8830,7 @@
                       <a:r>
                         <a:rPr lang="en-US" sz="1000" b="0" i="0" dirty="0">
                           <a:solidFill>
-                            <a:srgbClr val="FF0000"/>
+                            <a:schemeClr val="tx1"/>
                           </a:solidFill>
                           <a:highlight>
                             <a:srgbClr val="FFFF00"/>
@@ -8615,62 +8873,7 @@
                             <a:srgbClr val="FFFF00"/>
                           </a:highlight>
                         </a:rPr>
-                        <a:t>Select </a:t>
-                      </a:r>
-                      <a:r>
-                        <a:rPr lang="en-US" sz="1000" b="0" i="0" dirty="0">
-                          <a:solidFill>
-                            <a:srgbClr val="FF0000"/>
-                          </a:solidFill>
-                          <a:highlight>
-                            <a:srgbClr val="FFFF00"/>
-                          </a:highlight>
-                        </a:rPr>
-                        <a:t>Reference Models</a:t>
-                      </a:r>
-                      <a:r>
-                        <a:rPr lang="en-US" sz="1000" b="0" i="0" dirty="0">
-                          <a:solidFill>
-                            <a:schemeClr val="tx1"/>
-                          </a:solidFill>
-                          <a:highlight>
-                            <a:srgbClr val="FFFF00"/>
-                          </a:highlight>
-                        </a:rPr>
-                        <a:t>, </a:t>
-                      </a:r>
-                      <a:r>
-                        <a:rPr lang="en-US" sz="1000" b="0" i="0" dirty="0">
-                          <a:solidFill>
-                            <a:srgbClr val="FF0000"/>
-                          </a:solidFill>
-                          <a:highlight>
-                            <a:srgbClr val="FFFF00"/>
-                          </a:highlight>
-                        </a:rPr>
-                        <a:t>Viewpoints</a:t>
-                      </a:r>
-                      <a:r>
-                        <a:rPr lang="en-US" sz="1000" b="0" i="0" dirty="0">
-                          <a:solidFill>
-                            <a:schemeClr val="tx1"/>
-                          </a:solidFill>
-                          <a:highlight>
-                            <a:srgbClr val="FFFF00"/>
-                          </a:highlight>
-                        </a:rPr>
-                        <a:t>, and </a:t>
-                      </a:r>
-                      <a:r>
-                        <a:rPr lang="en-US" sz="1000" b="0" i="0" dirty="0">
-                          <a:solidFill>
-                            <a:srgbClr val="FF0000"/>
-                          </a:solidFill>
-                          <a:highlight>
-                            <a:srgbClr val="FFFF00"/>
-                          </a:highlight>
-                        </a:rPr>
-                        <a:t>Tools</a:t>
+                        <a:t>Select Reference Models, Viewpoints, and Tools</a:t>
                       </a:r>
                     </a:p>
                     <a:p>
@@ -8702,13 +8905,24 @@
                       <a:r>
                         <a:rPr lang="en-US" sz="1000" b="0" i="0" dirty="0">
                           <a:solidFill>
-                            <a:srgbClr val="FF0000"/>
+                            <a:schemeClr val="tx1"/>
                           </a:solidFill>
                           <a:highlight>
                             <a:srgbClr val="FFFF00"/>
                           </a:highlight>
                         </a:rPr>
-                        <a:t>Baseline</a:t>
+                        <a:t>Baseline </a:t>
+                      </a:r>
+                      <a:r>
+                        <a:rPr lang="en-US" sz="1000" b="0" i="1" dirty="0">
+                          <a:solidFill>
+                            <a:schemeClr val="tx1"/>
+                          </a:solidFill>
+                          <a:highlight>
+                            <a:srgbClr val="FFFF00"/>
+                          </a:highlight>
+                        </a:rPr>
+                        <a:t>Application</a:t>
                       </a:r>
                       <a:r>
                         <a:rPr lang="en-US" sz="1000" b="0" i="0" dirty="0">
@@ -8719,62 +8933,7 @@
                             <a:srgbClr val="FFFF00"/>
                           </a:highlight>
                         </a:rPr>
-                        <a:t> </a:t>
-                      </a:r>
-                      <a:r>
-                        <a:rPr lang="en-US" sz="1000" b="0" i="1" dirty="0">
-                          <a:solidFill>
-                            <a:srgbClr val="FF0000"/>
-                          </a:solidFill>
-                          <a:highlight>
-                            <a:srgbClr val="FFFF00"/>
-                          </a:highlight>
-                        </a:rPr>
-                        <a:t>Application</a:t>
-                      </a:r>
-                      <a:r>
-                        <a:rPr lang="en-US" sz="1000" b="0" i="0" dirty="0">
-                          <a:solidFill>
-                            <a:schemeClr val="tx1"/>
-                          </a:solidFill>
-                          <a:highlight>
-                            <a:srgbClr val="FFFF00"/>
-                          </a:highlight>
-                        </a:rPr>
-                        <a:t> </a:t>
-                      </a:r>
-                      <a:r>
-                        <a:rPr lang="en-US" sz="1000" b="0" i="0" dirty="0">
-                          <a:solidFill>
-                            <a:srgbClr val="FF0000"/>
-                          </a:solidFill>
-                          <a:highlight>
-                            <a:srgbClr val="FFFF00"/>
-                          </a:highlight>
-                        </a:rPr>
-                        <a:t>Architecture</a:t>
-                      </a:r>
-                      <a:r>
-                        <a:rPr lang="en-US" sz="1000" b="0" i="0" dirty="0">
-                          <a:solidFill>
-                            <a:schemeClr val="tx1"/>
-                          </a:solidFill>
-                          <a:highlight>
-                            <a:srgbClr val="FFFF00"/>
-                          </a:highlight>
-                        </a:rPr>
-                        <a:t> </a:t>
-                      </a:r>
-                      <a:r>
-                        <a:rPr lang="en-US" sz="1000" b="0" i="0" dirty="0">
-                          <a:solidFill>
-                            <a:srgbClr val="FF0000"/>
-                          </a:solidFill>
-                          <a:highlight>
-                            <a:srgbClr val="FFFF00"/>
-                          </a:highlight>
-                        </a:rPr>
-                        <a:t>Description</a:t>
+                        <a:t> Architecture Description</a:t>
                       </a:r>
                     </a:p>
                     <a:p>
@@ -8806,13 +8965,24 @@
                       <a:r>
                         <a:rPr lang="en-US" sz="1000" b="0" i="0" dirty="0">
                           <a:solidFill>
-                            <a:srgbClr val="FF0000"/>
+                            <a:schemeClr val="tx1"/>
                           </a:solidFill>
                           <a:highlight>
                             <a:srgbClr val="FFFF00"/>
                           </a:highlight>
                         </a:rPr>
-                        <a:t>Target</a:t>
+                        <a:t>Target </a:t>
+                      </a:r>
+                      <a:r>
+                        <a:rPr lang="en-US" sz="1000" b="0" i="1" dirty="0">
+                          <a:solidFill>
+                            <a:schemeClr val="tx1"/>
+                          </a:solidFill>
+                          <a:highlight>
+                            <a:srgbClr val="FFFF00"/>
+                          </a:highlight>
+                        </a:rPr>
+                        <a:t>Application</a:t>
                       </a:r>
                       <a:r>
                         <a:rPr lang="en-US" sz="1000" b="0" i="0" dirty="0">
@@ -8823,62 +8993,7 @@
                             <a:srgbClr val="FFFF00"/>
                           </a:highlight>
                         </a:rPr>
-                        <a:t> </a:t>
-                      </a:r>
-                      <a:r>
-                        <a:rPr lang="en-US" sz="1000" b="0" i="1" dirty="0">
-                          <a:solidFill>
-                            <a:srgbClr val="FF0000"/>
-                          </a:solidFill>
-                          <a:highlight>
-                            <a:srgbClr val="FFFF00"/>
-                          </a:highlight>
-                        </a:rPr>
-                        <a:t>Application</a:t>
-                      </a:r>
-                      <a:r>
-                        <a:rPr lang="en-US" sz="1000" b="0" i="0" dirty="0">
-                          <a:solidFill>
-                            <a:schemeClr val="tx1"/>
-                          </a:solidFill>
-                          <a:highlight>
-                            <a:srgbClr val="FFFF00"/>
-                          </a:highlight>
-                        </a:rPr>
-                        <a:t> </a:t>
-                      </a:r>
-                      <a:r>
-                        <a:rPr lang="en-US" sz="1000" b="0" i="0" dirty="0">
-                          <a:solidFill>
-                            <a:srgbClr val="FF0000"/>
-                          </a:solidFill>
-                          <a:highlight>
-                            <a:srgbClr val="FFFF00"/>
-                          </a:highlight>
-                        </a:rPr>
-                        <a:t>Architecture</a:t>
-                      </a:r>
-                      <a:r>
-                        <a:rPr lang="en-US" sz="1000" b="0" i="0" dirty="0">
-                          <a:solidFill>
-                            <a:schemeClr val="tx1"/>
-                          </a:solidFill>
-                          <a:highlight>
-                            <a:srgbClr val="FFFF00"/>
-                          </a:highlight>
-                        </a:rPr>
-                        <a:t> </a:t>
-                      </a:r>
-                      <a:r>
-                        <a:rPr lang="en-US" sz="1000" b="0" i="0" dirty="0">
-                          <a:solidFill>
-                            <a:srgbClr val="FF0000"/>
-                          </a:solidFill>
-                          <a:highlight>
-                            <a:srgbClr val="FFFF00"/>
-                          </a:highlight>
-                        </a:rPr>
-                        <a:t>Description</a:t>
+                        <a:t> Architecture Description</a:t>
                       </a:r>
                     </a:p>
                     <a:p>
@@ -8910,7 +9025,7 @@
                       <a:r>
                         <a:rPr lang="en-US" sz="1000" b="0" i="0" dirty="0">
                           <a:solidFill>
-                            <a:srgbClr val="FF0000"/>
+                            <a:schemeClr val="tx1"/>
                           </a:solidFill>
                           <a:highlight>
                             <a:srgbClr val="FFFF00"/>
@@ -8948,7 +9063,7 @@
                       <a:r>
                         <a:rPr lang="en-US" sz="1000" b="0" i="0" dirty="0">
                           <a:solidFill>
-                            <a:srgbClr val="FF0000"/>
+                            <a:schemeClr val="tx1"/>
                           </a:solidFill>
                           <a:highlight>
                             <a:srgbClr val="FFFF00"/>
@@ -8986,7 +9101,7 @@
                       <a:r>
                         <a:rPr lang="en-US" sz="1000" b="0" i="0" dirty="0">
                           <a:solidFill>
-                            <a:srgbClr val="FF0000"/>
+                            <a:schemeClr val="tx1"/>
                           </a:solidFill>
                           <a:highlight>
                             <a:srgbClr val="FFFF00"/>
@@ -9024,7 +9139,7 @@
                       <a:r>
                         <a:rPr lang="en-US" sz="1000" b="0" i="0" dirty="0">
                           <a:solidFill>
-                            <a:srgbClr val="FF0000"/>
+                            <a:schemeClr val="tx1"/>
                           </a:solidFill>
                           <a:highlight>
                             <a:srgbClr val="FFFF00"/>
@@ -9054,7 +9169,7 @@
                       <a:r>
                         <a:rPr lang="en-US" sz="1000" b="0" i="0" dirty="0">
                           <a:solidFill>
-                            <a:srgbClr val="FF0000"/>
+                            <a:schemeClr val="tx1"/>
                           </a:solidFill>
                           <a:highlight>
                             <a:srgbClr val="FFFF00"/>
@@ -9065,7 +9180,7 @@
                       <a:r>
                         <a:rPr lang="en-US" sz="1000" b="0" i="1" dirty="0">
                           <a:solidFill>
-                            <a:srgbClr val="FF0000"/>
+                            <a:schemeClr val="tx1"/>
                           </a:solidFill>
                           <a:highlight>
                             <a:srgbClr val="FFFF00"/>
@@ -9076,7 +9191,7 @@
                       <a:r>
                         <a:rPr lang="en-US" sz="1000" b="0" i="0" dirty="0">
                           <a:solidFill>
-                            <a:srgbClr val="FF0000"/>
+                            <a:schemeClr val="tx1"/>
                           </a:solidFill>
                           <a:highlight>
                             <a:srgbClr val="FFFF00"/>
@@ -9114,7 +9229,7 @@
                       <a:r>
                         <a:rPr lang="en-US" sz="1000" b="0" i="0" dirty="0">
                           <a:solidFill>
-                            <a:srgbClr val="FF0000"/>
+                            <a:schemeClr val="tx1"/>
                           </a:solidFill>
                           <a:highlight>
                             <a:srgbClr val="FFFF00"/>
@@ -9181,62 +9296,7 @@
                             <a:srgbClr val="FFFF00"/>
                           </a:highlight>
                         </a:rPr>
-                        <a:t>Select </a:t>
-                      </a:r>
-                      <a:r>
-                        <a:rPr lang="en-US" sz="1000" b="0" i="0" dirty="0">
-                          <a:solidFill>
-                            <a:srgbClr val="FF0000"/>
-                          </a:solidFill>
-                          <a:highlight>
-                            <a:srgbClr val="FFFF00"/>
-                          </a:highlight>
-                        </a:rPr>
-                        <a:t>Reference Models</a:t>
-                      </a:r>
-                      <a:r>
-                        <a:rPr lang="en-US" sz="1000" b="0" i="0" dirty="0">
-                          <a:solidFill>
-                            <a:schemeClr val="tx1"/>
-                          </a:solidFill>
-                          <a:highlight>
-                            <a:srgbClr val="FFFF00"/>
-                          </a:highlight>
-                        </a:rPr>
-                        <a:t>, </a:t>
-                      </a:r>
-                      <a:r>
-                        <a:rPr lang="en-US" sz="1000" b="0" i="0" dirty="0">
-                          <a:solidFill>
-                            <a:srgbClr val="FF0000"/>
-                          </a:solidFill>
-                          <a:highlight>
-                            <a:srgbClr val="FFFF00"/>
-                          </a:highlight>
-                        </a:rPr>
-                        <a:t>Viewpoints</a:t>
-                      </a:r>
-                      <a:r>
-                        <a:rPr lang="en-US" sz="1000" b="0" i="0" dirty="0">
-                          <a:solidFill>
-                            <a:schemeClr val="tx1"/>
-                          </a:solidFill>
-                          <a:highlight>
-                            <a:srgbClr val="FFFF00"/>
-                          </a:highlight>
-                        </a:rPr>
-                        <a:t>, and </a:t>
-                      </a:r>
-                      <a:r>
-                        <a:rPr lang="en-US" sz="1000" b="0" i="0" dirty="0">
-                          <a:solidFill>
-                            <a:srgbClr val="FF0000"/>
-                          </a:solidFill>
-                          <a:highlight>
-                            <a:srgbClr val="FFFF00"/>
-                          </a:highlight>
-                        </a:rPr>
-                        <a:t>Tools</a:t>
+                        <a:t>Select Reference Models, Viewpoints, and Tools</a:t>
                       </a:r>
                     </a:p>
                     <a:p>
@@ -9268,13 +9328,24 @@
                       <a:r>
                         <a:rPr lang="en-US" sz="1000" b="0" i="0" dirty="0">
                           <a:solidFill>
-                            <a:srgbClr val="FF0000"/>
+                            <a:schemeClr val="tx1"/>
                           </a:solidFill>
                           <a:highlight>
                             <a:srgbClr val="FFFF00"/>
                           </a:highlight>
                         </a:rPr>
-                        <a:t>Baseline</a:t>
+                        <a:t>Baseline </a:t>
+                      </a:r>
+                      <a:r>
+                        <a:rPr lang="en-US" sz="1000" b="0" i="1" dirty="0">
+                          <a:solidFill>
+                            <a:schemeClr val="tx1"/>
+                          </a:solidFill>
+                          <a:highlight>
+                            <a:srgbClr val="FFFF00"/>
+                          </a:highlight>
+                        </a:rPr>
+                        <a:t>Technology</a:t>
                       </a:r>
                       <a:r>
                         <a:rPr lang="en-US" sz="1000" b="0" i="0" dirty="0">
@@ -9285,62 +9356,7 @@
                             <a:srgbClr val="FFFF00"/>
                           </a:highlight>
                         </a:rPr>
-                        <a:t> </a:t>
-                      </a:r>
-                      <a:r>
-                        <a:rPr lang="en-US" sz="1000" b="0" i="1" dirty="0">
-                          <a:solidFill>
-                            <a:srgbClr val="FF0000"/>
-                          </a:solidFill>
-                          <a:highlight>
-                            <a:srgbClr val="FFFF00"/>
-                          </a:highlight>
-                        </a:rPr>
-                        <a:t>Technology</a:t>
-                      </a:r>
-                      <a:r>
-                        <a:rPr lang="en-US" sz="1000" b="0" i="0" dirty="0">
-                          <a:solidFill>
-                            <a:schemeClr val="tx1"/>
-                          </a:solidFill>
-                          <a:highlight>
-                            <a:srgbClr val="FFFF00"/>
-                          </a:highlight>
-                        </a:rPr>
-                        <a:t> </a:t>
-                      </a:r>
-                      <a:r>
-                        <a:rPr lang="en-US" sz="1000" b="0" i="0" dirty="0">
-                          <a:solidFill>
-                            <a:srgbClr val="FF0000"/>
-                          </a:solidFill>
-                          <a:highlight>
-                            <a:srgbClr val="FFFF00"/>
-                          </a:highlight>
-                        </a:rPr>
-                        <a:t>Architecture</a:t>
-                      </a:r>
-                      <a:r>
-                        <a:rPr lang="en-US" sz="1000" b="0" i="0" dirty="0">
-                          <a:solidFill>
-                            <a:schemeClr val="tx1"/>
-                          </a:solidFill>
-                          <a:highlight>
-                            <a:srgbClr val="FFFF00"/>
-                          </a:highlight>
-                        </a:rPr>
-                        <a:t> </a:t>
-                      </a:r>
-                      <a:r>
-                        <a:rPr lang="en-US" sz="1000" b="0" i="0" dirty="0">
-                          <a:solidFill>
-                            <a:srgbClr val="FF0000"/>
-                          </a:solidFill>
-                          <a:highlight>
-                            <a:srgbClr val="FFFF00"/>
-                          </a:highlight>
-                        </a:rPr>
-                        <a:t>Description</a:t>
+                        <a:t> Architecture Description</a:t>
                       </a:r>
                     </a:p>
                     <a:p>
@@ -9372,13 +9388,24 @@
                       <a:r>
                         <a:rPr lang="en-US" sz="1000" b="0" i="0" dirty="0">
                           <a:solidFill>
-                            <a:srgbClr val="FF0000"/>
+                            <a:schemeClr val="tx1"/>
                           </a:solidFill>
                           <a:highlight>
                             <a:srgbClr val="FFFF00"/>
                           </a:highlight>
                         </a:rPr>
-                        <a:t>Target</a:t>
+                        <a:t>Target </a:t>
+                      </a:r>
+                      <a:r>
+                        <a:rPr lang="en-US" sz="1000" b="0" i="1" dirty="0">
+                          <a:solidFill>
+                            <a:schemeClr val="tx1"/>
+                          </a:solidFill>
+                          <a:highlight>
+                            <a:srgbClr val="FFFF00"/>
+                          </a:highlight>
+                        </a:rPr>
+                        <a:t>Technology</a:t>
                       </a:r>
                       <a:r>
                         <a:rPr lang="en-US" sz="1000" b="0" i="0" dirty="0">
@@ -9389,62 +9416,7 @@
                             <a:srgbClr val="FFFF00"/>
                           </a:highlight>
                         </a:rPr>
-                        <a:t> </a:t>
-                      </a:r>
-                      <a:r>
-                        <a:rPr lang="en-US" sz="1000" b="0" i="1" dirty="0">
-                          <a:solidFill>
-                            <a:srgbClr val="FF0000"/>
-                          </a:solidFill>
-                          <a:highlight>
-                            <a:srgbClr val="FFFF00"/>
-                          </a:highlight>
-                        </a:rPr>
-                        <a:t>Technology</a:t>
-                      </a:r>
-                      <a:r>
-                        <a:rPr lang="en-US" sz="1000" b="0" i="0" dirty="0">
-                          <a:solidFill>
-                            <a:schemeClr val="tx1"/>
-                          </a:solidFill>
-                          <a:highlight>
-                            <a:srgbClr val="FFFF00"/>
-                          </a:highlight>
-                        </a:rPr>
-                        <a:t> </a:t>
-                      </a:r>
-                      <a:r>
-                        <a:rPr lang="en-US" sz="1000" b="0" i="0" dirty="0">
-                          <a:solidFill>
-                            <a:srgbClr val="FF0000"/>
-                          </a:solidFill>
-                          <a:highlight>
-                            <a:srgbClr val="FFFF00"/>
-                          </a:highlight>
-                        </a:rPr>
-                        <a:t>Architecture</a:t>
-                      </a:r>
-                      <a:r>
-                        <a:rPr lang="en-US" sz="1000" b="0" i="0" dirty="0">
-                          <a:solidFill>
-                            <a:schemeClr val="tx1"/>
-                          </a:solidFill>
-                          <a:highlight>
-                            <a:srgbClr val="FFFF00"/>
-                          </a:highlight>
-                        </a:rPr>
-                        <a:t> </a:t>
-                      </a:r>
-                      <a:r>
-                        <a:rPr lang="en-US" sz="1000" b="0" i="0" dirty="0">
-                          <a:solidFill>
-                            <a:srgbClr val="FF0000"/>
-                          </a:solidFill>
-                          <a:highlight>
-                            <a:srgbClr val="FFFF00"/>
-                          </a:highlight>
-                        </a:rPr>
-                        <a:t>Description</a:t>
+                        <a:t> Architecture Description</a:t>
                       </a:r>
                     </a:p>
                     <a:p>
@@ -9476,7 +9448,7 @@
                       <a:r>
                         <a:rPr lang="en-US" sz="1000" b="0" i="0" dirty="0">
                           <a:solidFill>
-                            <a:srgbClr val="FF0000"/>
+                            <a:schemeClr val="tx1"/>
                           </a:solidFill>
                           <a:highlight>
                             <a:srgbClr val="FFFF00"/>
@@ -9514,7 +9486,7 @@
                       <a:r>
                         <a:rPr lang="en-US" sz="1000" b="0" i="0" dirty="0">
                           <a:solidFill>
-                            <a:srgbClr val="FF0000"/>
+                            <a:schemeClr val="tx1"/>
                           </a:solidFill>
                           <a:highlight>
                             <a:srgbClr val="FFFF00"/>
@@ -9552,7 +9524,7 @@
                       <a:r>
                         <a:rPr lang="en-US" sz="1000" b="0" i="0" dirty="0">
                           <a:solidFill>
-                            <a:srgbClr val="FF0000"/>
+                            <a:schemeClr val="tx1"/>
                           </a:solidFill>
                           <a:highlight>
                             <a:srgbClr val="FFFF00"/>
@@ -9590,7 +9562,7 @@
                       <a:r>
                         <a:rPr lang="en-US" sz="1000" b="0" i="0" dirty="0">
                           <a:solidFill>
-                            <a:srgbClr val="FF0000"/>
+                            <a:schemeClr val="tx1"/>
                           </a:solidFill>
                           <a:highlight>
                             <a:srgbClr val="FFFF00"/>
@@ -9620,7 +9592,7 @@
                       <a:r>
                         <a:rPr lang="en-US" sz="1000" b="0" i="0" dirty="0">
                           <a:solidFill>
-                            <a:srgbClr val="FF0000"/>
+                            <a:schemeClr val="tx1"/>
                           </a:solidFill>
                           <a:highlight>
                             <a:srgbClr val="FFFF00"/>
@@ -9631,7 +9603,7 @@
                       <a:r>
                         <a:rPr lang="en-US" sz="1000" b="0" i="1" dirty="0">
                           <a:solidFill>
-                            <a:srgbClr val="FF0000"/>
+                            <a:schemeClr val="tx1"/>
                           </a:solidFill>
                           <a:highlight>
                             <a:srgbClr val="FFFF00"/>
@@ -9642,7 +9614,7 @@
                       <a:r>
                         <a:rPr lang="en-US" sz="1000" b="0" i="0" dirty="0">
                           <a:solidFill>
-                            <a:srgbClr val="FF0000"/>
+                            <a:schemeClr val="tx1"/>
                           </a:solidFill>
                           <a:highlight>
                             <a:srgbClr val="FFFF00"/>
@@ -9680,7 +9652,7 @@
                       <a:r>
                         <a:rPr lang="en-US" sz="1000" b="0" i="0" dirty="0">
                           <a:solidFill>
-                            <a:srgbClr val="FF0000"/>
+                            <a:schemeClr val="tx1"/>
                           </a:solidFill>
                           <a:highlight>
                             <a:srgbClr val="FFFF00"/>
@@ -9749,7 +9721,7 @@
                       <a:r>
                         <a:rPr lang="en-US" sz="1000" b="0" dirty="0">
                           <a:solidFill>
-                            <a:srgbClr val="FF0000"/>
+                            <a:schemeClr val="tx1"/>
                           </a:solidFill>
                           <a:highlight>
                             <a:srgbClr val="FFFF00"/>
@@ -9787,7 +9759,7 @@
                       <a:r>
                         <a:rPr lang="en-US" sz="1000" b="0" dirty="0">
                           <a:solidFill>
-                            <a:srgbClr val="FF0000"/>
+                            <a:schemeClr val="tx1"/>
                           </a:solidFill>
                           <a:highlight>
                             <a:srgbClr val="FFFF00"/>
@@ -9833,24 +9805,13 @@
                       <a:r>
                         <a:rPr lang="en-US" sz="1000" b="0" dirty="0">
                           <a:solidFill>
-                            <a:srgbClr val="FF0000"/>
+                            <a:schemeClr val="tx1"/>
                           </a:solidFill>
                           <a:highlight>
                             <a:srgbClr val="FFFF00"/>
                           </a:highlight>
                         </a:rPr>
-                        <a:t>Consolidate Gap Analysis Results </a:t>
-                      </a:r>
-                      <a:r>
-                        <a:rPr lang="en-US" sz="1000" b="0" dirty="0">
-                          <a:solidFill>
-                            <a:schemeClr val="tx1"/>
-                          </a:solidFill>
-                          <a:highlight>
-                            <a:srgbClr val="FFFF00"/>
-                          </a:highlight>
-                        </a:rPr>
-                        <a:t>from Phases B-C-D</a:t>
+                        <a:t>Consolidate Gap Analysis Results from Phases B-C-D</a:t>
                       </a:r>
                     </a:p>
                     <a:p>
@@ -9874,7 +9835,7 @@
                       <a:r>
                         <a:rPr lang="en-US" sz="1000" b="0" dirty="0">
                           <a:solidFill>
-                            <a:srgbClr val="FF0000"/>
+                            <a:schemeClr val="tx1"/>
                           </a:solidFill>
                           <a:highlight>
                             <a:srgbClr val="FFFF00"/>
@@ -9920,7 +9881,7 @@
                       <a:r>
                         <a:rPr lang="en-US" sz="1000" b="0" dirty="0">
                           <a:solidFill>
-                            <a:srgbClr val="FF0000"/>
+                            <a:schemeClr val="tx1"/>
                           </a:solidFill>
                           <a:highlight>
                             <a:srgbClr val="FFFF00"/>
@@ -9958,7 +9919,7 @@
                       <a:r>
                         <a:rPr lang="en-US" sz="1000" b="0" dirty="0">
                           <a:solidFill>
-                            <a:srgbClr val="FF0000"/>
+                            <a:schemeClr val="tx1"/>
                           </a:solidFill>
                           <a:highlight>
                             <a:srgbClr val="FFFF00"/>
@@ -9996,7 +9957,7 @@
                       <a:r>
                         <a:rPr lang="en-US" sz="1000" b="0" dirty="0">
                           <a:solidFill>
-                            <a:srgbClr val="FF0000"/>
+                            <a:schemeClr val="tx1"/>
                           </a:solidFill>
                           <a:highlight>
                             <a:srgbClr val="FFFF00"/>
@@ -10034,7 +9995,7 @@
                       <a:r>
                         <a:rPr lang="en-US" sz="1000" b="0" dirty="0">
                           <a:solidFill>
-                            <a:srgbClr val="FF0000"/>
+                            <a:schemeClr val="tx1"/>
                           </a:solidFill>
                           <a:highlight>
                             <a:srgbClr val="FFFF00"/>
@@ -10070,18 +10031,7 @@
                             <a:srgbClr val="FFFF00"/>
                           </a:highlight>
                         </a:rPr>
-                        <a:t>Identify and </a:t>
-                      </a:r>
-                      <a:r>
-                        <a:rPr lang="en-US" sz="1000" b="0" dirty="0">
-                          <a:solidFill>
-                            <a:srgbClr val="FF0000"/>
-                          </a:solidFill>
-                          <a:highlight>
-                            <a:srgbClr val="FFFF00"/>
-                          </a:highlight>
-                        </a:rPr>
-                        <a:t>Group Major Work Packages</a:t>
+                        <a:t>Identify and Group Major Work Packages</a:t>
                       </a:r>
                     </a:p>
                     <a:p>
@@ -10113,7 +10063,7 @@
                       <a:r>
                         <a:rPr lang="en-US" sz="1000" b="0" dirty="0">
                           <a:solidFill>
-                            <a:srgbClr val="FF0000"/>
+                            <a:schemeClr val="tx1"/>
                           </a:solidFill>
                           <a:highlight>
                             <a:srgbClr val="FFFF00"/>
@@ -10151,7 +10101,7 @@
                       <a:r>
                         <a:rPr lang="en-US" sz="1000" b="0" dirty="0">
                           <a:solidFill>
-                            <a:srgbClr val="FF0000"/>
+                            <a:schemeClr val="tx1"/>
                           </a:solidFill>
                           <a:highlight>
                             <a:srgbClr val="FFFF00"/>
@@ -10170,7 +10120,7 @@
                       <a:r>
                         <a:rPr lang="en-US" sz="1000" b="0" dirty="0">
                           <a:solidFill>
-                            <a:srgbClr val="FF0000"/>
+                            <a:schemeClr val="tx1"/>
                           </a:solidFill>
                           <a:highlight>
                             <a:srgbClr val="FFFF00"/>
@@ -10239,7 +10189,7 @@
                       <a:r>
                         <a:rPr lang="en-US" sz="1000" b="0" dirty="0">
                           <a:solidFill>
-                            <a:srgbClr val="FF0000"/>
+                            <a:schemeClr val="tx1"/>
                           </a:solidFill>
                           <a:highlight>
                             <a:srgbClr val="FFFF00"/>
@@ -10285,7 +10235,7 @@
                       <a:r>
                         <a:rPr lang="en-US" sz="1000" b="0" dirty="0">
                           <a:solidFill>
-                            <a:srgbClr val="FF0000"/>
+                            <a:schemeClr val="tx1"/>
                           </a:solidFill>
                           <a:highlight>
                             <a:srgbClr val="FFFF00"/>
@@ -10315,7 +10265,7 @@
                       <a:r>
                         <a:rPr lang="en-US" sz="1000" b="0" dirty="0">
                           <a:solidFill>
-                            <a:srgbClr val="FF0000"/>
+                            <a:schemeClr val="tx1"/>
                           </a:solidFill>
                           <a:highlight>
                             <a:srgbClr val="FFFF00"/>
@@ -10353,7 +10303,7 @@
                       <a:r>
                         <a:rPr lang="en-US" sz="1000" b="0" dirty="0">
                           <a:solidFill>
-                            <a:srgbClr val="FF0000"/>
+                            <a:schemeClr val="tx1"/>
                           </a:solidFill>
                           <a:highlight>
                             <a:srgbClr val="FFFF00"/>
@@ -10372,7 +10322,7 @@
                       <a:r>
                         <a:rPr lang="en-US" sz="1000" b="0" dirty="0">
                           <a:solidFill>
-                            <a:srgbClr val="FF0000"/>
+                            <a:schemeClr val="tx1"/>
                           </a:solidFill>
                           <a:highlight>
                             <a:srgbClr val="FFFF00"/>
@@ -10391,7 +10341,7 @@
                       <a:r>
                         <a:rPr lang="en-US" sz="1000" b="0" dirty="0">
                           <a:solidFill>
-                            <a:srgbClr val="FF0000"/>
+                            <a:schemeClr val="tx1"/>
                           </a:solidFill>
                           <a:highlight>
                             <a:srgbClr val="FFFF00"/>
@@ -10421,7 +10371,7 @@
                       <a:r>
                         <a:rPr lang="en-US" sz="1000" b="0" dirty="0">
                           <a:solidFill>
-                            <a:srgbClr val="FF0000"/>
+                            <a:schemeClr val="tx1"/>
                           </a:solidFill>
                           <a:highlight>
                             <a:srgbClr val="FFFF00"/>
@@ -10459,7 +10409,7 @@
                       <a:r>
                         <a:rPr lang="en-US" sz="1000" b="0" dirty="0">
                           <a:solidFill>
-                            <a:srgbClr val="FF0000"/>
+                            <a:schemeClr val="tx1"/>
                           </a:solidFill>
                           <a:highlight>
                             <a:srgbClr val="FFFF00"/>
@@ -10489,7 +10439,7 @@
                       <a:r>
                         <a:rPr lang="en-US" sz="1000" b="0" dirty="0">
                           <a:solidFill>
-                            <a:srgbClr val="FF0000"/>
+                            <a:schemeClr val="tx1"/>
                           </a:solidFill>
                           <a:highlight>
                             <a:srgbClr val="FFFF00"/>
@@ -10508,7 +10458,7 @@
                       <a:r>
                         <a:rPr lang="en-US" sz="1000" b="0" dirty="0">
                           <a:solidFill>
-                            <a:srgbClr val="FF0000"/>
+                            <a:schemeClr val="tx1"/>
                           </a:solidFill>
                           <a:highlight>
                             <a:srgbClr val="FFFF00"/>
@@ -10545,7 +10495,7 @@
                       <a:r>
                         <a:rPr lang="en-US" sz="1000" b="0" kern="1200" dirty="0">
                           <a:solidFill>
-                            <a:srgbClr val="FF0000"/>
+                            <a:schemeClr val="tx1"/>
                           </a:solidFill>
                           <a:highlight>
                             <a:srgbClr val="FFFF00"/>
@@ -10589,7 +10539,7 @@
                       <a:r>
                         <a:rPr lang="en-US" sz="1000" b="0" kern="1200" dirty="0">
                           <a:solidFill>
-                            <a:srgbClr val="FF0000"/>
+                            <a:schemeClr val="tx1"/>
                           </a:solidFill>
                           <a:highlight>
                             <a:srgbClr val="FFFF00"/>
@@ -10644,7 +10594,7 @@
                       <a:r>
                         <a:rPr lang="en-US" sz="1000" b="0" kern="1200" dirty="0">
                           <a:solidFill>
-                            <a:srgbClr val="FF0000"/>
+                            <a:schemeClr val="tx1"/>
                           </a:solidFill>
                           <a:highlight>
                             <a:srgbClr val="FFFF00"/>
@@ -10688,7 +10638,7 @@
                       <a:r>
                         <a:rPr lang="en-US" sz="1000" b="0" kern="1200" dirty="0">
                           <a:solidFill>
-                            <a:srgbClr val="FF0000"/>
+                            <a:schemeClr val="tx1"/>
                           </a:solidFill>
                           <a:highlight>
                             <a:srgbClr val="FFFF00"/>
@@ -10721,7 +10671,7 @@
                       <a:r>
                         <a:rPr lang="en-US" sz="1000" b="0" kern="1200" dirty="0">
                           <a:solidFill>
-                            <a:srgbClr val="FF0000"/>
+                            <a:schemeClr val="tx1"/>
                           </a:solidFill>
                           <a:highlight>
                             <a:srgbClr val="FFFF00"/>
@@ -10765,7 +10715,7 @@
                       <a:r>
                         <a:rPr lang="en-US" sz="1000" b="0" kern="1200" dirty="0">
                           <a:solidFill>
-                            <a:srgbClr val="FF0000"/>
+                            <a:schemeClr val="tx1"/>
                           </a:solidFill>
                           <a:highlight>
                             <a:srgbClr val="FFFF00"/>
@@ -10857,7 +10807,7 @@
                       <a:r>
                         <a:rPr lang="en-US" sz="1000" b="0" kern="1200" dirty="0">
                           <a:solidFill>
-                            <a:srgbClr val="FF0000"/>
+                            <a:schemeClr val="tx1"/>
                           </a:solidFill>
                           <a:highlight>
                             <a:srgbClr val="FFFF00"/>
@@ -10901,7 +10851,7 @@
                       <a:r>
                         <a:rPr lang="en-US" sz="1000" b="0" kern="1200" dirty="0">
                           <a:solidFill>
-                            <a:srgbClr val="FF0000"/>
+                            <a:schemeClr val="tx1"/>
                           </a:solidFill>
                           <a:highlight>
                             <a:srgbClr val="FFFF00"/>
@@ -10934,7 +10884,7 @@
                       <a:r>
                         <a:rPr lang="en-US" sz="1000" b="0" kern="1200" dirty="0">
                           <a:solidFill>
-                            <a:srgbClr val="FF0000"/>
+                            <a:schemeClr val="tx1"/>
                           </a:solidFill>
                           <a:highlight>
                             <a:srgbClr val="FFFF00"/>
@@ -10978,7 +10928,7 @@
                       <a:r>
                         <a:rPr lang="en-US" sz="1000" b="0" kern="1200" dirty="0">
                           <a:solidFill>
-                            <a:srgbClr val="FF0000"/>
+                            <a:schemeClr val="tx1"/>
                           </a:solidFill>
                           <a:highlight>
                             <a:srgbClr val="FFFF00"/>
@@ -11022,7 +10972,7 @@
                       <a:r>
                         <a:rPr lang="en-US" sz="1000" b="0" kern="1200" dirty="0">
                           <a:solidFill>
-                            <a:srgbClr val="FF0000"/>
+                            <a:schemeClr val="tx1"/>
                           </a:solidFill>
                           <a:highlight>
                             <a:srgbClr val="FFFF00"/>
@@ -11066,7 +11016,7 @@
                       <a:r>
                         <a:rPr lang="en-US" sz="1000" b="0" kern="1200" dirty="0">
                           <a:solidFill>
-                            <a:srgbClr val="FF0000"/>
+                            <a:schemeClr val="tx1"/>
                           </a:solidFill>
                           <a:highlight>
                             <a:srgbClr val="FFFF00"/>
@@ -11110,7 +11060,7 @@
                       <a:r>
                         <a:rPr lang="en-US" sz="1000" b="0" kern="1200" dirty="0">
                           <a:solidFill>
-                            <a:srgbClr val="FF0000"/>
+                            <a:schemeClr val="tx1"/>
                           </a:solidFill>
                           <a:highlight>
                             <a:srgbClr val="FFFF00"/>

--- a/references/pdfs/adm-steps-inputs-outputs.pptx
+++ b/references/pdfs/adm-steps-inputs-outputs.pptx
@@ -6709,7 +6709,7 @@
           <p:nvPr>
             <p:extLst>
               <p:ext uri="{D42A27DB-BD31-4B8C-83A1-F6EECF244321}">
-                <p14:modId xmlns:p14="http://schemas.microsoft.com/office/powerpoint/2010/main" val="1450590989"/>
+                <p14:modId xmlns:p14="http://schemas.microsoft.com/office/powerpoint/2010/main" val="800368911"/>
               </p:ext>
             </p:extLst>
           </p:nvPr>
@@ -7389,18 +7389,10 @@
                             <a:schemeClr val="tx1"/>
                           </a:solidFill>
                         </a:rPr>
-                        <a:t>Define </a:t>
-                      </a:r>
-                      <a:r>
-                        <a:rPr lang="en-US" sz="1000" b="0">
-                          <a:solidFill>
-                            <a:schemeClr val="tx1"/>
-                          </a:solidFill>
-                        </a:rPr>
-                        <a:t>and </a:t>
-                      </a:r>
-                      <a:r>
-                        <a:rPr lang="en-US" sz="1000" b="0">
+                        <a:t>Define and </a:t>
+                      </a:r>
+                      <a:r>
+                        <a:rPr lang="en-US" sz="1000" b="0" dirty="0">
                           <a:solidFill>
                             <a:schemeClr val="tx1"/>
                           </a:solidFill>
@@ -7408,18 +7400,7 @@
                             <a:srgbClr val="00FFFF"/>
                           </a:highlight>
                         </a:rPr>
-                        <a:t>Establish Enterprise </a:t>
-                      </a:r>
-                      <a:r>
-                        <a:rPr lang="en-US" sz="1000" b="0" dirty="0">
-                          <a:solidFill>
-                            <a:schemeClr val="tx1"/>
-                          </a:solidFill>
-                          <a:highlight>
-                            <a:srgbClr val="00FFFF"/>
-                          </a:highlight>
-                        </a:rPr>
-                        <a:t>Architecture Team </a:t>
+                        <a:t>Establish Enterprise Architecture Team </a:t>
                       </a:r>
                       <a:r>
                         <a:rPr lang="en-US" sz="1000" b="0" dirty="0">
@@ -7530,18 +7511,7 @@
                             <a:schemeClr val="tx1"/>
                           </a:solidFill>
                         </a:rPr>
-                        <a:t>Develop a</a:t>
-                      </a:r>
-                      <a:r>
-                        <a:rPr lang="en-US" sz="1000" b="0" dirty="0">
-                          <a:solidFill>
-                            <a:schemeClr val="tx1"/>
-                          </a:solidFill>
-                          <a:highlight>
-                            <a:srgbClr val="FFFF00"/>
-                          </a:highlight>
-                        </a:rPr>
-                        <a:t> </a:t>
+                        <a:t>Develop a </a:t>
                       </a:r>
                       <a:r>
                         <a:rPr lang="en-US" sz="1000" b="0" dirty="0">

--- a/references/pdfs/adm-steps-inputs-outputs.pptx
+++ b/references/pdfs/adm-steps-inputs-outputs.pptx
@@ -274,7 +274,7 @@
           <a:p>
             <a:fld id="{6A2EF460-96B6-4F20-8D0A-A3002A0CC0AD}" type="datetimeFigureOut">
               <a:rPr lang="en-US" smtClean="0"/>
-              <a:t>2/15/2022</a:t>
+              <a:t>2/27/2022</a:t>
             </a:fld>
             <a:endParaRPr lang="en-US"/>
           </a:p>
@@ -472,7 +472,7 @@
           <a:p>
             <a:fld id="{6A2EF460-96B6-4F20-8D0A-A3002A0CC0AD}" type="datetimeFigureOut">
               <a:rPr lang="en-US" smtClean="0"/>
-              <a:t>2/15/2022</a:t>
+              <a:t>2/27/2022</a:t>
             </a:fld>
             <a:endParaRPr lang="en-US"/>
           </a:p>
@@ -680,7 +680,7 @@
           <a:p>
             <a:fld id="{6A2EF460-96B6-4F20-8D0A-A3002A0CC0AD}" type="datetimeFigureOut">
               <a:rPr lang="en-US" smtClean="0"/>
-              <a:t>2/15/2022</a:t>
+              <a:t>2/27/2022</a:t>
             </a:fld>
             <a:endParaRPr lang="en-US"/>
           </a:p>
@@ -878,7 +878,7 @@
           <a:p>
             <a:fld id="{6A2EF460-96B6-4F20-8D0A-A3002A0CC0AD}" type="datetimeFigureOut">
               <a:rPr lang="en-US" smtClean="0"/>
-              <a:t>2/15/2022</a:t>
+              <a:t>2/27/2022</a:t>
             </a:fld>
             <a:endParaRPr lang="en-US"/>
           </a:p>
@@ -1153,7 +1153,7 @@
           <a:p>
             <a:fld id="{6A2EF460-96B6-4F20-8D0A-A3002A0CC0AD}" type="datetimeFigureOut">
               <a:rPr lang="en-US" smtClean="0"/>
-              <a:t>2/15/2022</a:t>
+              <a:t>2/27/2022</a:t>
             </a:fld>
             <a:endParaRPr lang="en-US"/>
           </a:p>
@@ -1418,7 +1418,7 @@
           <a:p>
             <a:fld id="{6A2EF460-96B6-4F20-8D0A-A3002A0CC0AD}" type="datetimeFigureOut">
               <a:rPr lang="en-US" smtClean="0"/>
-              <a:t>2/15/2022</a:t>
+              <a:t>2/27/2022</a:t>
             </a:fld>
             <a:endParaRPr lang="en-US"/>
           </a:p>
@@ -1830,7 +1830,7 @@
           <a:p>
             <a:fld id="{6A2EF460-96B6-4F20-8D0A-A3002A0CC0AD}" type="datetimeFigureOut">
               <a:rPr lang="en-US" smtClean="0"/>
-              <a:t>2/15/2022</a:t>
+              <a:t>2/27/2022</a:t>
             </a:fld>
             <a:endParaRPr lang="en-US"/>
           </a:p>
@@ -1971,7 +1971,7 @@
           <a:p>
             <a:fld id="{6A2EF460-96B6-4F20-8D0A-A3002A0CC0AD}" type="datetimeFigureOut">
               <a:rPr lang="en-US" smtClean="0"/>
-              <a:t>2/15/2022</a:t>
+              <a:t>2/27/2022</a:t>
             </a:fld>
             <a:endParaRPr lang="en-US"/>
           </a:p>
@@ -2084,7 +2084,7 @@
           <a:p>
             <a:fld id="{6A2EF460-96B6-4F20-8D0A-A3002A0CC0AD}" type="datetimeFigureOut">
               <a:rPr lang="en-US" smtClean="0"/>
-              <a:t>2/15/2022</a:t>
+              <a:t>2/27/2022</a:t>
             </a:fld>
             <a:endParaRPr lang="en-US"/>
           </a:p>
@@ -2395,7 +2395,7 @@
           <a:p>
             <a:fld id="{6A2EF460-96B6-4F20-8D0A-A3002A0CC0AD}" type="datetimeFigureOut">
               <a:rPr lang="en-US" smtClean="0"/>
-              <a:t>2/15/2022</a:t>
+              <a:t>2/27/2022</a:t>
             </a:fld>
             <a:endParaRPr lang="en-US"/>
           </a:p>
@@ -2683,7 +2683,7 @@
           <a:p>
             <a:fld id="{6A2EF460-96B6-4F20-8D0A-A3002A0CC0AD}" type="datetimeFigureOut">
               <a:rPr lang="en-US" smtClean="0"/>
-              <a:t>2/15/2022</a:t>
+              <a:t>2/27/2022</a:t>
             </a:fld>
             <a:endParaRPr lang="en-US"/>
           </a:p>
@@ -2924,7 +2924,7 @@
           <a:p>
             <a:fld id="{6A2EF460-96B6-4F20-8D0A-A3002A0CC0AD}" type="datetimeFigureOut">
               <a:rPr lang="en-US" smtClean="0"/>
-              <a:t>2/15/2022</a:t>
+              <a:t>2/27/2022</a:t>
             </a:fld>
             <a:endParaRPr lang="en-US"/>
           </a:p>
@@ -3356,7 +3356,7 @@
           <p:nvPr>
             <p:extLst>
               <p:ext uri="{D42A27DB-BD31-4B8C-83A1-F6EECF244321}">
-                <p14:modId xmlns:p14="http://schemas.microsoft.com/office/powerpoint/2010/main" val="653957187"/>
+                <p14:modId xmlns:p14="http://schemas.microsoft.com/office/powerpoint/2010/main" val="4068735432"/>
               </p:ext>
             </p:extLst>
           </p:nvPr>
@@ -5756,7 +5756,32 @@
                           <a:ea typeface="+mn-ea"/>
                           <a:cs typeface="+mn-cs"/>
                         </a:rPr>
-                        <a:t>, target business, data, and application building blocks to be delivered through technology components and technology services, in a way that </a:t>
+                        <a:t>, target </a:t>
+                      </a:r>
+                      <a:r>
+                        <a:rPr lang="en-US" sz="1000" b="0" kern="1200" dirty="0">
+                          <a:solidFill>
+                            <a:schemeClr val="tx1"/>
+                          </a:solidFill>
+                          <a:highlight>
+                            <a:srgbClr val="C98E37"/>
+                          </a:highlight>
+                          <a:latin typeface="+mn-lt"/>
+                          <a:ea typeface="+mn-ea"/>
+                          <a:cs typeface="+mn-cs"/>
+                        </a:rPr>
+                        <a:t>Business, Data, and Application Building Blocks </a:t>
+                      </a:r>
+                      <a:r>
+                        <a:rPr lang="en-US" sz="1000" b="0" kern="1200" dirty="0">
+                          <a:solidFill>
+                            <a:schemeClr val="tx1"/>
+                          </a:solidFill>
+                          <a:latin typeface="+mn-lt"/>
+                          <a:ea typeface="+mn-ea"/>
+                          <a:cs typeface="+mn-cs"/>
+                        </a:rPr>
+                        <a:t>to be delivered through technology components and technology services, in a way that </a:t>
                       </a:r>
                       <a:r>
                         <a:rPr lang="en-US" sz="1000" b="0" kern="1200" dirty="0">

--- a/references/pdfs/adm-steps-inputs-outputs.pptx
+++ b/references/pdfs/adm-steps-inputs-outputs.pptx
@@ -16012,7 +16012,7 @@
           <p:nvPr>
             <p:extLst>
               <p:ext uri="{D42A27DB-BD31-4B8C-83A1-F6EECF244321}">
-                <p14:modId xmlns:p14="http://schemas.microsoft.com/office/powerpoint/2010/main" val="1435481159"/>
+                <p14:modId xmlns:p14="http://schemas.microsoft.com/office/powerpoint/2010/main" val="3640681032"/>
               </p:ext>
             </p:extLst>
           </p:nvPr>
@@ -16626,6 +16626,9 @@
                               <a:lumMod val="75000"/>
                             </a:schemeClr>
                           </a:solidFill>
+                          <a:highlight>
+                            <a:srgbClr val="FFFF00"/>
+                          </a:highlight>
                         </a:rPr>
                         <a:t>Tailored Architecture Framework</a:t>
                       </a:r>
@@ -16685,11 +16688,27 @@
                               <a:lumMod val="75000"/>
                             </a:schemeClr>
                           </a:solidFill>
-                          <a:latin typeface="+mn-lt"/>
-                          <a:ea typeface="+mn-ea"/>
-                          <a:cs typeface="+mn-cs"/>
-                        </a:rPr>
-                        <a:t>Business principles, goals and drivers</a:t>
+                          <a:highlight>
+                            <a:srgbClr val="FFFF00"/>
+                          </a:highlight>
+                          <a:latin typeface="+mn-lt"/>
+                          <a:ea typeface="+mn-ea"/>
+                          <a:cs typeface="+mn-cs"/>
+                        </a:rPr>
+                        <a:t>Business principles</a:t>
+                      </a:r>
+                      <a:r>
+                        <a:rPr lang="en-US" sz="1000" b="0" kern="1200" dirty="0">
+                          <a:solidFill>
+                            <a:schemeClr val="accent3">
+                              <a:lumMod val="75000"/>
+                            </a:schemeClr>
+                          </a:solidFill>
+                          <a:latin typeface="+mn-lt"/>
+                          <a:ea typeface="+mn-ea"/>
+                          <a:cs typeface="+mn-cs"/>
+                        </a:rPr>
+                        <a:t>, goals and drivers</a:t>
                       </a:r>
                     </a:p>
                     <a:p>
@@ -16750,17 +16769,6 @@
                         </a:rPr>
                         <a:t>Initial Architecture Repository</a:t>
                       </a:r>
-                    </a:p>
-                    <a:p>
-                      <a:pPr marL="171450" indent="-171450">
-                        <a:buFont typeface="Arial" panose="020B0604020202020204" pitchFamily="34" charset="0"/>
-                        <a:buChar char="•"/>
-                      </a:pPr>
-                      <a:endParaRPr lang="en-US" sz="1000" b="0" dirty="0">
-                        <a:solidFill>
-                          <a:schemeClr val="tx1"/>
-                        </a:solidFill>
-                      </a:endParaRPr>
                     </a:p>
                   </a:txBody>
                   <a:tcPr/>
@@ -16781,6 +16789,9 @@
                               <a:lumMod val="75000"/>
                             </a:schemeClr>
                           </a:solidFill>
+                          <a:highlight>
+                            <a:srgbClr val="FFFF00"/>
+                          </a:highlight>
                         </a:rPr>
                         <a:t>Architecture Vision</a:t>
                       </a:r>
@@ -16856,6 +16867,9 @@
                               <a:lumMod val="75000"/>
                             </a:schemeClr>
                           </a:solidFill>
+                          <a:highlight>
+                            <a:srgbClr val="FFFF00"/>
+                          </a:highlight>
                           <a:latin typeface="+mn-lt"/>
                           <a:ea typeface="+mn-ea"/>
                           <a:cs typeface="+mn-cs"/>
@@ -16886,6 +16900,9 @@
                           <a:solidFill>
                             <a:srgbClr val="7030A0"/>
                           </a:solidFill>
+                          <a:highlight>
+                            <a:srgbClr val="FFFF00"/>
+                          </a:highlight>
                         </a:rPr>
                         <a:t>Capability Assessment</a:t>
                       </a:r>
@@ -16895,6 +16912,9 @@
                             <a:lumMod val="50000"/>
                           </a:schemeClr>
                         </a:solidFill>
+                        <a:highlight>
+                          <a:srgbClr val="FFFF00"/>
+                        </a:highlight>
                         <a:latin typeface="+mn-lt"/>
                         <a:ea typeface="+mn-ea"/>
                         <a:cs typeface="+mn-cs"/>
@@ -16925,11 +16945,27 @@
                               <a:lumMod val="50000"/>
                             </a:schemeClr>
                           </a:solidFill>
-                          <a:latin typeface="+mn-lt"/>
-                          <a:ea typeface="+mn-ea"/>
-                          <a:cs typeface="+mn-cs"/>
-                        </a:rPr>
-                        <a:t>Draft Architecture Definition Document (v 0.1 of baseline/target)</a:t>
+                          <a:highlight>
+                            <a:srgbClr val="FFFF00"/>
+                          </a:highlight>
+                          <a:latin typeface="+mn-lt"/>
+                          <a:ea typeface="+mn-ea"/>
+                          <a:cs typeface="+mn-cs"/>
+                        </a:rPr>
+                        <a:t>Draft Architecture Definition Document </a:t>
+                      </a:r>
+                      <a:r>
+                        <a:rPr lang="en-US" sz="1000" b="0" kern="1200" dirty="0">
+                          <a:solidFill>
+                            <a:schemeClr val="accent6">
+                              <a:lumMod val="50000"/>
+                            </a:schemeClr>
+                          </a:solidFill>
+                          <a:latin typeface="+mn-lt"/>
+                          <a:ea typeface="+mn-ea"/>
+                          <a:cs typeface="+mn-cs"/>
+                        </a:rPr>
+                        <a:t>(v 0.1 of baseline/target)</a:t>
                       </a:r>
                     </a:p>
                     <a:p>
@@ -16971,9 +17007,6 @@
                           <a:solidFill>
                             <a:schemeClr val="tx1"/>
                           </a:solidFill>
-                          <a:highlight>
-                            <a:srgbClr val="FFFF00"/>
-                          </a:highlight>
                         </a:rPr>
                         <a:t>Communication plan</a:t>
                       </a:r>
@@ -17093,7 +17126,36 @@
                           <a:ea typeface="+mn-ea"/>
                           <a:cs typeface="+mn-cs"/>
                         </a:rPr>
-                        <a:t>Draft Architecture Definition Document (v 1.0 of baseline/target business architecture)</a:t>
+                        <a:t>Draft Architecture Definition Document (</a:t>
+                      </a:r>
+                      <a:r>
+                        <a:rPr lang="en-US" sz="1000" b="0" kern="1200" dirty="0">
+                          <a:solidFill>
+                            <a:schemeClr val="accent6">
+                              <a:lumMod val="50000"/>
+                            </a:schemeClr>
+                          </a:solidFill>
+                          <a:highlight>
+                            <a:srgbClr val="00FF00"/>
+                          </a:highlight>
+                          <a:latin typeface="+mn-lt"/>
+                          <a:ea typeface="+mn-ea"/>
+                          <a:cs typeface="+mn-cs"/>
+                        </a:rPr>
+                        <a:t>ADD</a:t>
+                      </a:r>
+                      <a:r>
+                        <a:rPr lang="en-US" sz="1000" b="0" kern="1200" dirty="0">
+                          <a:solidFill>
+                            <a:schemeClr val="accent6">
+                              <a:lumMod val="50000"/>
+                            </a:schemeClr>
+                          </a:solidFill>
+                          <a:latin typeface="+mn-lt"/>
+                          <a:ea typeface="+mn-ea"/>
+                          <a:cs typeface="+mn-cs"/>
+                        </a:rPr>
+                        <a:t> v 1.0 of baseline/target business architecture)</a:t>
                       </a:r>
                     </a:p>
                     <a:p>
@@ -17119,11 +17181,50 @@
                           <a:solidFill>
                             <a:srgbClr val="00B0F0"/>
                           </a:solidFill>
-                          <a:latin typeface="+mn-lt"/>
-                          <a:ea typeface="+mn-ea"/>
-                          <a:cs typeface="+mn-cs"/>
-                        </a:rPr>
-                        <a:t>Draft Architecture Requirements Specification (including the gap analysis results)</a:t>
+                          <a:highlight>
+                            <a:srgbClr val="FFFF00"/>
+                          </a:highlight>
+                          <a:latin typeface="+mn-lt"/>
+                          <a:ea typeface="+mn-ea"/>
+                          <a:cs typeface="+mn-cs"/>
+                        </a:rPr>
+                        <a:t>Draft Architecture Requirements Specification </a:t>
+                      </a:r>
+                      <a:r>
+                        <a:rPr lang="en-US" sz="1000" b="0" kern="1200" dirty="0">
+                          <a:solidFill>
+                            <a:srgbClr val="00B0F0"/>
+                          </a:solidFill>
+                          <a:latin typeface="+mn-lt"/>
+                          <a:ea typeface="+mn-ea"/>
+                          <a:cs typeface="+mn-cs"/>
+                        </a:rPr>
+                        <a:t>(</a:t>
+                      </a:r>
+                      <a:r>
+                        <a:rPr lang="en-US" sz="1000" b="0" kern="1200" dirty="0">
+                          <a:solidFill>
+                            <a:srgbClr val="00B0F0"/>
+                          </a:solidFill>
+                          <a:highlight>
+                            <a:srgbClr val="00FF00"/>
+                          </a:highlight>
+                          <a:latin typeface="+mn-lt"/>
+                          <a:ea typeface="+mn-ea"/>
+                          <a:cs typeface="+mn-cs"/>
+                        </a:rPr>
+                        <a:t>ARS</a:t>
+                      </a:r>
+                      <a:r>
+                        <a:rPr lang="en-US" sz="1000" b="0" kern="1200" dirty="0">
+                          <a:solidFill>
+                            <a:srgbClr val="00B0F0"/>
+                          </a:solidFill>
+                          <a:latin typeface="+mn-lt"/>
+                          <a:ea typeface="+mn-ea"/>
+                          <a:cs typeface="+mn-cs"/>
+                        </a:rPr>
+                        <a:t> including the gap analysis results)</a:t>
                       </a:r>
                     </a:p>
                     <a:p>
@@ -17155,7 +17256,39 @@
                           <a:ea typeface="+mn-ea"/>
                           <a:cs typeface="+mn-cs"/>
                         </a:rPr>
-                        <a:t>Business architecture component of Architecture Roadmap</a:t>
+                        <a:t>Business architecture component of </a:t>
+                      </a:r>
+                      <a:r>
+                        <a:rPr lang="en-US" sz="1000" b="0" kern="1200" dirty="0">
+                          <a:solidFill>
+                            <a:schemeClr val="accent4">
+                              <a:lumMod val="75000"/>
+                            </a:schemeClr>
+                          </a:solidFill>
+                          <a:highlight>
+                            <a:srgbClr val="FFFF00"/>
+                          </a:highlight>
+                          <a:latin typeface="+mn-lt"/>
+                          <a:ea typeface="+mn-ea"/>
+                          <a:cs typeface="+mn-cs"/>
+                        </a:rPr>
+                        <a:t>Architecture </a:t>
+                      </a:r>
+                      <a:r>
+                        <a:rPr lang="en-US" sz="1000" b="0" kern="1200" dirty="0">
+                          <a:solidFill>
+                            <a:schemeClr val="accent4">
+                              <a:lumMod val="75000"/>
+                            </a:schemeClr>
+                          </a:solidFill>
+                          <a:highlight>
+                            <a:srgbClr val="00FF00"/>
+                          </a:highlight>
+                          <a:latin typeface="+mn-lt"/>
+                          <a:ea typeface="+mn-ea"/>
+                          <a:cs typeface="+mn-cs"/>
+                        </a:rPr>
+                        <a:t>Roadmap</a:t>
                       </a:r>
                     </a:p>
                     <a:p>
@@ -17267,7 +17400,36 @@
                           <a:ea typeface="+mn-ea"/>
                           <a:cs typeface="+mn-cs"/>
                         </a:rPr>
-                        <a:t>Draft Architecture Definition Document (v 1.0 of baseline/target data architecture)</a:t>
+                        <a:t>Draft Architecture Definition Document (</a:t>
+                      </a:r>
+                      <a:r>
+                        <a:rPr lang="en-US" sz="1000" b="0" kern="1200" dirty="0">
+                          <a:solidFill>
+                            <a:schemeClr val="accent6">
+                              <a:lumMod val="50000"/>
+                            </a:schemeClr>
+                          </a:solidFill>
+                          <a:highlight>
+                            <a:srgbClr val="00FF00"/>
+                          </a:highlight>
+                          <a:latin typeface="+mn-lt"/>
+                          <a:ea typeface="+mn-ea"/>
+                          <a:cs typeface="+mn-cs"/>
+                        </a:rPr>
+                        <a:t>ADD</a:t>
+                      </a:r>
+                      <a:r>
+                        <a:rPr lang="en-US" sz="1000" b="0" kern="1200" dirty="0">
+                          <a:solidFill>
+                            <a:schemeClr val="accent6">
+                              <a:lumMod val="50000"/>
+                            </a:schemeClr>
+                          </a:solidFill>
+                          <a:latin typeface="+mn-lt"/>
+                          <a:ea typeface="+mn-ea"/>
+                          <a:cs typeface="+mn-cs"/>
+                        </a:rPr>
+                        <a:t> v 1.0 of baseline/target data architecture)</a:t>
                       </a:r>
                     </a:p>
                     <a:p>
@@ -17297,7 +17459,32 @@
                           <a:ea typeface="+mn-ea"/>
                           <a:cs typeface="+mn-cs"/>
                         </a:rPr>
-                        <a:t>Draft Architecture Requirements Specification</a:t>
+                        <a:t>Draft Architecture Requirements Specification (</a:t>
+                      </a:r>
+                      <a:r>
+                        <a:rPr lang="en-US" sz="1000" b="0" kern="1200" dirty="0">
+                          <a:solidFill>
+                            <a:srgbClr val="00B0F0"/>
+                          </a:solidFill>
+                          <a:highlight>
+                            <a:srgbClr val="00FF00"/>
+                          </a:highlight>
+                          <a:latin typeface="+mn-lt"/>
+                          <a:ea typeface="+mn-ea"/>
+                          <a:cs typeface="+mn-cs"/>
+                        </a:rPr>
+                        <a:t>ARS</a:t>
+                      </a:r>
+                      <a:r>
+                        <a:rPr lang="en-US" sz="1000" b="0" kern="1200" dirty="0">
+                          <a:solidFill>
+                            <a:srgbClr val="00B0F0"/>
+                          </a:solidFill>
+                          <a:latin typeface="+mn-lt"/>
+                          <a:ea typeface="+mn-ea"/>
+                          <a:cs typeface="+mn-cs"/>
+                        </a:rPr>
+                        <a:t>)</a:t>
                       </a:r>
                     </a:p>
                     <a:p>
@@ -17329,7 +17516,39 @@
                           <a:ea typeface="+mn-ea"/>
                           <a:cs typeface="+mn-cs"/>
                         </a:rPr>
-                        <a:t>Data architecture component of Architecture Roadmap</a:t>
+                        <a:t>Data architecture component of </a:t>
+                      </a:r>
+                      <a:r>
+                        <a:rPr lang="en-US" sz="1000" b="0" kern="1200" dirty="0">
+                          <a:solidFill>
+                            <a:schemeClr val="accent4">
+                              <a:lumMod val="75000"/>
+                            </a:schemeClr>
+                          </a:solidFill>
+                          <a:highlight>
+                            <a:srgbClr val="FFFF00"/>
+                          </a:highlight>
+                          <a:latin typeface="+mn-lt"/>
+                          <a:ea typeface="+mn-ea"/>
+                          <a:cs typeface="+mn-cs"/>
+                        </a:rPr>
+                        <a:t>Architecture </a:t>
+                      </a:r>
+                      <a:r>
+                        <a:rPr lang="en-US" sz="1000" b="0" kern="1200" dirty="0">
+                          <a:solidFill>
+                            <a:schemeClr val="accent4">
+                              <a:lumMod val="75000"/>
+                            </a:schemeClr>
+                          </a:solidFill>
+                          <a:highlight>
+                            <a:srgbClr val="00FF00"/>
+                          </a:highlight>
+                          <a:latin typeface="+mn-lt"/>
+                          <a:ea typeface="+mn-ea"/>
+                          <a:cs typeface="+mn-cs"/>
+                        </a:rPr>
+                        <a:t>Roadmap</a:t>
                       </a:r>
                     </a:p>
                     <a:p>
@@ -17434,7 +17653,36 @@
                           <a:ea typeface="+mn-ea"/>
                           <a:cs typeface="+mn-cs"/>
                         </a:rPr>
-                        <a:t>Draft Architecture Definition Document (v 1.0 of baseline/target application architecture)</a:t>
+                        <a:t>Draft Architecture Definition Document (</a:t>
+                      </a:r>
+                      <a:r>
+                        <a:rPr lang="en-US" sz="1000" b="0" kern="1200" dirty="0">
+                          <a:solidFill>
+                            <a:schemeClr val="accent6">
+                              <a:lumMod val="50000"/>
+                            </a:schemeClr>
+                          </a:solidFill>
+                          <a:highlight>
+                            <a:srgbClr val="00FF00"/>
+                          </a:highlight>
+                          <a:latin typeface="+mn-lt"/>
+                          <a:ea typeface="+mn-ea"/>
+                          <a:cs typeface="+mn-cs"/>
+                        </a:rPr>
+                        <a:t>ADD </a:t>
+                      </a:r>
+                      <a:r>
+                        <a:rPr lang="en-US" sz="1000" b="0" kern="1200" dirty="0">
+                          <a:solidFill>
+                            <a:schemeClr val="accent6">
+                              <a:lumMod val="50000"/>
+                            </a:schemeClr>
+                          </a:solidFill>
+                          <a:latin typeface="+mn-lt"/>
+                          <a:ea typeface="+mn-ea"/>
+                          <a:cs typeface="+mn-cs"/>
+                        </a:rPr>
+                        <a:t>v 1.0 of baseline/target application architecture)</a:t>
                       </a:r>
                     </a:p>
                     <a:p>
@@ -17464,7 +17712,32 @@
                           <a:ea typeface="+mn-ea"/>
                           <a:cs typeface="+mn-cs"/>
                         </a:rPr>
-                        <a:t>Draft Architecture Requirements Specification</a:t>
+                        <a:t>Draft Architecture Requirements Specification (</a:t>
+                      </a:r>
+                      <a:r>
+                        <a:rPr lang="en-US" sz="1000" b="0" kern="1200" dirty="0">
+                          <a:solidFill>
+                            <a:srgbClr val="00B0F0"/>
+                          </a:solidFill>
+                          <a:highlight>
+                            <a:srgbClr val="00FF00"/>
+                          </a:highlight>
+                          <a:latin typeface="+mn-lt"/>
+                          <a:ea typeface="+mn-ea"/>
+                          <a:cs typeface="+mn-cs"/>
+                        </a:rPr>
+                        <a:t>ARS</a:t>
+                      </a:r>
+                      <a:r>
+                        <a:rPr lang="en-US" sz="1000" b="0" kern="1200" dirty="0">
+                          <a:solidFill>
+                            <a:srgbClr val="00B0F0"/>
+                          </a:solidFill>
+                          <a:latin typeface="+mn-lt"/>
+                          <a:ea typeface="+mn-ea"/>
+                          <a:cs typeface="+mn-cs"/>
+                        </a:rPr>
+                        <a:t>)</a:t>
                       </a:r>
                     </a:p>
                     <a:p>
@@ -17496,7 +17769,39 @@
                           <a:ea typeface="+mn-ea"/>
                           <a:cs typeface="+mn-cs"/>
                         </a:rPr>
-                        <a:t>Application architecture component of Architecture Roadmap</a:t>
+                        <a:t>Application architecture component of </a:t>
+                      </a:r>
+                      <a:r>
+                        <a:rPr lang="en-US" sz="1000" b="0" kern="1200" dirty="0">
+                          <a:solidFill>
+                            <a:schemeClr val="accent4">
+                              <a:lumMod val="75000"/>
+                            </a:schemeClr>
+                          </a:solidFill>
+                          <a:highlight>
+                            <a:srgbClr val="FFFF00"/>
+                          </a:highlight>
+                          <a:latin typeface="+mn-lt"/>
+                          <a:ea typeface="+mn-ea"/>
+                          <a:cs typeface="+mn-cs"/>
+                        </a:rPr>
+                        <a:t>Architecture </a:t>
+                      </a:r>
+                      <a:r>
+                        <a:rPr lang="en-US" sz="1000" b="0" kern="1200" dirty="0">
+                          <a:solidFill>
+                            <a:schemeClr val="accent4">
+                              <a:lumMod val="75000"/>
+                            </a:schemeClr>
+                          </a:solidFill>
+                          <a:highlight>
+                            <a:srgbClr val="00FF00"/>
+                          </a:highlight>
+                          <a:latin typeface="+mn-lt"/>
+                          <a:ea typeface="+mn-ea"/>
+                          <a:cs typeface="+mn-cs"/>
+                        </a:rPr>
+                        <a:t>Roadmap</a:t>
                       </a:r>
                     </a:p>
                     <a:p>
@@ -17603,7 +17908,36 @@
                           <a:ea typeface="+mn-ea"/>
                           <a:cs typeface="+mn-cs"/>
                         </a:rPr>
-                        <a:t>Draft Architecture Definition Document (v 1.0 of baseline/target technology architecture)</a:t>
+                        <a:t>Draft Architecture Definition Document (</a:t>
+                      </a:r>
+                      <a:r>
+                        <a:rPr lang="en-US" sz="1000" b="0" kern="1200" dirty="0">
+                          <a:solidFill>
+                            <a:schemeClr val="accent6">
+                              <a:lumMod val="50000"/>
+                            </a:schemeClr>
+                          </a:solidFill>
+                          <a:highlight>
+                            <a:srgbClr val="00FF00"/>
+                          </a:highlight>
+                          <a:latin typeface="+mn-lt"/>
+                          <a:ea typeface="+mn-ea"/>
+                          <a:cs typeface="+mn-cs"/>
+                        </a:rPr>
+                        <a:t>ADD </a:t>
+                      </a:r>
+                      <a:r>
+                        <a:rPr lang="en-US" sz="1000" b="0" kern="1200" dirty="0">
+                          <a:solidFill>
+                            <a:schemeClr val="accent6">
+                              <a:lumMod val="50000"/>
+                            </a:schemeClr>
+                          </a:solidFill>
+                          <a:latin typeface="+mn-lt"/>
+                          <a:ea typeface="+mn-ea"/>
+                          <a:cs typeface="+mn-cs"/>
+                        </a:rPr>
+                        <a:t>v 1.0 of baseline/target technology architecture)</a:t>
                       </a:r>
                     </a:p>
                     <a:p>
@@ -17633,7 +17967,32 @@
                           <a:ea typeface="+mn-ea"/>
                           <a:cs typeface="+mn-cs"/>
                         </a:rPr>
-                        <a:t>Draft Architecture Requirements Specification</a:t>
+                        <a:t>Draft Architecture Requirements Specification (</a:t>
+                      </a:r>
+                      <a:r>
+                        <a:rPr lang="en-US" sz="1000" b="0" kern="1200" dirty="0">
+                          <a:solidFill>
+                            <a:srgbClr val="00B0F0"/>
+                          </a:solidFill>
+                          <a:highlight>
+                            <a:srgbClr val="00FF00"/>
+                          </a:highlight>
+                          <a:latin typeface="+mn-lt"/>
+                          <a:ea typeface="+mn-ea"/>
+                          <a:cs typeface="+mn-cs"/>
+                        </a:rPr>
+                        <a:t>ARS</a:t>
+                      </a:r>
+                      <a:r>
+                        <a:rPr lang="en-US" sz="1000" b="0" kern="1200" dirty="0">
+                          <a:solidFill>
+                            <a:srgbClr val="00B0F0"/>
+                          </a:solidFill>
+                          <a:latin typeface="+mn-lt"/>
+                          <a:ea typeface="+mn-ea"/>
+                          <a:cs typeface="+mn-cs"/>
+                        </a:rPr>
+                        <a:t>)</a:t>
                       </a:r>
                     </a:p>
                     <a:p>
@@ -17665,7 +18024,39 @@
                           <a:ea typeface="+mn-ea"/>
                           <a:cs typeface="+mn-cs"/>
                         </a:rPr>
-                        <a:t>Technology architecture component of Architecture Roadmap</a:t>
+                        <a:t>Technology architecture component of </a:t>
+                      </a:r>
+                      <a:r>
+                        <a:rPr lang="en-US" sz="1000" b="0" kern="1200" dirty="0">
+                          <a:solidFill>
+                            <a:schemeClr val="accent4">
+                              <a:lumMod val="75000"/>
+                            </a:schemeClr>
+                          </a:solidFill>
+                          <a:highlight>
+                            <a:srgbClr val="FFFF00"/>
+                          </a:highlight>
+                          <a:latin typeface="+mn-lt"/>
+                          <a:ea typeface="+mn-ea"/>
+                          <a:cs typeface="+mn-cs"/>
+                        </a:rPr>
+                        <a:t>Architecture </a:t>
+                      </a:r>
+                      <a:r>
+                        <a:rPr lang="en-US" sz="1000" b="0" kern="1200" dirty="0">
+                          <a:solidFill>
+                            <a:schemeClr val="accent4">
+                              <a:lumMod val="75000"/>
+                            </a:schemeClr>
+                          </a:solidFill>
+                          <a:highlight>
+                            <a:srgbClr val="00FF00"/>
+                          </a:highlight>
+                          <a:latin typeface="+mn-lt"/>
+                          <a:ea typeface="+mn-ea"/>
+                          <a:cs typeface="+mn-cs"/>
+                        </a:rPr>
+                        <a:t>Roadmap</a:t>
                       </a:r>
                     </a:p>
                   </a:txBody>
@@ -17743,7 +18134,36 @@
                           <a:ea typeface="+mn-ea"/>
                           <a:cs typeface="+mn-cs"/>
                         </a:rPr>
-                        <a:t>Draft Architecture Definition Document</a:t>
+                        <a:t>Draft Architecture Definition Document (</a:t>
+                      </a:r>
+                      <a:r>
+                        <a:rPr lang="en-US" sz="1000" b="0" kern="1200" dirty="0">
+                          <a:solidFill>
+                            <a:schemeClr val="accent6">
+                              <a:lumMod val="50000"/>
+                            </a:schemeClr>
+                          </a:solidFill>
+                          <a:highlight>
+                            <a:srgbClr val="00FF00"/>
+                          </a:highlight>
+                          <a:latin typeface="+mn-lt"/>
+                          <a:ea typeface="+mn-ea"/>
+                          <a:cs typeface="+mn-cs"/>
+                        </a:rPr>
+                        <a:t>ADD</a:t>
+                      </a:r>
+                      <a:r>
+                        <a:rPr lang="en-US" sz="1000" b="0" kern="1200" dirty="0">
+                          <a:solidFill>
+                            <a:schemeClr val="accent6">
+                              <a:lumMod val="50000"/>
+                            </a:schemeClr>
+                          </a:solidFill>
+                          <a:latin typeface="+mn-lt"/>
+                          <a:ea typeface="+mn-ea"/>
+                          <a:cs typeface="+mn-cs"/>
+                        </a:rPr>
+                        <a:t>)</a:t>
                       </a:r>
                     </a:p>
                     <a:p>
@@ -17773,7 +18193,32 @@
                           <a:ea typeface="+mn-ea"/>
                           <a:cs typeface="+mn-cs"/>
                         </a:rPr>
-                        <a:t>Draft Architecture Requirements Specification</a:t>
+                        <a:t>Draft Architecture Requirements Specification (</a:t>
+                      </a:r>
+                      <a:r>
+                        <a:rPr lang="en-US" sz="1000" b="0" kern="1200" dirty="0">
+                          <a:solidFill>
+                            <a:srgbClr val="00B0F0"/>
+                          </a:solidFill>
+                          <a:highlight>
+                            <a:srgbClr val="00FF00"/>
+                          </a:highlight>
+                          <a:latin typeface="+mn-lt"/>
+                          <a:ea typeface="+mn-ea"/>
+                          <a:cs typeface="+mn-cs"/>
+                        </a:rPr>
+                        <a:t>ARS</a:t>
+                      </a:r>
+                      <a:r>
+                        <a:rPr lang="en-US" sz="1000" b="0" kern="1200" dirty="0">
+                          <a:solidFill>
+                            <a:srgbClr val="00B0F0"/>
+                          </a:solidFill>
+                          <a:latin typeface="+mn-lt"/>
+                          <a:ea typeface="+mn-ea"/>
+                          <a:cs typeface="+mn-cs"/>
+                        </a:rPr>
+                        <a:t>)</a:t>
                       </a:r>
                     </a:p>
                     <a:p>
@@ -17831,11 +18276,59 @@
                               <a:lumMod val="75000"/>
                             </a:schemeClr>
                           </a:solidFill>
-                          <a:latin typeface="+mn-lt"/>
-                          <a:ea typeface="+mn-ea"/>
-                          <a:cs typeface="+mn-cs"/>
-                        </a:rPr>
-                        <a:t>Architecture Roadmap (v 0.1)</a:t>
+                          <a:highlight>
+                            <a:srgbClr val="FFFF00"/>
+                          </a:highlight>
+                          <a:latin typeface="+mn-lt"/>
+                          <a:ea typeface="+mn-ea"/>
+                          <a:cs typeface="+mn-cs"/>
+                        </a:rPr>
+                        <a:t>Architecture </a:t>
+                      </a:r>
+                      <a:r>
+                        <a:rPr lang="en-US" sz="1000" b="0" kern="1200" dirty="0">
+                          <a:solidFill>
+                            <a:schemeClr val="accent4">
+                              <a:lumMod val="75000"/>
+                            </a:schemeClr>
+                          </a:solidFill>
+                          <a:highlight>
+                            <a:srgbClr val="00FF00"/>
+                          </a:highlight>
+                          <a:latin typeface="+mn-lt"/>
+                          <a:ea typeface="+mn-ea"/>
+                          <a:cs typeface="+mn-cs"/>
+                        </a:rPr>
+                        <a:t>Roadmap</a:t>
+                      </a:r>
+                      <a:r>
+                        <a:rPr lang="en-US" sz="1000" b="0" kern="1200" dirty="0">
+                          <a:solidFill>
+                            <a:schemeClr val="accent4">
+                              <a:lumMod val="75000"/>
+                            </a:schemeClr>
+                          </a:solidFill>
+                          <a:highlight>
+                            <a:srgbClr val="FFFF00"/>
+                          </a:highlight>
+                          <a:latin typeface="+mn-lt"/>
+                          <a:ea typeface="+mn-ea"/>
+                          <a:cs typeface="+mn-cs"/>
+                        </a:rPr>
+                        <a:t> </a:t>
+                      </a:r>
+                      <a:r>
+                        <a:rPr lang="en-US" sz="1000" b="0" kern="1200" dirty="0">
+                          <a:solidFill>
+                            <a:schemeClr val="accent4">
+                              <a:lumMod val="75000"/>
+                            </a:schemeClr>
+                          </a:solidFill>
+                          <a:latin typeface="+mn-lt"/>
+                          <a:ea typeface="+mn-ea"/>
+                          <a:cs typeface="+mn-cs"/>
+                        </a:rPr>
+                        <a:t>(v 0.1)</a:t>
                       </a:r>
                     </a:p>
                     <a:p>
@@ -17908,7 +18401,18 @@
                           <a:ea typeface="+mn-ea"/>
                           <a:cs typeface="+mn-cs"/>
                         </a:rPr>
-                        <a:t>Implementation and migration plan (v 0.1)</a:t>
+                        <a:t>Implementation and migration plan </a:t>
+                      </a:r>
+                      <a:r>
+                        <a:rPr lang="en-US" sz="1000" b="0" kern="1200" dirty="0">
+                          <a:solidFill>
+                            <a:schemeClr val="tx1"/>
+                          </a:solidFill>
+                          <a:latin typeface="+mn-lt"/>
+                          <a:ea typeface="+mn-ea"/>
+                          <a:cs typeface="+mn-cs"/>
+                        </a:rPr>
+                        <a:t>(v 0.1)</a:t>
                       </a:r>
                     </a:p>
                   </a:txBody>
@@ -17941,9 +18445,6 @@
                           <a:solidFill>
                             <a:schemeClr val="tx1"/>
                           </a:solidFill>
-                          <a:highlight>
-                            <a:srgbClr val="FFFF00"/>
-                          </a:highlight>
                           <a:latin typeface="+mn-lt"/>
                           <a:ea typeface="+mn-ea"/>
                           <a:cs typeface="+mn-cs"/>
@@ -18015,7 +18516,36 @@
                           <a:ea typeface="+mn-ea"/>
                           <a:cs typeface="+mn-cs"/>
                         </a:rPr>
-                        <a:t> Architecture Definition Document</a:t>
+                        <a:t> Architecture Definition Document (</a:t>
+                      </a:r>
+                      <a:r>
+                        <a:rPr lang="en-US" sz="1000" b="0" kern="1200" dirty="0">
+                          <a:solidFill>
+                            <a:schemeClr val="accent6">
+                              <a:lumMod val="50000"/>
+                            </a:schemeClr>
+                          </a:solidFill>
+                          <a:highlight>
+                            <a:srgbClr val="00FF00"/>
+                          </a:highlight>
+                          <a:latin typeface="+mn-lt"/>
+                          <a:ea typeface="+mn-ea"/>
+                          <a:cs typeface="+mn-cs"/>
+                        </a:rPr>
+                        <a:t>ADD</a:t>
+                      </a:r>
+                      <a:r>
+                        <a:rPr lang="en-US" sz="1000" b="0" kern="1200" dirty="0">
+                          <a:solidFill>
+                            <a:schemeClr val="accent6">
+                              <a:lumMod val="50000"/>
+                            </a:schemeClr>
+                          </a:solidFill>
+                          <a:latin typeface="+mn-lt"/>
+                          <a:ea typeface="+mn-ea"/>
+                          <a:cs typeface="+mn-cs"/>
+                        </a:rPr>
+                        <a:t>)</a:t>
                       </a:r>
                     </a:p>
                     <a:p>
@@ -18056,7 +18586,32 @@
                           <a:ea typeface="+mn-ea"/>
                           <a:cs typeface="+mn-cs"/>
                         </a:rPr>
-                        <a:t> Architecture Requirements Specification</a:t>
+                        <a:t> Architecture Requirements Specification (</a:t>
+                      </a:r>
+                      <a:r>
+                        <a:rPr lang="en-US" sz="1000" b="0" kern="1200" dirty="0">
+                          <a:solidFill>
+                            <a:srgbClr val="00B0F0"/>
+                          </a:solidFill>
+                          <a:highlight>
+                            <a:srgbClr val="00FF00"/>
+                          </a:highlight>
+                          <a:latin typeface="+mn-lt"/>
+                          <a:ea typeface="+mn-ea"/>
+                          <a:cs typeface="+mn-cs"/>
+                        </a:rPr>
+                        <a:t>ARS</a:t>
+                      </a:r>
+                      <a:r>
+                        <a:rPr lang="en-US" sz="1000" b="0" kern="1200" dirty="0">
+                          <a:solidFill>
+                            <a:srgbClr val="00B0F0"/>
+                          </a:solidFill>
+                          <a:latin typeface="+mn-lt"/>
+                          <a:ea typeface="+mn-ea"/>
+                          <a:cs typeface="+mn-cs"/>
+                        </a:rPr>
+                        <a:t>)</a:t>
                       </a:r>
                     </a:p>
                     <a:p>
@@ -18101,32 +18656,96 @@
                           <a:ea typeface="+mn-ea"/>
                           <a:cs typeface="+mn-cs"/>
                         </a:rPr>
-                        <a:t> Architecture Roadmap (v 1.0)</a:t>
-                      </a:r>
-                    </a:p>
-                    <a:p>
-                      <a:pPr marL="171450" marR="0" lvl="0" indent="-171450" algn="l" defTabSz="914400" rtl="0" eaLnBrk="1" fontAlgn="auto" latinLnBrk="0" hangingPunct="1">
-                        <a:lnSpc>
-                          <a:spcPct val="100000"/>
-                        </a:lnSpc>
-                        <a:spcBef>
-                          <a:spcPts val="0"/>
-                        </a:spcBef>
-                        <a:spcAft>
-                          <a:spcPts val="0"/>
-                        </a:spcAft>
-                        <a:buClrTx/>
-                        <a:buSzTx/>
-                        <a:buFont typeface="Arial" panose="020B0604020202020204" pitchFamily="34" charset="0"/>
-                        <a:buChar char="•"/>
-                        <a:tabLst/>
-                        <a:defRPr/>
-                      </a:pPr>
-                      <a:r>
-                        <a:rPr lang="en-US" sz="1000" b="0" kern="1200" dirty="0">
-                          <a:solidFill>
-                            <a:schemeClr val="tx1"/>
-                          </a:solidFill>
+                        <a:t> </a:t>
+                      </a:r>
+                      <a:r>
+                        <a:rPr lang="en-US" sz="1000" b="0" kern="1200" dirty="0">
+                          <a:solidFill>
+                            <a:schemeClr val="accent4">
+                              <a:lumMod val="75000"/>
+                            </a:schemeClr>
+                          </a:solidFill>
+                          <a:highlight>
+                            <a:srgbClr val="FFFF00"/>
+                          </a:highlight>
+                          <a:latin typeface="+mn-lt"/>
+                          <a:ea typeface="+mn-ea"/>
+                          <a:cs typeface="+mn-cs"/>
+                        </a:rPr>
+                        <a:t>Architecture </a:t>
+                      </a:r>
+                      <a:r>
+                        <a:rPr lang="en-US" sz="1000" b="0" kern="1200" dirty="0">
+                          <a:solidFill>
+                            <a:schemeClr val="accent4">
+                              <a:lumMod val="75000"/>
+                            </a:schemeClr>
+                          </a:solidFill>
+                          <a:highlight>
+                            <a:srgbClr val="00FF00"/>
+                          </a:highlight>
+                          <a:latin typeface="+mn-lt"/>
+                          <a:ea typeface="+mn-ea"/>
+                          <a:cs typeface="+mn-cs"/>
+                        </a:rPr>
+                        <a:t>Roadmap</a:t>
+                      </a:r>
+                      <a:r>
+                        <a:rPr lang="en-US" sz="1000" b="0" kern="1200" dirty="0">
+                          <a:solidFill>
+                            <a:schemeClr val="accent4">
+                              <a:lumMod val="75000"/>
+                            </a:schemeClr>
+                          </a:solidFill>
+                          <a:highlight>
+                            <a:srgbClr val="FFFF00"/>
+                          </a:highlight>
+                          <a:latin typeface="+mn-lt"/>
+                          <a:ea typeface="+mn-ea"/>
+                          <a:cs typeface="+mn-cs"/>
+                        </a:rPr>
+                        <a:t> </a:t>
+                      </a:r>
+                      <a:r>
+                        <a:rPr lang="en-US" sz="1000" b="0" kern="1200" dirty="0">
+                          <a:solidFill>
+                            <a:schemeClr val="accent4">
+                              <a:lumMod val="75000"/>
+                            </a:schemeClr>
+                          </a:solidFill>
+                          <a:latin typeface="+mn-lt"/>
+                          <a:ea typeface="+mn-ea"/>
+                          <a:cs typeface="+mn-cs"/>
+                        </a:rPr>
+                        <a:t>(v 1.0)</a:t>
+                      </a:r>
+                    </a:p>
+                    <a:p>
+                      <a:pPr marL="171450" marR="0" lvl="0" indent="-171450" algn="l" defTabSz="914400" rtl="0" eaLnBrk="1" fontAlgn="auto" latinLnBrk="0" hangingPunct="1">
+                        <a:lnSpc>
+                          <a:spcPct val="100000"/>
+                        </a:lnSpc>
+                        <a:spcBef>
+                          <a:spcPts val="0"/>
+                        </a:spcBef>
+                        <a:spcAft>
+                          <a:spcPts val="0"/>
+                        </a:spcAft>
+                        <a:buClrTx/>
+                        <a:buSzTx/>
+                        <a:buFont typeface="Arial" panose="020B0604020202020204" pitchFamily="34" charset="0"/>
+                        <a:buChar char="•"/>
+                        <a:tabLst/>
+                        <a:defRPr/>
+                      </a:pPr>
+                      <a:r>
+                        <a:rPr lang="en-US" sz="1000" b="0" kern="1200" dirty="0">
+                          <a:solidFill>
+                            <a:schemeClr val="tx1"/>
+                          </a:solidFill>
+                          <a:highlight>
+                            <a:srgbClr val="FFFF00"/>
+                          </a:highlight>
                           <a:latin typeface="+mn-lt"/>
                           <a:ea typeface="+mn-ea"/>
                           <a:cs typeface="+mn-cs"/>
@@ -18187,9 +18806,6 @@
                           <a:solidFill>
                             <a:schemeClr val="tx1"/>
                           </a:solidFill>
-                          <a:highlight>
-                            <a:srgbClr val="FFFF00"/>
-                          </a:highlight>
                           <a:latin typeface="+mn-lt"/>
                           <a:ea typeface="+mn-ea"/>
                           <a:cs typeface="+mn-cs"/>
@@ -18608,6 +19224,1185 @@
           </a:graphicData>
         </a:graphic>
       </p:graphicFrame>
+      <p:sp>
+        <p:nvSpPr>
+          <p:cNvPr id="15" name="Freeform: Shape 14">
+            <a:extLst>
+              <a:ext uri="{FF2B5EF4-FFF2-40B4-BE49-F238E27FC236}">
+                <a16:creationId xmlns:a16="http://schemas.microsoft.com/office/drawing/2014/main" id="{E2289173-691F-46DA-AE6D-B1533AFBC049}"/>
+              </a:ext>
+            </a:extLst>
+          </p:cNvPr>
+          <p:cNvSpPr/>
+          <p:nvPr/>
+        </p:nvSpPr>
+        <p:spPr>
+          <a:xfrm>
+            <a:off x="1887523" y="1123351"/>
+            <a:ext cx="6174297" cy="1787629"/>
+          </a:xfrm>
+          <a:custGeom>
+            <a:avLst/>
+            <a:gdLst>
+              <a:gd name="connsiteX0" fmla="*/ 0 w 6174297"/>
+              <a:gd name="connsiteY0" fmla="*/ 319555 h 1787629"/>
+              <a:gd name="connsiteX1" fmla="*/ 167780 w 6174297"/>
+              <a:gd name="connsiteY1" fmla="*/ 353111 h 1787629"/>
+              <a:gd name="connsiteX2" fmla="*/ 285226 w 6174297"/>
+              <a:gd name="connsiteY2" fmla="*/ 369889 h 1787629"/>
+              <a:gd name="connsiteX3" fmla="*/ 478172 w 6174297"/>
+              <a:gd name="connsiteY3" fmla="*/ 386667 h 1787629"/>
+              <a:gd name="connsiteX4" fmla="*/ 520117 w 6174297"/>
+              <a:gd name="connsiteY4" fmla="*/ 411834 h 1787629"/>
+              <a:gd name="connsiteX5" fmla="*/ 536895 w 6174297"/>
+              <a:gd name="connsiteY5" fmla="*/ 453779 h 1787629"/>
+              <a:gd name="connsiteX6" fmla="*/ 553673 w 6174297"/>
+              <a:gd name="connsiteY6" fmla="*/ 529280 h 1787629"/>
+              <a:gd name="connsiteX7" fmla="*/ 562062 w 6174297"/>
+              <a:gd name="connsiteY7" fmla="*/ 680282 h 1787629"/>
+              <a:gd name="connsiteX8" fmla="*/ 570451 w 6174297"/>
+              <a:gd name="connsiteY8" fmla="*/ 722227 h 1787629"/>
+              <a:gd name="connsiteX9" fmla="*/ 578840 w 6174297"/>
+              <a:gd name="connsiteY9" fmla="*/ 931952 h 1787629"/>
+              <a:gd name="connsiteX10" fmla="*/ 604007 w 6174297"/>
+              <a:gd name="connsiteY10" fmla="*/ 1024231 h 1787629"/>
+              <a:gd name="connsiteX11" fmla="*/ 629174 w 6174297"/>
+              <a:gd name="connsiteY11" fmla="*/ 1150066 h 1787629"/>
+              <a:gd name="connsiteX12" fmla="*/ 637563 w 6174297"/>
+              <a:gd name="connsiteY12" fmla="*/ 1225566 h 1787629"/>
+              <a:gd name="connsiteX13" fmla="*/ 662730 w 6174297"/>
+              <a:gd name="connsiteY13" fmla="*/ 1301067 h 1787629"/>
+              <a:gd name="connsiteX14" fmla="*/ 687897 w 6174297"/>
+              <a:gd name="connsiteY14" fmla="*/ 1418513 h 1787629"/>
+              <a:gd name="connsiteX15" fmla="*/ 713064 w 6174297"/>
+              <a:gd name="connsiteY15" fmla="*/ 1468847 h 1787629"/>
+              <a:gd name="connsiteX16" fmla="*/ 738231 w 6174297"/>
+              <a:gd name="connsiteY16" fmla="*/ 1535959 h 1787629"/>
+              <a:gd name="connsiteX17" fmla="*/ 872455 w 6174297"/>
+              <a:gd name="connsiteY17" fmla="*/ 1678572 h 1787629"/>
+              <a:gd name="connsiteX18" fmla="*/ 1208015 w 6174297"/>
+              <a:gd name="connsiteY18" fmla="*/ 1779240 h 1787629"/>
+              <a:gd name="connsiteX19" fmla="*/ 1375794 w 6174297"/>
+              <a:gd name="connsiteY19" fmla="*/ 1787629 h 1787629"/>
+              <a:gd name="connsiteX20" fmla="*/ 1568741 w 6174297"/>
+              <a:gd name="connsiteY20" fmla="*/ 1762462 h 1787629"/>
+              <a:gd name="connsiteX21" fmla="*/ 1795244 w 6174297"/>
+              <a:gd name="connsiteY21" fmla="*/ 1728906 h 1787629"/>
+              <a:gd name="connsiteX22" fmla="*/ 1946246 w 6174297"/>
+              <a:gd name="connsiteY22" fmla="*/ 1720517 h 1787629"/>
+              <a:gd name="connsiteX23" fmla="*/ 2189527 w 6174297"/>
+              <a:gd name="connsiteY23" fmla="*/ 1703739 h 1787629"/>
+              <a:gd name="connsiteX24" fmla="*/ 2407640 w 6174297"/>
+              <a:gd name="connsiteY24" fmla="*/ 1695350 h 1787629"/>
+              <a:gd name="connsiteX25" fmla="*/ 2718033 w 6174297"/>
+              <a:gd name="connsiteY25" fmla="*/ 1678572 h 1787629"/>
+              <a:gd name="connsiteX26" fmla="*/ 2860646 w 6174297"/>
+              <a:gd name="connsiteY26" fmla="*/ 1661794 h 1787629"/>
+              <a:gd name="connsiteX27" fmla="*/ 3011648 w 6174297"/>
+              <a:gd name="connsiteY27" fmla="*/ 1653405 h 1787629"/>
+              <a:gd name="connsiteX28" fmla="*/ 3212983 w 6174297"/>
+              <a:gd name="connsiteY28" fmla="*/ 1628238 h 1787629"/>
+              <a:gd name="connsiteX29" fmla="*/ 3993160 w 6174297"/>
+              <a:gd name="connsiteY29" fmla="*/ 1636627 h 1787629"/>
+              <a:gd name="connsiteX30" fmla="*/ 4102216 w 6174297"/>
+              <a:gd name="connsiteY30" fmla="*/ 1645016 h 1787629"/>
+              <a:gd name="connsiteX31" fmla="*/ 4823670 w 6174297"/>
+              <a:gd name="connsiteY31" fmla="*/ 1703739 h 1787629"/>
+              <a:gd name="connsiteX32" fmla="*/ 4983060 w 6174297"/>
+              <a:gd name="connsiteY32" fmla="*/ 1720517 h 1787629"/>
+              <a:gd name="connsiteX33" fmla="*/ 5150840 w 6174297"/>
+              <a:gd name="connsiteY33" fmla="*/ 1737295 h 1787629"/>
+              <a:gd name="connsiteX34" fmla="*/ 5335398 w 6174297"/>
+              <a:gd name="connsiteY34" fmla="*/ 1762462 h 1787629"/>
+              <a:gd name="connsiteX35" fmla="*/ 5561901 w 6174297"/>
+              <a:gd name="connsiteY35" fmla="*/ 1754073 h 1787629"/>
+              <a:gd name="connsiteX36" fmla="*/ 5763237 w 6174297"/>
+              <a:gd name="connsiteY36" fmla="*/ 1653405 h 1787629"/>
+              <a:gd name="connsiteX37" fmla="*/ 5872294 w 6174297"/>
+              <a:gd name="connsiteY37" fmla="*/ 1577904 h 1787629"/>
+              <a:gd name="connsiteX38" fmla="*/ 5939405 w 6174297"/>
+              <a:gd name="connsiteY38" fmla="*/ 1477236 h 1787629"/>
+              <a:gd name="connsiteX39" fmla="*/ 6006517 w 6174297"/>
+              <a:gd name="connsiteY39" fmla="*/ 1376568 h 1787629"/>
+              <a:gd name="connsiteX40" fmla="*/ 6040073 w 6174297"/>
+              <a:gd name="connsiteY40" fmla="*/ 1326234 h 1787629"/>
+              <a:gd name="connsiteX41" fmla="*/ 6065240 w 6174297"/>
+              <a:gd name="connsiteY41" fmla="*/ 1292678 h 1787629"/>
+              <a:gd name="connsiteX42" fmla="*/ 6056851 w 6174297"/>
+              <a:gd name="connsiteY42" fmla="*/ 1057787 h 1787629"/>
+              <a:gd name="connsiteX43" fmla="*/ 6073629 w 6174297"/>
+              <a:gd name="connsiteY43" fmla="*/ 437001 h 1787629"/>
+              <a:gd name="connsiteX44" fmla="*/ 6082018 w 6174297"/>
+              <a:gd name="connsiteY44" fmla="*/ 76275 h 1787629"/>
+              <a:gd name="connsiteX45" fmla="*/ 6090407 w 6174297"/>
+              <a:gd name="connsiteY45" fmla="*/ 51108 h 1787629"/>
+              <a:gd name="connsiteX46" fmla="*/ 6098796 w 6174297"/>
+              <a:gd name="connsiteY46" fmla="*/ 17552 h 1787629"/>
+              <a:gd name="connsiteX47" fmla="*/ 6174297 w 6174297"/>
+              <a:gd name="connsiteY47" fmla="*/ 774 h 1787629"/>
+            </a:gdLst>
+            <a:ahLst/>
+            <a:cxnLst>
+              <a:cxn ang="0">
+                <a:pos x="connsiteX0" y="connsiteY0"/>
+              </a:cxn>
+              <a:cxn ang="0">
+                <a:pos x="connsiteX1" y="connsiteY1"/>
+              </a:cxn>
+              <a:cxn ang="0">
+                <a:pos x="connsiteX2" y="connsiteY2"/>
+              </a:cxn>
+              <a:cxn ang="0">
+                <a:pos x="connsiteX3" y="connsiteY3"/>
+              </a:cxn>
+              <a:cxn ang="0">
+                <a:pos x="connsiteX4" y="connsiteY4"/>
+              </a:cxn>
+              <a:cxn ang="0">
+                <a:pos x="connsiteX5" y="connsiteY5"/>
+              </a:cxn>
+              <a:cxn ang="0">
+                <a:pos x="connsiteX6" y="connsiteY6"/>
+              </a:cxn>
+              <a:cxn ang="0">
+                <a:pos x="connsiteX7" y="connsiteY7"/>
+              </a:cxn>
+              <a:cxn ang="0">
+                <a:pos x="connsiteX8" y="connsiteY8"/>
+              </a:cxn>
+              <a:cxn ang="0">
+                <a:pos x="connsiteX9" y="connsiteY9"/>
+              </a:cxn>
+              <a:cxn ang="0">
+                <a:pos x="connsiteX10" y="connsiteY10"/>
+              </a:cxn>
+              <a:cxn ang="0">
+                <a:pos x="connsiteX11" y="connsiteY11"/>
+              </a:cxn>
+              <a:cxn ang="0">
+                <a:pos x="connsiteX12" y="connsiteY12"/>
+              </a:cxn>
+              <a:cxn ang="0">
+                <a:pos x="connsiteX13" y="connsiteY13"/>
+              </a:cxn>
+              <a:cxn ang="0">
+                <a:pos x="connsiteX14" y="connsiteY14"/>
+              </a:cxn>
+              <a:cxn ang="0">
+                <a:pos x="connsiteX15" y="connsiteY15"/>
+              </a:cxn>
+              <a:cxn ang="0">
+                <a:pos x="connsiteX16" y="connsiteY16"/>
+              </a:cxn>
+              <a:cxn ang="0">
+                <a:pos x="connsiteX17" y="connsiteY17"/>
+              </a:cxn>
+              <a:cxn ang="0">
+                <a:pos x="connsiteX18" y="connsiteY18"/>
+              </a:cxn>
+              <a:cxn ang="0">
+                <a:pos x="connsiteX19" y="connsiteY19"/>
+              </a:cxn>
+              <a:cxn ang="0">
+                <a:pos x="connsiteX20" y="connsiteY20"/>
+              </a:cxn>
+              <a:cxn ang="0">
+                <a:pos x="connsiteX21" y="connsiteY21"/>
+              </a:cxn>
+              <a:cxn ang="0">
+                <a:pos x="connsiteX22" y="connsiteY22"/>
+              </a:cxn>
+              <a:cxn ang="0">
+                <a:pos x="connsiteX23" y="connsiteY23"/>
+              </a:cxn>
+              <a:cxn ang="0">
+                <a:pos x="connsiteX24" y="connsiteY24"/>
+              </a:cxn>
+              <a:cxn ang="0">
+                <a:pos x="connsiteX25" y="connsiteY25"/>
+              </a:cxn>
+              <a:cxn ang="0">
+                <a:pos x="connsiteX26" y="connsiteY26"/>
+              </a:cxn>
+              <a:cxn ang="0">
+                <a:pos x="connsiteX27" y="connsiteY27"/>
+              </a:cxn>
+              <a:cxn ang="0">
+                <a:pos x="connsiteX28" y="connsiteY28"/>
+              </a:cxn>
+              <a:cxn ang="0">
+                <a:pos x="connsiteX29" y="connsiteY29"/>
+              </a:cxn>
+              <a:cxn ang="0">
+                <a:pos x="connsiteX30" y="connsiteY30"/>
+              </a:cxn>
+              <a:cxn ang="0">
+                <a:pos x="connsiteX31" y="connsiteY31"/>
+              </a:cxn>
+              <a:cxn ang="0">
+                <a:pos x="connsiteX32" y="connsiteY32"/>
+              </a:cxn>
+              <a:cxn ang="0">
+                <a:pos x="connsiteX33" y="connsiteY33"/>
+              </a:cxn>
+              <a:cxn ang="0">
+                <a:pos x="connsiteX34" y="connsiteY34"/>
+              </a:cxn>
+              <a:cxn ang="0">
+                <a:pos x="connsiteX35" y="connsiteY35"/>
+              </a:cxn>
+              <a:cxn ang="0">
+                <a:pos x="connsiteX36" y="connsiteY36"/>
+              </a:cxn>
+              <a:cxn ang="0">
+                <a:pos x="connsiteX37" y="connsiteY37"/>
+              </a:cxn>
+              <a:cxn ang="0">
+                <a:pos x="connsiteX38" y="connsiteY38"/>
+              </a:cxn>
+              <a:cxn ang="0">
+                <a:pos x="connsiteX39" y="connsiteY39"/>
+              </a:cxn>
+              <a:cxn ang="0">
+                <a:pos x="connsiteX40" y="connsiteY40"/>
+              </a:cxn>
+              <a:cxn ang="0">
+                <a:pos x="connsiteX41" y="connsiteY41"/>
+              </a:cxn>
+              <a:cxn ang="0">
+                <a:pos x="connsiteX42" y="connsiteY42"/>
+              </a:cxn>
+              <a:cxn ang="0">
+                <a:pos x="connsiteX43" y="connsiteY43"/>
+              </a:cxn>
+              <a:cxn ang="0">
+                <a:pos x="connsiteX44" y="connsiteY44"/>
+              </a:cxn>
+              <a:cxn ang="0">
+                <a:pos x="connsiteX45" y="connsiteY45"/>
+              </a:cxn>
+              <a:cxn ang="0">
+                <a:pos x="connsiteX46" y="connsiteY46"/>
+              </a:cxn>
+              <a:cxn ang="0">
+                <a:pos x="connsiteX47" y="connsiteY47"/>
+              </a:cxn>
+            </a:cxnLst>
+            <a:rect l="l" t="t" r="r" b="b"/>
+            <a:pathLst>
+              <a:path w="6174297" h="1787629">
+                <a:moveTo>
+                  <a:pt x="0" y="319555"/>
+                </a:moveTo>
+                <a:cubicBezTo>
+                  <a:pt x="55927" y="330740"/>
+                  <a:pt x="111319" y="345045"/>
+                  <a:pt x="167780" y="353111"/>
+                </a:cubicBezTo>
+                <a:cubicBezTo>
+                  <a:pt x="206929" y="358704"/>
+                  <a:pt x="245876" y="365954"/>
+                  <a:pt x="285226" y="369889"/>
+                </a:cubicBezTo>
+                <a:cubicBezTo>
+                  <a:pt x="405394" y="381906"/>
+                  <a:pt x="341096" y="376123"/>
+                  <a:pt x="478172" y="386667"/>
+                </a:cubicBezTo>
+                <a:cubicBezTo>
+                  <a:pt x="492154" y="395056"/>
+                  <a:pt x="509380" y="399563"/>
+                  <a:pt x="520117" y="411834"/>
+                </a:cubicBezTo>
+                <a:cubicBezTo>
+                  <a:pt x="530033" y="423167"/>
+                  <a:pt x="531608" y="439679"/>
+                  <a:pt x="536895" y="453779"/>
+                </a:cubicBezTo>
+                <a:cubicBezTo>
+                  <a:pt x="549286" y="486822"/>
+                  <a:pt x="546479" y="486113"/>
+                  <a:pt x="553673" y="529280"/>
+                </a:cubicBezTo>
+                <a:cubicBezTo>
+                  <a:pt x="556469" y="579614"/>
+                  <a:pt x="557695" y="630060"/>
+                  <a:pt x="562062" y="680282"/>
+                </a:cubicBezTo>
+                <a:cubicBezTo>
+                  <a:pt x="563297" y="694487"/>
+                  <a:pt x="569503" y="708000"/>
+                  <a:pt x="570451" y="722227"/>
+                </a:cubicBezTo>
+                <a:cubicBezTo>
+                  <a:pt x="575105" y="792036"/>
+                  <a:pt x="574186" y="862143"/>
+                  <a:pt x="578840" y="931952"/>
+                </a:cubicBezTo>
+                <a:cubicBezTo>
+                  <a:pt x="581625" y="973730"/>
+                  <a:pt x="593973" y="982087"/>
+                  <a:pt x="604007" y="1024231"/>
+                </a:cubicBezTo>
+                <a:cubicBezTo>
+                  <a:pt x="613915" y="1065843"/>
+                  <a:pt x="622142" y="1107872"/>
+                  <a:pt x="629174" y="1150066"/>
+                </a:cubicBezTo>
+                <a:cubicBezTo>
+                  <a:pt x="633337" y="1175043"/>
+                  <a:pt x="632070" y="1200847"/>
+                  <a:pt x="637563" y="1225566"/>
+                </a:cubicBezTo>
+                <a:cubicBezTo>
+                  <a:pt x="643318" y="1251463"/>
+                  <a:pt x="656034" y="1275398"/>
+                  <a:pt x="662730" y="1301067"/>
+                </a:cubicBezTo>
+                <a:cubicBezTo>
+                  <a:pt x="672836" y="1339808"/>
+                  <a:pt x="669992" y="1382702"/>
+                  <a:pt x="687897" y="1418513"/>
+                </a:cubicBezTo>
+                <a:cubicBezTo>
+                  <a:pt x="696286" y="1435291"/>
+                  <a:pt x="705675" y="1451605"/>
+                  <a:pt x="713064" y="1468847"/>
+                </a:cubicBezTo>
+                <a:cubicBezTo>
+                  <a:pt x="722475" y="1490807"/>
+                  <a:pt x="726518" y="1515135"/>
+                  <a:pt x="738231" y="1535959"/>
+                </a:cubicBezTo>
+                <a:cubicBezTo>
+                  <a:pt x="762528" y="1579154"/>
+                  <a:pt x="833177" y="1657033"/>
+                  <a:pt x="872455" y="1678572"/>
+                </a:cubicBezTo>
+                <a:cubicBezTo>
+                  <a:pt x="958858" y="1725955"/>
+                  <a:pt x="1108530" y="1766486"/>
+                  <a:pt x="1208015" y="1779240"/>
+                </a:cubicBezTo>
+                <a:cubicBezTo>
+                  <a:pt x="1263557" y="1786361"/>
+                  <a:pt x="1319868" y="1784833"/>
+                  <a:pt x="1375794" y="1787629"/>
+                </a:cubicBezTo>
+                <a:lnTo>
+                  <a:pt x="1568741" y="1762462"/>
+                </a:lnTo>
+                <a:cubicBezTo>
+                  <a:pt x="1644329" y="1751880"/>
+                  <a:pt x="1719386" y="1737335"/>
+                  <a:pt x="1795244" y="1728906"/>
+                </a:cubicBezTo>
+                <a:cubicBezTo>
+                  <a:pt x="1845347" y="1723339"/>
+                  <a:pt x="1895937" y="1723728"/>
+                  <a:pt x="1946246" y="1720517"/>
+                </a:cubicBezTo>
+                <a:lnTo>
+                  <a:pt x="2189527" y="1703739"/>
+                </a:lnTo>
+                <a:cubicBezTo>
+                  <a:pt x="2262177" y="1699776"/>
+                  <a:pt x="2334964" y="1698811"/>
+                  <a:pt x="2407640" y="1695350"/>
+                </a:cubicBezTo>
+                <a:lnTo>
+                  <a:pt x="2718033" y="1678572"/>
+                </a:lnTo>
+                <a:cubicBezTo>
+                  <a:pt x="2765571" y="1672979"/>
+                  <a:pt x="2812955" y="1665882"/>
+                  <a:pt x="2860646" y="1661794"/>
+                </a:cubicBezTo>
+                <a:cubicBezTo>
+                  <a:pt x="2910873" y="1657489"/>
+                  <a:pt x="2961463" y="1658184"/>
+                  <a:pt x="3011648" y="1653405"/>
+                </a:cubicBezTo>
+                <a:cubicBezTo>
+                  <a:pt x="3078977" y="1646993"/>
+                  <a:pt x="3145871" y="1636627"/>
+                  <a:pt x="3212983" y="1628238"/>
+                </a:cubicBezTo>
+                <a:lnTo>
+                  <a:pt x="3993160" y="1636627"/>
+                </a:lnTo>
+                <a:cubicBezTo>
+                  <a:pt x="4029613" y="1637315"/>
+                  <a:pt x="4065832" y="1642669"/>
+                  <a:pt x="4102216" y="1645016"/>
+                </a:cubicBezTo>
+                <a:cubicBezTo>
+                  <a:pt x="4670259" y="1681664"/>
+                  <a:pt x="4336534" y="1651546"/>
+                  <a:pt x="4823670" y="1703739"/>
+                </a:cubicBezTo>
+                <a:lnTo>
+                  <a:pt x="4983060" y="1720517"/>
+                </a:lnTo>
+                <a:cubicBezTo>
+                  <a:pt x="5038972" y="1726252"/>
+                  <a:pt x="5095150" y="1729701"/>
+                  <a:pt x="5150840" y="1737295"/>
+                </a:cubicBezTo>
+                <a:lnTo>
+                  <a:pt x="5335398" y="1762462"/>
+                </a:lnTo>
+                <a:cubicBezTo>
+                  <a:pt x="5410899" y="1759666"/>
+                  <a:pt x="5486837" y="1762652"/>
+                  <a:pt x="5561901" y="1754073"/>
+                </a:cubicBezTo>
+                <a:cubicBezTo>
+                  <a:pt x="5610052" y="1748570"/>
+                  <a:pt x="5752202" y="1659642"/>
+                  <a:pt x="5763237" y="1653405"/>
+                </a:cubicBezTo>
+                <a:cubicBezTo>
+                  <a:pt x="5799190" y="1633084"/>
+                  <a:pt x="5845068" y="1610964"/>
+                  <a:pt x="5872294" y="1577904"/>
+                </a:cubicBezTo>
+                <a:cubicBezTo>
+                  <a:pt x="5897931" y="1546773"/>
+                  <a:pt x="5917035" y="1510792"/>
+                  <a:pt x="5939405" y="1477236"/>
+                </a:cubicBezTo>
+                <a:lnTo>
+                  <a:pt x="6006517" y="1376568"/>
+                </a:lnTo>
+                <a:cubicBezTo>
+                  <a:pt x="6017702" y="1359790"/>
+                  <a:pt x="6027974" y="1342366"/>
+                  <a:pt x="6040073" y="1326234"/>
+                </a:cubicBezTo>
+                <a:lnTo>
+                  <a:pt x="6065240" y="1292678"/>
+                </a:lnTo>
+                <a:cubicBezTo>
+                  <a:pt x="6092563" y="910150"/>
+                  <a:pt x="6062941" y="1441432"/>
+                  <a:pt x="6056851" y="1057787"/>
+                </a:cubicBezTo>
+                <a:cubicBezTo>
+                  <a:pt x="6052813" y="803378"/>
+                  <a:pt x="6066835" y="667984"/>
+                  <a:pt x="6073629" y="437001"/>
+                </a:cubicBezTo>
+                <a:cubicBezTo>
+                  <a:pt x="6077165" y="316778"/>
+                  <a:pt x="6076794" y="196436"/>
+                  <a:pt x="6082018" y="76275"/>
+                </a:cubicBezTo>
+                <a:cubicBezTo>
+                  <a:pt x="6082402" y="67441"/>
+                  <a:pt x="6087978" y="59611"/>
+                  <a:pt x="6090407" y="51108"/>
+                </a:cubicBezTo>
+                <a:cubicBezTo>
+                  <a:pt x="6093574" y="40022"/>
+                  <a:pt x="6091415" y="26409"/>
+                  <a:pt x="6098796" y="17552"/>
+                </a:cubicBezTo>
+                <a:cubicBezTo>
+                  <a:pt x="6117988" y="-5479"/>
+                  <a:pt x="6149887" y="774"/>
+                  <a:pt x="6174297" y="774"/>
+                </a:cubicBezTo>
+              </a:path>
+            </a:pathLst>
+          </a:custGeom>
+          <a:noFill/>
+        </p:spPr>
+        <p:style>
+          <a:lnRef idx="2">
+            <a:schemeClr val="accent1">
+              <a:shade val="50000"/>
+            </a:schemeClr>
+          </a:lnRef>
+          <a:fillRef idx="1">
+            <a:schemeClr val="accent1"/>
+          </a:fillRef>
+          <a:effectRef idx="0">
+            <a:schemeClr val="accent1"/>
+          </a:effectRef>
+          <a:fontRef idx="minor">
+            <a:schemeClr val="lt1"/>
+          </a:fontRef>
+        </p:style>
+        <p:txBody>
+          <a:bodyPr rtlCol="0" anchor="ctr"/>
+          <a:lstStyle/>
+          <a:p>
+            <a:pPr algn="ctr"/>
+            <a:endParaRPr lang="en-IN"/>
+          </a:p>
+        </p:txBody>
+      </p:sp>
+      <p:sp>
+        <p:nvSpPr>
+          <p:cNvPr id="16" name="Freeform: Shape 15">
+            <a:extLst>
+              <a:ext uri="{FF2B5EF4-FFF2-40B4-BE49-F238E27FC236}">
+                <a16:creationId xmlns:a16="http://schemas.microsoft.com/office/drawing/2014/main" id="{4BA02975-8DFC-44D7-BF29-9032FF6F043D}"/>
+              </a:ext>
+            </a:extLst>
+          </p:cNvPr>
+          <p:cNvSpPr/>
+          <p:nvPr/>
+        </p:nvSpPr>
+        <p:spPr>
+          <a:xfrm>
+            <a:off x="8909108" y="889233"/>
+            <a:ext cx="2013745" cy="2483141"/>
+          </a:xfrm>
+          <a:custGeom>
+            <a:avLst/>
+            <a:gdLst>
+              <a:gd name="connsiteX0" fmla="*/ 0 w 2013745"/>
+              <a:gd name="connsiteY0" fmla="*/ 251670 h 2483141"/>
+              <a:gd name="connsiteX1" fmla="*/ 402672 w 2013745"/>
+              <a:gd name="connsiteY1" fmla="*/ 268448 h 2483141"/>
+              <a:gd name="connsiteX2" fmla="*/ 419450 w 2013745"/>
+              <a:gd name="connsiteY2" fmla="*/ 293615 h 2483141"/>
+              <a:gd name="connsiteX3" fmla="*/ 427839 w 2013745"/>
+              <a:gd name="connsiteY3" fmla="*/ 327171 h 2483141"/>
+              <a:gd name="connsiteX4" fmla="*/ 444617 w 2013745"/>
+              <a:gd name="connsiteY4" fmla="*/ 369116 h 2483141"/>
+              <a:gd name="connsiteX5" fmla="*/ 469784 w 2013745"/>
+              <a:gd name="connsiteY5" fmla="*/ 528506 h 2483141"/>
+              <a:gd name="connsiteX6" fmla="*/ 486562 w 2013745"/>
+              <a:gd name="connsiteY6" fmla="*/ 654341 h 2483141"/>
+              <a:gd name="connsiteX7" fmla="*/ 503340 w 2013745"/>
+              <a:gd name="connsiteY7" fmla="*/ 1040235 h 2483141"/>
+              <a:gd name="connsiteX8" fmla="*/ 511729 w 2013745"/>
+              <a:gd name="connsiteY8" fmla="*/ 1107347 h 2483141"/>
+              <a:gd name="connsiteX9" fmla="*/ 528507 w 2013745"/>
+              <a:gd name="connsiteY9" fmla="*/ 1216404 h 2483141"/>
+              <a:gd name="connsiteX10" fmla="*/ 528507 w 2013745"/>
+              <a:gd name="connsiteY10" fmla="*/ 1895912 h 2483141"/>
+              <a:gd name="connsiteX11" fmla="*/ 536896 w 2013745"/>
+              <a:gd name="connsiteY11" fmla="*/ 2004969 h 2483141"/>
+              <a:gd name="connsiteX12" fmla="*/ 562063 w 2013745"/>
+              <a:gd name="connsiteY12" fmla="*/ 2072081 h 2483141"/>
+              <a:gd name="connsiteX13" fmla="*/ 595619 w 2013745"/>
+              <a:gd name="connsiteY13" fmla="*/ 2147582 h 2483141"/>
+              <a:gd name="connsiteX14" fmla="*/ 687898 w 2013745"/>
+              <a:gd name="connsiteY14" fmla="*/ 2273417 h 2483141"/>
+              <a:gd name="connsiteX15" fmla="*/ 729842 w 2013745"/>
+              <a:gd name="connsiteY15" fmla="*/ 2315361 h 2483141"/>
+              <a:gd name="connsiteX16" fmla="*/ 746620 w 2013745"/>
+              <a:gd name="connsiteY16" fmla="*/ 2340528 h 2483141"/>
+              <a:gd name="connsiteX17" fmla="*/ 872455 w 2013745"/>
+              <a:gd name="connsiteY17" fmla="*/ 2432807 h 2483141"/>
+              <a:gd name="connsiteX18" fmla="*/ 1098958 w 2013745"/>
+              <a:gd name="connsiteY18" fmla="*/ 2483141 h 2483141"/>
+              <a:gd name="connsiteX19" fmla="*/ 1510019 w 2013745"/>
+              <a:gd name="connsiteY19" fmla="*/ 2365695 h 2483141"/>
+              <a:gd name="connsiteX20" fmla="*/ 1812022 w 2013745"/>
+              <a:gd name="connsiteY20" fmla="*/ 2155971 h 2483141"/>
+              <a:gd name="connsiteX21" fmla="*/ 1904301 w 2013745"/>
+              <a:gd name="connsiteY21" fmla="*/ 2038525 h 2483141"/>
+              <a:gd name="connsiteX22" fmla="*/ 1954635 w 2013745"/>
+              <a:gd name="connsiteY22" fmla="*/ 1795244 h 2483141"/>
+              <a:gd name="connsiteX23" fmla="*/ 1996580 w 2013745"/>
+              <a:gd name="connsiteY23" fmla="*/ 1635853 h 2483141"/>
+              <a:gd name="connsiteX24" fmla="*/ 2004969 w 2013745"/>
+              <a:gd name="connsiteY24" fmla="*/ 1400961 h 2483141"/>
+              <a:gd name="connsiteX25" fmla="*/ 1988191 w 2013745"/>
+              <a:gd name="connsiteY25" fmla="*/ 1367406 h 2483141"/>
+              <a:gd name="connsiteX26" fmla="*/ 1963024 w 2013745"/>
+              <a:gd name="connsiteY26" fmla="*/ 1308683 h 2483141"/>
+              <a:gd name="connsiteX27" fmla="*/ 1946246 w 2013745"/>
+              <a:gd name="connsiteY27" fmla="*/ 1233182 h 2483141"/>
+              <a:gd name="connsiteX28" fmla="*/ 1929468 w 2013745"/>
+              <a:gd name="connsiteY28" fmla="*/ 1115736 h 2483141"/>
+              <a:gd name="connsiteX29" fmla="*/ 1904301 w 2013745"/>
+              <a:gd name="connsiteY29" fmla="*/ 964734 h 2483141"/>
+              <a:gd name="connsiteX30" fmla="*/ 1895912 w 2013745"/>
+              <a:gd name="connsiteY30" fmla="*/ 864066 h 2483141"/>
+              <a:gd name="connsiteX31" fmla="*/ 1862356 w 2013745"/>
+              <a:gd name="connsiteY31" fmla="*/ 738231 h 2483141"/>
+              <a:gd name="connsiteX32" fmla="*/ 1853967 w 2013745"/>
+              <a:gd name="connsiteY32" fmla="*/ 679508 h 2483141"/>
+              <a:gd name="connsiteX33" fmla="*/ 1828800 w 2013745"/>
+              <a:gd name="connsiteY33" fmla="*/ 578840 h 2483141"/>
+              <a:gd name="connsiteX34" fmla="*/ 1828800 w 2013745"/>
+              <a:gd name="connsiteY34" fmla="*/ 192947 h 2483141"/>
+              <a:gd name="connsiteX35" fmla="*/ 1862356 w 2013745"/>
+              <a:gd name="connsiteY35" fmla="*/ 117446 h 2483141"/>
+              <a:gd name="connsiteX36" fmla="*/ 1870745 w 2013745"/>
+              <a:gd name="connsiteY36" fmla="*/ 75501 h 2483141"/>
+              <a:gd name="connsiteX37" fmla="*/ 1895912 w 2013745"/>
+              <a:gd name="connsiteY37" fmla="*/ 50334 h 2483141"/>
+              <a:gd name="connsiteX38" fmla="*/ 1963024 w 2013745"/>
+              <a:gd name="connsiteY38" fmla="*/ 0 h 2483141"/>
+            </a:gdLst>
+            <a:ahLst/>
+            <a:cxnLst>
+              <a:cxn ang="0">
+                <a:pos x="connsiteX0" y="connsiteY0"/>
+              </a:cxn>
+              <a:cxn ang="0">
+                <a:pos x="connsiteX1" y="connsiteY1"/>
+              </a:cxn>
+              <a:cxn ang="0">
+                <a:pos x="connsiteX2" y="connsiteY2"/>
+              </a:cxn>
+              <a:cxn ang="0">
+                <a:pos x="connsiteX3" y="connsiteY3"/>
+              </a:cxn>
+              <a:cxn ang="0">
+                <a:pos x="connsiteX4" y="connsiteY4"/>
+              </a:cxn>
+              <a:cxn ang="0">
+                <a:pos x="connsiteX5" y="connsiteY5"/>
+              </a:cxn>
+              <a:cxn ang="0">
+                <a:pos x="connsiteX6" y="connsiteY6"/>
+              </a:cxn>
+              <a:cxn ang="0">
+                <a:pos x="connsiteX7" y="connsiteY7"/>
+              </a:cxn>
+              <a:cxn ang="0">
+                <a:pos x="connsiteX8" y="connsiteY8"/>
+              </a:cxn>
+              <a:cxn ang="0">
+                <a:pos x="connsiteX9" y="connsiteY9"/>
+              </a:cxn>
+              <a:cxn ang="0">
+                <a:pos x="connsiteX10" y="connsiteY10"/>
+              </a:cxn>
+              <a:cxn ang="0">
+                <a:pos x="connsiteX11" y="connsiteY11"/>
+              </a:cxn>
+              <a:cxn ang="0">
+                <a:pos x="connsiteX12" y="connsiteY12"/>
+              </a:cxn>
+              <a:cxn ang="0">
+                <a:pos x="connsiteX13" y="connsiteY13"/>
+              </a:cxn>
+              <a:cxn ang="0">
+                <a:pos x="connsiteX14" y="connsiteY14"/>
+              </a:cxn>
+              <a:cxn ang="0">
+                <a:pos x="connsiteX15" y="connsiteY15"/>
+              </a:cxn>
+              <a:cxn ang="0">
+                <a:pos x="connsiteX16" y="connsiteY16"/>
+              </a:cxn>
+              <a:cxn ang="0">
+                <a:pos x="connsiteX17" y="connsiteY17"/>
+              </a:cxn>
+              <a:cxn ang="0">
+                <a:pos x="connsiteX18" y="connsiteY18"/>
+              </a:cxn>
+              <a:cxn ang="0">
+                <a:pos x="connsiteX19" y="connsiteY19"/>
+              </a:cxn>
+              <a:cxn ang="0">
+                <a:pos x="connsiteX20" y="connsiteY20"/>
+              </a:cxn>
+              <a:cxn ang="0">
+                <a:pos x="connsiteX21" y="connsiteY21"/>
+              </a:cxn>
+              <a:cxn ang="0">
+                <a:pos x="connsiteX22" y="connsiteY22"/>
+              </a:cxn>
+              <a:cxn ang="0">
+                <a:pos x="connsiteX23" y="connsiteY23"/>
+              </a:cxn>
+              <a:cxn ang="0">
+                <a:pos x="connsiteX24" y="connsiteY24"/>
+              </a:cxn>
+              <a:cxn ang="0">
+                <a:pos x="connsiteX25" y="connsiteY25"/>
+              </a:cxn>
+              <a:cxn ang="0">
+                <a:pos x="connsiteX26" y="connsiteY26"/>
+              </a:cxn>
+              <a:cxn ang="0">
+                <a:pos x="connsiteX27" y="connsiteY27"/>
+              </a:cxn>
+              <a:cxn ang="0">
+                <a:pos x="connsiteX28" y="connsiteY28"/>
+              </a:cxn>
+              <a:cxn ang="0">
+                <a:pos x="connsiteX29" y="connsiteY29"/>
+              </a:cxn>
+              <a:cxn ang="0">
+                <a:pos x="connsiteX30" y="connsiteY30"/>
+              </a:cxn>
+              <a:cxn ang="0">
+                <a:pos x="connsiteX31" y="connsiteY31"/>
+              </a:cxn>
+              <a:cxn ang="0">
+                <a:pos x="connsiteX32" y="connsiteY32"/>
+              </a:cxn>
+              <a:cxn ang="0">
+                <a:pos x="connsiteX33" y="connsiteY33"/>
+              </a:cxn>
+              <a:cxn ang="0">
+                <a:pos x="connsiteX34" y="connsiteY34"/>
+              </a:cxn>
+              <a:cxn ang="0">
+                <a:pos x="connsiteX35" y="connsiteY35"/>
+              </a:cxn>
+              <a:cxn ang="0">
+                <a:pos x="connsiteX36" y="connsiteY36"/>
+              </a:cxn>
+              <a:cxn ang="0">
+                <a:pos x="connsiteX37" y="connsiteY37"/>
+              </a:cxn>
+              <a:cxn ang="0">
+                <a:pos x="connsiteX38" y="connsiteY38"/>
+              </a:cxn>
+            </a:cxnLst>
+            <a:rect l="l" t="t" r="r" b="b"/>
+            <a:pathLst>
+              <a:path w="2013745" h="2483141">
+                <a:moveTo>
+                  <a:pt x="0" y="251670"/>
+                </a:moveTo>
+                <a:cubicBezTo>
+                  <a:pt x="134224" y="257263"/>
+                  <a:pt x="268998" y="255081"/>
+                  <a:pt x="402672" y="268448"/>
+                </a:cubicBezTo>
+                <a:cubicBezTo>
+                  <a:pt x="412704" y="269451"/>
+                  <a:pt x="415478" y="284348"/>
+                  <a:pt x="419450" y="293615"/>
+                </a:cubicBezTo>
+                <a:cubicBezTo>
+                  <a:pt x="423992" y="304212"/>
+                  <a:pt x="424193" y="316233"/>
+                  <a:pt x="427839" y="327171"/>
+                </a:cubicBezTo>
+                <a:cubicBezTo>
+                  <a:pt x="432601" y="341457"/>
+                  <a:pt x="439024" y="355134"/>
+                  <a:pt x="444617" y="369116"/>
+                </a:cubicBezTo>
+                <a:cubicBezTo>
+                  <a:pt x="453006" y="422246"/>
+                  <a:pt x="463844" y="475047"/>
+                  <a:pt x="469784" y="528506"/>
+                </a:cubicBezTo>
+                <a:cubicBezTo>
+                  <a:pt x="480051" y="620912"/>
+                  <a:pt x="474010" y="579030"/>
+                  <a:pt x="486562" y="654341"/>
+                </a:cubicBezTo>
+                <a:cubicBezTo>
+                  <a:pt x="492155" y="782972"/>
+                  <a:pt x="496198" y="911680"/>
+                  <a:pt x="503340" y="1040235"/>
+                </a:cubicBezTo>
+                <a:cubicBezTo>
+                  <a:pt x="504591" y="1062745"/>
+                  <a:pt x="508749" y="1085000"/>
+                  <a:pt x="511729" y="1107347"/>
+                </a:cubicBezTo>
+                <a:cubicBezTo>
+                  <a:pt x="518925" y="1161319"/>
+                  <a:pt x="519963" y="1165138"/>
+                  <a:pt x="528507" y="1216404"/>
+                </a:cubicBezTo>
+                <a:cubicBezTo>
+                  <a:pt x="551230" y="1557244"/>
+                  <a:pt x="528507" y="1164818"/>
+                  <a:pt x="528507" y="1895912"/>
+                </a:cubicBezTo>
+                <a:cubicBezTo>
+                  <a:pt x="528507" y="1932372"/>
+                  <a:pt x="530074" y="1969153"/>
+                  <a:pt x="536896" y="2004969"/>
+                </a:cubicBezTo>
+                <a:cubicBezTo>
+                  <a:pt x="541366" y="2028439"/>
+                  <a:pt x="552966" y="2049989"/>
+                  <a:pt x="562063" y="2072081"/>
+                </a:cubicBezTo>
+                <a:cubicBezTo>
+                  <a:pt x="572549" y="2097547"/>
+                  <a:pt x="582659" y="2123281"/>
+                  <a:pt x="595619" y="2147582"/>
+                </a:cubicBezTo>
+                <a:cubicBezTo>
+                  <a:pt x="612175" y="2178624"/>
+                  <a:pt x="671638" y="2254447"/>
+                  <a:pt x="687898" y="2273417"/>
+                </a:cubicBezTo>
+                <a:cubicBezTo>
+                  <a:pt x="700766" y="2288429"/>
+                  <a:pt x="716822" y="2300481"/>
+                  <a:pt x="729842" y="2315361"/>
+                </a:cubicBezTo>
+                <a:cubicBezTo>
+                  <a:pt x="736481" y="2322949"/>
+                  <a:pt x="739491" y="2333399"/>
+                  <a:pt x="746620" y="2340528"/>
+                </a:cubicBezTo>
+                <a:cubicBezTo>
+                  <a:pt x="777251" y="2371159"/>
+                  <a:pt x="832722" y="2414927"/>
+                  <a:pt x="872455" y="2432807"/>
+                </a:cubicBezTo>
+                <a:cubicBezTo>
+                  <a:pt x="961389" y="2472827"/>
+                  <a:pt x="1000127" y="2469963"/>
+                  <a:pt x="1098958" y="2483141"/>
+                </a:cubicBezTo>
+                <a:cubicBezTo>
+                  <a:pt x="1108939" y="2480574"/>
+                  <a:pt x="1430643" y="2407368"/>
+                  <a:pt x="1510019" y="2365695"/>
+                </a:cubicBezTo>
+                <a:cubicBezTo>
+                  <a:pt x="1606049" y="2315279"/>
+                  <a:pt x="1732599" y="2242958"/>
+                  <a:pt x="1812022" y="2155971"/>
+                </a:cubicBezTo>
+                <a:cubicBezTo>
+                  <a:pt x="1845592" y="2119204"/>
+                  <a:pt x="1873541" y="2077674"/>
+                  <a:pt x="1904301" y="2038525"/>
+                </a:cubicBezTo>
+                <a:cubicBezTo>
+                  <a:pt x="1970155" y="1797061"/>
+                  <a:pt x="1880597" y="2137671"/>
+                  <a:pt x="1954635" y="1795244"/>
+                </a:cubicBezTo>
+                <a:cubicBezTo>
+                  <a:pt x="1966245" y="1741546"/>
+                  <a:pt x="1982598" y="1688983"/>
+                  <a:pt x="1996580" y="1635853"/>
+                </a:cubicBezTo>
+                <a:cubicBezTo>
+                  <a:pt x="2009411" y="1533208"/>
+                  <a:pt x="2023169" y="1498028"/>
+                  <a:pt x="2004969" y="1400961"/>
+                </a:cubicBezTo>
+                <a:cubicBezTo>
+                  <a:pt x="2002664" y="1388670"/>
+                  <a:pt x="1993366" y="1378790"/>
+                  <a:pt x="1988191" y="1367406"/>
+                </a:cubicBezTo>
+                <a:cubicBezTo>
+                  <a:pt x="1979378" y="1348019"/>
+                  <a:pt x="1969376" y="1329010"/>
+                  <a:pt x="1963024" y="1308683"/>
+                </a:cubicBezTo>
+                <a:cubicBezTo>
+                  <a:pt x="1955334" y="1284076"/>
+                  <a:pt x="1950663" y="1258582"/>
+                  <a:pt x="1946246" y="1233182"/>
+                </a:cubicBezTo>
+                <a:cubicBezTo>
+                  <a:pt x="1939470" y="1194221"/>
+                  <a:pt x="1935573" y="1154808"/>
+                  <a:pt x="1929468" y="1115736"/>
+                </a:cubicBezTo>
+                <a:cubicBezTo>
+                  <a:pt x="1921590" y="1065319"/>
+                  <a:pt x="1911045" y="1015315"/>
+                  <a:pt x="1904301" y="964734"/>
+                </a:cubicBezTo>
+                <a:cubicBezTo>
+                  <a:pt x="1899851" y="931357"/>
+                  <a:pt x="1900907" y="897366"/>
+                  <a:pt x="1895912" y="864066"/>
+                </a:cubicBezTo>
+                <a:cubicBezTo>
+                  <a:pt x="1887879" y="810511"/>
+                  <a:pt x="1873390" y="789721"/>
+                  <a:pt x="1862356" y="738231"/>
+                </a:cubicBezTo>
+                <a:cubicBezTo>
+                  <a:pt x="1858213" y="718897"/>
+                  <a:pt x="1858040" y="698857"/>
+                  <a:pt x="1853967" y="679508"/>
+                </a:cubicBezTo>
+                <a:cubicBezTo>
+                  <a:pt x="1846841" y="645661"/>
+                  <a:pt x="1837189" y="612396"/>
+                  <a:pt x="1828800" y="578840"/>
+                </a:cubicBezTo>
+                <a:cubicBezTo>
+                  <a:pt x="1815416" y="431621"/>
+                  <a:pt x="1807261" y="382489"/>
+                  <a:pt x="1828800" y="192947"/>
+                </a:cubicBezTo>
+                <a:cubicBezTo>
+                  <a:pt x="1831910" y="165582"/>
+                  <a:pt x="1851171" y="142613"/>
+                  <a:pt x="1862356" y="117446"/>
+                </a:cubicBezTo>
+                <a:cubicBezTo>
+                  <a:pt x="1865152" y="103464"/>
+                  <a:pt x="1864368" y="88254"/>
+                  <a:pt x="1870745" y="75501"/>
+                </a:cubicBezTo>
+                <a:cubicBezTo>
+                  <a:pt x="1876051" y="64890"/>
+                  <a:pt x="1886984" y="58146"/>
+                  <a:pt x="1895912" y="50334"/>
+                </a:cubicBezTo>
+                <a:cubicBezTo>
+                  <a:pt x="1927796" y="22436"/>
+                  <a:pt x="1933058" y="19978"/>
+                  <a:pt x="1963024" y="0"/>
+                </a:cubicBezTo>
+              </a:path>
+            </a:pathLst>
+          </a:custGeom>
+          <a:noFill/>
+        </p:spPr>
+        <p:style>
+          <a:lnRef idx="2">
+            <a:schemeClr val="accent1">
+              <a:shade val="50000"/>
+            </a:schemeClr>
+          </a:lnRef>
+          <a:fillRef idx="1">
+            <a:schemeClr val="accent1"/>
+          </a:fillRef>
+          <a:effectRef idx="0">
+            <a:schemeClr val="accent1"/>
+          </a:effectRef>
+          <a:fontRef idx="minor">
+            <a:schemeClr val="lt1"/>
+          </a:fontRef>
+        </p:style>
+        <p:txBody>
+          <a:bodyPr rtlCol="0" anchor="ctr"/>
+          <a:lstStyle/>
+          <a:p>
+            <a:pPr algn="ctr"/>
+            <a:endParaRPr lang="en-IN"/>
+          </a:p>
+        </p:txBody>
+      </p:sp>
+      <p:sp>
+        <p:nvSpPr>
+          <p:cNvPr id="17" name="Freeform: Shape 16">
+            <a:extLst>
+              <a:ext uri="{FF2B5EF4-FFF2-40B4-BE49-F238E27FC236}">
+                <a16:creationId xmlns:a16="http://schemas.microsoft.com/office/drawing/2014/main" id="{7283075E-9BC9-4D99-A448-95CF3020EA08}"/>
+              </a:ext>
+            </a:extLst>
+          </p:cNvPr>
+          <p:cNvSpPr/>
+          <p:nvPr/>
+        </p:nvSpPr>
+        <p:spPr>
+          <a:xfrm>
+            <a:off x="11711031" y="897622"/>
+            <a:ext cx="595639" cy="1342239"/>
+          </a:xfrm>
+          <a:custGeom>
+            <a:avLst/>
+            <a:gdLst>
+              <a:gd name="connsiteX0" fmla="*/ 0 w 595639"/>
+              <a:gd name="connsiteY0" fmla="*/ 0 h 1342239"/>
+              <a:gd name="connsiteX1" fmla="*/ 117446 w 595639"/>
+              <a:gd name="connsiteY1" fmla="*/ 41945 h 1342239"/>
+              <a:gd name="connsiteX2" fmla="*/ 243281 w 595639"/>
+              <a:gd name="connsiteY2" fmla="*/ 201336 h 1342239"/>
+              <a:gd name="connsiteX3" fmla="*/ 268448 w 595639"/>
+              <a:gd name="connsiteY3" fmla="*/ 268448 h 1342239"/>
+              <a:gd name="connsiteX4" fmla="*/ 302004 w 595639"/>
+              <a:gd name="connsiteY4" fmla="*/ 343949 h 1342239"/>
+              <a:gd name="connsiteX5" fmla="*/ 318782 w 595639"/>
+              <a:gd name="connsiteY5" fmla="*/ 419450 h 1342239"/>
+              <a:gd name="connsiteX6" fmla="*/ 335560 w 595639"/>
+              <a:gd name="connsiteY6" fmla="*/ 503339 h 1342239"/>
+              <a:gd name="connsiteX7" fmla="*/ 360727 w 595639"/>
+              <a:gd name="connsiteY7" fmla="*/ 654341 h 1342239"/>
+              <a:gd name="connsiteX8" fmla="*/ 377505 w 595639"/>
+              <a:gd name="connsiteY8" fmla="*/ 704675 h 1342239"/>
+              <a:gd name="connsiteX9" fmla="*/ 385894 w 595639"/>
+              <a:gd name="connsiteY9" fmla="*/ 805343 h 1342239"/>
+              <a:gd name="connsiteX10" fmla="*/ 394283 w 595639"/>
+              <a:gd name="connsiteY10" fmla="*/ 889233 h 1342239"/>
+              <a:gd name="connsiteX11" fmla="*/ 402672 w 595639"/>
+              <a:gd name="connsiteY11" fmla="*/ 1275127 h 1342239"/>
+              <a:gd name="connsiteX12" fmla="*/ 411061 w 595639"/>
+              <a:gd name="connsiteY12" fmla="*/ 1317072 h 1342239"/>
+              <a:gd name="connsiteX13" fmla="*/ 494951 w 595639"/>
+              <a:gd name="connsiteY13" fmla="*/ 1342239 h 1342239"/>
+              <a:gd name="connsiteX14" fmla="*/ 570452 w 595639"/>
+              <a:gd name="connsiteY14" fmla="*/ 1300294 h 1342239"/>
+              <a:gd name="connsiteX15" fmla="*/ 595619 w 595639"/>
+              <a:gd name="connsiteY15" fmla="*/ 1258349 h 1342239"/>
+            </a:gdLst>
+            <a:ahLst/>
+            <a:cxnLst>
+              <a:cxn ang="0">
+                <a:pos x="connsiteX0" y="connsiteY0"/>
+              </a:cxn>
+              <a:cxn ang="0">
+                <a:pos x="connsiteX1" y="connsiteY1"/>
+              </a:cxn>
+              <a:cxn ang="0">
+                <a:pos x="connsiteX2" y="connsiteY2"/>
+              </a:cxn>
+              <a:cxn ang="0">
+                <a:pos x="connsiteX3" y="connsiteY3"/>
+              </a:cxn>
+              <a:cxn ang="0">
+                <a:pos x="connsiteX4" y="connsiteY4"/>
+              </a:cxn>
+              <a:cxn ang="0">
+                <a:pos x="connsiteX5" y="connsiteY5"/>
+              </a:cxn>
+              <a:cxn ang="0">
+                <a:pos x="connsiteX6" y="connsiteY6"/>
+              </a:cxn>
+              <a:cxn ang="0">
+                <a:pos x="connsiteX7" y="connsiteY7"/>
+              </a:cxn>
+              <a:cxn ang="0">
+                <a:pos x="connsiteX8" y="connsiteY8"/>
+              </a:cxn>
+              <a:cxn ang="0">
+                <a:pos x="connsiteX9" y="connsiteY9"/>
+              </a:cxn>
+              <a:cxn ang="0">
+                <a:pos x="connsiteX10" y="connsiteY10"/>
+              </a:cxn>
+              <a:cxn ang="0">
+                <a:pos x="connsiteX11" y="connsiteY11"/>
+              </a:cxn>
+              <a:cxn ang="0">
+                <a:pos x="connsiteX12" y="connsiteY12"/>
+              </a:cxn>
+              <a:cxn ang="0">
+                <a:pos x="connsiteX13" y="connsiteY13"/>
+              </a:cxn>
+              <a:cxn ang="0">
+                <a:pos x="connsiteX14" y="connsiteY14"/>
+              </a:cxn>
+              <a:cxn ang="0">
+                <a:pos x="connsiteX15" y="connsiteY15"/>
+              </a:cxn>
+            </a:cxnLst>
+            <a:rect l="l" t="t" r="r" b="b"/>
+            <a:pathLst>
+              <a:path w="595639" h="1342239">
+                <a:moveTo>
+                  <a:pt x="0" y="0"/>
+                </a:moveTo>
+                <a:cubicBezTo>
+                  <a:pt x="39149" y="13982"/>
+                  <a:pt x="82857" y="18886"/>
+                  <a:pt x="117446" y="41945"/>
+                </a:cubicBezTo>
+                <a:cubicBezTo>
+                  <a:pt x="155805" y="67518"/>
+                  <a:pt x="219459" y="153691"/>
+                  <a:pt x="243281" y="201336"/>
+                </a:cubicBezTo>
+                <a:cubicBezTo>
+                  <a:pt x="253966" y="222706"/>
+                  <a:pt x="259351" y="246356"/>
+                  <a:pt x="268448" y="268448"/>
+                </a:cubicBezTo>
+                <a:cubicBezTo>
+                  <a:pt x="278934" y="293914"/>
+                  <a:pt x="293295" y="317822"/>
+                  <a:pt x="302004" y="343949"/>
+                </a:cubicBezTo>
+                <a:cubicBezTo>
+                  <a:pt x="310157" y="368407"/>
+                  <a:pt x="313471" y="394222"/>
+                  <a:pt x="318782" y="419450"/>
+                </a:cubicBezTo>
+                <a:cubicBezTo>
+                  <a:pt x="324657" y="447355"/>
+                  <a:pt x="330604" y="475256"/>
+                  <a:pt x="335560" y="503339"/>
+                </a:cubicBezTo>
+                <a:cubicBezTo>
+                  <a:pt x="349091" y="580013"/>
+                  <a:pt x="339273" y="563161"/>
+                  <a:pt x="360727" y="654341"/>
+                </a:cubicBezTo>
+                <a:cubicBezTo>
+                  <a:pt x="364778" y="671556"/>
+                  <a:pt x="371912" y="687897"/>
+                  <a:pt x="377505" y="704675"/>
+                </a:cubicBezTo>
+                <a:cubicBezTo>
+                  <a:pt x="380301" y="738231"/>
+                  <a:pt x="382845" y="771809"/>
+                  <a:pt x="385894" y="805343"/>
+                </a:cubicBezTo>
+                <a:cubicBezTo>
+                  <a:pt x="388438" y="833330"/>
+                  <a:pt x="393280" y="861148"/>
+                  <a:pt x="394283" y="889233"/>
+                </a:cubicBezTo>
+                <a:cubicBezTo>
+                  <a:pt x="398875" y="1017813"/>
+                  <a:pt x="397630" y="1146564"/>
+                  <a:pt x="402672" y="1275127"/>
+                </a:cubicBezTo>
+                <a:cubicBezTo>
+                  <a:pt x="403231" y="1289375"/>
+                  <a:pt x="402773" y="1305469"/>
+                  <a:pt x="411061" y="1317072"/>
+                </a:cubicBezTo>
+                <a:cubicBezTo>
+                  <a:pt x="424242" y="1335525"/>
+                  <a:pt x="480687" y="1339862"/>
+                  <a:pt x="494951" y="1342239"/>
+                </a:cubicBezTo>
+                <a:cubicBezTo>
+                  <a:pt x="537129" y="1331694"/>
+                  <a:pt x="533090" y="1337656"/>
+                  <a:pt x="570452" y="1300294"/>
+                </a:cubicBezTo>
+                <a:cubicBezTo>
+                  <a:pt x="597297" y="1273449"/>
+                  <a:pt x="595619" y="1278930"/>
+                  <a:pt x="595619" y="1258349"/>
+                </a:cubicBezTo>
+              </a:path>
+            </a:pathLst>
+          </a:custGeom>
+          <a:noFill/>
+        </p:spPr>
+        <p:style>
+          <a:lnRef idx="2">
+            <a:schemeClr val="accent1">
+              <a:shade val="50000"/>
+            </a:schemeClr>
+          </a:lnRef>
+          <a:fillRef idx="1">
+            <a:schemeClr val="accent1"/>
+          </a:fillRef>
+          <a:effectRef idx="0">
+            <a:schemeClr val="accent1"/>
+          </a:effectRef>
+          <a:fontRef idx="minor">
+            <a:schemeClr val="lt1"/>
+          </a:fontRef>
+        </p:style>
+        <p:txBody>
+          <a:bodyPr rtlCol="0" anchor="ctr"/>
+          <a:lstStyle/>
+          <a:p>
+            <a:pPr algn="ctr"/>
+            <a:endParaRPr lang="en-IN"/>
+          </a:p>
+        </p:txBody>
+      </p:sp>
     </p:spTree>
     <p:extLst>
       <p:ext uri="{BB962C8B-B14F-4D97-AF65-F5344CB8AC3E}">

--- a/references/pdfs/adm-steps-inputs-outputs.pptx
+++ b/references/pdfs/adm-steps-inputs-outputs.pptx
@@ -274,7 +274,7 @@
           <a:p>
             <a:fld id="{6A2EF460-96B6-4F20-8D0A-A3002A0CC0AD}" type="datetimeFigureOut">
               <a:rPr lang="en-US" smtClean="0"/>
-              <a:t>2/27/2022</a:t>
+              <a:t>3/1/2022</a:t>
             </a:fld>
             <a:endParaRPr lang="en-US"/>
           </a:p>
@@ -472,7 +472,7 @@
           <a:p>
             <a:fld id="{6A2EF460-96B6-4F20-8D0A-A3002A0CC0AD}" type="datetimeFigureOut">
               <a:rPr lang="en-US" smtClean="0"/>
-              <a:t>2/27/2022</a:t>
+              <a:t>3/1/2022</a:t>
             </a:fld>
             <a:endParaRPr lang="en-US"/>
           </a:p>
@@ -680,7 +680,7 @@
           <a:p>
             <a:fld id="{6A2EF460-96B6-4F20-8D0A-A3002A0CC0AD}" type="datetimeFigureOut">
               <a:rPr lang="en-US" smtClean="0"/>
-              <a:t>2/27/2022</a:t>
+              <a:t>3/1/2022</a:t>
             </a:fld>
             <a:endParaRPr lang="en-US"/>
           </a:p>
@@ -878,7 +878,7 @@
           <a:p>
             <a:fld id="{6A2EF460-96B6-4F20-8D0A-A3002A0CC0AD}" type="datetimeFigureOut">
               <a:rPr lang="en-US" smtClean="0"/>
-              <a:t>2/27/2022</a:t>
+              <a:t>3/1/2022</a:t>
             </a:fld>
             <a:endParaRPr lang="en-US"/>
           </a:p>
@@ -1153,7 +1153,7 @@
           <a:p>
             <a:fld id="{6A2EF460-96B6-4F20-8D0A-A3002A0CC0AD}" type="datetimeFigureOut">
               <a:rPr lang="en-US" smtClean="0"/>
-              <a:t>2/27/2022</a:t>
+              <a:t>3/1/2022</a:t>
             </a:fld>
             <a:endParaRPr lang="en-US"/>
           </a:p>
@@ -1418,7 +1418,7 @@
           <a:p>
             <a:fld id="{6A2EF460-96B6-4F20-8D0A-A3002A0CC0AD}" type="datetimeFigureOut">
               <a:rPr lang="en-US" smtClean="0"/>
-              <a:t>2/27/2022</a:t>
+              <a:t>3/1/2022</a:t>
             </a:fld>
             <a:endParaRPr lang="en-US"/>
           </a:p>
@@ -1830,7 +1830,7 @@
           <a:p>
             <a:fld id="{6A2EF460-96B6-4F20-8D0A-A3002A0CC0AD}" type="datetimeFigureOut">
               <a:rPr lang="en-US" smtClean="0"/>
-              <a:t>2/27/2022</a:t>
+              <a:t>3/1/2022</a:t>
             </a:fld>
             <a:endParaRPr lang="en-US"/>
           </a:p>
@@ -1971,7 +1971,7 @@
           <a:p>
             <a:fld id="{6A2EF460-96B6-4F20-8D0A-A3002A0CC0AD}" type="datetimeFigureOut">
               <a:rPr lang="en-US" smtClean="0"/>
-              <a:t>2/27/2022</a:t>
+              <a:t>3/1/2022</a:t>
             </a:fld>
             <a:endParaRPr lang="en-US"/>
           </a:p>
@@ -2084,7 +2084,7 @@
           <a:p>
             <a:fld id="{6A2EF460-96B6-4F20-8D0A-A3002A0CC0AD}" type="datetimeFigureOut">
               <a:rPr lang="en-US" smtClean="0"/>
-              <a:t>2/27/2022</a:t>
+              <a:t>3/1/2022</a:t>
             </a:fld>
             <a:endParaRPr lang="en-US"/>
           </a:p>
@@ -2395,7 +2395,7 @@
           <a:p>
             <a:fld id="{6A2EF460-96B6-4F20-8D0A-A3002A0CC0AD}" type="datetimeFigureOut">
               <a:rPr lang="en-US" smtClean="0"/>
-              <a:t>2/27/2022</a:t>
+              <a:t>3/1/2022</a:t>
             </a:fld>
             <a:endParaRPr lang="en-US"/>
           </a:p>
@@ -2683,7 +2683,7 @@
           <a:p>
             <a:fld id="{6A2EF460-96B6-4F20-8D0A-A3002A0CC0AD}" type="datetimeFigureOut">
               <a:rPr lang="en-US" smtClean="0"/>
-              <a:t>2/27/2022</a:t>
+              <a:t>3/1/2022</a:t>
             </a:fld>
             <a:endParaRPr lang="en-US"/>
           </a:p>
@@ -2924,7 +2924,7 @@
           <a:p>
             <a:fld id="{6A2EF460-96B6-4F20-8D0A-A3002A0CC0AD}" type="datetimeFigureOut">
               <a:rPr lang="en-US" smtClean="0"/>
-              <a:t>2/27/2022</a:t>
+              <a:t>3/1/2022</a:t>
             </a:fld>
             <a:endParaRPr lang="en-US"/>
           </a:p>
@@ -3356,14 +3356,14 @@
           <p:nvPr>
             <p:extLst>
               <p:ext uri="{D42A27DB-BD31-4B8C-83A1-F6EECF244321}">
-                <p14:modId xmlns:p14="http://schemas.microsoft.com/office/powerpoint/2010/main" val="4068735432"/>
+                <p14:modId xmlns:p14="http://schemas.microsoft.com/office/powerpoint/2010/main" val="3590462992"/>
               </p:ext>
             </p:extLst>
           </p:nvPr>
         </p:nvGraphicFramePr>
         <p:xfrm>
           <a:off x="-765171" y="-1028823"/>
-          <a:ext cx="14277190" cy="6606167"/>
+          <a:ext cx="14277190" cy="6758567"/>
         </p:xfrm>
         <a:graphic>
           <a:graphicData uri="http://schemas.openxmlformats.org/drawingml/2006/table">
@@ -4014,7 +4014,18 @@
                           <a:ea typeface="+mn-ea"/>
                           <a:cs typeface="+mn-cs"/>
                         </a:rPr>
-                        <a:t>Aspirational Vision of Capabilities and Business Value </a:t>
+                        <a:t>Aspirational Vision </a:t>
+                      </a:r>
+                      <a:r>
+                        <a:rPr lang="en-US" sz="1000" b="0" kern="1200" dirty="0">
+                          <a:solidFill>
+                            <a:schemeClr val="tx1"/>
+                          </a:solidFill>
+                          <a:latin typeface="+mn-lt"/>
+                          <a:ea typeface="+mn-ea"/>
+                          <a:cs typeface="+mn-cs"/>
+                        </a:rPr>
+                        <a:t>of Capabilities and Business Value </a:t>
                       </a:r>
                     </a:p>
                     <a:p>
@@ -4047,7 +4058,7 @@
                           <a:ea typeface="+mn-ea"/>
                           <a:cs typeface="+mn-cs"/>
                         </a:rPr>
-                        <a:t>Statement of Architecture Work</a:t>
+                        <a:t>Statement of Architecture Work (SOAW)</a:t>
                       </a:r>
                     </a:p>
                   </a:txBody>
@@ -4120,7 +4131,7 @@
                           <a:ea typeface="+mn-ea"/>
                           <a:cs typeface="+mn-cs"/>
                         </a:rPr>
-                        <a:t>Architecture Roadmap Components</a:t>
+                        <a:t>Candidate Architecture Roadmap (CAR) Components</a:t>
                       </a:r>
                     </a:p>
                     <a:p>
@@ -4868,7 +4879,7 @@
                           <a:ea typeface="+mn-ea"/>
                           <a:cs typeface="+mn-cs"/>
                         </a:rPr>
-                        <a:t>aspirational vision </a:t>
+                        <a:t>Aspirational Vision </a:t>
                       </a:r>
                       <a:r>
                         <a:rPr lang="en-US" sz="1000" b="0" kern="1200" dirty="0">
@@ -4940,7 +4951,7 @@
                           <a:ea typeface="+mn-ea"/>
                           <a:cs typeface="+mn-cs"/>
                         </a:rPr>
-                        <a:t>Statement of Architecture Work </a:t>
+                        <a:t>Statement of Architecture Work (SOAW) </a:t>
                       </a:r>
                       <a:r>
                         <a:rPr lang="en-US" sz="1000" b="0" kern="1200" dirty="0">
@@ -5134,7 +5145,7 @@
                           <a:ea typeface="+mn-ea"/>
                           <a:cs typeface="+mn-cs"/>
                         </a:rPr>
-                        <a:t>Statement of Architecture Work </a:t>
+                        <a:t>Statement of Architecture Work (SOAW) </a:t>
                       </a:r>
                       <a:r>
                         <a:rPr lang="en-US" sz="1000" b="0" kern="1200" dirty="0">
@@ -5211,13 +5222,27 @@
                             <a:schemeClr val="tx1"/>
                           </a:solidFill>
                           <a:highlight>
+                            <a:srgbClr val="C98E37"/>
+                          </a:highlight>
+                          <a:latin typeface="+mn-lt"/>
+                          <a:ea typeface="+mn-ea"/>
+                          <a:cs typeface="+mn-cs"/>
+                        </a:rPr>
+                        <a:t>Candidate</a:t>
+                      </a:r>
+                      <a:r>
+                        <a:rPr lang="en-US" sz="1000" b="0" kern="1200" dirty="0">
+                          <a:solidFill>
+                            <a:schemeClr val="tx1"/>
+                          </a:solidFill>
+                          <a:highlight>
                             <a:srgbClr val="FFFF00"/>
                           </a:highlight>
                           <a:latin typeface="+mn-lt"/>
                           <a:ea typeface="+mn-ea"/>
                           <a:cs typeface="+mn-cs"/>
                         </a:rPr>
-                        <a:t>candidate </a:t>
+                        <a:t> </a:t>
                       </a:r>
                       <a:r>
                         <a:rPr lang="en-US" sz="1000" b="0" kern="1200" dirty="0">
@@ -5231,7 +5256,7 @@
                           <a:ea typeface="+mn-ea"/>
                           <a:cs typeface="+mn-cs"/>
                         </a:rPr>
-                        <a:t>Architecture Roadmap components </a:t>
+                        <a:t>Architecture Roadmap (CAR) components </a:t>
                       </a:r>
                       <a:r>
                         <a:rPr lang="en-US" sz="1000" b="0" kern="1200" dirty="0">
@@ -5370,7 +5395,7 @@
                           <a:ea typeface="+mn-ea"/>
                           <a:cs typeface="+mn-cs"/>
                         </a:rPr>
-                        <a:t>Statement of Architecture Work </a:t>
+                        <a:t>Statement of Architecture Work (SOAW) </a:t>
                       </a:r>
                       <a:r>
                         <a:rPr lang="en-US" sz="1000" b="0" kern="1200" dirty="0">
@@ -5417,7 +5442,7 @@
                           <a:ea typeface="+mn-ea"/>
                           <a:cs typeface="+mn-cs"/>
                         </a:rPr>
-                        <a:t>Identify candidate </a:t>
+                        <a:t>Identify </a:t>
                       </a:r>
                       <a:r>
                         <a:rPr lang="en-US" sz="1000" b="0" kern="1200" dirty="0">
@@ -5431,7 +5456,35 @@
                           <a:ea typeface="+mn-ea"/>
                           <a:cs typeface="+mn-cs"/>
                         </a:rPr>
-                        <a:t>Architecture Roadmap components </a:t>
+                        <a:t>Candidate</a:t>
+                      </a:r>
+                      <a:r>
+                        <a:rPr lang="en-US" sz="1000" b="0" kern="1200" dirty="0">
+                          <a:solidFill>
+                            <a:schemeClr val="tx1"/>
+                          </a:solidFill>
+                          <a:highlight>
+                            <a:srgbClr val="FFFF00"/>
+                          </a:highlight>
+                          <a:latin typeface="+mn-lt"/>
+                          <a:ea typeface="+mn-ea"/>
+                          <a:cs typeface="+mn-cs"/>
+                        </a:rPr>
+                        <a:t> </a:t>
+                      </a:r>
+                      <a:r>
+                        <a:rPr lang="en-US" sz="1000" b="0" kern="1200" dirty="0">
+                          <a:solidFill>
+                            <a:schemeClr val="tx1"/>
+                          </a:solidFill>
+                          <a:highlight>
+                            <a:srgbClr val="C98E37"/>
+                          </a:highlight>
+                          <a:latin typeface="+mn-lt"/>
+                          <a:ea typeface="+mn-ea"/>
+                          <a:cs typeface="+mn-cs"/>
+                        </a:rPr>
+                        <a:t>Architecture Roadmap (CAR) components </a:t>
                       </a:r>
                       <a:r>
                         <a:rPr lang="en-US" sz="1000" b="0" kern="1200" dirty="0">
@@ -5570,7 +5623,7 @@
                           <a:ea typeface="+mn-ea"/>
                           <a:cs typeface="+mn-cs"/>
                         </a:rPr>
-                        <a:t>Statement of Architecture Work </a:t>
+                        <a:t>Statement of Architecture Work (SOAW) </a:t>
                       </a:r>
                       <a:r>
                         <a:rPr lang="en-US" sz="1000" b="0" kern="1200" dirty="0">
@@ -5617,7 +5670,7 @@
                           <a:ea typeface="+mn-ea"/>
                           <a:cs typeface="+mn-cs"/>
                         </a:rPr>
-                        <a:t>Identify candidate </a:t>
+                        <a:t>Identify </a:t>
                       </a:r>
                       <a:r>
                         <a:rPr lang="en-US" sz="1000" b="0" kern="1200" dirty="0">
@@ -5631,7 +5684,7 @@
                           <a:ea typeface="+mn-ea"/>
                           <a:cs typeface="+mn-cs"/>
                         </a:rPr>
-                        <a:t>Architecture Roadmap components </a:t>
+                        <a:t>Candidate Architecture Roadmap (CAR) components </a:t>
                       </a:r>
                       <a:r>
                         <a:rPr lang="en-US" sz="1000" b="0" kern="1200" dirty="0">
@@ -5809,7 +5862,7 @@
                           <a:ea typeface="+mn-ea"/>
                           <a:cs typeface="+mn-cs"/>
                         </a:rPr>
-                        <a:t>Statement of Architecture Work </a:t>
+                        <a:t>Statement of Architecture Work (SOAW) </a:t>
                       </a:r>
                       <a:r>
                         <a:rPr lang="en-US" sz="1000" b="0" kern="1200" dirty="0">
@@ -5867,7 +5920,7 @@
                           <a:ea typeface="+mn-ea"/>
                           <a:cs typeface="+mn-cs"/>
                         </a:rPr>
-                        <a:t>Identify candidate </a:t>
+                        <a:t>Identify </a:t>
                       </a:r>
                       <a:r>
                         <a:rPr lang="en-US" sz="1000" b="0" kern="1200" dirty="0">
@@ -5881,7 +5934,7 @@
                           <a:ea typeface="+mn-ea"/>
                           <a:cs typeface="+mn-cs"/>
                         </a:rPr>
-                        <a:t>Architecture Roadmap components </a:t>
+                        <a:t>Candidate Architecture Roadmap (CAR) components </a:t>
                       </a:r>
                       <a:r>
                         <a:rPr lang="en-US" sz="1000" b="0" kern="1200" dirty="0">
@@ -5994,7 +6047,7 @@
                             <a:schemeClr val="tx1"/>
                           </a:solidFill>
                         </a:rPr>
-                        <a:t>, based upon the gap analysis and candidate Architecture Roadmap components from Phases B, C, and D</a:t>
+                        <a:t>, based upon the gap analysis and Candidate Architecture Roadmap components from Phases B, C, and D</a:t>
                       </a:r>
                     </a:p>
                     <a:p>
@@ -16012,14 +16065,14 @@
           <p:nvPr>
             <p:extLst>
               <p:ext uri="{D42A27DB-BD31-4B8C-83A1-F6EECF244321}">
-                <p14:modId xmlns:p14="http://schemas.microsoft.com/office/powerpoint/2010/main" val="3640681032"/>
+                <p14:modId xmlns:p14="http://schemas.microsoft.com/office/powerpoint/2010/main" val="3644868504"/>
               </p:ext>
             </p:extLst>
           </p:nvPr>
         </p:nvGraphicFramePr>
         <p:xfrm>
           <a:off x="-765171" y="-1028823"/>
-          <a:ext cx="14277190" cy="4533527"/>
+          <a:ext cx="14277190" cy="4685927"/>
         </p:xfrm>
         <a:graphic>
           <a:graphicData uri="http://schemas.openxmlformats.org/drawingml/2006/table">
@@ -16965,7 +17018,36 @@
                           <a:ea typeface="+mn-ea"/>
                           <a:cs typeface="+mn-cs"/>
                         </a:rPr>
-                        <a:t>(v 0.1 of baseline/target)</a:t>
+                        <a:t>(</a:t>
+                      </a:r>
+                      <a:r>
+                        <a:rPr lang="en-US" sz="1000" b="0" kern="1200" dirty="0">
+                          <a:solidFill>
+                            <a:schemeClr val="accent6">
+                              <a:lumMod val="50000"/>
+                            </a:schemeClr>
+                          </a:solidFill>
+                          <a:highlight>
+                            <a:srgbClr val="00FF00"/>
+                          </a:highlight>
+                          <a:latin typeface="+mn-lt"/>
+                          <a:ea typeface="+mn-ea"/>
+                          <a:cs typeface="+mn-cs"/>
+                        </a:rPr>
+                        <a:t>ADD</a:t>
+                      </a:r>
+                      <a:r>
+                        <a:rPr lang="en-US" sz="1000" b="0" kern="1200" dirty="0">
+                          <a:solidFill>
+                            <a:schemeClr val="accent6">
+                              <a:lumMod val="50000"/>
+                            </a:schemeClr>
+                          </a:solidFill>
+                          <a:latin typeface="+mn-lt"/>
+                          <a:ea typeface="+mn-ea"/>
+                          <a:cs typeface="+mn-cs"/>
+                        </a:rPr>
+                        <a:t> v 0.1 of baseline/target)</a:t>
                       </a:r>
                     </a:p>
                     <a:p>
@@ -17256,7 +17338,7 @@
                           <a:ea typeface="+mn-ea"/>
                           <a:cs typeface="+mn-cs"/>
                         </a:rPr>
-                        <a:t>Business architecture component of </a:t>
+                        <a:t>Business Architecture Component of </a:t>
                       </a:r>
                       <a:r>
                         <a:rPr lang="en-US" sz="1000" b="0" kern="1200" dirty="0">
@@ -17266,29 +17348,13 @@
                             </a:schemeClr>
                           </a:solidFill>
                           <a:highlight>
-                            <a:srgbClr val="FFFF00"/>
-                          </a:highlight>
-                          <a:latin typeface="+mn-lt"/>
-                          <a:ea typeface="+mn-ea"/>
-                          <a:cs typeface="+mn-cs"/>
-                        </a:rPr>
-                        <a:t>Architecture </a:t>
-                      </a:r>
-                      <a:r>
-                        <a:rPr lang="en-US" sz="1000" b="0" kern="1200" dirty="0">
-                          <a:solidFill>
-                            <a:schemeClr val="accent4">
-                              <a:lumMod val="75000"/>
-                            </a:schemeClr>
-                          </a:solidFill>
-                          <a:highlight>
                             <a:srgbClr val="00FF00"/>
                           </a:highlight>
                           <a:latin typeface="+mn-lt"/>
                           <a:ea typeface="+mn-ea"/>
                           <a:cs typeface="+mn-cs"/>
                         </a:rPr>
-                        <a:t>Roadmap</a:t>
+                        <a:t>Architecture Roadmap</a:t>
                       </a:r>
                     </a:p>
                     <a:p>
@@ -17516,7 +17582,7 @@
                           <a:ea typeface="+mn-ea"/>
                           <a:cs typeface="+mn-cs"/>
                         </a:rPr>
-                        <a:t>Data architecture component of </a:t>
+                        <a:t>Data Architecture Component of </a:t>
                       </a:r>
                       <a:r>
                         <a:rPr lang="en-US" sz="1000" b="0" kern="1200" dirty="0">
@@ -17526,29 +17592,13 @@
                             </a:schemeClr>
                           </a:solidFill>
                           <a:highlight>
-                            <a:srgbClr val="FFFF00"/>
-                          </a:highlight>
-                          <a:latin typeface="+mn-lt"/>
-                          <a:ea typeface="+mn-ea"/>
-                          <a:cs typeface="+mn-cs"/>
-                        </a:rPr>
-                        <a:t>Architecture </a:t>
-                      </a:r>
-                      <a:r>
-                        <a:rPr lang="en-US" sz="1000" b="0" kern="1200" dirty="0">
-                          <a:solidFill>
-                            <a:schemeClr val="accent4">
-                              <a:lumMod val="75000"/>
-                            </a:schemeClr>
-                          </a:solidFill>
-                          <a:highlight>
                             <a:srgbClr val="00FF00"/>
                           </a:highlight>
                           <a:latin typeface="+mn-lt"/>
                           <a:ea typeface="+mn-ea"/>
                           <a:cs typeface="+mn-cs"/>
                         </a:rPr>
-                        <a:t>Roadmap</a:t>
+                        <a:t>Architecture Roadmap</a:t>
                       </a:r>
                     </a:p>
                     <a:p>
@@ -17769,7 +17819,7 @@
                           <a:ea typeface="+mn-ea"/>
                           <a:cs typeface="+mn-cs"/>
                         </a:rPr>
-                        <a:t>Application architecture component of </a:t>
+                        <a:t>Application Architecture Component of </a:t>
                       </a:r>
                       <a:r>
                         <a:rPr lang="en-US" sz="1000" b="0" kern="1200" dirty="0">
@@ -17779,29 +17829,13 @@
                             </a:schemeClr>
                           </a:solidFill>
                           <a:highlight>
-                            <a:srgbClr val="FFFF00"/>
-                          </a:highlight>
-                          <a:latin typeface="+mn-lt"/>
-                          <a:ea typeface="+mn-ea"/>
-                          <a:cs typeface="+mn-cs"/>
-                        </a:rPr>
-                        <a:t>Architecture </a:t>
-                      </a:r>
-                      <a:r>
-                        <a:rPr lang="en-US" sz="1000" b="0" kern="1200" dirty="0">
-                          <a:solidFill>
-                            <a:schemeClr val="accent4">
-                              <a:lumMod val="75000"/>
-                            </a:schemeClr>
-                          </a:solidFill>
-                          <a:highlight>
                             <a:srgbClr val="00FF00"/>
                           </a:highlight>
                           <a:latin typeface="+mn-lt"/>
                           <a:ea typeface="+mn-ea"/>
                           <a:cs typeface="+mn-cs"/>
                         </a:rPr>
-                        <a:t>Roadmap</a:t>
+                        <a:t>Architecture Roadmap</a:t>
                       </a:r>
                     </a:p>
                     <a:p>
@@ -18024,7 +18058,7 @@
                           <a:ea typeface="+mn-ea"/>
                           <a:cs typeface="+mn-cs"/>
                         </a:rPr>
-                        <a:t>Technology architecture component of </a:t>
+                        <a:t>Technology Architecture Component of </a:t>
                       </a:r>
                       <a:r>
                         <a:rPr lang="en-US" sz="1000" b="0" kern="1200" dirty="0">
@@ -18034,29 +18068,13 @@
                             </a:schemeClr>
                           </a:solidFill>
                           <a:highlight>
-                            <a:srgbClr val="FFFF00"/>
-                          </a:highlight>
-                          <a:latin typeface="+mn-lt"/>
-                          <a:ea typeface="+mn-ea"/>
-                          <a:cs typeface="+mn-cs"/>
-                        </a:rPr>
-                        <a:t>Architecture </a:t>
-                      </a:r>
-                      <a:r>
-                        <a:rPr lang="en-US" sz="1000" b="0" kern="1200" dirty="0">
-                          <a:solidFill>
-                            <a:schemeClr val="accent4">
-                              <a:lumMod val="75000"/>
-                            </a:schemeClr>
-                          </a:solidFill>
-                          <a:highlight>
                             <a:srgbClr val="00FF00"/>
                           </a:highlight>
                           <a:latin typeface="+mn-lt"/>
                           <a:ea typeface="+mn-ea"/>
                           <a:cs typeface="+mn-cs"/>
                         </a:rPr>
-                        <a:t>Roadmap</a:t>
+                        <a:t>Architecture Roadmap</a:t>
                       </a:r>
                     </a:p>
                   </a:txBody>
@@ -18277,13 +18295,29 @@
                             </a:schemeClr>
                           </a:solidFill>
                           <a:highlight>
+                            <a:srgbClr val="00FF00"/>
+                          </a:highlight>
+                          <a:latin typeface="+mn-lt"/>
+                          <a:ea typeface="+mn-ea"/>
+                          <a:cs typeface="+mn-cs"/>
+                        </a:rPr>
+                        <a:t>Architecture</a:t>
+                      </a:r>
+                      <a:r>
+                        <a:rPr lang="en-US" sz="1000" b="0" kern="1200" dirty="0">
+                          <a:solidFill>
+                            <a:schemeClr val="accent4">
+                              <a:lumMod val="75000"/>
+                            </a:schemeClr>
+                          </a:solidFill>
+                          <a:highlight>
                             <a:srgbClr val="FFFF00"/>
                           </a:highlight>
                           <a:latin typeface="+mn-lt"/>
                           <a:ea typeface="+mn-ea"/>
                           <a:cs typeface="+mn-cs"/>
                         </a:rPr>
-                        <a:t>Architecture </a:t>
+                        <a:t> </a:t>
                       </a:r>
                       <a:r>
                         <a:rPr lang="en-US" sz="1000" b="0" kern="1200" dirty="0">
@@ -18666,13 +18700,29 @@
                             </a:schemeClr>
                           </a:solidFill>
                           <a:highlight>
+                            <a:srgbClr val="00FF00"/>
+                          </a:highlight>
+                          <a:latin typeface="+mn-lt"/>
+                          <a:ea typeface="+mn-ea"/>
+                          <a:cs typeface="+mn-cs"/>
+                        </a:rPr>
+                        <a:t>Architecture</a:t>
+                      </a:r>
+                      <a:r>
+                        <a:rPr lang="en-US" sz="1000" b="0" kern="1200" dirty="0">
+                          <a:solidFill>
+                            <a:schemeClr val="accent4">
+                              <a:lumMod val="75000"/>
+                            </a:schemeClr>
+                          </a:solidFill>
+                          <a:highlight>
                             <a:srgbClr val="FFFF00"/>
                           </a:highlight>
                           <a:latin typeface="+mn-lt"/>
                           <a:ea typeface="+mn-ea"/>
                           <a:cs typeface="+mn-cs"/>
                         </a:rPr>
-                        <a:t>Architecture </a:t>
+                        <a:t> </a:t>
                       </a:r>
                       <a:r>
                         <a:rPr lang="en-US" sz="1000" b="0" kern="1200" dirty="0">

--- a/references/pdfs/adm-steps-inputs-outputs.pptx
+++ b/references/pdfs/adm-steps-inputs-outputs.pptx
@@ -274,7 +274,7 @@
           <a:p>
             <a:fld id="{6A2EF460-96B6-4F20-8D0A-A3002A0CC0AD}" type="datetimeFigureOut">
               <a:rPr lang="en-US" smtClean="0"/>
-              <a:t>3/1/2022</a:t>
+              <a:t>3/3/2022</a:t>
             </a:fld>
             <a:endParaRPr lang="en-US"/>
           </a:p>
@@ -472,7 +472,7 @@
           <a:p>
             <a:fld id="{6A2EF460-96B6-4F20-8D0A-A3002A0CC0AD}" type="datetimeFigureOut">
               <a:rPr lang="en-US" smtClean="0"/>
-              <a:t>3/1/2022</a:t>
+              <a:t>3/3/2022</a:t>
             </a:fld>
             <a:endParaRPr lang="en-US"/>
           </a:p>
@@ -680,7 +680,7 @@
           <a:p>
             <a:fld id="{6A2EF460-96B6-4F20-8D0A-A3002A0CC0AD}" type="datetimeFigureOut">
               <a:rPr lang="en-US" smtClean="0"/>
-              <a:t>3/1/2022</a:t>
+              <a:t>3/3/2022</a:t>
             </a:fld>
             <a:endParaRPr lang="en-US"/>
           </a:p>
@@ -878,7 +878,7 @@
           <a:p>
             <a:fld id="{6A2EF460-96B6-4F20-8D0A-A3002A0CC0AD}" type="datetimeFigureOut">
               <a:rPr lang="en-US" smtClean="0"/>
-              <a:t>3/1/2022</a:t>
+              <a:t>3/3/2022</a:t>
             </a:fld>
             <a:endParaRPr lang="en-US"/>
           </a:p>
@@ -1153,7 +1153,7 @@
           <a:p>
             <a:fld id="{6A2EF460-96B6-4F20-8D0A-A3002A0CC0AD}" type="datetimeFigureOut">
               <a:rPr lang="en-US" smtClean="0"/>
-              <a:t>3/1/2022</a:t>
+              <a:t>3/3/2022</a:t>
             </a:fld>
             <a:endParaRPr lang="en-US"/>
           </a:p>
@@ -1418,7 +1418,7 @@
           <a:p>
             <a:fld id="{6A2EF460-96B6-4F20-8D0A-A3002A0CC0AD}" type="datetimeFigureOut">
               <a:rPr lang="en-US" smtClean="0"/>
-              <a:t>3/1/2022</a:t>
+              <a:t>3/3/2022</a:t>
             </a:fld>
             <a:endParaRPr lang="en-US"/>
           </a:p>
@@ -1830,7 +1830,7 @@
           <a:p>
             <a:fld id="{6A2EF460-96B6-4F20-8D0A-A3002A0CC0AD}" type="datetimeFigureOut">
               <a:rPr lang="en-US" smtClean="0"/>
-              <a:t>3/1/2022</a:t>
+              <a:t>3/3/2022</a:t>
             </a:fld>
             <a:endParaRPr lang="en-US"/>
           </a:p>
@@ -1971,7 +1971,7 @@
           <a:p>
             <a:fld id="{6A2EF460-96B6-4F20-8D0A-A3002A0CC0AD}" type="datetimeFigureOut">
               <a:rPr lang="en-US" smtClean="0"/>
-              <a:t>3/1/2022</a:t>
+              <a:t>3/3/2022</a:t>
             </a:fld>
             <a:endParaRPr lang="en-US"/>
           </a:p>
@@ -2084,7 +2084,7 @@
           <a:p>
             <a:fld id="{6A2EF460-96B6-4F20-8D0A-A3002A0CC0AD}" type="datetimeFigureOut">
               <a:rPr lang="en-US" smtClean="0"/>
-              <a:t>3/1/2022</a:t>
+              <a:t>3/3/2022</a:t>
             </a:fld>
             <a:endParaRPr lang="en-US"/>
           </a:p>
@@ -2395,7 +2395,7 @@
           <a:p>
             <a:fld id="{6A2EF460-96B6-4F20-8D0A-A3002A0CC0AD}" type="datetimeFigureOut">
               <a:rPr lang="en-US" smtClean="0"/>
-              <a:t>3/1/2022</a:t>
+              <a:t>3/3/2022</a:t>
             </a:fld>
             <a:endParaRPr lang="en-US"/>
           </a:p>
@@ -2683,7 +2683,7 @@
           <a:p>
             <a:fld id="{6A2EF460-96B6-4F20-8D0A-A3002A0CC0AD}" type="datetimeFigureOut">
               <a:rPr lang="en-US" smtClean="0"/>
-              <a:t>3/1/2022</a:t>
+              <a:t>3/3/2022</a:t>
             </a:fld>
             <a:endParaRPr lang="en-US"/>
           </a:p>
@@ -2924,7 +2924,7 @@
           <a:p>
             <a:fld id="{6A2EF460-96B6-4F20-8D0A-A3002A0CC0AD}" type="datetimeFigureOut">
               <a:rPr lang="en-US" smtClean="0"/>
-              <a:t>3/1/2022</a:t>
+              <a:t>3/3/2022</a:t>
             </a:fld>
             <a:endParaRPr lang="en-US"/>
           </a:p>
@@ -3356,7 +3356,7 @@
           <p:nvPr>
             <p:extLst>
               <p:ext uri="{D42A27DB-BD31-4B8C-83A1-F6EECF244321}">
-                <p14:modId xmlns:p14="http://schemas.microsoft.com/office/powerpoint/2010/main" val="3590462992"/>
+                <p14:modId xmlns:p14="http://schemas.microsoft.com/office/powerpoint/2010/main" val="3706940557"/>
               </p:ext>
             </p:extLst>
           </p:nvPr>
@@ -4098,29 +4098,10 @@
                           <a:ea typeface="+mn-ea"/>
                           <a:cs typeface="+mn-cs"/>
                         </a:rPr>
-                        <a:t>Target Business, Data, Application and Technology Architectures</a:t>
-                      </a:r>
-                    </a:p>
-                    <a:p>
-                      <a:pPr marL="171450" marR="0" lvl="0" indent="-171450" algn="l" defTabSz="914400" rtl="0" eaLnBrk="1" fontAlgn="auto" latinLnBrk="0" hangingPunct="1">
-                        <a:lnSpc>
-                          <a:spcPct val="100000"/>
-                        </a:lnSpc>
-                        <a:spcBef>
-                          <a:spcPts val="0"/>
-                        </a:spcBef>
-                        <a:spcAft>
-                          <a:spcPts val="0"/>
-                        </a:spcAft>
-                        <a:buClrTx/>
-                        <a:buSzTx/>
-                        <a:buFont typeface="Arial" panose="020B0604020202020204" pitchFamily="34" charset="0"/>
-                        <a:buChar char="•"/>
-                        <a:tabLst/>
-                        <a:defRPr/>
-                      </a:pPr>
-                      <a:r>
-                        <a:rPr lang="en-US" sz="1000" b="0" kern="1200" dirty="0">
+                        <a:t>Target Business, Data, Application and Technology Architectures goes into </a:t>
+                      </a:r>
+                      <a:r>
+                        <a:rPr lang="en-US" sz="1000" b="0" i="1" kern="1200" dirty="0">
                           <a:solidFill>
                             <a:schemeClr val="tx1"/>
                           </a:solidFill>
@@ -4131,7 +4112,54 @@
                           <a:ea typeface="+mn-ea"/>
                           <a:cs typeface="+mn-cs"/>
                         </a:rPr>
-                        <a:t>Candidate Architecture Roadmap (CAR) Components</a:t>
+                        <a:t>ADD</a:t>
+                      </a:r>
+                    </a:p>
+                    <a:p>
+                      <a:pPr marL="171450" marR="0" lvl="0" indent="-171450" algn="l" defTabSz="914400" rtl="0" eaLnBrk="1" fontAlgn="auto" latinLnBrk="0" hangingPunct="1">
+                        <a:lnSpc>
+                          <a:spcPct val="100000"/>
+                        </a:lnSpc>
+                        <a:spcBef>
+                          <a:spcPts val="0"/>
+                        </a:spcBef>
+                        <a:spcAft>
+                          <a:spcPts val="0"/>
+                        </a:spcAft>
+                        <a:buClrTx/>
+                        <a:buSzTx/>
+                        <a:buFont typeface="Arial" panose="020B0604020202020204" pitchFamily="34" charset="0"/>
+                        <a:buChar char="•"/>
+                        <a:tabLst/>
+                        <a:defRPr/>
+                      </a:pPr>
+                      <a:r>
+                        <a:rPr lang="en-US" sz="1000" b="0" kern="1200" dirty="0">
+                          <a:solidFill>
+                            <a:schemeClr val="tx1"/>
+                          </a:solidFill>
+                          <a:highlight>
+                            <a:srgbClr val="C98E37"/>
+                          </a:highlight>
+                          <a:latin typeface="+mn-lt"/>
+                          <a:ea typeface="+mn-ea"/>
+                          <a:cs typeface="+mn-cs"/>
+                        </a:rPr>
+                        <a:t>Candidate Architecture Roadmap (CAR) Components goes into </a:t>
+                      </a:r>
+                      <a:r>
+                        <a:rPr lang="en-US" sz="1000" b="0" i="1" kern="1200" dirty="0">
+                          <a:solidFill>
+                            <a:schemeClr val="tx1"/>
+                          </a:solidFill>
+                          <a:highlight>
+                            <a:srgbClr val="C98E37"/>
+                          </a:highlight>
+                          <a:latin typeface="+mn-lt"/>
+                          <a:ea typeface="+mn-ea"/>
+                          <a:cs typeface="+mn-cs"/>
+                        </a:rPr>
+                        <a:t>Architecture Roadmap</a:t>
                       </a:r>
                     </a:p>
                     <a:p>
@@ -4288,29 +4316,10 @@
                           <a:ea typeface="+mn-ea"/>
                           <a:cs typeface="+mn-cs"/>
                         </a:rPr>
-                        <a:t>Initial Version of Architecture Roadmap</a:t>
-                      </a:r>
-                    </a:p>
-                    <a:p>
-                      <a:pPr marL="171450" marR="0" lvl="0" indent="-171450" algn="l" defTabSz="914400" rtl="0" eaLnBrk="1" fontAlgn="auto" latinLnBrk="0" hangingPunct="1">
-                        <a:lnSpc>
-                          <a:spcPct val="100000"/>
-                        </a:lnSpc>
-                        <a:spcBef>
-                          <a:spcPts val="0"/>
-                        </a:spcBef>
-                        <a:spcAft>
-                          <a:spcPts val="0"/>
-                        </a:spcAft>
-                        <a:buClrTx/>
-                        <a:buSzTx/>
-                        <a:buFont typeface="Arial" panose="020B0604020202020204" pitchFamily="34" charset="0"/>
-                        <a:buChar char="•"/>
-                        <a:tabLst/>
-                        <a:defRPr/>
-                      </a:pPr>
-                      <a:r>
-                        <a:rPr lang="en-US" sz="1000" b="0" kern="1200" dirty="0">
+                        <a:t>Initial Version of </a:t>
+                      </a:r>
+                      <a:r>
+                        <a:rPr lang="en-US" sz="1000" b="0" i="1" kern="1200" dirty="0">
                           <a:solidFill>
                             <a:schemeClr val="tx1"/>
                           </a:solidFill>
@@ -4321,6 +4330,39 @@
                           <a:ea typeface="+mn-ea"/>
                           <a:cs typeface="+mn-cs"/>
                         </a:rPr>
+                        <a:t>Architecture Roadmap</a:t>
+                      </a:r>
+                    </a:p>
+                    <a:p>
+                      <a:pPr marL="171450" marR="0" lvl="0" indent="-171450" algn="l" defTabSz="914400" rtl="0" eaLnBrk="1" fontAlgn="auto" latinLnBrk="0" hangingPunct="1">
+                        <a:lnSpc>
+                          <a:spcPct val="100000"/>
+                        </a:lnSpc>
+                        <a:spcBef>
+                          <a:spcPts val="0"/>
+                        </a:spcBef>
+                        <a:spcAft>
+                          <a:spcPts val="0"/>
+                        </a:spcAft>
+                        <a:buClrTx/>
+                        <a:buSzTx/>
+                        <a:buFont typeface="Arial" panose="020B0604020202020204" pitchFamily="34" charset="0"/>
+                        <a:buChar char="•"/>
+                        <a:tabLst/>
+                        <a:defRPr/>
+                      </a:pPr>
+                      <a:r>
+                        <a:rPr lang="en-US" sz="1000" b="0" kern="1200" dirty="0">
+                          <a:solidFill>
+                            <a:schemeClr val="tx1"/>
+                          </a:solidFill>
+                          <a:highlight>
+                            <a:srgbClr val="C98E37"/>
+                          </a:highlight>
+                          <a:latin typeface="+mn-lt"/>
+                          <a:ea typeface="+mn-ea"/>
+                          <a:cs typeface="+mn-cs"/>
+                        </a:rPr>
                         <a:t>Transition Architectures</a:t>
                       </a:r>
                     </a:p>
@@ -4343,7 +4385,7 @@
                         <a:defRPr/>
                       </a:pPr>
                       <a:r>
-                        <a:rPr lang="en-US" sz="1000" b="0" kern="1200" dirty="0">
+                        <a:rPr lang="en-US" sz="1000" b="0" i="1" kern="1200" dirty="0">
                           <a:solidFill>
                             <a:schemeClr val="tx1"/>
                           </a:solidFill>
@@ -4354,7 +4396,35 @@
                           <a:ea typeface="+mn-ea"/>
                           <a:cs typeface="+mn-cs"/>
                         </a:rPr>
-                        <a:t>Architecture Building Blocks and Solution Building Blocks</a:t>
+                        <a:t>Architecture Building Blocks </a:t>
+                      </a:r>
+                      <a:r>
+                        <a:rPr lang="en-US" sz="1000" b="0" i="0" kern="1200" dirty="0">
+                          <a:solidFill>
+                            <a:schemeClr val="tx1"/>
+                          </a:solidFill>
+                          <a:highlight>
+                            <a:srgbClr val="C98E37"/>
+                          </a:highlight>
+                          <a:latin typeface="+mn-lt"/>
+                          <a:ea typeface="+mn-ea"/>
+                          <a:cs typeface="+mn-cs"/>
+                        </a:rPr>
+                        <a:t>and</a:t>
+                      </a:r>
+                      <a:r>
+                        <a:rPr lang="en-US" sz="1000" b="0" i="1" kern="1200" dirty="0">
+                          <a:solidFill>
+                            <a:schemeClr val="tx1"/>
+                          </a:solidFill>
+                          <a:highlight>
+                            <a:srgbClr val="C98E37"/>
+                          </a:highlight>
+                          <a:latin typeface="+mn-lt"/>
+                          <a:ea typeface="+mn-ea"/>
+                          <a:cs typeface="+mn-cs"/>
+                        </a:rPr>
+                        <a:t> Solution Building Blocks</a:t>
                       </a:r>
                     </a:p>
                   </a:txBody>
@@ -4394,7 +4464,21 @@
                           <a:ea typeface="+mn-ea"/>
                           <a:cs typeface="+mn-cs"/>
                         </a:rPr>
-                        <a:t>Final Version of Architecture Roadmap</a:t>
+                        <a:t>Final Version of </a:t>
+                      </a:r>
+                      <a:r>
+                        <a:rPr lang="en-US" sz="1000" b="0" i="1" kern="1200" dirty="0">
+                          <a:solidFill>
+                            <a:schemeClr val="tx1"/>
+                          </a:solidFill>
+                          <a:highlight>
+                            <a:srgbClr val="C98E37"/>
+                          </a:highlight>
+                          <a:latin typeface="+mn-lt"/>
+                          <a:ea typeface="+mn-ea"/>
+                          <a:cs typeface="+mn-cs"/>
+                        </a:rPr>
+                        <a:t>Architecture Roadmap</a:t>
                       </a:r>
                     </a:p>
                     <a:p>
@@ -4940,7 +5024,7 @@
                         <a:t>Obtain approval for a </a:t>
                       </a:r>
                       <a:r>
-                        <a:rPr lang="en-US" sz="1000" b="0" kern="1200" dirty="0">
+                        <a:rPr lang="en-US" sz="1000" b="0" i="1" kern="1200" dirty="0">
                           <a:solidFill>
                             <a:schemeClr val="tx1"/>
                           </a:solidFill>
@@ -4951,7 +5035,21 @@
                           <a:ea typeface="+mn-ea"/>
                           <a:cs typeface="+mn-cs"/>
                         </a:rPr>
-                        <a:t>Statement of Architecture Work (SOAW) </a:t>
+                        <a:t>Statement of Architecture Work </a:t>
+                      </a:r>
+                      <a:r>
+                        <a:rPr lang="en-US" sz="1000" b="0" kern="1200" dirty="0">
+                          <a:solidFill>
+                            <a:schemeClr val="tx1"/>
+                          </a:solidFill>
+                          <a:highlight>
+                            <a:srgbClr val="00FFFF"/>
+                          </a:highlight>
+                          <a:latin typeface="+mn-lt"/>
+                          <a:ea typeface="+mn-ea"/>
+                          <a:cs typeface="+mn-cs"/>
+                        </a:rPr>
+                        <a:t>(SOAW) </a:t>
                       </a:r>
                       <a:r>
                         <a:rPr lang="en-US" sz="1000" b="0" kern="1200" dirty="0">
@@ -5245,7 +5343,7 @@
                         <a:t> </a:t>
                       </a:r>
                       <a:r>
-                        <a:rPr lang="en-US" sz="1000" b="0" kern="1200" dirty="0">
+                        <a:rPr lang="en-US" sz="1000" b="0" i="1" kern="1200" dirty="0">
                           <a:solidFill>
                             <a:schemeClr val="tx1"/>
                           </a:solidFill>
@@ -5256,7 +5354,21 @@
                           <a:ea typeface="+mn-ea"/>
                           <a:cs typeface="+mn-cs"/>
                         </a:rPr>
-                        <a:t>Architecture Roadmap (CAR) components </a:t>
+                        <a:t>Architecture Roadmap </a:t>
+                      </a:r>
+                      <a:r>
+                        <a:rPr lang="en-US" sz="1000" b="0" kern="1200" dirty="0">
+                          <a:solidFill>
+                            <a:schemeClr val="tx1"/>
+                          </a:solidFill>
+                          <a:highlight>
+                            <a:srgbClr val="C98E37"/>
+                          </a:highlight>
+                          <a:latin typeface="+mn-lt"/>
+                          <a:ea typeface="+mn-ea"/>
+                          <a:cs typeface="+mn-cs"/>
+                        </a:rPr>
+                        <a:t>(CAR) components </a:t>
                       </a:r>
                       <a:r>
                         <a:rPr lang="en-US" sz="1000" b="0" kern="1200" dirty="0">
@@ -5473,7 +5585,7 @@
                         <a:t> </a:t>
                       </a:r>
                       <a:r>
-                        <a:rPr lang="en-US" sz="1000" b="0" kern="1200" dirty="0">
+                        <a:rPr lang="en-US" sz="1000" b="0" i="1" kern="1200" dirty="0">
                           <a:solidFill>
                             <a:schemeClr val="tx1"/>
                           </a:solidFill>
@@ -5484,7 +5596,21 @@
                           <a:ea typeface="+mn-ea"/>
                           <a:cs typeface="+mn-cs"/>
                         </a:rPr>
-                        <a:t>Architecture Roadmap (CAR) components </a:t>
+                        <a:t>Architecture Roadmap </a:t>
+                      </a:r>
+                      <a:r>
+                        <a:rPr lang="en-US" sz="1000" b="0" kern="1200" dirty="0">
+                          <a:solidFill>
+                            <a:schemeClr val="tx1"/>
+                          </a:solidFill>
+                          <a:highlight>
+                            <a:srgbClr val="C98E37"/>
+                          </a:highlight>
+                          <a:latin typeface="+mn-lt"/>
+                          <a:ea typeface="+mn-ea"/>
+                          <a:cs typeface="+mn-cs"/>
+                        </a:rPr>
+                        <a:t>(CAR) components </a:t>
                       </a:r>
                       <a:r>
                         <a:rPr lang="en-US" sz="1000" b="0" kern="1200" dirty="0">
@@ -5684,7 +5810,35 @@
                           <a:ea typeface="+mn-ea"/>
                           <a:cs typeface="+mn-cs"/>
                         </a:rPr>
-                        <a:t>Candidate Architecture Roadmap (CAR) components </a:t>
+                        <a:t>Candidate </a:t>
+                      </a:r>
+                      <a:r>
+                        <a:rPr lang="en-US" sz="1000" b="0" i="1" kern="1200" dirty="0">
+                          <a:solidFill>
+                            <a:schemeClr val="tx1"/>
+                          </a:solidFill>
+                          <a:highlight>
+                            <a:srgbClr val="C98E37"/>
+                          </a:highlight>
+                          <a:latin typeface="+mn-lt"/>
+                          <a:ea typeface="+mn-ea"/>
+                          <a:cs typeface="+mn-cs"/>
+                        </a:rPr>
+                        <a:t>Architecture Roadmap </a:t>
+                      </a:r>
+                      <a:r>
+                        <a:rPr lang="en-US" sz="1000" b="0" kern="1200" dirty="0">
+                          <a:solidFill>
+                            <a:schemeClr val="tx1"/>
+                          </a:solidFill>
+                          <a:highlight>
+                            <a:srgbClr val="C98E37"/>
+                          </a:highlight>
+                          <a:latin typeface="+mn-lt"/>
+                          <a:ea typeface="+mn-ea"/>
+                          <a:cs typeface="+mn-cs"/>
+                        </a:rPr>
+                        <a:t>(CAR) components </a:t>
                       </a:r>
                       <a:r>
                         <a:rPr lang="en-US" sz="1000" b="0" kern="1200" dirty="0">
@@ -5934,7 +6088,35 @@
                           <a:ea typeface="+mn-ea"/>
                           <a:cs typeface="+mn-cs"/>
                         </a:rPr>
-                        <a:t>Candidate Architecture Roadmap (CAR) components </a:t>
+                        <a:t>Candidate </a:t>
+                      </a:r>
+                      <a:r>
+                        <a:rPr lang="en-US" sz="1000" b="0" i="1" kern="1200" dirty="0">
+                          <a:solidFill>
+                            <a:schemeClr val="tx1"/>
+                          </a:solidFill>
+                          <a:highlight>
+                            <a:srgbClr val="C98E37"/>
+                          </a:highlight>
+                          <a:latin typeface="+mn-lt"/>
+                          <a:ea typeface="+mn-ea"/>
+                          <a:cs typeface="+mn-cs"/>
+                        </a:rPr>
+                        <a:t>Architecture Roadmap </a:t>
+                      </a:r>
+                      <a:r>
+                        <a:rPr lang="en-US" sz="1000" b="0" kern="1200" dirty="0">
+                          <a:solidFill>
+                            <a:schemeClr val="tx1"/>
+                          </a:solidFill>
+                          <a:highlight>
+                            <a:srgbClr val="C98E37"/>
+                          </a:highlight>
+                          <a:latin typeface="+mn-lt"/>
+                          <a:ea typeface="+mn-ea"/>
+                          <a:cs typeface="+mn-cs"/>
+                        </a:rPr>
+                        <a:t>(CAR) components </a:t>
                       </a:r>
                       <a:r>
                         <a:rPr lang="en-US" sz="1000" b="0" kern="1200" dirty="0">
@@ -6159,6 +6341,17 @@
                         <a:t>Define the overall </a:t>
                       </a:r>
                       <a:r>
+                        <a:rPr lang="en-US" sz="1000" b="0" i="1" dirty="0">
+                          <a:solidFill>
+                            <a:schemeClr val="tx1"/>
+                          </a:solidFill>
+                          <a:highlight>
+                            <a:srgbClr val="C98E37"/>
+                          </a:highlight>
+                        </a:rPr>
+                        <a:t>Solution Building Blocks </a:t>
+                      </a:r>
+                      <a:r>
                         <a:rPr lang="en-US" sz="1000" b="0" dirty="0">
                           <a:solidFill>
                             <a:schemeClr val="tx1"/>
@@ -6167,7 +6360,7 @@
                             <a:srgbClr val="C98E37"/>
                           </a:highlight>
                         </a:rPr>
-                        <a:t>Solution Building Blocks (SBB) </a:t>
+                        <a:t>(SBB) </a:t>
                       </a:r>
                       <a:r>
                         <a:rPr lang="en-US" sz="1000" b="0" dirty="0">
@@ -6178,6 +6371,17 @@
                         <a:t>to finalize the Target Architecture based on the </a:t>
                       </a:r>
                       <a:r>
+                        <a:rPr lang="en-US" sz="1000" b="0" i="1" dirty="0">
+                          <a:solidFill>
+                            <a:schemeClr val="tx1"/>
+                          </a:solidFill>
+                          <a:highlight>
+                            <a:srgbClr val="C98E37"/>
+                          </a:highlight>
+                        </a:rPr>
+                        <a:t>Architecture Building Blocks </a:t>
+                      </a:r>
+                      <a:r>
                         <a:rPr lang="en-US" sz="1000" b="0" dirty="0">
                           <a:solidFill>
                             <a:schemeClr val="tx1"/>
@@ -6186,7 +6390,7 @@
                             <a:srgbClr val="C98E37"/>
                           </a:highlight>
                         </a:rPr>
-                        <a:t>Architecture Building Blocks (ABB)</a:t>
+                        <a:t>(ABB)</a:t>
                       </a:r>
                     </a:p>
                   </a:txBody>
